--- a/Node.js-Hands-on-Workshop 2025.pptx
+++ b/Node.js-Hands-on-Workshop 2025.pptx
@@ -5,7 +5,7 @@
     <p:sldMasterId id="2147483710" r:id="rId1"/>
   </p:sldMasterIdLst>
   <p:notesMasterIdLst>
-    <p:notesMasterId r:id="rId48"/>
+    <p:notesMasterId r:id="rId63"/>
   </p:notesMasterIdLst>
   <p:sldIdLst>
     <p:sldId id="281" r:id="rId2"/>
@@ -51,9 +51,24 @@
     <p:sldId id="499" r:id="rId42"/>
     <p:sldId id="500" r:id="rId43"/>
     <p:sldId id="506" r:id="rId44"/>
-    <p:sldId id="507" r:id="rId45"/>
-    <p:sldId id="508" r:id="rId46"/>
-    <p:sldId id="509" r:id="rId47"/>
+    <p:sldId id="308" r:id="rId45"/>
+    <p:sldId id="305" r:id="rId46"/>
+    <p:sldId id="307" r:id="rId47"/>
+    <p:sldId id="306" r:id="rId48"/>
+    <p:sldId id="309" r:id="rId49"/>
+    <p:sldId id="310" r:id="rId50"/>
+    <p:sldId id="311" r:id="rId51"/>
+    <p:sldId id="312" r:id="rId52"/>
+    <p:sldId id="313" r:id="rId53"/>
+    <p:sldId id="314" r:id="rId54"/>
+    <p:sldId id="315" r:id="rId55"/>
+    <p:sldId id="320" r:id="rId56"/>
+    <p:sldId id="316" r:id="rId57"/>
+    <p:sldId id="317" r:id="rId58"/>
+    <p:sldId id="318" r:id="rId59"/>
+    <p:sldId id="319" r:id="rId60"/>
+    <p:sldId id="508" r:id="rId61"/>
+    <p:sldId id="509" r:id="rId62"/>
   </p:sldIdLst>
   <p:sldSz cx="12192000" cy="6858000"/>
   <p:notesSz cx="6858000" cy="9144000"/>
@@ -242,7 +257,7 @@
           <a:p>
             <a:fld id="{61532AF1-4615-4667-912A-829B12F8C4D2}" type="datetimeFigureOut">
               <a:rPr lang="en-IN" smtClean="0"/>
-              <a:t>18-05-2025</a:t>
+              <a:t>19-05-2025</a:t>
             </a:fld>
             <a:endParaRPr lang="en-IN"/>
           </a:p>
@@ -659,7 +674,7 @@
           <a:p>
             <a:fld id="{C43A76A3-ADC8-4477-8FC1-B9DD55D84908}" type="datetime1">
               <a:rPr lang="en-US" smtClean="0"/>
-              <a:t>5/18/2025</a:t>
+              <a:t>5/19/2025</a:t>
             </a:fld>
             <a:endParaRPr lang="en-US" dirty="0"/>
           </a:p>
@@ -857,7 +872,7 @@
           <a:p>
             <a:fld id="{D6762538-DC4D-4667-96E5-B3278DDF8B12}" type="datetime1">
               <a:rPr lang="en-US" smtClean="0"/>
-              <a:t>5/18/2025</a:t>
+              <a:t>5/19/2025</a:t>
             </a:fld>
             <a:endParaRPr lang="en-US"/>
           </a:p>
@@ -1065,7 +1080,7 @@
           <a:p>
             <a:fld id="{05880548-5C08-4BE3-B63E-F2BB63B0B00C}" type="datetime1">
               <a:rPr lang="en-US" smtClean="0"/>
-              <a:t>5/18/2025</a:t>
+              <a:t>5/19/2025</a:t>
             </a:fld>
             <a:endParaRPr lang="en-US"/>
           </a:p>
@@ -1263,7 +1278,7 @@
           <a:p>
             <a:fld id="{DE7F49BE-398D-479A-8A7E-5DDBCA61EDCB}" type="datetime1">
               <a:rPr lang="en-US" smtClean="0"/>
-              <a:t>5/18/2025</a:t>
+              <a:t>5/19/2025</a:t>
             </a:fld>
             <a:endParaRPr lang="en-US" dirty="0"/>
           </a:p>
@@ -1539,7 +1554,7 @@
           <a:p>
             <a:fld id="{CCD0C193-4974-4A1F-9C63-07D595E30D66}" type="datetime1">
               <a:rPr lang="en-US" smtClean="0"/>
-              <a:t>5/18/2025</a:t>
+              <a:t>5/19/2025</a:t>
             </a:fld>
             <a:endParaRPr lang="en-US"/>
           </a:p>
@@ -1806,7 +1821,7 @@
           <a:p>
             <a:fld id="{701AA87F-28D4-4BF0-B81F-877A89DFD5AC}" type="datetime1">
               <a:rPr lang="en-US" smtClean="0"/>
-              <a:t>5/18/2025</a:t>
+              <a:t>5/19/2025</a:t>
             </a:fld>
             <a:endParaRPr lang="en-US"/>
           </a:p>
@@ -2220,7 +2235,7 @@
           <a:p>
             <a:fld id="{A8A9F1F3-208B-49A3-B337-9C8ACEB3E0E1}" type="datetime1">
               <a:rPr lang="en-US" smtClean="0"/>
-              <a:t>5/18/2025</a:t>
+              <a:t>5/19/2025</a:t>
             </a:fld>
             <a:endParaRPr lang="en-US"/>
           </a:p>
@@ -2367,7 +2382,7 @@
           <a:p>
             <a:fld id="{27AF6CA6-7293-4AA2-A0E0-A3BF4416E786}" type="datetime1">
               <a:rPr lang="en-US" smtClean="0"/>
-              <a:t>5/18/2025</a:t>
+              <a:t>5/19/2025</a:t>
             </a:fld>
             <a:endParaRPr lang="en-US"/>
           </a:p>
@@ -2480,7 +2495,7 @@
           <a:p>
             <a:fld id="{98D87016-7BCD-46FB-8EE3-AB6C369108B4}" type="datetime1">
               <a:rPr lang="en-US" smtClean="0"/>
-              <a:t>5/18/2025</a:t>
+              <a:t>5/19/2025</a:t>
             </a:fld>
             <a:endParaRPr lang="en-US"/>
           </a:p>
@@ -2799,7 +2814,7 @@
           <a:p>
             <a:fld id="{A1547011-1FFC-4EF8-9A2E-53B4AD2ADBD4}" type="datetime1">
               <a:rPr lang="en-US" smtClean="0"/>
-              <a:t>5/18/2025</a:t>
+              <a:t>5/19/2025</a:t>
             </a:fld>
             <a:endParaRPr lang="en-US"/>
           </a:p>
@@ -3094,7 +3109,7 @@
           <a:p>
             <a:fld id="{9562EB47-45B4-4EF5-A743-B4885DD2F060}" type="datetime1">
               <a:rPr lang="en-US" smtClean="0"/>
-              <a:t>5/18/2025</a:t>
+              <a:t>5/19/2025</a:t>
             </a:fld>
             <a:endParaRPr lang="en-US"/>
           </a:p>
@@ -4479,7 +4494,7 @@
           <a:p>
             <a:fld id="{4A8D24A4-5FEC-4062-8995-EB21925B3B40}" type="datetime1">
               <a:rPr lang="en-US" smtClean="0"/>
-              <a:t>5/18/2025</a:t>
+              <a:t>5/19/2025</a:t>
             </a:fld>
             <a:endParaRPr lang="en-US" sz="1000" dirty="0"/>
           </a:p>
@@ -22168,7 +22183,7 @@
         </p:spPr>
         <p:txBody>
           <a:bodyPr>
-            <a:normAutofit lnSpcReduction="10000"/>
+            <a:normAutofit fontScale="92500"/>
           </a:bodyPr>
           <a:lstStyle/>
           <a:p>
@@ -22605,18 +22620,66 @@
         </p:nvSpPr>
         <p:spPr>
           <a:xfrm>
-            <a:off x="777240" y="696686"/>
-            <a:ext cx="10659110" cy="5480277"/>
+            <a:off x="1384663" y="2438399"/>
+            <a:ext cx="9422674" cy="990601"/>
           </a:xfrm>
         </p:spPr>
         <p:txBody>
-          <a:bodyPr/>
+          <a:bodyPr>
+            <a:normAutofit/>
+          </a:bodyPr>
           <a:lstStyle/>
           <a:p>
             <a:pPr marL="0" indent="0">
               <a:buNone/>
             </a:pPr>
-            <a:endParaRPr lang="en-IN" dirty="0"/>
+            <a:r>
+              <a:rPr lang="en-IN" sz="4800" b="1" dirty="0">
+                <a:solidFill>
+                  <a:schemeClr val="tx2">
+                    <a:lumMod val="90000"/>
+                    <a:lumOff val="10000"/>
+                  </a:schemeClr>
+                </a:solidFill>
+                <a:effectLst/>
+                <a:latin typeface="Calibri" panose="020F0502020204030204" pitchFamily="34" charset="0"/>
+              </a:rPr>
+              <a:t>Install Node.js and intro to </a:t>
+            </a:r>
+            <a:r>
+              <a:rPr lang="en-US" sz="4800" b="1" dirty="0">
+                <a:solidFill>
+                  <a:schemeClr val="tx2">
+                    <a:lumMod val="90000"/>
+                    <a:lumOff val="10000"/>
+                  </a:schemeClr>
+                </a:solidFill>
+                <a:effectLst/>
+                <a:latin typeface="Calibri" panose="020F0502020204030204" pitchFamily="34" charset="0"/>
+              </a:rPr>
+              <a:t>node</a:t>
+            </a:r>
+            <a:r>
+              <a:rPr lang="en-IN" sz="4800" b="1" dirty="0">
+                <a:solidFill>
+                  <a:schemeClr val="tx2">
+                    <a:lumMod val="90000"/>
+                    <a:lumOff val="10000"/>
+                  </a:schemeClr>
+                </a:solidFill>
+                <a:effectLst/>
+                <a:latin typeface="Calibri" panose="020F0502020204030204" pitchFamily="34" charset="0"/>
+              </a:rPr>
+              <a:t> CLI</a:t>
+            </a:r>
+            <a:endParaRPr lang="en-IN" sz="4800" b="1" dirty="0">
+              <a:solidFill>
+                <a:schemeClr val="tx2">
+                  <a:lumMod val="90000"/>
+                  <a:lumOff val="10000"/>
+                </a:schemeClr>
+              </a:solidFill>
+            </a:endParaRPr>
           </a:p>
         </p:txBody>
       </p:sp>
@@ -22641,7 +22704,7 @@
         <p:cNvPr id="1" name="">
           <a:extLst>
             <a:ext uri="{FF2B5EF4-FFF2-40B4-BE49-F238E27FC236}">
-              <a16:creationId xmlns:a16="http://schemas.microsoft.com/office/drawing/2014/main" id="{AB7F369F-8BE7-516D-1870-00B214BCFA51}"/>
+              <a16:creationId xmlns:a16="http://schemas.microsoft.com/office/drawing/2014/main" id="{411A23EA-5BE3-4325-FB45-407037B6636A}"/>
             </a:ext>
           </a:extLst>
         </p:cNvPr>
@@ -22661,7 +22724,7 @@
           <p:cNvPr id="3" name="Content Placeholder 2">
             <a:extLst>
               <a:ext uri="{FF2B5EF4-FFF2-40B4-BE49-F238E27FC236}">
-                <a16:creationId xmlns:a16="http://schemas.microsoft.com/office/drawing/2014/main" id="{AB5A4649-1B15-D4C2-586D-89FA83D8E58D}"/>
+                <a16:creationId xmlns:a16="http://schemas.microsoft.com/office/drawing/2014/main" id="{3930EFCE-A9DF-CA23-1C35-577CE8BC4303}"/>
               </a:ext>
             </a:extLst>
           </p:cNvPr>
@@ -22674,25 +22737,39 @@
         </p:nvSpPr>
         <p:spPr>
           <a:xfrm>
-            <a:off x="777240" y="696686"/>
-            <a:ext cx="10659110" cy="5480277"/>
+            <a:off x="2288797" y="2695799"/>
+            <a:ext cx="7614405" cy="1466402"/>
           </a:xfrm>
         </p:spPr>
         <p:txBody>
-          <a:bodyPr/>
+          <a:bodyPr>
+            <a:normAutofit/>
+          </a:bodyPr>
           <a:lstStyle/>
           <a:p>
             <a:pPr marL="0" indent="0">
               <a:buNone/>
             </a:pPr>
-            <a:endParaRPr lang="en-IN" dirty="0"/>
+            <a:r>
+              <a:rPr lang="en-IN" sz="8000" b="1" dirty="0">
+                <a:solidFill>
+                  <a:srgbClr val="002060"/>
+                </a:solidFill>
+              </a:rPr>
+              <a:t>Node.js Modules</a:t>
+            </a:r>
+            <a:endParaRPr lang="en-IN" sz="8000" dirty="0">
+              <a:solidFill>
+                <a:srgbClr val="002060"/>
+              </a:solidFill>
+            </a:endParaRPr>
           </a:p>
         </p:txBody>
       </p:sp>
     </p:spTree>
     <p:extLst>
       <p:ext uri="{BB962C8B-B14F-4D97-AF65-F5344CB8AC3E}">
-        <p14:creationId xmlns:p14="http://schemas.microsoft.com/office/powerpoint/2010/main" val="624262902"/>
+        <p14:creationId xmlns:p14="http://schemas.microsoft.com/office/powerpoint/2010/main" val="2788973060"/>
       </p:ext>
     </p:extLst>
   </p:cSld>
@@ -22710,7 +22787,7 @@
         <p:cNvPr id="1" name="">
           <a:extLst>
             <a:ext uri="{FF2B5EF4-FFF2-40B4-BE49-F238E27FC236}">
-              <a16:creationId xmlns:a16="http://schemas.microsoft.com/office/drawing/2014/main" id="{70441439-3891-5CC4-962C-30F3CBA638C0}"/>
+              <a16:creationId xmlns:a16="http://schemas.microsoft.com/office/drawing/2014/main" id="{7F28BC62-331A-FB15-7F18-C40930764E6C}"/>
             </a:ext>
           </a:extLst>
         </p:cNvPr>
@@ -22730,7 +22807,7 @@
           <p:cNvPr id="3" name="Content Placeholder 2">
             <a:extLst>
               <a:ext uri="{FF2B5EF4-FFF2-40B4-BE49-F238E27FC236}">
-                <a16:creationId xmlns:a16="http://schemas.microsoft.com/office/drawing/2014/main" id="{35B3C3A0-EB4A-557D-827F-4B35A967E370}"/>
+                <a16:creationId xmlns:a16="http://schemas.microsoft.com/office/drawing/2014/main" id="{A1E639F5-0312-7890-75E1-2601F78906D8}"/>
               </a:ext>
             </a:extLst>
           </p:cNvPr>
@@ -22743,25 +22820,286 @@
         </p:nvSpPr>
         <p:spPr>
           <a:xfrm>
-            <a:off x="777240" y="696686"/>
-            <a:ext cx="10659110" cy="5480277"/>
+            <a:off x="777240" y="674914"/>
+            <a:ext cx="10659110" cy="5502049"/>
           </a:xfrm>
         </p:spPr>
         <p:txBody>
-          <a:bodyPr/>
+          <a:bodyPr>
+            <a:normAutofit/>
+          </a:bodyPr>
           <a:lstStyle/>
           <a:p>
             <a:pPr marL="0" indent="0">
               <a:buNone/>
             </a:pPr>
-            <a:endParaRPr lang="en-IN" dirty="0"/>
+            <a:r>
+              <a:rPr lang="en-IN" sz="2800" b="1" dirty="0"/>
+              <a:t>Module:</a:t>
+            </a:r>
+          </a:p>
+          <a:p>
+            <a:pPr marL="0" indent="0">
+              <a:buNone/>
+            </a:pPr>
+            <a:r>
+              <a:rPr lang="en-US" sz="2400" dirty="0"/>
+              <a:t>In </a:t>
+            </a:r>
+            <a:r>
+              <a:rPr lang="en-US" sz="2400" b="1" dirty="0"/>
+              <a:t>Node.js</a:t>
+            </a:r>
+            <a:r>
+              <a:rPr lang="en-US" sz="2400" dirty="0"/>
+              <a:t>, a </a:t>
+            </a:r>
+            <a:r>
+              <a:rPr lang="en-US" sz="2400" b="1" dirty="0"/>
+              <a:t>module</a:t>
+            </a:r>
+            <a:r>
+              <a:rPr lang="en-US" sz="2400" dirty="0"/>
+              <a:t> is a </a:t>
+            </a:r>
+            <a:r>
+              <a:rPr lang="en-US" sz="2400" b="1" dirty="0">
+                <a:solidFill>
+                  <a:srgbClr val="C00000"/>
+                </a:solidFill>
+              </a:rPr>
+              <a:t>reusable piece of code </a:t>
+            </a:r>
+            <a:r>
+              <a:rPr lang="en-US" sz="2400" dirty="0"/>
+              <a:t>that can be </a:t>
+            </a:r>
+            <a:r>
+              <a:rPr lang="en-US" sz="2400" b="1" dirty="0"/>
+              <a:t>exported</a:t>
+            </a:r>
+            <a:r>
+              <a:rPr lang="en-US" sz="2400" dirty="0"/>
+              <a:t> from one file and </a:t>
+            </a:r>
+            <a:r>
+              <a:rPr lang="en-US" sz="2400" b="1" dirty="0"/>
+              <a:t>imported</a:t>
+            </a:r>
+            <a:r>
+              <a:rPr lang="en-US" sz="2400" dirty="0"/>
+              <a:t> into another file. Modules are a fundamental aspect of Node.js that allow developers to </a:t>
+            </a:r>
+            <a:r>
+              <a:rPr lang="en-US" sz="2400" b="1" dirty="0"/>
+              <a:t>organize code </a:t>
+            </a:r>
+            <a:r>
+              <a:rPr lang="en-US" sz="2400" dirty="0"/>
+              <a:t>into </a:t>
+            </a:r>
+            <a:r>
+              <a:rPr lang="en-US" sz="2400" b="1" dirty="0">
+                <a:solidFill>
+                  <a:srgbClr val="C00000"/>
+                </a:solidFill>
+              </a:rPr>
+              <a:t>smaller</a:t>
+            </a:r>
+            <a:r>
+              <a:rPr lang="en-US" sz="2400" dirty="0"/>
+              <a:t>, </a:t>
+            </a:r>
+            <a:r>
+              <a:rPr lang="en-US" sz="2400" b="1" dirty="0">
+                <a:solidFill>
+                  <a:srgbClr val="C00000"/>
+                </a:solidFill>
+              </a:rPr>
+              <a:t>maintainable</a:t>
+            </a:r>
+            <a:r>
+              <a:rPr lang="en-US" sz="2400" dirty="0"/>
+              <a:t>, and </a:t>
+            </a:r>
+            <a:r>
+              <a:rPr lang="en-US" sz="2400" b="1" dirty="0">
+                <a:solidFill>
+                  <a:srgbClr val="C00000"/>
+                </a:solidFill>
+              </a:rPr>
+              <a:t>reusable</a:t>
+            </a:r>
+            <a:r>
+              <a:rPr lang="en-US" sz="2400" dirty="0"/>
+              <a:t> </a:t>
+            </a:r>
+            <a:r>
+              <a:rPr lang="en-US" sz="2400" b="1" dirty="0">
+                <a:solidFill>
+                  <a:srgbClr val="C00000"/>
+                </a:solidFill>
+              </a:rPr>
+              <a:t>chunks</a:t>
+            </a:r>
+            <a:r>
+              <a:rPr lang="en-US" sz="2400" dirty="0"/>
+              <a:t>.</a:t>
+            </a:r>
+          </a:p>
+          <a:p>
+            <a:r>
+              <a:rPr lang="en-US" sz="2400" dirty="0"/>
+              <a:t>A module in Node.js is a reusable block of code that encapsulates </a:t>
+            </a:r>
+            <a:r>
+              <a:rPr lang="en-US" sz="2400" b="1" dirty="0">
+                <a:solidFill>
+                  <a:srgbClr val="002060"/>
+                </a:solidFill>
+              </a:rPr>
+              <a:t>related functionality</a:t>
+            </a:r>
+            <a:r>
+              <a:rPr lang="en-US" sz="2400" dirty="0"/>
+              <a:t>.</a:t>
+            </a:r>
+          </a:p>
+          <a:p>
+            <a:r>
+              <a:rPr lang="en-US" sz="2400" dirty="0"/>
+              <a:t>Each module in Node.js has its own scope, so the </a:t>
+            </a:r>
+            <a:r>
+              <a:rPr lang="en-US" sz="2400" b="1" dirty="0"/>
+              <a:t>variables</a:t>
+            </a:r>
+            <a:r>
+              <a:rPr lang="en-US" sz="2400" dirty="0"/>
+              <a:t> and </a:t>
+            </a:r>
+            <a:r>
+              <a:rPr lang="en-US" sz="2400" b="1" dirty="0"/>
+              <a:t>functions</a:t>
+            </a:r>
+            <a:r>
+              <a:rPr lang="en-US" sz="2400" dirty="0"/>
+              <a:t> defined in a module are </a:t>
+            </a:r>
+            <a:r>
+              <a:rPr lang="en-US" sz="2400" b="1" dirty="0">
+                <a:solidFill>
+                  <a:srgbClr val="C00000"/>
+                </a:solidFill>
+              </a:rPr>
+              <a:t>private</a:t>
+            </a:r>
+            <a:r>
+              <a:rPr lang="en-US" sz="2400" b="1" dirty="0"/>
+              <a:t> to that module by default</a:t>
+            </a:r>
+            <a:r>
+              <a:rPr lang="en-US" sz="2400" dirty="0"/>
+              <a:t>.</a:t>
+            </a:r>
+          </a:p>
+          <a:p>
+            <a:r>
+              <a:rPr lang="en-US" sz="2400" dirty="0"/>
+              <a:t>A module is a </a:t>
+            </a:r>
+            <a:r>
+              <a:rPr lang="en-US" sz="2400" b="1" dirty="0">
+                <a:solidFill>
+                  <a:srgbClr val="00B050"/>
+                </a:solidFill>
+              </a:rPr>
+              <a:t>single JavaScript file </a:t>
+            </a:r>
+            <a:r>
+              <a:rPr lang="en-US" sz="2400" dirty="0"/>
+              <a:t>or a </a:t>
+            </a:r>
+            <a:r>
+              <a:rPr lang="en-US" sz="2400" b="1" dirty="0">
+                <a:solidFill>
+                  <a:srgbClr val="00B050"/>
+                </a:solidFill>
+              </a:rPr>
+              <a:t>collection of related files </a:t>
+            </a:r>
+            <a:r>
+              <a:rPr lang="en-US" sz="2400" dirty="0"/>
+              <a:t>that expose specific functionality through </a:t>
+            </a:r>
+            <a:r>
+              <a:rPr lang="en-US" sz="2400" b="1" dirty="0">
+                <a:solidFill>
+                  <a:srgbClr val="C00000"/>
+                </a:solidFill>
+              </a:rPr>
+              <a:t>exports</a:t>
+            </a:r>
+            <a:r>
+              <a:rPr lang="en-US" sz="2400" dirty="0"/>
+              <a:t> or </a:t>
+            </a:r>
+            <a:r>
+              <a:rPr lang="en-US" sz="2400" b="1" dirty="0" err="1">
+                <a:solidFill>
+                  <a:srgbClr val="C00000"/>
+                </a:solidFill>
+              </a:rPr>
+              <a:t>module.exports</a:t>
+            </a:r>
+            <a:r>
+              <a:rPr lang="en-US" sz="2400" dirty="0"/>
+              <a:t>.</a:t>
+            </a:r>
+          </a:p>
+          <a:p>
+            <a:r>
+              <a:rPr lang="en-US" sz="2400" dirty="0"/>
+              <a:t>In Node.js, </a:t>
+            </a:r>
+            <a:r>
+              <a:rPr lang="en-US" sz="2400" b="1" dirty="0"/>
+              <a:t>every JavaScript file is treated as a module</a:t>
+            </a:r>
+            <a:r>
+              <a:rPr lang="en-US" sz="2400" dirty="0"/>
+              <a:t>.</a:t>
+            </a:r>
+          </a:p>
+          <a:p>
+            <a:r>
+              <a:rPr lang="en-US" sz="2400" b="1" dirty="0"/>
+              <a:t>Example: </a:t>
+            </a:r>
+            <a:r>
+              <a:rPr lang="en-US" sz="2400" dirty="0"/>
+              <a:t>A file containing utility functions (</a:t>
+            </a:r>
+            <a:r>
+              <a:rPr lang="en-US" sz="2400" b="1" dirty="0">
+                <a:solidFill>
+                  <a:srgbClr val="C00000"/>
+                </a:solidFill>
+              </a:rPr>
+              <a:t>math.js</a:t>
+            </a:r>
+            <a:r>
+              <a:rPr lang="en-US" sz="2400" dirty="0"/>
+              <a:t>) or configurations.</a:t>
+            </a:r>
+            <a:endParaRPr lang="en-IN" sz="2400" dirty="0"/>
           </a:p>
         </p:txBody>
       </p:sp>
     </p:spTree>
     <p:extLst>
       <p:ext uri="{BB962C8B-B14F-4D97-AF65-F5344CB8AC3E}">
-        <p14:creationId xmlns:p14="http://schemas.microsoft.com/office/powerpoint/2010/main" val="1402782761"/>
+        <p14:creationId xmlns:p14="http://schemas.microsoft.com/office/powerpoint/2010/main" val="2706642426"/>
       </p:ext>
     </p:extLst>
   </p:cSld>
@@ -22779,7 +23117,141 @@
         <p:cNvPr id="1" name="">
           <a:extLst>
             <a:ext uri="{FF2B5EF4-FFF2-40B4-BE49-F238E27FC236}">
-              <a16:creationId xmlns:a16="http://schemas.microsoft.com/office/drawing/2014/main" id="{C41A460D-ECCD-26D1-1F94-BE84BBA9CB27}"/>
+              <a16:creationId xmlns:a16="http://schemas.microsoft.com/office/drawing/2014/main" id="{4F6237EC-61EF-F94D-9383-8E039C654DDA}"/>
+            </a:ext>
+          </a:extLst>
+        </p:cNvPr>
+        <p:cNvGrpSpPr/>
+        <p:nvPr/>
+      </p:nvGrpSpPr>
+      <p:grpSpPr>
+        <a:xfrm>
+          <a:off x="0" y="0"/>
+          <a:ext cx="0" cy="0"/>
+          <a:chOff x="0" y="0"/>
+          <a:chExt cx="0" cy="0"/>
+        </a:xfrm>
+      </p:grpSpPr>
+      <p:grpSp>
+        <p:nvGrpSpPr>
+          <p:cNvPr id="5" name="Group 4">
+            <a:extLst>
+              <a:ext uri="{FF2B5EF4-FFF2-40B4-BE49-F238E27FC236}">
+                <a16:creationId xmlns:a16="http://schemas.microsoft.com/office/drawing/2014/main" id="{4362A4D9-9A40-F5F8-8C0C-9FB5696131E2}"/>
+              </a:ext>
+            </a:extLst>
+          </p:cNvPr>
+          <p:cNvGrpSpPr/>
+          <p:nvPr/>
+        </p:nvGrpSpPr>
+        <p:grpSpPr>
+          <a:xfrm>
+            <a:off x="0" y="1148574"/>
+            <a:ext cx="12135910" cy="4103649"/>
+            <a:chOff x="0" y="1148574"/>
+            <a:chExt cx="12135910" cy="4103649"/>
+          </a:xfrm>
+        </p:grpSpPr>
+        <p:pic>
+          <p:nvPicPr>
+            <p:cNvPr id="2050" name="Picture 2" descr="Node.JS Modules - Parameters, Types, and Creating - Intellipaat">
+              <a:extLst>
+                <a:ext uri="{FF2B5EF4-FFF2-40B4-BE49-F238E27FC236}">
+                  <a16:creationId xmlns:a16="http://schemas.microsoft.com/office/drawing/2014/main" id="{90C00D3E-F5D2-8F82-BA82-322A7EC64A62}"/>
+                </a:ext>
+              </a:extLst>
+            </p:cNvPr>
+            <p:cNvPicPr>
+              <a:picLocks noChangeAspect="1" noChangeArrowheads="1"/>
+            </p:cNvPicPr>
+            <p:nvPr/>
+          </p:nvPicPr>
+          <p:blipFill>
+            <a:blip r:embed="rId2">
+              <a:extLst>
+                <a:ext uri="{28A0092B-C50C-407E-A947-70E740481C1C}">
+                  <a14:useLocalDpi xmlns:a14="http://schemas.microsoft.com/office/drawing/2010/main" val="0"/>
+                </a:ext>
+              </a:extLst>
+            </a:blip>
+            <a:srcRect/>
+            <a:stretch>
+              <a:fillRect/>
+            </a:stretch>
+          </p:blipFill>
+          <p:spPr bwMode="auto">
+            <a:xfrm>
+              <a:off x="0" y="1148574"/>
+              <a:ext cx="12135910" cy="4103649"/>
+            </a:xfrm>
+            <a:prstGeom prst="rect">
+              <a:avLst/>
+            </a:prstGeom>
+            <a:noFill/>
+            <a:extLst>
+              <a:ext uri="{909E8E84-426E-40DD-AFC4-6F175D3DCCD1}">
+                <a14:hiddenFill xmlns:a14="http://schemas.microsoft.com/office/drawing/2010/main">
+                  <a:solidFill>
+                    <a:srgbClr val="FFFFFF"/>
+                  </a:solidFill>
+                </a14:hiddenFill>
+              </a:ext>
+            </a:extLst>
+          </p:spPr>
+        </p:pic>
+        <p:pic>
+          <p:nvPicPr>
+            <p:cNvPr id="4" name="Picture 3">
+              <a:extLst>
+                <a:ext uri="{FF2B5EF4-FFF2-40B4-BE49-F238E27FC236}">
+                  <a16:creationId xmlns:a16="http://schemas.microsoft.com/office/drawing/2014/main" id="{AE6BC161-F270-7D39-9580-F903F1936896}"/>
+                </a:ext>
+              </a:extLst>
+            </p:cNvPr>
+            <p:cNvPicPr>
+              <a:picLocks noChangeAspect="1"/>
+            </p:cNvPicPr>
+            <p:nvPr/>
+          </p:nvPicPr>
+          <p:blipFill>
+            <a:blip r:embed="rId3"/>
+            <a:stretch>
+              <a:fillRect/>
+            </a:stretch>
+          </p:blipFill>
+          <p:spPr>
+            <a:xfrm>
+              <a:off x="10055762" y="1154150"/>
+              <a:ext cx="2009524" cy="752381"/>
+            </a:xfrm>
+            <a:prstGeom prst="rect">
+              <a:avLst/>
+            </a:prstGeom>
+          </p:spPr>
+        </p:pic>
+      </p:grpSp>
+    </p:spTree>
+    <p:extLst>
+      <p:ext uri="{BB962C8B-B14F-4D97-AF65-F5344CB8AC3E}">
+        <p14:creationId xmlns:p14="http://schemas.microsoft.com/office/powerpoint/2010/main" val="73976908"/>
+      </p:ext>
+    </p:extLst>
+  </p:cSld>
+  <p:clrMapOvr>
+    <a:masterClrMapping/>
+  </p:clrMapOvr>
+</p:sld>
+</file>
+
+<file path=ppt/slides/slide47.xml><?xml version="1.0" encoding="utf-8"?>
+<p:sld xmlns:a="http://schemas.openxmlformats.org/drawingml/2006/main" xmlns:r="http://schemas.openxmlformats.org/officeDocument/2006/relationships" xmlns:p="http://schemas.openxmlformats.org/presentationml/2006/main">
+  <p:cSld>
+    <p:spTree>
+      <p:nvGrpSpPr>
+        <p:cNvPr id="1" name="">
+          <a:extLst>
+            <a:ext uri="{FF2B5EF4-FFF2-40B4-BE49-F238E27FC236}">
+              <a16:creationId xmlns:a16="http://schemas.microsoft.com/office/drawing/2014/main" id="{30A4FD42-C5AA-188E-045F-B73CB14439A9}"/>
             </a:ext>
           </a:extLst>
         </p:cNvPr>
@@ -22799,7 +23271,7 @@
           <p:cNvPr id="3" name="Content Placeholder 2">
             <a:extLst>
               <a:ext uri="{FF2B5EF4-FFF2-40B4-BE49-F238E27FC236}">
-                <a16:creationId xmlns:a16="http://schemas.microsoft.com/office/drawing/2014/main" id="{34D734FE-2B30-B1F2-B8D1-D762C61E7804}"/>
+                <a16:creationId xmlns:a16="http://schemas.microsoft.com/office/drawing/2014/main" id="{6A33E1D5-CA5D-7393-4CE8-623A831841B0}"/>
               </a:ext>
             </a:extLst>
           </p:cNvPr>
@@ -22812,25 +23284,695 @@
         </p:nvSpPr>
         <p:spPr>
           <a:xfrm>
-            <a:off x="777240" y="696686"/>
-            <a:ext cx="10659110" cy="5480277"/>
+            <a:off x="777240" y="968828"/>
+            <a:ext cx="11120846" cy="4147457"/>
           </a:xfrm>
         </p:spPr>
         <p:txBody>
-          <a:bodyPr/>
+          <a:bodyPr>
+            <a:normAutofit/>
+          </a:bodyPr>
           <a:lstStyle/>
           <a:p>
             <a:pPr marL="0" indent="0">
               <a:buNone/>
             </a:pPr>
-            <a:endParaRPr lang="en-IN" dirty="0"/>
+            <a:r>
+              <a:rPr lang="en-US" sz="2800" b="1" dirty="0"/>
+              <a:t>Types of Modules in Node.js:</a:t>
+            </a:r>
+          </a:p>
+          <a:p>
+            <a:pPr marL="0" indent="0">
+              <a:buNone/>
+            </a:pPr>
+            <a:r>
+              <a:rPr lang="en-US" sz="2400" b="1" dirty="0"/>
+              <a:t>1. Core Modules: </a:t>
+            </a:r>
+            <a:r>
+              <a:rPr lang="en-US" sz="2400" dirty="0"/>
+              <a:t>These are modules that are </a:t>
+            </a:r>
+            <a:r>
+              <a:rPr lang="en-US" sz="2400" b="1" dirty="0">
+                <a:solidFill>
+                  <a:srgbClr val="C00000"/>
+                </a:solidFill>
+              </a:rPr>
+              <a:t>included with Node.js </a:t>
+            </a:r>
+            <a:r>
+              <a:rPr lang="en-US" sz="2400" dirty="0"/>
+              <a:t>and provide basic functionality. Examples include fs (file system), http (HTTP server), </a:t>
+            </a:r>
+            <a:r>
+              <a:rPr lang="en-US" sz="2400" dirty="0" err="1"/>
+              <a:t>os</a:t>
+            </a:r>
+            <a:r>
+              <a:rPr lang="en-US" sz="2400" dirty="0"/>
+              <a:t> (operating system), etc. </a:t>
+            </a:r>
+          </a:p>
+          <a:p>
+            <a:pPr marL="0" indent="0">
+              <a:buNone/>
+            </a:pPr>
+            <a:r>
+              <a:rPr lang="en-US" sz="2400" b="1" dirty="0"/>
+              <a:t>2. Local Modules: </a:t>
+            </a:r>
+            <a:r>
+              <a:rPr lang="en-US" sz="2400" dirty="0"/>
+              <a:t>These are modules that </a:t>
+            </a:r>
+            <a:r>
+              <a:rPr lang="en-US" sz="2400" b="1" dirty="0">
+                <a:solidFill>
+                  <a:srgbClr val="C00000"/>
+                </a:solidFill>
+              </a:rPr>
+              <a:t>you create </a:t>
+            </a:r>
+            <a:r>
+              <a:rPr lang="en-US" sz="2400" dirty="0"/>
+              <a:t>in your Node.js application. You can create a local module by defining a JavaScript file and using </a:t>
+            </a:r>
+            <a:r>
+              <a:rPr lang="en-US" sz="2400" b="1" dirty="0" err="1"/>
+              <a:t>module.exports</a:t>
+            </a:r>
+            <a:r>
+              <a:rPr lang="en-US" sz="2400" b="1" dirty="0"/>
+              <a:t> </a:t>
+            </a:r>
+            <a:r>
+              <a:rPr lang="en-US" sz="2400" dirty="0"/>
+              <a:t>to export functions or objects from that file. </a:t>
+            </a:r>
+          </a:p>
+          <a:p>
+            <a:pPr marL="0" indent="0">
+              <a:buNone/>
+            </a:pPr>
+            <a:r>
+              <a:rPr lang="en-US" sz="2400" b="1" dirty="0"/>
+              <a:t>3. Third-party Modules: </a:t>
+            </a:r>
+            <a:r>
+              <a:rPr lang="en-US" sz="2400" dirty="0"/>
+              <a:t>These are modules created by </a:t>
+            </a:r>
+            <a:r>
+              <a:rPr lang="en-US" sz="2400" b="1" dirty="0">
+                <a:solidFill>
+                  <a:srgbClr val="C00000"/>
+                </a:solidFill>
+              </a:rPr>
+              <a:t>third-party developers </a:t>
+            </a:r>
+            <a:r>
+              <a:rPr lang="en-US" sz="2400" dirty="0"/>
+              <a:t>and are </a:t>
+            </a:r>
+            <a:r>
+              <a:rPr lang="en-US" sz="2400" b="1" dirty="0">
+                <a:solidFill>
+                  <a:srgbClr val="C00000"/>
+                </a:solidFill>
+              </a:rPr>
+              <a:t>not included with Node.js</a:t>
+            </a:r>
+            <a:r>
+              <a:rPr lang="en-US" sz="2400" dirty="0"/>
+              <a:t>. You can install third-party modules using </a:t>
+            </a:r>
+            <a:r>
+              <a:rPr lang="en-US" sz="2400" b="1" dirty="0" err="1">
+                <a:solidFill>
+                  <a:srgbClr val="C00000"/>
+                </a:solidFill>
+              </a:rPr>
+              <a:t>npm</a:t>
+            </a:r>
+            <a:r>
+              <a:rPr lang="en-US" sz="2400" dirty="0"/>
+              <a:t> (Node Package Manager) and then use </a:t>
+            </a:r>
+            <a:r>
+              <a:rPr lang="en-US" sz="2400" b="1" dirty="0">
+                <a:solidFill>
+                  <a:srgbClr val="C00000"/>
+                </a:solidFill>
+              </a:rPr>
+              <a:t>require() </a:t>
+            </a:r>
+            <a:r>
+              <a:rPr lang="en-US" sz="2400" dirty="0"/>
+              <a:t>to include them in your application.</a:t>
+            </a:r>
+            <a:endParaRPr lang="en-IN" sz="2400" dirty="0"/>
           </a:p>
         </p:txBody>
       </p:sp>
     </p:spTree>
     <p:extLst>
       <p:ext uri="{BB962C8B-B14F-4D97-AF65-F5344CB8AC3E}">
-        <p14:creationId xmlns:p14="http://schemas.microsoft.com/office/powerpoint/2010/main" val="3717541931"/>
+        <p14:creationId xmlns:p14="http://schemas.microsoft.com/office/powerpoint/2010/main" val="3332929625"/>
+      </p:ext>
+    </p:extLst>
+  </p:cSld>
+  <p:clrMapOvr>
+    <a:masterClrMapping/>
+  </p:clrMapOvr>
+</p:sld>
+</file>
+
+<file path=ppt/slides/slide48.xml><?xml version="1.0" encoding="utf-8"?>
+<p:sld xmlns:a="http://schemas.openxmlformats.org/drawingml/2006/main" xmlns:r="http://schemas.openxmlformats.org/officeDocument/2006/relationships" xmlns:p="http://schemas.openxmlformats.org/presentationml/2006/main">
+  <p:cSld>
+    <p:spTree>
+      <p:nvGrpSpPr>
+        <p:cNvPr id="1" name="">
+          <a:extLst>
+            <a:ext uri="{FF2B5EF4-FFF2-40B4-BE49-F238E27FC236}">
+              <a16:creationId xmlns:a16="http://schemas.microsoft.com/office/drawing/2014/main" id="{F90520F2-CA84-17AF-6B6B-587BC8BCEB12}"/>
+            </a:ext>
+          </a:extLst>
+        </p:cNvPr>
+        <p:cNvGrpSpPr/>
+        <p:nvPr/>
+      </p:nvGrpSpPr>
+      <p:grpSpPr>
+        <a:xfrm>
+          <a:off x="0" y="0"/>
+          <a:ext cx="0" cy="0"/>
+          <a:chOff x="0" y="0"/>
+          <a:chExt cx="0" cy="0"/>
+        </a:xfrm>
+      </p:grpSpPr>
+      <p:sp>
+        <p:nvSpPr>
+          <p:cNvPr id="3" name="Content Placeholder 2">
+            <a:extLst>
+              <a:ext uri="{FF2B5EF4-FFF2-40B4-BE49-F238E27FC236}">
+                <a16:creationId xmlns:a16="http://schemas.microsoft.com/office/drawing/2014/main" id="{B3E740B7-3016-3ABF-8912-284FC640E81B}"/>
+              </a:ext>
+            </a:extLst>
+          </p:cNvPr>
+          <p:cNvSpPr>
+            <a:spLocks noGrp="1"/>
+          </p:cNvSpPr>
+          <p:nvPr>
+            <p:ph idx="1"/>
+          </p:nvPr>
+        </p:nvSpPr>
+        <p:spPr>
+          <a:xfrm>
+            <a:off x="777240" y="674914"/>
+            <a:ext cx="10659110" cy="5627915"/>
+          </a:xfrm>
+        </p:spPr>
+        <p:txBody>
+          <a:bodyPr>
+            <a:normAutofit/>
+          </a:bodyPr>
+          <a:lstStyle/>
+          <a:p>
+            <a:pPr marL="0" indent="0">
+              <a:buNone/>
+            </a:pPr>
+            <a:r>
+              <a:rPr lang="en-US" sz="2800" b="1" dirty="0"/>
+              <a:t>Core Modules</a:t>
+            </a:r>
+            <a:r>
+              <a:rPr lang="en-US" sz="2800" dirty="0"/>
+              <a:t> :</a:t>
+            </a:r>
+          </a:p>
+          <a:p>
+            <a:pPr marL="0" indent="0">
+              <a:buNone/>
+            </a:pPr>
+            <a:r>
+              <a:rPr lang="en-US" sz="2400" dirty="0"/>
+              <a:t>In Node.js, </a:t>
+            </a:r>
+            <a:r>
+              <a:rPr lang="en-US" sz="2400" b="1" dirty="0"/>
+              <a:t>Core Modules</a:t>
+            </a:r>
+            <a:r>
+              <a:rPr lang="en-US" sz="2400" dirty="0"/>
+              <a:t> are the </a:t>
+            </a:r>
+            <a:r>
+              <a:rPr lang="en-US" sz="2400" b="1" dirty="0">
+                <a:solidFill>
+                  <a:srgbClr val="C00000"/>
+                </a:solidFill>
+              </a:rPr>
+              <a:t>built-in modules </a:t>
+            </a:r>
+            <a:r>
+              <a:rPr lang="en-US" sz="2400" dirty="0"/>
+              <a:t>that come </a:t>
+            </a:r>
+            <a:r>
+              <a:rPr lang="en-US" sz="2400" b="1" dirty="0">
+                <a:solidFill>
+                  <a:srgbClr val="C00000"/>
+                </a:solidFill>
+              </a:rPr>
+              <a:t>pre-installed with Node.js</a:t>
+            </a:r>
+            <a:r>
+              <a:rPr lang="en-US" sz="2400" dirty="0"/>
+              <a:t>. These modules provide </a:t>
+            </a:r>
+            <a:r>
+              <a:rPr lang="en-US" sz="2400" b="1" dirty="0"/>
+              <a:t>essential functionalities </a:t>
+            </a:r>
+            <a:r>
+              <a:rPr lang="en-US" sz="2400" dirty="0"/>
+              <a:t>for building applications and </a:t>
+            </a:r>
+            <a:r>
+              <a:rPr lang="en-US" sz="2400" b="1" dirty="0">
+                <a:solidFill>
+                  <a:srgbClr val="002060"/>
+                </a:solidFill>
+              </a:rPr>
+              <a:t>eliminate</a:t>
+            </a:r>
+            <a:r>
+              <a:rPr lang="en-US" sz="2400" b="1" dirty="0"/>
+              <a:t> the need for </a:t>
+            </a:r>
+            <a:r>
+              <a:rPr lang="en-US" sz="2400" b="1" dirty="0">
+                <a:solidFill>
+                  <a:srgbClr val="002060"/>
+                </a:solidFill>
+              </a:rPr>
+              <a:t>additional installation</a:t>
+            </a:r>
+            <a:r>
+              <a:rPr lang="en-US" sz="2400" dirty="0"/>
+              <a:t>. They are designed to perform various tasks such as </a:t>
+            </a:r>
+            <a:r>
+              <a:rPr lang="en-US" sz="2400" b="1" dirty="0"/>
+              <a:t>file handling</a:t>
+            </a:r>
+            <a:r>
+              <a:rPr lang="en-US" sz="2400" dirty="0"/>
+              <a:t>, </a:t>
+            </a:r>
+            <a:r>
+              <a:rPr lang="en-US" sz="2400" b="1" dirty="0"/>
+              <a:t>HTTP</a:t>
+            </a:r>
+            <a:r>
+              <a:rPr lang="en-US" sz="2400" dirty="0"/>
+              <a:t> </a:t>
+            </a:r>
+            <a:r>
+              <a:rPr lang="en-US" sz="2400" b="1" dirty="0"/>
+              <a:t>operations</a:t>
+            </a:r>
+            <a:r>
+              <a:rPr lang="en-US" sz="2400" dirty="0"/>
+              <a:t>, </a:t>
+            </a:r>
+            <a:r>
+              <a:rPr lang="en-US" sz="2400" b="1" dirty="0"/>
+              <a:t>cryptography</a:t>
+            </a:r>
+            <a:r>
+              <a:rPr lang="en-US" sz="2400" dirty="0"/>
+              <a:t>, </a:t>
+            </a:r>
+            <a:r>
+              <a:rPr lang="en-US" sz="2400" b="1" dirty="0"/>
+              <a:t>stream</a:t>
+            </a:r>
+            <a:r>
+              <a:rPr lang="en-US" sz="2400" dirty="0"/>
+              <a:t> </a:t>
+            </a:r>
+            <a:r>
+              <a:rPr lang="en-US" sz="2400" b="1" dirty="0"/>
+              <a:t>handling</a:t>
+            </a:r>
+            <a:r>
+              <a:rPr lang="en-US" sz="2400" dirty="0"/>
+              <a:t>, and more.</a:t>
+            </a:r>
+            <a:endParaRPr lang="en-US" sz="2400" b="1" dirty="0"/>
+          </a:p>
+          <a:p>
+            <a:pPr marL="0" indent="0">
+              <a:buNone/>
+            </a:pPr>
+            <a:r>
+              <a:rPr lang="en-US" sz="2400" b="1" dirty="0"/>
+              <a:t>Key Features of Core Modules</a:t>
+            </a:r>
+          </a:p>
+          <a:p>
+            <a:pPr>
+              <a:buFont typeface="+mj-lt"/>
+              <a:buAutoNum type="arabicPeriod"/>
+            </a:pPr>
+            <a:r>
+              <a:rPr lang="en-US" sz="2400" b="1" dirty="0"/>
+              <a:t> No Installation Needed</a:t>
+            </a:r>
+            <a:r>
+              <a:rPr lang="en-US" sz="2400" dirty="0"/>
+              <a:t>: Core modules are </a:t>
+            </a:r>
+            <a:r>
+              <a:rPr lang="en-US" sz="2400" b="1" dirty="0">
+                <a:solidFill>
+                  <a:srgbClr val="002060"/>
+                </a:solidFill>
+              </a:rPr>
+              <a:t>part of the Node.js </a:t>
+            </a:r>
+            <a:r>
+              <a:rPr lang="en-US" sz="2400" b="1" dirty="0">
+                <a:solidFill>
+                  <a:srgbClr val="C00000"/>
+                </a:solidFill>
+              </a:rPr>
+              <a:t>runtime</a:t>
+            </a:r>
+            <a:r>
+              <a:rPr lang="en-US" sz="2400" b="1" dirty="0">
+                <a:solidFill>
+                  <a:srgbClr val="002060"/>
+                </a:solidFill>
+              </a:rPr>
+              <a:t> </a:t>
+            </a:r>
+            <a:r>
+              <a:rPr lang="en-US" sz="2400" dirty="0"/>
+              <a:t>and can be used directly without installing any additional packages.</a:t>
+            </a:r>
+          </a:p>
+          <a:p>
+            <a:pPr>
+              <a:buFont typeface="+mj-lt"/>
+              <a:buAutoNum type="arabicPeriod"/>
+            </a:pPr>
+            <a:r>
+              <a:rPr lang="en-US" sz="2400" b="1" dirty="0"/>
+              <a:t> High Performance</a:t>
+            </a:r>
+            <a:r>
+              <a:rPr lang="en-US" sz="2400" dirty="0"/>
+              <a:t>: These modules are written in </a:t>
+            </a:r>
+            <a:r>
+              <a:rPr lang="en-US" sz="2400" b="1" dirty="0">
+                <a:solidFill>
+                  <a:srgbClr val="002060"/>
+                </a:solidFill>
+              </a:rPr>
+              <a:t>C++ </a:t>
+            </a:r>
+            <a:r>
+              <a:rPr lang="en-US" sz="2400" dirty="0"/>
+              <a:t>for better performance and are optimized for Node.js.</a:t>
+            </a:r>
+          </a:p>
+          <a:p>
+            <a:pPr>
+              <a:buFont typeface="+mj-lt"/>
+              <a:buAutoNum type="arabicPeriod"/>
+            </a:pPr>
+            <a:r>
+              <a:rPr lang="en-US" sz="2400" b="1" dirty="0"/>
+              <a:t> Global Availability</a:t>
+            </a:r>
+            <a:r>
+              <a:rPr lang="en-US" sz="2400" dirty="0"/>
+              <a:t>: Core modules can be imported and used in any Node.js application.</a:t>
+            </a:r>
+          </a:p>
+          <a:p>
+            <a:pPr>
+              <a:buFont typeface="+mj-lt"/>
+              <a:buAutoNum type="arabicPeriod"/>
+            </a:pPr>
+            <a:r>
+              <a:rPr lang="en-US" sz="2400" b="1" dirty="0"/>
+              <a:t> Common Core Modules: </a:t>
+            </a:r>
+            <a:r>
+              <a:rPr lang="en-US" sz="2400" dirty="0"/>
+              <a:t>fs(File System), http, </a:t>
+            </a:r>
+            <a:r>
+              <a:rPr lang="en-US" sz="2400" dirty="0" err="1"/>
+              <a:t>url</a:t>
+            </a:r>
+            <a:r>
+              <a:rPr lang="en-US" sz="2400" dirty="0"/>
+              <a:t>, path, </a:t>
+            </a:r>
+            <a:r>
+              <a:rPr lang="en-US" sz="2400" dirty="0" err="1"/>
+              <a:t>os</a:t>
+            </a:r>
+            <a:r>
+              <a:rPr lang="en-US" sz="2400" dirty="0"/>
+              <a:t> </a:t>
+            </a:r>
+          </a:p>
+          <a:p>
+            <a:pPr marL="0" indent="0">
+              <a:buNone/>
+            </a:pPr>
+            <a:endParaRPr lang="en-IN" sz="2400" dirty="0"/>
+          </a:p>
+        </p:txBody>
+      </p:sp>
+    </p:spTree>
+    <p:extLst>
+      <p:ext uri="{BB962C8B-B14F-4D97-AF65-F5344CB8AC3E}">
+        <p14:creationId xmlns:p14="http://schemas.microsoft.com/office/powerpoint/2010/main" val="2300769400"/>
+      </p:ext>
+    </p:extLst>
+  </p:cSld>
+  <p:clrMapOvr>
+    <a:masterClrMapping/>
+  </p:clrMapOvr>
+</p:sld>
+</file>
+
+<file path=ppt/slides/slide49.xml><?xml version="1.0" encoding="utf-8"?>
+<p:sld xmlns:a="http://schemas.openxmlformats.org/drawingml/2006/main" xmlns:r="http://schemas.openxmlformats.org/officeDocument/2006/relationships" xmlns:p="http://schemas.openxmlformats.org/presentationml/2006/main">
+  <p:cSld>
+    <p:spTree>
+      <p:nvGrpSpPr>
+        <p:cNvPr id="1" name="">
+          <a:extLst>
+            <a:ext uri="{FF2B5EF4-FFF2-40B4-BE49-F238E27FC236}">
+              <a16:creationId xmlns:a16="http://schemas.microsoft.com/office/drawing/2014/main" id="{53EC6DE7-7FC9-1236-DA94-8D4B4BE08AC6}"/>
+            </a:ext>
+          </a:extLst>
+        </p:cNvPr>
+        <p:cNvGrpSpPr/>
+        <p:nvPr/>
+      </p:nvGrpSpPr>
+      <p:grpSpPr>
+        <a:xfrm>
+          <a:off x="0" y="0"/>
+          <a:ext cx="0" cy="0"/>
+          <a:chOff x="0" y="0"/>
+          <a:chExt cx="0" cy="0"/>
+        </a:xfrm>
+      </p:grpSpPr>
+      <p:sp>
+        <p:nvSpPr>
+          <p:cNvPr id="3" name="Content Placeholder 2">
+            <a:extLst>
+              <a:ext uri="{FF2B5EF4-FFF2-40B4-BE49-F238E27FC236}">
+                <a16:creationId xmlns:a16="http://schemas.microsoft.com/office/drawing/2014/main" id="{0A2E6B69-87AA-BAD3-6374-33CF86703D7D}"/>
+              </a:ext>
+            </a:extLst>
+          </p:cNvPr>
+          <p:cNvSpPr>
+            <a:spLocks noGrp="1"/>
+          </p:cNvSpPr>
+          <p:nvPr>
+            <p:ph idx="1"/>
+          </p:nvPr>
+        </p:nvSpPr>
+        <p:spPr>
+          <a:xfrm>
+            <a:off x="777240" y="674914"/>
+            <a:ext cx="10659110" cy="5502049"/>
+          </a:xfrm>
+        </p:spPr>
+        <p:txBody>
+          <a:bodyPr>
+            <a:normAutofit/>
+          </a:bodyPr>
+          <a:lstStyle/>
+          <a:p>
+            <a:pPr marL="0" indent="0">
+              <a:buNone/>
+            </a:pPr>
+            <a:r>
+              <a:rPr lang="en-US" sz="2400" b="1" dirty="0"/>
+              <a:t>Using Core Modules:</a:t>
+            </a:r>
+          </a:p>
+          <a:p>
+            <a:pPr marL="0" indent="0">
+              <a:buNone/>
+            </a:pPr>
+            <a:r>
+              <a:rPr lang="en-US" sz="2400" dirty="0"/>
+              <a:t>To use a core module in Node.js, you import it using the </a:t>
+            </a:r>
+            <a:r>
+              <a:rPr lang="en-US" sz="2400" b="1" dirty="0">
+                <a:solidFill>
+                  <a:srgbClr val="C00000"/>
+                </a:solidFill>
+              </a:rPr>
+              <a:t>require</a:t>
+            </a:r>
+            <a:r>
+              <a:rPr lang="en-US" sz="2400" b="1" dirty="0"/>
+              <a:t>() function </a:t>
+            </a:r>
+            <a:r>
+              <a:rPr lang="en-US" sz="2400" dirty="0"/>
+              <a:t>or </a:t>
+            </a:r>
+            <a:r>
+              <a:rPr lang="en-US" sz="2400" b="1" dirty="0"/>
+              <a:t>import </a:t>
+            </a:r>
+            <a:r>
+              <a:rPr lang="en-US" sz="2400" dirty="0"/>
+              <a:t>Keyword:</a:t>
+            </a:r>
+          </a:p>
+          <a:p>
+            <a:pPr marL="0" indent="0">
+              <a:buNone/>
+            </a:pPr>
+            <a:endParaRPr lang="en-US" sz="2400" dirty="0"/>
+          </a:p>
+          <a:p>
+            <a:pPr marL="0" indent="0">
+              <a:buNone/>
+            </a:pPr>
+            <a:endParaRPr lang="en-US" sz="2400" dirty="0"/>
+          </a:p>
+          <a:p>
+            <a:pPr marL="0" indent="0">
+              <a:buNone/>
+            </a:pPr>
+            <a:endParaRPr lang="en-US" sz="2400" dirty="0"/>
+          </a:p>
+          <a:p>
+            <a:pPr marL="0" indent="0">
+              <a:buNone/>
+            </a:pPr>
+            <a:endParaRPr lang="en-US" sz="2400" dirty="0"/>
+          </a:p>
+          <a:p>
+            <a:pPr marL="0" indent="0">
+              <a:buNone/>
+            </a:pPr>
+            <a:r>
+              <a:rPr lang="en-US" sz="2400" b="1" dirty="0"/>
+              <a:t>OR</a:t>
+            </a:r>
+          </a:p>
+          <a:p>
+            <a:pPr marL="0" indent="0">
+              <a:buNone/>
+            </a:pPr>
+            <a:endParaRPr lang="en-IN" sz="2400" dirty="0"/>
+          </a:p>
+        </p:txBody>
+      </p:sp>
+      <p:pic>
+        <p:nvPicPr>
+          <p:cNvPr id="4" name="Picture 3">
+            <a:extLst>
+              <a:ext uri="{FF2B5EF4-FFF2-40B4-BE49-F238E27FC236}">
+                <a16:creationId xmlns:a16="http://schemas.microsoft.com/office/drawing/2014/main" id="{63C4618B-96C6-E471-F325-AACDAE3E2924}"/>
+              </a:ext>
+            </a:extLst>
+          </p:cNvPr>
+          <p:cNvPicPr>
+            <a:picLocks noChangeAspect="1"/>
+          </p:cNvPicPr>
+          <p:nvPr/>
+        </p:nvPicPr>
+        <p:blipFill>
+          <a:blip r:embed="rId2"/>
+          <a:stretch>
+            <a:fillRect/>
+          </a:stretch>
+        </p:blipFill>
+        <p:spPr>
+          <a:xfrm>
+            <a:off x="1356457" y="2178076"/>
+            <a:ext cx="8003705" cy="791886"/>
+          </a:xfrm>
+          <a:prstGeom prst="rect">
+            <a:avLst/>
+          </a:prstGeom>
+        </p:spPr>
+      </p:pic>
+      <p:pic>
+        <p:nvPicPr>
+          <p:cNvPr id="5" name="Picture 4">
+            <a:extLst>
+              <a:ext uri="{FF2B5EF4-FFF2-40B4-BE49-F238E27FC236}">
+                <a16:creationId xmlns:a16="http://schemas.microsoft.com/office/drawing/2014/main" id="{75C406EA-310F-772F-6C90-8FC7B5B2666F}"/>
+              </a:ext>
+            </a:extLst>
+          </p:cNvPr>
+          <p:cNvPicPr>
+            <a:picLocks noChangeAspect="1"/>
+          </p:cNvPicPr>
+          <p:nvPr/>
+        </p:nvPicPr>
+        <p:blipFill>
+          <a:blip r:embed="rId3"/>
+          <a:stretch>
+            <a:fillRect/>
+          </a:stretch>
+        </p:blipFill>
+        <p:spPr>
+          <a:xfrm>
+            <a:off x="1356457" y="4062453"/>
+            <a:ext cx="8003705" cy="821341"/>
+          </a:xfrm>
+          <a:prstGeom prst="rect">
+            <a:avLst/>
+          </a:prstGeom>
+        </p:spPr>
+      </p:pic>
+    </p:spTree>
+    <p:extLst>
+      <p:ext uri="{BB962C8B-B14F-4D97-AF65-F5344CB8AC3E}">
+        <p14:creationId xmlns:p14="http://schemas.microsoft.com/office/powerpoint/2010/main" val="1739931258"/>
       </p:ext>
     </p:extLst>
   </p:cSld>
@@ -22958,6 +24100,2191 @@
 </p:sld>
 </file>
 
+<file path=ppt/slides/slide50.xml><?xml version="1.0" encoding="utf-8"?>
+<p:sld xmlns:a="http://schemas.openxmlformats.org/drawingml/2006/main" xmlns:r="http://schemas.openxmlformats.org/officeDocument/2006/relationships" xmlns:p="http://schemas.openxmlformats.org/presentationml/2006/main">
+  <p:cSld>
+    <p:spTree>
+      <p:nvGrpSpPr>
+        <p:cNvPr id="1" name="">
+          <a:extLst>
+            <a:ext uri="{FF2B5EF4-FFF2-40B4-BE49-F238E27FC236}">
+              <a16:creationId xmlns:a16="http://schemas.microsoft.com/office/drawing/2014/main" id="{408FEB69-7BD6-3807-0B17-EA2C71F4B1AD}"/>
+            </a:ext>
+          </a:extLst>
+        </p:cNvPr>
+        <p:cNvGrpSpPr/>
+        <p:nvPr/>
+      </p:nvGrpSpPr>
+      <p:grpSpPr>
+        <a:xfrm>
+          <a:off x="0" y="0"/>
+          <a:ext cx="0" cy="0"/>
+          <a:chOff x="0" y="0"/>
+          <a:chExt cx="0" cy="0"/>
+        </a:xfrm>
+      </p:grpSpPr>
+      <p:sp>
+        <p:nvSpPr>
+          <p:cNvPr id="3" name="Content Placeholder 2">
+            <a:extLst>
+              <a:ext uri="{FF2B5EF4-FFF2-40B4-BE49-F238E27FC236}">
+                <a16:creationId xmlns:a16="http://schemas.microsoft.com/office/drawing/2014/main" id="{1CFD73A1-C48A-9126-F091-849EB7A68A87}"/>
+              </a:ext>
+            </a:extLst>
+          </p:cNvPr>
+          <p:cNvSpPr>
+            <a:spLocks noGrp="1"/>
+          </p:cNvSpPr>
+          <p:nvPr>
+            <p:ph idx="1"/>
+          </p:nvPr>
+        </p:nvSpPr>
+        <p:spPr>
+          <a:xfrm>
+            <a:off x="766445" y="469521"/>
+            <a:ext cx="10659110" cy="5502049"/>
+          </a:xfrm>
+        </p:spPr>
+        <p:txBody>
+          <a:bodyPr/>
+          <a:lstStyle/>
+          <a:p>
+            <a:pPr marL="0" indent="0">
+              <a:buNone/>
+            </a:pPr>
+            <a:r>
+              <a:rPr lang="en-US" b="1" dirty="0"/>
+              <a:t>Example:</a:t>
+            </a:r>
+          </a:p>
+          <a:p>
+            <a:pPr marL="0" indent="0">
+              <a:buNone/>
+            </a:pPr>
+            <a:r>
+              <a:rPr lang="en-US" b="1" dirty="0"/>
+              <a:t>1. fs (File System)</a:t>
+            </a:r>
+            <a:r>
+              <a:rPr lang="en-US" dirty="0"/>
+              <a:t>: Used for </a:t>
+            </a:r>
+            <a:r>
+              <a:rPr lang="en-US" b="1" dirty="0">
+                <a:solidFill>
+                  <a:srgbClr val="C00000"/>
+                </a:solidFill>
+              </a:rPr>
+              <a:t>handling file operations </a:t>
+            </a:r>
+            <a:r>
+              <a:rPr lang="en-US" dirty="0"/>
+              <a:t>such as </a:t>
+            </a:r>
+            <a:r>
+              <a:rPr lang="en-US" b="1" dirty="0"/>
+              <a:t>reading</a:t>
+            </a:r>
+            <a:r>
+              <a:rPr lang="en-US" dirty="0"/>
+              <a:t>, </a:t>
+            </a:r>
+            <a:r>
+              <a:rPr lang="en-US" b="1" dirty="0"/>
+              <a:t>writing</a:t>
+            </a:r>
+            <a:r>
+              <a:rPr lang="en-US" dirty="0"/>
+              <a:t>, and </a:t>
+            </a:r>
+            <a:r>
+              <a:rPr lang="en-US" b="1" dirty="0"/>
+              <a:t>deleting</a:t>
+            </a:r>
+            <a:r>
+              <a:rPr lang="en-US" dirty="0"/>
+              <a:t> files.</a:t>
+            </a:r>
+          </a:p>
+          <a:p>
+            <a:pPr marL="0" indent="0">
+              <a:buNone/>
+            </a:pPr>
+            <a:endParaRPr lang="en-IN" dirty="0"/>
+          </a:p>
+          <a:p>
+            <a:pPr marL="0" indent="0">
+              <a:buNone/>
+            </a:pPr>
+            <a:endParaRPr lang="en-IN" dirty="0"/>
+          </a:p>
+          <a:p>
+            <a:pPr marL="0" indent="0">
+              <a:buNone/>
+            </a:pPr>
+            <a:endParaRPr lang="en-IN" dirty="0"/>
+          </a:p>
+          <a:p>
+            <a:pPr marL="0" indent="0">
+              <a:buNone/>
+            </a:pPr>
+            <a:endParaRPr lang="en-IN" dirty="0"/>
+          </a:p>
+          <a:p>
+            <a:pPr marL="0" indent="0">
+              <a:buNone/>
+            </a:pPr>
+            <a:endParaRPr lang="en-IN" dirty="0"/>
+          </a:p>
+          <a:p>
+            <a:pPr marL="0" indent="0">
+              <a:buNone/>
+            </a:pPr>
+            <a:r>
+              <a:rPr lang="en-IN" b="1" dirty="0"/>
+              <a:t>2. </a:t>
+            </a:r>
+            <a:r>
+              <a:rPr lang="en-US" b="1" dirty="0"/>
+              <a:t>http: </a:t>
+            </a:r>
+            <a:r>
+              <a:rPr lang="en-US" dirty="0"/>
+              <a:t>Used to create and manage </a:t>
+            </a:r>
+            <a:r>
+              <a:rPr lang="en-US" b="1" dirty="0"/>
+              <a:t>HTTP servers </a:t>
+            </a:r>
+            <a:r>
+              <a:rPr lang="en-US" dirty="0"/>
+              <a:t>and handle </a:t>
+            </a:r>
+            <a:r>
+              <a:rPr lang="en-US" b="1" dirty="0">
+                <a:solidFill>
+                  <a:srgbClr val="C00000"/>
+                </a:solidFill>
+              </a:rPr>
+              <a:t>HTTP</a:t>
+            </a:r>
+            <a:r>
+              <a:rPr lang="en-US" dirty="0">
+                <a:solidFill>
+                  <a:srgbClr val="C00000"/>
+                </a:solidFill>
+              </a:rPr>
+              <a:t> </a:t>
+            </a:r>
+            <a:r>
+              <a:rPr lang="en-US" b="1" dirty="0">
+                <a:solidFill>
+                  <a:srgbClr val="C00000"/>
+                </a:solidFill>
+              </a:rPr>
+              <a:t>requests</a:t>
+            </a:r>
+            <a:r>
+              <a:rPr lang="en-US" dirty="0">
+                <a:solidFill>
+                  <a:srgbClr val="C00000"/>
+                </a:solidFill>
+              </a:rPr>
+              <a:t> </a:t>
+            </a:r>
+            <a:r>
+              <a:rPr lang="en-US" dirty="0"/>
+              <a:t>and </a:t>
+            </a:r>
+            <a:r>
+              <a:rPr lang="en-US" b="1" dirty="0">
+                <a:solidFill>
+                  <a:srgbClr val="C00000"/>
+                </a:solidFill>
+              </a:rPr>
+              <a:t>responses</a:t>
+            </a:r>
+            <a:r>
+              <a:rPr lang="en-US" dirty="0"/>
+              <a:t>.</a:t>
+            </a:r>
+            <a:endParaRPr lang="en-IN" dirty="0"/>
+          </a:p>
+        </p:txBody>
+      </p:sp>
+      <p:pic>
+        <p:nvPicPr>
+          <p:cNvPr id="4" name="Picture 3">
+            <a:extLst>
+              <a:ext uri="{FF2B5EF4-FFF2-40B4-BE49-F238E27FC236}">
+                <a16:creationId xmlns:a16="http://schemas.microsoft.com/office/drawing/2014/main" id="{1712B974-52AC-4033-ED22-533B95D6C07D}"/>
+              </a:ext>
+            </a:extLst>
+          </p:cNvPr>
+          <p:cNvPicPr>
+            <a:picLocks noChangeAspect="1"/>
+          </p:cNvPicPr>
+          <p:nvPr/>
+        </p:nvPicPr>
+        <p:blipFill>
+          <a:blip r:embed="rId2"/>
+          <a:stretch>
+            <a:fillRect/>
+          </a:stretch>
+        </p:blipFill>
+        <p:spPr>
+          <a:xfrm>
+            <a:off x="1548296" y="1310562"/>
+            <a:ext cx="6191448" cy="1740629"/>
+          </a:xfrm>
+          <a:prstGeom prst="rect">
+            <a:avLst/>
+          </a:prstGeom>
+        </p:spPr>
+      </p:pic>
+      <p:pic>
+        <p:nvPicPr>
+          <p:cNvPr id="6" name="Picture 5">
+            <a:extLst>
+              <a:ext uri="{FF2B5EF4-FFF2-40B4-BE49-F238E27FC236}">
+                <a16:creationId xmlns:a16="http://schemas.microsoft.com/office/drawing/2014/main" id="{BF83B230-A72C-21EE-5F27-1FABF8BA38D9}"/>
+              </a:ext>
+            </a:extLst>
+          </p:cNvPr>
+          <p:cNvPicPr>
+            <a:picLocks noChangeAspect="1"/>
+          </p:cNvPicPr>
+          <p:nvPr/>
+        </p:nvPicPr>
+        <p:blipFill>
+          <a:blip r:embed="rId3"/>
+          <a:stretch>
+            <a:fillRect/>
+          </a:stretch>
+        </p:blipFill>
+        <p:spPr>
+          <a:xfrm>
+            <a:off x="1548296" y="3745764"/>
+            <a:ext cx="8815457" cy="2457330"/>
+          </a:xfrm>
+          <a:prstGeom prst="rect">
+            <a:avLst/>
+          </a:prstGeom>
+        </p:spPr>
+      </p:pic>
+    </p:spTree>
+    <p:extLst>
+      <p:ext uri="{BB962C8B-B14F-4D97-AF65-F5344CB8AC3E}">
+        <p14:creationId xmlns:p14="http://schemas.microsoft.com/office/powerpoint/2010/main" val="2838800158"/>
+      </p:ext>
+    </p:extLst>
+  </p:cSld>
+  <p:clrMapOvr>
+    <a:masterClrMapping/>
+  </p:clrMapOvr>
+</p:sld>
+</file>
+
+<file path=ppt/slides/slide51.xml><?xml version="1.0" encoding="utf-8"?>
+<p:sld xmlns:a="http://schemas.openxmlformats.org/drawingml/2006/main" xmlns:r="http://schemas.openxmlformats.org/officeDocument/2006/relationships" xmlns:p="http://schemas.openxmlformats.org/presentationml/2006/main">
+  <p:cSld>
+    <p:spTree>
+      <p:nvGrpSpPr>
+        <p:cNvPr id="1" name="">
+          <a:extLst>
+            <a:ext uri="{FF2B5EF4-FFF2-40B4-BE49-F238E27FC236}">
+              <a16:creationId xmlns:a16="http://schemas.microsoft.com/office/drawing/2014/main" id="{63875F5F-2FC0-2CA4-C69F-AA5455F30B52}"/>
+            </a:ext>
+          </a:extLst>
+        </p:cNvPr>
+        <p:cNvGrpSpPr/>
+        <p:nvPr/>
+      </p:nvGrpSpPr>
+      <p:grpSpPr>
+        <a:xfrm>
+          <a:off x="0" y="0"/>
+          <a:ext cx="0" cy="0"/>
+          <a:chOff x="0" y="0"/>
+          <a:chExt cx="0" cy="0"/>
+        </a:xfrm>
+      </p:grpSpPr>
+      <p:sp>
+        <p:nvSpPr>
+          <p:cNvPr id="3" name="Content Placeholder 2">
+            <a:extLst>
+              <a:ext uri="{FF2B5EF4-FFF2-40B4-BE49-F238E27FC236}">
+                <a16:creationId xmlns:a16="http://schemas.microsoft.com/office/drawing/2014/main" id="{411785FC-CF7A-2BDA-F499-ADEA8A423685}"/>
+              </a:ext>
+            </a:extLst>
+          </p:cNvPr>
+          <p:cNvSpPr>
+            <a:spLocks noGrp="1"/>
+          </p:cNvSpPr>
+          <p:nvPr>
+            <p:ph idx="1"/>
+          </p:nvPr>
+        </p:nvSpPr>
+        <p:spPr>
+          <a:xfrm>
+            <a:off x="766445" y="1001485"/>
+            <a:ext cx="10659110" cy="4855029"/>
+          </a:xfrm>
+        </p:spPr>
+        <p:txBody>
+          <a:bodyPr>
+            <a:normAutofit/>
+          </a:bodyPr>
+          <a:lstStyle/>
+          <a:p>
+            <a:pPr marL="0" indent="0">
+              <a:buNone/>
+            </a:pPr>
+            <a:r>
+              <a:rPr lang="en-US" sz="2400" b="1" dirty="0"/>
+              <a:t>2. Local Modules:</a:t>
+            </a:r>
+          </a:p>
+          <a:p>
+            <a:pPr marL="0" indent="0">
+              <a:buNone/>
+            </a:pPr>
+            <a:r>
+              <a:rPr lang="en-US" sz="2400" dirty="0"/>
+              <a:t>Local Modules in Node.js are </a:t>
+            </a:r>
+            <a:r>
+              <a:rPr lang="en-US" sz="2400" b="1" dirty="0">
+                <a:solidFill>
+                  <a:srgbClr val="C00000"/>
+                </a:solidFill>
+              </a:rPr>
+              <a:t>custom modules </a:t>
+            </a:r>
+            <a:r>
+              <a:rPr lang="en-US" sz="2400" b="1" dirty="0"/>
+              <a:t>created by developers </a:t>
+            </a:r>
+            <a:r>
+              <a:rPr lang="en-US" sz="2400" dirty="0"/>
+              <a:t>to </a:t>
+            </a:r>
+            <a:r>
+              <a:rPr lang="en-US" sz="2400" b="1" dirty="0">
+                <a:solidFill>
+                  <a:srgbClr val="C00000"/>
+                </a:solidFill>
+              </a:rPr>
+              <a:t>encapsulate</a:t>
+            </a:r>
+            <a:r>
+              <a:rPr lang="en-US" sz="2400" dirty="0"/>
+              <a:t> </a:t>
+            </a:r>
+            <a:r>
+              <a:rPr lang="en-US" sz="2400" b="1" dirty="0"/>
+              <a:t>specific functionality </a:t>
+            </a:r>
+            <a:r>
+              <a:rPr lang="en-US" sz="2400" dirty="0"/>
+              <a:t>within their applications. Unlike </a:t>
+            </a:r>
+            <a:r>
+              <a:rPr lang="en-US" sz="2400" b="1" dirty="0"/>
+              <a:t>core modules </a:t>
+            </a:r>
+            <a:r>
+              <a:rPr lang="en-US" sz="2400" dirty="0"/>
+              <a:t>(built into Node.js) or </a:t>
+            </a:r>
+            <a:r>
+              <a:rPr lang="en-US" sz="2400" b="1" dirty="0"/>
+              <a:t>third-party modules </a:t>
+            </a:r>
+            <a:r>
+              <a:rPr lang="en-US" sz="2400" dirty="0"/>
+              <a:t>(installed via </a:t>
+            </a:r>
+            <a:r>
+              <a:rPr lang="en-US" sz="2400" dirty="0" err="1"/>
+              <a:t>npm</a:t>
+            </a:r>
+            <a:r>
+              <a:rPr lang="en-US" sz="2400" dirty="0"/>
+              <a:t>), </a:t>
+            </a:r>
+            <a:r>
+              <a:rPr lang="en-US" sz="2400" b="1" dirty="0"/>
+              <a:t>local modules are </a:t>
+            </a:r>
+            <a:r>
+              <a:rPr lang="en-US" sz="2400" b="1" dirty="0">
+                <a:solidFill>
+                  <a:srgbClr val="002060"/>
+                </a:solidFill>
+              </a:rPr>
+              <a:t>part of your project</a:t>
+            </a:r>
+            <a:r>
+              <a:rPr lang="en-US" sz="2400" dirty="0"/>
+              <a:t>, often created to organize and reuse code.</a:t>
+            </a:r>
+          </a:p>
+          <a:p>
+            <a:pPr marL="0" indent="0">
+              <a:buNone/>
+            </a:pPr>
+            <a:endParaRPr lang="en-US" sz="800" dirty="0"/>
+          </a:p>
+          <a:p>
+            <a:pPr marL="0" indent="0">
+              <a:buNone/>
+            </a:pPr>
+            <a:r>
+              <a:rPr lang="en-US" sz="2400" b="1" dirty="0"/>
+              <a:t>Characteristics of Local Modules:</a:t>
+            </a:r>
+          </a:p>
+          <a:p>
+            <a:r>
+              <a:rPr lang="en-US" sz="2400" b="1" dirty="0"/>
+              <a:t>Custom-built: </a:t>
+            </a:r>
+            <a:r>
+              <a:rPr lang="en-US" sz="2400" dirty="0"/>
+              <a:t>Designed to address specific requirements of the application.</a:t>
+            </a:r>
+          </a:p>
+          <a:p>
+            <a:r>
+              <a:rPr lang="en-US" sz="2400" b="1" dirty="0"/>
+              <a:t>Reusable: </a:t>
+            </a:r>
+            <a:r>
+              <a:rPr lang="en-US" sz="2400" dirty="0"/>
+              <a:t>Can be </a:t>
+            </a:r>
+            <a:r>
+              <a:rPr lang="en-US" sz="2400" b="1" dirty="0"/>
+              <a:t>imported</a:t>
+            </a:r>
+            <a:r>
+              <a:rPr lang="en-US" sz="2400" dirty="0"/>
+              <a:t> and </a:t>
+            </a:r>
+            <a:r>
+              <a:rPr lang="en-US" sz="2400" b="1" dirty="0"/>
+              <a:t>used</a:t>
+            </a:r>
+            <a:r>
+              <a:rPr lang="en-US" sz="2400" dirty="0"/>
+              <a:t> across </a:t>
+            </a:r>
+            <a:r>
+              <a:rPr lang="en-US" sz="2400" b="1" dirty="0"/>
+              <a:t>different parts of the project</a:t>
+            </a:r>
+            <a:r>
+              <a:rPr lang="en-US" sz="2400" dirty="0"/>
+              <a:t>.</a:t>
+            </a:r>
+          </a:p>
+          <a:p>
+            <a:r>
+              <a:rPr lang="en-US" sz="2400" b="1" dirty="0"/>
+              <a:t>File-based: </a:t>
+            </a:r>
+            <a:r>
+              <a:rPr lang="en-US" sz="2400" dirty="0"/>
+              <a:t>Each local module </a:t>
+            </a:r>
+            <a:r>
+              <a:rPr lang="en-US" sz="2400" b="1" dirty="0"/>
+              <a:t>corresponds to a JavaScript file </a:t>
+            </a:r>
+            <a:r>
+              <a:rPr lang="en-US" sz="2400" dirty="0"/>
+              <a:t>or a </a:t>
+            </a:r>
+            <a:r>
+              <a:rPr lang="en-US" sz="2400" b="1" dirty="0"/>
+              <a:t>set of files </a:t>
+            </a:r>
+            <a:r>
+              <a:rPr lang="en-US" sz="2400" dirty="0"/>
+              <a:t>in your project</a:t>
+            </a:r>
+            <a:endParaRPr lang="en-IN" sz="2400" dirty="0"/>
+          </a:p>
+        </p:txBody>
+      </p:sp>
+    </p:spTree>
+    <p:extLst>
+      <p:ext uri="{BB962C8B-B14F-4D97-AF65-F5344CB8AC3E}">
+        <p14:creationId xmlns:p14="http://schemas.microsoft.com/office/powerpoint/2010/main" val="3279370306"/>
+      </p:ext>
+    </p:extLst>
+  </p:cSld>
+  <p:clrMapOvr>
+    <a:masterClrMapping/>
+  </p:clrMapOvr>
+</p:sld>
+</file>
+
+<file path=ppt/slides/slide52.xml><?xml version="1.0" encoding="utf-8"?>
+<p:sld xmlns:a="http://schemas.openxmlformats.org/drawingml/2006/main" xmlns:r="http://schemas.openxmlformats.org/officeDocument/2006/relationships" xmlns:p="http://schemas.openxmlformats.org/presentationml/2006/main">
+  <p:cSld>
+    <p:spTree>
+      <p:nvGrpSpPr>
+        <p:cNvPr id="1" name="">
+          <a:extLst>
+            <a:ext uri="{FF2B5EF4-FFF2-40B4-BE49-F238E27FC236}">
+              <a16:creationId xmlns:a16="http://schemas.microsoft.com/office/drawing/2014/main" id="{9D583944-3AAC-2EB5-16F5-07ED77E1EC21}"/>
+            </a:ext>
+          </a:extLst>
+        </p:cNvPr>
+        <p:cNvGrpSpPr/>
+        <p:nvPr/>
+      </p:nvGrpSpPr>
+      <p:grpSpPr>
+        <a:xfrm>
+          <a:off x="0" y="0"/>
+          <a:ext cx="0" cy="0"/>
+          <a:chOff x="0" y="0"/>
+          <a:chExt cx="0" cy="0"/>
+        </a:xfrm>
+      </p:grpSpPr>
+      <p:sp>
+        <p:nvSpPr>
+          <p:cNvPr id="3" name="Content Placeholder 2">
+            <a:extLst>
+              <a:ext uri="{FF2B5EF4-FFF2-40B4-BE49-F238E27FC236}">
+                <a16:creationId xmlns:a16="http://schemas.microsoft.com/office/drawing/2014/main" id="{5A8A250C-3D0F-0849-B09B-2A4A159E4F65}"/>
+              </a:ext>
+            </a:extLst>
+          </p:cNvPr>
+          <p:cNvSpPr>
+            <a:spLocks noGrp="1"/>
+          </p:cNvSpPr>
+          <p:nvPr>
+            <p:ph idx="1"/>
+          </p:nvPr>
+        </p:nvSpPr>
+        <p:spPr>
+          <a:xfrm>
+            <a:off x="766445" y="468085"/>
+            <a:ext cx="10659110" cy="5502049"/>
+          </a:xfrm>
+        </p:spPr>
+        <p:txBody>
+          <a:bodyPr>
+            <a:normAutofit/>
+          </a:bodyPr>
+          <a:lstStyle/>
+          <a:p>
+            <a:pPr marL="0" indent="0">
+              <a:buNone/>
+            </a:pPr>
+            <a:r>
+              <a:rPr lang="en-US" sz="2400" b="1" dirty="0"/>
+              <a:t>Creating a Local Module:</a:t>
+            </a:r>
+          </a:p>
+          <a:p>
+            <a:pPr marL="0" indent="0">
+              <a:buNone/>
+            </a:pPr>
+            <a:r>
+              <a:rPr lang="en-US" sz="2400" dirty="0"/>
+              <a:t>A local module is </a:t>
+            </a:r>
+            <a:r>
+              <a:rPr lang="en-US" sz="2400" b="1" dirty="0">
+                <a:solidFill>
+                  <a:srgbClr val="C00000"/>
+                </a:solidFill>
+              </a:rPr>
+              <a:t>just a JavaScript file </a:t>
+            </a:r>
+            <a:r>
+              <a:rPr lang="en-US" sz="2400" dirty="0"/>
+              <a:t>where you define your functionality and </a:t>
+            </a:r>
+            <a:r>
+              <a:rPr lang="en-US" sz="2400" b="1" dirty="0">
+                <a:solidFill>
+                  <a:srgbClr val="C00000"/>
+                </a:solidFill>
+              </a:rPr>
+              <a:t>export</a:t>
+            </a:r>
+            <a:r>
+              <a:rPr lang="en-US" sz="2400" dirty="0"/>
+              <a:t> it using </a:t>
+            </a:r>
+            <a:r>
+              <a:rPr lang="en-US" sz="2400" b="1" dirty="0" err="1">
+                <a:solidFill>
+                  <a:srgbClr val="C00000"/>
+                </a:solidFill>
+              </a:rPr>
+              <a:t>module.exports</a:t>
+            </a:r>
+            <a:r>
+              <a:rPr lang="en-US" sz="2400" dirty="0"/>
+              <a:t> or </a:t>
+            </a:r>
+            <a:r>
+              <a:rPr lang="en-US" sz="2400" b="1" dirty="0">
+                <a:solidFill>
+                  <a:srgbClr val="C00000"/>
+                </a:solidFill>
+              </a:rPr>
+              <a:t>export</a:t>
+            </a:r>
+            <a:r>
+              <a:rPr lang="en-US" sz="2400" dirty="0"/>
+              <a:t>.</a:t>
+            </a:r>
+          </a:p>
+          <a:p>
+            <a:pPr marL="0" indent="0">
+              <a:buNone/>
+            </a:pPr>
+            <a:r>
+              <a:rPr lang="en-US" sz="2400" b="1" dirty="0"/>
+              <a:t>Example: Creating and Using a Local Module</a:t>
+            </a:r>
+          </a:p>
+          <a:p>
+            <a:pPr marL="0" indent="0">
+              <a:buNone/>
+            </a:pPr>
+            <a:r>
+              <a:rPr lang="en-US" sz="2400" b="1" dirty="0">
+                <a:solidFill>
+                  <a:srgbClr val="002060"/>
+                </a:solidFill>
+              </a:rPr>
+              <a:t>1. Create a File </a:t>
+            </a:r>
+            <a:r>
+              <a:rPr lang="en-US" sz="2400" dirty="0"/>
+              <a:t>for the Module Let's create a module named </a:t>
+            </a:r>
+            <a:r>
+              <a:rPr lang="en-US" sz="2400" b="1" dirty="0">
+                <a:solidFill>
+                  <a:srgbClr val="0070C0"/>
+                </a:solidFill>
+              </a:rPr>
+              <a:t>mathOperations.js</a:t>
+            </a:r>
+            <a:r>
+              <a:rPr lang="en-US" sz="2400" dirty="0"/>
+              <a:t>:</a:t>
+            </a:r>
+          </a:p>
+          <a:p>
+            <a:pPr marL="0" indent="0">
+              <a:buNone/>
+            </a:pPr>
+            <a:endParaRPr lang="en-US" sz="2400" dirty="0"/>
+          </a:p>
+          <a:p>
+            <a:pPr marL="0" indent="0">
+              <a:buNone/>
+            </a:pPr>
+            <a:endParaRPr lang="en-IN" sz="2400" dirty="0"/>
+          </a:p>
+        </p:txBody>
+      </p:sp>
+      <p:pic>
+        <p:nvPicPr>
+          <p:cNvPr id="5" name="Picture 4">
+            <a:extLst>
+              <a:ext uri="{FF2B5EF4-FFF2-40B4-BE49-F238E27FC236}">
+                <a16:creationId xmlns:a16="http://schemas.microsoft.com/office/drawing/2014/main" id="{07051958-C6E9-7D1A-FEAE-D6C900BD7C97}"/>
+              </a:ext>
+            </a:extLst>
+          </p:cNvPr>
+          <p:cNvPicPr>
+            <a:picLocks noChangeAspect="1"/>
+          </p:cNvPicPr>
+          <p:nvPr/>
+        </p:nvPicPr>
+        <p:blipFill>
+          <a:blip r:embed="rId2"/>
+          <a:stretch>
+            <a:fillRect/>
+          </a:stretch>
+        </p:blipFill>
+        <p:spPr>
+          <a:xfrm>
+            <a:off x="3124977" y="2617933"/>
+            <a:ext cx="5942046" cy="3848182"/>
+          </a:xfrm>
+          <a:prstGeom prst="rect">
+            <a:avLst/>
+          </a:prstGeom>
+        </p:spPr>
+      </p:pic>
+    </p:spTree>
+    <p:extLst>
+      <p:ext uri="{BB962C8B-B14F-4D97-AF65-F5344CB8AC3E}">
+        <p14:creationId xmlns:p14="http://schemas.microsoft.com/office/powerpoint/2010/main" val="1417320102"/>
+      </p:ext>
+    </p:extLst>
+  </p:cSld>
+  <p:clrMapOvr>
+    <a:masterClrMapping/>
+  </p:clrMapOvr>
+</p:sld>
+</file>
+
+<file path=ppt/slides/slide53.xml><?xml version="1.0" encoding="utf-8"?>
+<p:sld xmlns:a="http://schemas.openxmlformats.org/drawingml/2006/main" xmlns:r="http://schemas.openxmlformats.org/officeDocument/2006/relationships" xmlns:p="http://schemas.openxmlformats.org/presentationml/2006/main">
+  <p:cSld>
+    <p:spTree>
+      <p:nvGrpSpPr>
+        <p:cNvPr id="1" name="">
+          <a:extLst>
+            <a:ext uri="{FF2B5EF4-FFF2-40B4-BE49-F238E27FC236}">
+              <a16:creationId xmlns:a16="http://schemas.microsoft.com/office/drawing/2014/main" id="{97ECE50E-6AC7-E4AD-07AC-927A70D2A898}"/>
+            </a:ext>
+          </a:extLst>
+        </p:cNvPr>
+        <p:cNvGrpSpPr/>
+        <p:nvPr/>
+      </p:nvGrpSpPr>
+      <p:grpSpPr>
+        <a:xfrm>
+          <a:off x="0" y="0"/>
+          <a:ext cx="0" cy="0"/>
+          <a:chOff x="0" y="0"/>
+          <a:chExt cx="0" cy="0"/>
+        </a:xfrm>
+      </p:grpSpPr>
+      <p:sp>
+        <p:nvSpPr>
+          <p:cNvPr id="3" name="Content Placeholder 2">
+            <a:extLst>
+              <a:ext uri="{FF2B5EF4-FFF2-40B4-BE49-F238E27FC236}">
+                <a16:creationId xmlns:a16="http://schemas.microsoft.com/office/drawing/2014/main" id="{34B2F09B-BF8C-E7A1-F92A-B9BA6E8F6B80}"/>
+              </a:ext>
+            </a:extLst>
+          </p:cNvPr>
+          <p:cNvSpPr>
+            <a:spLocks noGrp="1"/>
+          </p:cNvSpPr>
+          <p:nvPr>
+            <p:ph idx="1"/>
+          </p:nvPr>
+        </p:nvSpPr>
+        <p:spPr>
+          <a:xfrm>
+            <a:off x="777240" y="674914"/>
+            <a:ext cx="10659110" cy="5502049"/>
+          </a:xfrm>
+        </p:spPr>
+        <p:txBody>
+          <a:bodyPr>
+            <a:normAutofit/>
+          </a:bodyPr>
+          <a:lstStyle/>
+          <a:p>
+            <a:pPr marL="0" indent="0">
+              <a:buNone/>
+            </a:pPr>
+            <a:r>
+              <a:rPr lang="en-US" sz="2400" dirty="0"/>
+              <a:t>2. </a:t>
+            </a:r>
+            <a:r>
+              <a:rPr lang="en-US" sz="2400" b="1" dirty="0">
+                <a:solidFill>
+                  <a:srgbClr val="002060"/>
+                </a:solidFill>
+              </a:rPr>
+              <a:t>Import</a:t>
+            </a:r>
+            <a:r>
+              <a:rPr lang="en-US" sz="2400" dirty="0"/>
+              <a:t> and </a:t>
+            </a:r>
+            <a:r>
+              <a:rPr lang="en-US" sz="2400" b="1" dirty="0">
+                <a:solidFill>
+                  <a:srgbClr val="002060"/>
+                </a:solidFill>
+              </a:rPr>
+              <a:t>Use</a:t>
+            </a:r>
+            <a:r>
+              <a:rPr lang="en-US" sz="2400" dirty="0"/>
+              <a:t> the Module Import the module into another file using </a:t>
+            </a:r>
+            <a:r>
+              <a:rPr lang="en-US" sz="2400" b="1" dirty="0">
+                <a:solidFill>
+                  <a:srgbClr val="C00000"/>
+                </a:solidFill>
+              </a:rPr>
+              <a:t>require():</a:t>
+            </a:r>
+            <a:endParaRPr lang="en-IN" sz="2400" b="1" dirty="0">
+              <a:solidFill>
+                <a:srgbClr val="C00000"/>
+              </a:solidFill>
+            </a:endParaRPr>
+          </a:p>
+        </p:txBody>
+      </p:sp>
+      <p:pic>
+        <p:nvPicPr>
+          <p:cNvPr id="5" name="Picture 4">
+            <a:extLst>
+              <a:ext uri="{FF2B5EF4-FFF2-40B4-BE49-F238E27FC236}">
+                <a16:creationId xmlns:a16="http://schemas.microsoft.com/office/drawing/2014/main" id="{D91CC124-A133-74B6-1422-136D0FFCE6A6}"/>
+              </a:ext>
+            </a:extLst>
+          </p:cNvPr>
+          <p:cNvPicPr>
+            <a:picLocks noChangeAspect="1"/>
+          </p:cNvPicPr>
+          <p:nvPr/>
+        </p:nvPicPr>
+        <p:blipFill>
+          <a:blip r:embed="rId2"/>
+          <a:stretch>
+            <a:fillRect/>
+          </a:stretch>
+        </p:blipFill>
+        <p:spPr>
+          <a:xfrm>
+            <a:off x="1610238" y="1447314"/>
+            <a:ext cx="7784133" cy="2952914"/>
+          </a:xfrm>
+          <a:prstGeom prst="rect">
+            <a:avLst/>
+          </a:prstGeom>
+        </p:spPr>
+      </p:pic>
+    </p:spTree>
+    <p:extLst>
+      <p:ext uri="{BB962C8B-B14F-4D97-AF65-F5344CB8AC3E}">
+        <p14:creationId xmlns:p14="http://schemas.microsoft.com/office/powerpoint/2010/main" val="4187949477"/>
+      </p:ext>
+    </p:extLst>
+  </p:cSld>
+  <p:clrMapOvr>
+    <a:masterClrMapping/>
+  </p:clrMapOvr>
+</p:sld>
+</file>
+
+<file path=ppt/slides/slide54.xml><?xml version="1.0" encoding="utf-8"?>
+<p:sld xmlns:a="http://schemas.openxmlformats.org/drawingml/2006/main" xmlns:r="http://schemas.openxmlformats.org/officeDocument/2006/relationships" xmlns:p="http://schemas.openxmlformats.org/presentationml/2006/main">
+  <p:cSld>
+    <p:spTree>
+      <p:nvGrpSpPr>
+        <p:cNvPr id="1" name="">
+          <a:extLst>
+            <a:ext uri="{FF2B5EF4-FFF2-40B4-BE49-F238E27FC236}">
+              <a16:creationId xmlns:a16="http://schemas.microsoft.com/office/drawing/2014/main" id="{156A9EB4-9840-8BB0-AD8F-F0D3648FA5AC}"/>
+            </a:ext>
+          </a:extLst>
+        </p:cNvPr>
+        <p:cNvGrpSpPr/>
+        <p:nvPr/>
+      </p:nvGrpSpPr>
+      <p:grpSpPr>
+        <a:xfrm>
+          <a:off x="0" y="0"/>
+          <a:ext cx="0" cy="0"/>
+          <a:chOff x="0" y="0"/>
+          <a:chExt cx="0" cy="0"/>
+        </a:xfrm>
+      </p:grpSpPr>
+      <p:sp>
+        <p:nvSpPr>
+          <p:cNvPr id="3" name="Content Placeholder 2">
+            <a:extLst>
+              <a:ext uri="{FF2B5EF4-FFF2-40B4-BE49-F238E27FC236}">
+                <a16:creationId xmlns:a16="http://schemas.microsoft.com/office/drawing/2014/main" id="{B7F95E68-7228-F472-D99B-68B070A9BCA7}"/>
+              </a:ext>
+            </a:extLst>
+          </p:cNvPr>
+          <p:cNvSpPr>
+            <a:spLocks noGrp="1"/>
+          </p:cNvSpPr>
+          <p:nvPr>
+            <p:ph idx="1"/>
+          </p:nvPr>
+        </p:nvSpPr>
+        <p:spPr>
+          <a:xfrm>
+            <a:off x="777240" y="674914"/>
+            <a:ext cx="10659110" cy="5502049"/>
+          </a:xfrm>
+        </p:spPr>
+        <p:txBody>
+          <a:bodyPr>
+            <a:normAutofit/>
+          </a:bodyPr>
+          <a:lstStyle/>
+          <a:p>
+            <a:pPr marL="0" indent="0">
+              <a:buNone/>
+            </a:pPr>
+            <a:r>
+              <a:rPr lang="en-US" sz="2800" b="1" dirty="0"/>
+              <a:t>3. Third-party Modules:</a:t>
+            </a:r>
+          </a:p>
+          <a:p>
+            <a:pPr marL="0" indent="0">
+              <a:buNone/>
+            </a:pPr>
+            <a:r>
+              <a:rPr lang="en-US" sz="2400" b="1" dirty="0"/>
+              <a:t>Third-party modules</a:t>
+            </a:r>
+            <a:r>
+              <a:rPr lang="en-US" sz="2400" dirty="0"/>
+              <a:t> in Node.js are </a:t>
+            </a:r>
+            <a:r>
+              <a:rPr lang="en-US" sz="2400" b="1" dirty="0">
+                <a:solidFill>
+                  <a:srgbClr val="C00000"/>
+                </a:solidFill>
+              </a:rPr>
+              <a:t>external packages </a:t>
+            </a:r>
+            <a:r>
+              <a:rPr lang="en-US" sz="2400" b="1" dirty="0"/>
+              <a:t>created by the </a:t>
+            </a:r>
+            <a:r>
+              <a:rPr lang="en-US" sz="2400" b="1" dirty="0">
+                <a:solidFill>
+                  <a:srgbClr val="C00000"/>
+                </a:solidFill>
+              </a:rPr>
+              <a:t>developer community </a:t>
+            </a:r>
+            <a:r>
+              <a:rPr lang="en-US" sz="2400" dirty="0"/>
+              <a:t>and </a:t>
+            </a:r>
+            <a:r>
+              <a:rPr lang="en-US" sz="2400" b="1" dirty="0"/>
+              <a:t>published to </a:t>
+            </a:r>
+            <a:r>
+              <a:rPr lang="en-US" sz="2400" dirty="0"/>
+              <a:t>the </a:t>
+            </a:r>
+            <a:r>
+              <a:rPr lang="en-US" sz="2400" b="1" dirty="0" err="1">
+                <a:solidFill>
+                  <a:srgbClr val="C00000"/>
+                </a:solidFill>
+              </a:rPr>
+              <a:t>npm</a:t>
+            </a:r>
+            <a:r>
+              <a:rPr lang="en-US" sz="2400" b="1" dirty="0"/>
+              <a:t> (Node Package Manager)</a:t>
+            </a:r>
+            <a:r>
+              <a:rPr lang="en-US" sz="2400" dirty="0"/>
+              <a:t> </a:t>
+            </a:r>
+            <a:r>
+              <a:rPr lang="en-US" sz="2400" b="1" dirty="0"/>
+              <a:t>repository</a:t>
+            </a:r>
+            <a:r>
+              <a:rPr lang="en-US" sz="2400" dirty="0"/>
+              <a:t>. These modules extend the functionality of Node.js, allowing developers to use pre-built solutions </a:t>
+            </a:r>
+            <a:r>
+              <a:rPr lang="en-US" sz="2400" b="1" dirty="0">
+                <a:solidFill>
+                  <a:srgbClr val="002060"/>
+                </a:solidFill>
+              </a:rPr>
+              <a:t>instead of writing everything from scratch</a:t>
+            </a:r>
+            <a:r>
+              <a:rPr lang="en-US" sz="2400" dirty="0"/>
+              <a:t>.</a:t>
+            </a:r>
+          </a:p>
+          <a:p>
+            <a:pPr marL="0" indent="0">
+              <a:buNone/>
+            </a:pPr>
+            <a:r>
+              <a:rPr lang="en-US" sz="2400" b="1" dirty="0"/>
+              <a:t>Characteristics of Third-party Modules</a:t>
+            </a:r>
+          </a:p>
+          <a:p>
+            <a:pPr>
+              <a:buFont typeface="+mj-lt"/>
+              <a:buAutoNum type="arabicPeriod"/>
+            </a:pPr>
+            <a:r>
+              <a:rPr lang="en-US" sz="2400" b="1" dirty="0"/>
+              <a:t>Community-driven</a:t>
+            </a:r>
+            <a:r>
+              <a:rPr lang="en-US" sz="2400" dirty="0"/>
+              <a:t>: Developed and maintained by the </a:t>
+            </a:r>
+            <a:r>
+              <a:rPr lang="en-US" sz="2400" b="1" dirty="0">
+                <a:solidFill>
+                  <a:srgbClr val="002060"/>
+                </a:solidFill>
+              </a:rPr>
+              <a:t>Node.js community</a:t>
+            </a:r>
+            <a:r>
+              <a:rPr lang="en-US" sz="2400" b="1" dirty="0"/>
+              <a:t> </a:t>
+            </a:r>
+            <a:r>
+              <a:rPr lang="en-US" sz="2400" dirty="0"/>
+              <a:t>or </a:t>
+            </a:r>
+            <a:r>
+              <a:rPr lang="en-US" sz="2400" b="1" dirty="0">
+                <a:solidFill>
+                  <a:srgbClr val="002060"/>
+                </a:solidFill>
+              </a:rPr>
+              <a:t>organizations</a:t>
+            </a:r>
+            <a:r>
+              <a:rPr lang="en-US" sz="2400" dirty="0"/>
+              <a:t>.</a:t>
+            </a:r>
+          </a:p>
+          <a:p>
+            <a:pPr>
+              <a:buFont typeface="+mj-lt"/>
+              <a:buAutoNum type="arabicPeriod"/>
+            </a:pPr>
+            <a:r>
+              <a:rPr lang="en-US" sz="2400" b="1" dirty="0"/>
+              <a:t>Installable via </a:t>
+            </a:r>
+            <a:r>
+              <a:rPr lang="en-US" sz="2400" b="1" dirty="0" err="1"/>
+              <a:t>npm</a:t>
+            </a:r>
+            <a:r>
+              <a:rPr lang="en-US" sz="2400" dirty="0"/>
+              <a:t>: Available in the </a:t>
+            </a:r>
+            <a:r>
+              <a:rPr lang="en-US" sz="2400" b="1" dirty="0" err="1"/>
+              <a:t>npm</a:t>
+            </a:r>
+            <a:r>
+              <a:rPr lang="en-US" sz="2400" dirty="0"/>
+              <a:t> </a:t>
+            </a:r>
+            <a:r>
+              <a:rPr lang="en-US" sz="2400" b="1" dirty="0">
+                <a:solidFill>
+                  <a:srgbClr val="002060"/>
+                </a:solidFill>
+              </a:rPr>
+              <a:t>registry</a:t>
+            </a:r>
+            <a:r>
+              <a:rPr lang="en-US" sz="2400" dirty="0"/>
+              <a:t> and installed using the </a:t>
+            </a:r>
+            <a:r>
+              <a:rPr lang="en-US" sz="2400" dirty="0" err="1"/>
+              <a:t>npm</a:t>
+            </a:r>
+            <a:r>
+              <a:rPr lang="en-US" sz="2400" dirty="0"/>
+              <a:t> command-line tool.</a:t>
+            </a:r>
+          </a:p>
+          <a:p>
+            <a:pPr>
+              <a:buFont typeface="+mj-lt"/>
+              <a:buAutoNum type="arabicPeriod"/>
+            </a:pPr>
+            <a:r>
+              <a:rPr lang="en-US" sz="2400" b="1" dirty="0"/>
+              <a:t>Reusable</a:t>
+            </a:r>
+            <a:r>
+              <a:rPr lang="en-US" sz="2400" dirty="0"/>
+              <a:t>: Can be used across multiple projects.</a:t>
+            </a:r>
+          </a:p>
+          <a:p>
+            <a:pPr>
+              <a:buFont typeface="+mj-lt"/>
+              <a:buAutoNum type="arabicPeriod"/>
+            </a:pPr>
+            <a:r>
+              <a:rPr lang="en-US" sz="2400" b="1" dirty="0"/>
+              <a:t>Versioned</a:t>
+            </a:r>
+            <a:r>
+              <a:rPr lang="en-US" sz="2400" dirty="0"/>
+              <a:t>: Versions are maintained to ensure </a:t>
+            </a:r>
+            <a:r>
+              <a:rPr lang="en-US" sz="2400" b="1" dirty="0"/>
+              <a:t>stability</a:t>
+            </a:r>
+            <a:r>
+              <a:rPr lang="en-US" sz="2400" dirty="0"/>
+              <a:t> and </a:t>
+            </a:r>
+            <a:r>
+              <a:rPr lang="en-US" sz="2400" b="1" dirty="0"/>
+              <a:t>compatibility</a:t>
+            </a:r>
+            <a:r>
+              <a:rPr lang="en-US" sz="2400" dirty="0"/>
+              <a:t>.</a:t>
+            </a:r>
+          </a:p>
+          <a:p>
+            <a:pPr>
+              <a:buFont typeface="+mj-lt"/>
+              <a:buAutoNum type="arabicPeriod"/>
+            </a:pPr>
+            <a:r>
+              <a:rPr lang="en-US" sz="2400" b="1" dirty="0"/>
+              <a:t>Examples</a:t>
+            </a:r>
+            <a:r>
+              <a:rPr lang="en-US" sz="2400" dirty="0"/>
+              <a:t> </a:t>
+            </a:r>
+            <a:r>
+              <a:rPr lang="en-US" sz="2400" b="1" dirty="0"/>
+              <a:t>of Popular Third-party Modules: </a:t>
+            </a:r>
+            <a:r>
+              <a:rPr lang="en-US" sz="2400" b="1" dirty="0">
+                <a:solidFill>
+                  <a:srgbClr val="002060"/>
+                </a:solidFill>
+              </a:rPr>
+              <a:t>Express, </a:t>
+            </a:r>
+            <a:r>
+              <a:rPr lang="en-IN" sz="2400" b="1" dirty="0">
+                <a:solidFill>
+                  <a:srgbClr val="002060"/>
+                </a:solidFill>
+              </a:rPr>
+              <a:t>Mongoose, Axios, </a:t>
+            </a:r>
+            <a:endParaRPr lang="en-US" sz="2400" b="1" dirty="0">
+              <a:solidFill>
+                <a:srgbClr val="002060"/>
+              </a:solidFill>
+            </a:endParaRPr>
+          </a:p>
+          <a:p>
+            <a:pPr marL="0" indent="0">
+              <a:buNone/>
+            </a:pPr>
+            <a:endParaRPr lang="en-IN" sz="2400" dirty="0"/>
+          </a:p>
+        </p:txBody>
+      </p:sp>
+    </p:spTree>
+    <p:extLst>
+      <p:ext uri="{BB962C8B-B14F-4D97-AF65-F5344CB8AC3E}">
+        <p14:creationId xmlns:p14="http://schemas.microsoft.com/office/powerpoint/2010/main" val="250238104"/>
+      </p:ext>
+    </p:extLst>
+  </p:cSld>
+  <p:clrMapOvr>
+    <a:masterClrMapping/>
+  </p:clrMapOvr>
+</p:sld>
+</file>
+
+<file path=ppt/slides/slide55.xml><?xml version="1.0" encoding="utf-8"?>
+<p:sld xmlns:a="http://schemas.openxmlformats.org/drawingml/2006/main" xmlns:r="http://schemas.openxmlformats.org/officeDocument/2006/relationships" xmlns:p="http://schemas.openxmlformats.org/presentationml/2006/main">
+  <p:cSld>
+    <p:spTree>
+      <p:nvGrpSpPr>
+        <p:cNvPr id="1" name="">
+          <a:extLst>
+            <a:ext uri="{FF2B5EF4-FFF2-40B4-BE49-F238E27FC236}">
+              <a16:creationId xmlns:a16="http://schemas.microsoft.com/office/drawing/2014/main" id="{74F25D90-DD57-7635-6681-64BF7D4F2252}"/>
+            </a:ext>
+          </a:extLst>
+        </p:cNvPr>
+        <p:cNvGrpSpPr/>
+        <p:nvPr/>
+      </p:nvGrpSpPr>
+      <p:grpSpPr>
+        <a:xfrm>
+          <a:off x="0" y="0"/>
+          <a:ext cx="0" cy="0"/>
+          <a:chOff x="0" y="0"/>
+          <a:chExt cx="0" cy="0"/>
+        </a:xfrm>
+      </p:grpSpPr>
+      <p:sp>
+        <p:nvSpPr>
+          <p:cNvPr id="3" name="Content Placeholder 2">
+            <a:extLst>
+              <a:ext uri="{FF2B5EF4-FFF2-40B4-BE49-F238E27FC236}">
+                <a16:creationId xmlns:a16="http://schemas.microsoft.com/office/drawing/2014/main" id="{85CFF317-E40F-0D99-8488-5F3F39D3064B}"/>
+              </a:ext>
+            </a:extLst>
+          </p:cNvPr>
+          <p:cNvSpPr>
+            <a:spLocks noGrp="1"/>
+          </p:cNvSpPr>
+          <p:nvPr>
+            <p:ph idx="1"/>
+          </p:nvPr>
+        </p:nvSpPr>
+        <p:spPr>
+          <a:xfrm>
+            <a:off x="777240" y="674914"/>
+            <a:ext cx="10659110" cy="5502049"/>
+          </a:xfrm>
+        </p:spPr>
+        <p:txBody>
+          <a:bodyPr>
+            <a:normAutofit/>
+          </a:bodyPr>
+          <a:lstStyle/>
+          <a:p>
+            <a:pPr marL="0" indent="0">
+              <a:buNone/>
+            </a:pPr>
+            <a:r>
+              <a:rPr lang="en-US" sz="2400" b="1" dirty="0"/>
+              <a:t>How to Use Third-party Modules:</a:t>
+            </a:r>
+          </a:p>
+          <a:p>
+            <a:pPr marL="0" indent="0">
+              <a:buNone/>
+            </a:pPr>
+            <a:r>
+              <a:rPr lang="en-US" sz="2400" b="1" dirty="0"/>
+              <a:t>1. Install the Module: </a:t>
+            </a:r>
+            <a:r>
+              <a:rPr lang="en-US" sz="2400" dirty="0"/>
+              <a:t>Use </a:t>
+            </a:r>
+            <a:r>
+              <a:rPr lang="en-US" sz="2400" b="1" dirty="0" err="1"/>
+              <a:t>npm</a:t>
+            </a:r>
+            <a:r>
+              <a:rPr lang="en-US" sz="2400" b="1" dirty="0"/>
+              <a:t> install </a:t>
+            </a:r>
+            <a:r>
+              <a:rPr lang="en-US" sz="2400" dirty="0"/>
+              <a:t>to add the module to your project:</a:t>
+            </a:r>
+          </a:p>
+          <a:p>
+            <a:endParaRPr lang="en-US" sz="2400" dirty="0"/>
+          </a:p>
+          <a:p>
+            <a:endParaRPr lang="en-US" sz="2400" dirty="0"/>
+          </a:p>
+          <a:p>
+            <a:endParaRPr lang="en-US" sz="2400" dirty="0"/>
+          </a:p>
+          <a:p>
+            <a:pPr marL="0" indent="0">
+              <a:buNone/>
+            </a:pPr>
+            <a:r>
+              <a:rPr lang="en-US" sz="2400" b="1" dirty="0"/>
+              <a:t>2. Require the Module: </a:t>
+            </a:r>
+            <a:r>
+              <a:rPr lang="en-US" sz="2400" b="1" dirty="0">
+                <a:solidFill>
+                  <a:srgbClr val="002060"/>
+                </a:solidFill>
+              </a:rPr>
+              <a:t>Import</a:t>
+            </a:r>
+            <a:r>
+              <a:rPr lang="en-US" sz="2400" dirty="0"/>
+              <a:t> </a:t>
+            </a:r>
+            <a:r>
+              <a:rPr lang="en-US" sz="2400" b="1" dirty="0"/>
+              <a:t>the module </a:t>
+            </a:r>
+            <a:r>
+              <a:rPr lang="en-US" sz="2400" dirty="0"/>
+              <a:t>in your JavaScript file using </a:t>
+            </a:r>
+            <a:r>
+              <a:rPr lang="en-US" sz="2400" b="1" dirty="0">
+                <a:solidFill>
+                  <a:srgbClr val="002060"/>
+                </a:solidFill>
+              </a:rPr>
+              <a:t>require():</a:t>
+            </a:r>
+          </a:p>
+          <a:p>
+            <a:pPr marL="0" indent="0">
+              <a:buNone/>
+            </a:pPr>
+            <a:endParaRPr lang="en-US" sz="2400" b="1" dirty="0">
+              <a:solidFill>
+                <a:srgbClr val="002060"/>
+              </a:solidFill>
+            </a:endParaRPr>
+          </a:p>
+          <a:p>
+            <a:pPr marL="0" indent="0">
+              <a:buNone/>
+            </a:pPr>
+            <a:endParaRPr lang="en-US" sz="2400" b="1" dirty="0">
+              <a:solidFill>
+                <a:srgbClr val="002060"/>
+              </a:solidFill>
+            </a:endParaRPr>
+          </a:p>
+          <a:p>
+            <a:pPr marL="0" indent="0">
+              <a:buNone/>
+            </a:pPr>
+            <a:r>
+              <a:rPr lang="en-IN" sz="2400" b="1" dirty="0">
+                <a:solidFill>
+                  <a:srgbClr val="002060"/>
+                </a:solidFill>
+              </a:rPr>
+              <a:t>OR</a:t>
+            </a:r>
+          </a:p>
+          <a:p>
+            <a:pPr marL="0" indent="0">
+              <a:buNone/>
+            </a:pPr>
+            <a:endParaRPr lang="en-IN" sz="2400" b="1" dirty="0">
+              <a:solidFill>
+                <a:srgbClr val="002060"/>
+              </a:solidFill>
+            </a:endParaRPr>
+          </a:p>
+          <a:p>
+            <a:pPr marL="0" indent="0">
+              <a:buNone/>
+            </a:pPr>
+            <a:r>
+              <a:rPr lang="en-US" sz="2400" b="1" dirty="0">
+                <a:solidFill>
+                  <a:schemeClr val="tx1"/>
+                </a:solidFill>
+              </a:rPr>
+              <a:t>3. Use the Module: </a:t>
+            </a:r>
+            <a:r>
+              <a:rPr lang="en-US" sz="2400" b="1" dirty="0">
+                <a:solidFill>
+                  <a:srgbClr val="002060"/>
+                </a:solidFill>
+              </a:rPr>
+              <a:t>Call</a:t>
+            </a:r>
+            <a:r>
+              <a:rPr lang="en-US" sz="2400" dirty="0">
+                <a:solidFill>
+                  <a:schemeClr val="tx1"/>
+                </a:solidFill>
+              </a:rPr>
+              <a:t> the </a:t>
+            </a:r>
+            <a:r>
+              <a:rPr lang="en-US" sz="2400" b="1" dirty="0">
+                <a:solidFill>
+                  <a:schemeClr val="tx1"/>
+                </a:solidFill>
+              </a:rPr>
+              <a:t>functions</a:t>
+            </a:r>
+            <a:r>
+              <a:rPr lang="en-US" sz="2400" dirty="0">
+                <a:solidFill>
+                  <a:schemeClr val="tx1"/>
+                </a:solidFill>
+              </a:rPr>
+              <a:t> or use the classes provided by the module in your application.</a:t>
+            </a:r>
+            <a:endParaRPr lang="en-IN" sz="2400" dirty="0">
+              <a:solidFill>
+                <a:schemeClr val="tx1"/>
+              </a:solidFill>
+            </a:endParaRPr>
+          </a:p>
+        </p:txBody>
+      </p:sp>
+      <p:pic>
+        <p:nvPicPr>
+          <p:cNvPr id="5" name="Picture 4">
+            <a:extLst>
+              <a:ext uri="{FF2B5EF4-FFF2-40B4-BE49-F238E27FC236}">
+                <a16:creationId xmlns:a16="http://schemas.microsoft.com/office/drawing/2014/main" id="{C20EF240-FB1E-E3D6-2930-4F5CD2729100}"/>
+              </a:ext>
+            </a:extLst>
+          </p:cNvPr>
+          <p:cNvPicPr>
+            <a:picLocks noChangeAspect="1"/>
+          </p:cNvPicPr>
+          <p:nvPr/>
+        </p:nvPicPr>
+        <p:blipFill>
+          <a:blip r:embed="rId2"/>
+          <a:stretch>
+            <a:fillRect/>
+          </a:stretch>
+        </p:blipFill>
+        <p:spPr>
+          <a:xfrm>
+            <a:off x="1820895" y="1808433"/>
+            <a:ext cx="4152381" cy="628571"/>
+          </a:xfrm>
+          <a:prstGeom prst="rect">
+            <a:avLst/>
+          </a:prstGeom>
+        </p:spPr>
+      </p:pic>
+      <p:pic>
+        <p:nvPicPr>
+          <p:cNvPr id="7" name="Picture 6">
+            <a:extLst>
+              <a:ext uri="{FF2B5EF4-FFF2-40B4-BE49-F238E27FC236}">
+                <a16:creationId xmlns:a16="http://schemas.microsoft.com/office/drawing/2014/main" id="{0CAAC9EC-236D-4B1E-3CB0-468DFD346A1A}"/>
+              </a:ext>
+            </a:extLst>
+          </p:cNvPr>
+          <p:cNvPicPr>
+            <a:picLocks noChangeAspect="1"/>
+          </p:cNvPicPr>
+          <p:nvPr/>
+        </p:nvPicPr>
+        <p:blipFill>
+          <a:blip r:embed="rId3"/>
+          <a:stretch>
+            <a:fillRect/>
+          </a:stretch>
+        </p:blipFill>
+        <p:spPr>
+          <a:xfrm>
+            <a:off x="1820894" y="3611000"/>
+            <a:ext cx="6484753" cy="628571"/>
+          </a:xfrm>
+          <a:prstGeom prst="rect">
+            <a:avLst/>
+          </a:prstGeom>
+        </p:spPr>
+      </p:pic>
+      <p:pic>
+        <p:nvPicPr>
+          <p:cNvPr id="2" name="Picture 1">
+            <a:extLst>
+              <a:ext uri="{FF2B5EF4-FFF2-40B4-BE49-F238E27FC236}">
+                <a16:creationId xmlns:a16="http://schemas.microsoft.com/office/drawing/2014/main" id="{BA09D826-394E-31E3-ADBC-975E04BA359F}"/>
+              </a:ext>
+            </a:extLst>
+          </p:cNvPr>
+          <p:cNvPicPr>
+            <a:picLocks noChangeAspect="1"/>
+          </p:cNvPicPr>
+          <p:nvPr/>
+        </p:nvPicPr>
+        <p:blipFill>
+          <a:blip r:embed="rId4"/>
+          <a:stretch>
+            <a:fillRect/>
+          </a:stretch>
+        </p:blipFill>
+        <p:spPr>
+          <a:xfrm>
+            <a:off x="1820894" y="4483589"/>
+            <a:ext cx="6254470" cy="641834"/>
+          </a:xfrm>
+          <a:prstGeom prst="rect">
+            <a:avLst/>
+          </a:prstGeom>
+        </p:spPr>
+      </p:pic>
+    </p:spTree>
+    <p:extLst>
+      <p:ext uri="{BB962C8B-B14F-4D97-AF65-F5344CB8AC3E}">
+        <p14:creationId xmlns:p14="http://schemas.microsoft.com/office/powerpoint/2010/main" val="3306552090"/>
+      </p:ext>
+    </p:extLst>
+  </p:cSld>
+  <p:clrMapOvr>
+    <a:masterClrMapping/>
+  </p:clrMapOvr>
+</p:sld>
+</file>
+
+<file path=ppt/slides/slide56.xml><?xml version="1.0" encoding="utf-8"?>
+<p:sld xmlns:a="http://schemas.openxmlformats.org/drawingml/2006/main" xmlns:r="http://schemas.openxmlformats.org/officeDocument/2006/relationships" xmlns:p="http://schemas.openxmlformats.org/presentationml/2006/main">
+  <p:cSld>
+    <p:spTree>
+      <p:nvGrpSpPr>
+        <p:cNvPr id="1" name="">
+          <a:extLst>
+            <a:ext uri="{FF2B5EF4-FFF2-40B4-BE49-F238E27FC236}">
+              <a16:creationId xmlns:a16="http://schemas.microsoft.com/office/drawing/2014/main" id="{8F2A9152-7451-45DB-1F5E-A181022E7484}"/>
+            </a:ext>
+          </a:extLst>
+        </p:cNvPr>
+        <p:cNvGrpSpPr/>
+        <p:nvPr/>
+      </p:nvGrpSpPr>
+      <p:grpSpPr>
+        <a:xfrm>
+          <a:off x="0" y="0"/>
+          <a:ext cx="0" cy="0"/>
+          <a:chOff x="0" y="0"/>
+          <a:chExt cx="0" cy="0"/>
+        </a:xfrm>
+      </p:grpSpPr>
+      <p:sp>
+        <p:nvSpPr>
+          <p:cNvPr id="3" name="Content Placeholder 2">
+            <a:extLst>
+              <a:ext uri="{FF2B5EF4-FFF2-40B4-BE49-F238E27FC236}">
+                <a16:creationId xmlns:a16="http://schemas.microsoft.com/office/drawing/2014/main" id="{370ADE57-4869-D6EF-9469-3EB73F4345D6}"/>
+              </a:ext>
+            </a:extLst>
+          </p:cNvPr>
+          <p:cNvSpPr>
+            <a:spLocks noGrp="1"/>
+          </p:cNvSpPr>
+          <p:nvPr>
+            <p:ph idx="1"/>
+          </p:nvPr>
+        </p:nvSpPr>
+        <p:spPr>
+          <a:xfrm>
+            <a:off x="766445" y="304800"/>
+            <a:ext cx="10659110" cy="5502049"/>
+          </a:xfrm>
+        </p:spPr>
+        <p:txBody>
+          <a:bodyPr/>
+          <a:lstStyle/>
+          <a:p>
+            <a:pPr marL="0" indent="0">
+              <a:buNone/>
+            </a:pPr>
+            <a:r>
+              <a:rPr lang="en-US" sz="2400" b="1" dirty="0"/>
+              <a:t>Diff ways of Importing and Exporting Node.js Modules:</a:t>
+            </a:r>
+          </a:p>
+          <a:p>
+            <a:pPr marL="0" indent="0">
+              <a:buNone/>
+            </a:pPr>
+            <a:r>
+              <a:rPr lang="en-US" b="1" dirty="0"/>
+              <a:t>1. Standard Way (</a:t>
+            </a:r>
+            <a:r>
+              <a:rPr lang="en-US" b="1" dirty="0" err="1">
+                <a:solidFill>
+                  <a:srgbClr val="C00000"/>
+                </a:solidFill>
+              </a:rPr>
+              <a:t>CommonJS</a:t>
+            </a:r>
+            <a:r>
+              <a:rPr lang="en-US" b="1" dirty="0"/>
+              <a:t> Syntax): </a:t>
+            </a:r>
+            <a:r>
+              <a:rPr lang="en-US" dirty="0"/>
+              <a:t>This is the </a:t>
+            </a:r>
+            <a:r>
+              <a:rPr lang="en-US" b="1" dirty="0">
+                <a:solidFill>
+                  <a:srgbClr val="C00000"/>
+                </a:solidFill>
+              </a:rPr>
+              <a:t>default</a:t>
+            </a:r>
+            <a:r>
+              <a:rPr lang="en-US" dirty="0"/>
+              <a:t> module system in Node.js before ES modules were supported.</a:t>
+            </a:r>
+          </a:p>
+          <a:p>
+            <a:r>
+              <a:rPr lang="en-IN" b="1" dirty="0"/>
+              <a:t>Single Export:</a:t>
+            </a:r>
+          </a:p>
+          <a:p>
+            <a:endParaRPr lang="en-IN" b="1" dirty="0"/>
+          </a:p>
+          <a:p>
+            <a:endParaRPr lang="en-IN" b="1" dirty="0"/>
+          </a:p>
+          <a:p>
+            <a:endParaRPr lang="en-IN" b="1" dirty="0"/>
+          </a:p>
+          <a:p>
+            <a:endParaRPr lang="en-IN" b="1" dirty="0"/>
+          </a:p>
+          <a:p>
+            <a:r>
+              <a:rPr lang="en-IN" b="1" dirty="0"/>
+              <a:t>Multiple Exports:</a:t>
+            </a:r>
+          </a:p>
+          <a:p>
+            <a:endParaRPr lang="en-IN" b="1" dirty="0"/>
+          </a:p>
+          <a:p>
+            <a:endParaRPr lang="en-IN" b="1" dirty="0"/>
+          </a:p>
+          <a:p>
+            <a:endParaRPr lang="en-IN" dirty="0"/>
+          </a:p>
+        </p:txBody>
+      </p:sp>
+      <p:pic>
+        <p:nvPicPr>
+          <p:cNvPr id="4" name="Picture 3">
+            <a:extLst>
+              <a:ext uri="{FF2B5EF4-FFF2-40B4-BE49-F238E27FC236}">
+                <a16:creationId xmlns:a16="http://schemas.microsoft.com/office/drawing/2014/main" id="{2A3BEF99-34EC-2AEB-4404-7A00841E6772}"/>
+              </a:ext>
+            </a:extLst>
+          </p:cNvPr>
+          <p:cNvPicPr>
+            <a:picLocks noChangeAspect="1"/>
+          </p:cNvPicPr>
+          <p:nvPr/>
+        </p:nvPicPr>
+        <p:blipFill>
+          <a:blip r:embed="rId2"/>
+          <a:stretch>
+            <a:fillRect/>
+          </a:stretch>
+        </p:blipFill>
+        <p:spPr>
+          <a:xfrm>
+            <a:off x="2838073" y="1509363"/>
+            <a:ext cx="5165601" cy="1625723"/>
+          </a:xfrm>
+          <a:prstGeom prst="rect">
+            <a:avLst/>
+          </a:prstGeom>
+        </p:spPr>
+      </p:pic>
+      <p:pic>
+        <p:nvPicPr>
+          <p:cNvPr id="6" name="Picture 5">
+            <a:extLst>
+              <a:ext uri="{FF2B5EF4-FFF2-40B4-BE49-F238E27FC236}">
+                <a16:creationId xmlns:a16="http://schemas.microsoft.com/office/drawing/2014/main" id="{02C0529C-0429-2CE4-84FB-97D32A9B4814}"/>
+              </a:ext>
+            </a:extLst>
+          </p:cNvPr>
+          <p:cNvPicPr>
+            <a:picLocks noChangeAspect="1"/>
+          </p:cNvPicPr>
+          <p:nvPr/>
+        </p:nvPicPr>
+        <p:blipFill>
+          <a:blip r:embed="rId3"/>
+          <a:stretch>
+            <a:fillRect/>
+          </a:stretch>
+        </p:blipFill>
+        <p:spPr>
+          <a:xfrm>
+            <a:off x="3129312" y="3465408"/>
+            <a:ext cx="4534231" cy="2800754"/>
+          </a:xfrm>
+          <a:prstGeom prst="rect">
+            <a:avLst/>
+          </a:prstGeom>
+        </p:spPr>
+      </p:pic>
+    </p:spTree>
+    <p:extLst>
+      <p:ext uri="{BB962C8B-B14F-4D97-AF65-F5344CB8AC3E}">
+        <p14:creationId xmlns:p14="http://schemas.microsoft.com/office/powerpoint/2010/main" val="171001743"/>
+      </p:ext>
+    </p:extLst>
+  </p:cSld>
+  <p:clrMapOvr>
+    <a:masterClrMapping/>
+  </p:clrMapOvr>
+</p:sld>
+</file>
+
+<file path=ppt/slides/slide57.xml><?xml version="1.0" encoding="utf-8"?>
+<p:sld xmlns:a="http://schemas.openxmlformats.org/drawingml/2006/main" xmlns:r="http://schemas.openxmlformats.org/officeDocument/2006/relationships" xmlns:p="http://schemas.openxmlformats.org/presentationml/2006/main">
+  <p:cSld>
+    <p:spTree>
+      <p:nvGrpSpPr>
+        <p:cNvPr id="1" name="">
+          <a:extLst>
+            <a:ext uri="{FF2B5EF4-FFF2-40B4-BE49-F238E27FC236}">
+              <a16:creationId xmlns:a16="http://schemas.microsoft.com/office/drawing/2014/main" id="{8A7DB5F8-3799-91A5-0DFA-0AB019EC7E4D}"/>
+            </a:ext>
+          </a:extLst>
+        </p:cNvPr>
+        <p:cNvGrpSpPr/>
+        <p:nvPr/>
+      </p:nvGrpSpPr>
+      <p:grpSpPr>
+        <a:xfrm>
+          <a:off x="0" y="0"/>
+          <a:ext cx="0" cy="0"/>
+          <a:chOff x="0" y="0"/>
+          <a:chExt cx="0" cy="0"/>
+        </a:xfrm>
+      </p:grpSpPr>
+      <p:sp>
+        <p:nvSpPr>
+          <p:cNvPr id="3" name="Content Placeholder 2">
+            <a:extLst>
+              <a:ext uri="{FF2B5EF4-FFF2-40B4-BE49-F238E27FC236}">
+                <a16:creationId xmlns:a16="http://schemas.microsoft.com/office/drawing/2014/main" id="{54749051-0756-21B6-617D-A46D413E19F0}"/>
+              </a:ext>
+            </a:extLst>
+          </p:cNvPr>
+          <p:cNvSpPr>
+            <a:spLocks noGrp="1"/>
+          </p:cNvSpPr>
+          <p:nvPr>
+            <p:ph idx="1"/>
+          </p:nvPr>
+        </p:nvSpPr>
+        <p:spPr>
+          <a:xfrm>
+            <a:off x="766445" y="983386"/>
+            <a:ext cx="10659110" cy="5502049"/>
+          </a:xfrm>
+        </p:spPr>
+        <p:txBody>
+          <a:bodyPr>
+            <a:normAutofit/>
+          </a:bodyPr>
+          <a:lstStyle/>
+          <a:p>
+            <a:pPr marL="0" indent="0">
+              <a:buNone/>
+            </a:pPr>
+            <a:r>
+              <a:rPr lang="en-US" sz="2400" b="1" dirty="0"/>
+              <a:t>Importing:</a:t>
+            </a:r>
+          </a:p>
+          <a:p>
+            <a:pPr marL="0" indent="0">
+              <a:buNone/>
+            </a:pPr>
+            <a:endParaRPr lang="en-IN" sz="2400" dirty="0"/>
+          </a:p>
+        </p:txBody>
+      </p:sp>
+      <p:pic>
+        <p:nvPicPr>
+          <p:cNvPr id="4" name="Picture 3">
+            <a:extLst>
+              <a:ext uri="{FF2B5EF4-FFF2-40B4-BE49-F238E27FC236}">
+                <a16:creationId xmlns:a16="http://schemas.microsoft.com/office/drawing/2014/main" id="{02CD9D60-B949-8448-A6CE-740CE5561133}"/>
+              </a:ext>
+            </a:extLst>
+          </p:cNvPr>
+          <p:cNvPicPr>
+            <a:picLocks noChangeAspect="1"/>
+          </p:cNvPicPr>
+          <p:nvPr/>
+        </p:nvPicPr>
+        <p:blipFill>
+          <a:blip r:embed="rId2"/>
+          <a:stretch>
+            <a:fillRect/>
+          </a:stretch>
+        </p:blipFill>
+        <p:spPr>
+          <a:xfrm>
+            <a:off x="2110312" y="1738933"/>
+            <a:ext cx="6295238" cy="1800000"/>
+          </a:xfrm>
+          <a:prstGeom prst="rect">
+            <a:avLst/>
+          </a:prstGeom>
+        </p:spPr>
+      </p:pic>
+    </p:spTree>
+    <p:extLst>
+      <p:ext uri="{BB962C8B-B14F-4D97-AF65-F5344CB8AC3E}">
+        <p14:creationId xmlns:p14="http://schemas.microsoft.com/office/powerpoint/2010/main" val="246652789"/>
+      </p:ext>
+    </p:extLst>
+  </p:cSld>
+  <p:clrMapOvr>
+    <a:masterClrMapping/>
+  </p:clrMapOvr>
+</p:sld>
+</file>
+
+<file path=ppt/slides/slide58.xml><?xml version="1.0" encoding="utf-8"?>
+<p:sld xmlns:a="http://schemas.openxmlformats.org/drawingml/2006/main" xmlns:r="http://schemas.openxmlformats.org/officeDocument/2006/relationships" xmlns:p="http://schemas.openxmlformats.org/presentationml/2006/main">
+  <p:cSld>
+    <p:spTree>
+      <p:nvGrpSpPr>
+        <p:cNvPr id="1" name="">
+          <a:extLst>
+            <a:ext uri="{FF2B5EF4-FFF2-40B4-BE49-F238E27FC236}">
+              <a16:creationId xmlns:a16="http://schemas.microsoft.com/office/drawing/2014/main" id="{10CFE166-34A7-8206-1810-868FF36BC477}"/>
+            </a:ext>
+          </a:extLst>
+        </p:cNvPr>
+        <p:cNvGrpSpPr/>
+        <p:nvPr/>
+      </p:nvGrpSpPr>
+      <p:grpSpPr>
+        <a:xfrm>
+          <a:off x="0" y="0"/>
+          <a:ext cx="0" cy="0"/>
+          <a:chOff x="0" y="0"/>
+          <a:chExt cx="0" cy="0"/>
+        </a:xfrm>
+      </p:grpSpPr>
+      <p:sp>
+        <p:nvSpPr>
+          <p:cNvPr id="3" name="Content Placeholder 2">
+            <a:extLst>
+              <a:ext uri="{FF2B5EF4-FFF2-40B4-BE49-F238E27FC236}">
+                <a16:creationId xmlns:a16="http://schemas.microsoft.com/office/drawing/2014/main" id="{05D2788C-B2A7-7618-916A-8A70745C4CB6}"/>
+              </a:ext>
+            </a:extLst>
+          </p:cNvPr>
+          <p:cNvSpPr>
+            <a:spLocks noGrp="1"/>
+          </p:cNvSpPr>
+          <p:nvPr>
+            <p:ph idx="1"/>
+          </p:nvPr>
+        </p:nvSpPr>
+        <p:spPr>
+          <a:xfrm>
+            <a:off x="777240" y="674914"/>
+            <a:ext cx="10659110" cy="5502049"/>
+          </a:xfrm>
+        </p:spPr>
+        <p:txBody>
+          <a:bodyPr/>
+          <a:lstStyle/>
+          <a:p>
+            <a:pPr marL="0" indent="0">
+              <a:buNone/>
+            </a:pPr>
+            <a:r>
+              <a:rPr lang="en-US" b="1" dirty="0"/>
+              <a:t>2. </a:t>
+            </a:r>
+            <a:r>
+              <a:rPr lang="en-IN" b="1" dirty="0"/>
+              <a:t>ESM Syntax</a:t>
+            </a:r>
+            <a:r>
+              <a:rPr lang="en-IN" dirty="0"/>
+              <a:t>: </a:t>
+            </a:r>
+            <a:r>
+              <a:rPr lang="en-US" dirty="0"/>
+              <a:t>ECMA stands for </a:t>
+            </a:r>
+            <a:r>
+              <a:rPr lang="en-US" b="1" dirty="0">
+                <a:solidFill>
+                  <a:srgbClr val="C00000"/>
+                </a:solidFill>
+              </a:rPr>
+              <a:t>European Computer Manufacturers Association </a:t>
+            </a:r>
+            <a:r>
+              <a:rPr lang="en-US" dirty="0"/>
+              <a:t>(now officially called </a:t>
+            </a:r>
+            <a:r>
+              <a:rPr lang="en-US" b="1" dirty="0">
+                <a:solidFill>
+                  <a:srgbClr val="0070C0"/>
+                </a:solidFill>
+              </a:rPr>
+              <a:t>ECMA</a:t>
+            </a:r>
+            <a:r>
+              <a:rPr lang="en-US" dirty="0"/>
+              <a:t> International). JavaScript is standardized under ECMA.</a:t>
+            </a:r>
+            <a:endParaRPr lang="en-IN" dirty="0"/>
+          </a:p>
+          <a:p>
+            <a:r>
+              <a:rPr lang="en-IN" b="1" dirty="0"/>
+              <a:t>Single Export:</a:t>
+            </a:r>
+          </a:p>
+          <a:p>
+            <a:pPr marL="0" indent="0">
+              <a:buNone/>
+            </a:pPr>
+            <a:endParaRPr lang="en-IN" dirty="0"/>
+          </a:p>
+          <a:p>
+            <a:pPr marL="0" indent="0">
+              <a:buNone/>
+            </a:pPr>
+            <a:endParaRPr lang="en-IN" dirty="0"/>
+          </a:p>
+          <a:p>
+            <a:pPr marL="0" indent="0">
+              <a:buNone/>
+            </a:pPr>
+            <a:endParaRPr lang="en-IN" dirty="0"/>
+          </a:p>
+          <a:p>
+            <a:pPr marL="0" indent="0">
+              <a:buNone/>
+            </a:pPr>
+            <a:endParaRPr lang="en-IN" dirty="0"/>
+          </a:p>
+          <a:p>
+            <a:pPr marL="0" indent="0">
+              <a:buNone/>
+            </a:pPr>
+            <a:endParaRPr lang="en-IN" dirty="0"/>
+          </a:p>
+          <a:p>
+            <a:r>
+              <a:rPr lang="en-IN" b="1" dirty="0"/>
+              <a:t>Multiple Exports:</a:t>
+            </a:r>
+          </a:p>
+          <a:p>
+            <a:pPr marL="0" indent="0">
+              <a:buNone/>
+            </a:pPr>
+            <a:endParaRPr lang="en-IN" dirty="0"/>
+          </a:p>
+        </p:txBody>
+      </p:sp>
+      <p:pic>
+        <p:nvPicPr>
+          <p:cNvPr id="4" name="Picture 3">
+            <a:extLst>
+              <a:ext uri="{FF2B5EF4-FFF2-40B4-BE49-F238E27FC236}">
+                <a16:creationId xmlns:a16="http://schemas.microsoft.com/office/drawing/2014/main" id="{9D169272-E126-5F4D-D8A4-77321D503428}"/>
+              </a:ext>
+            </a:extLst>
+          </p:cNvPr>
+          <p:cNvPicPr>
+            <a:picLocks noChangeAspect="1"/>
+          </p:cNvPicPr>
+          <p:nvPr/>
+        </p:nvPicPr>
+        <p:blipFill>
+          <a:blip r:embed="rId2"/>
+          <a:stretch>
+            <a:fillRect/>
+          </a:stretch>
+        </p:blipFill>
+        <p:spPr>
+          <a:xfrm>
+            <a:off x="2829071" y="1306056"/>
+            <a:ext cx="6555448" cy="1902398"/>
+          </a:xfrm>
+          <a:prstGeom prst="rect">
+            <a:avLst/>
+          </a:prstGeom>
+        </p:spPr>
+      </p:pic>
+      <p:pic>
+        <p:nvPicPr>
+          <p:cNvPr id="6" name="Picture 5">
+            <a:extLst>
+              <a:ext uri="{FF2B5EF4-FFF2-40B4-BE49-F238E27FC236}">
+                <a16:creationId xmlns:a16="http://schemas.microsoft.com/office/drawing/2014/main" id="{F086E58A-519B-A5F4-7D4E-8068F7124030}"/>
+              </a:ext>
+            </a:extLst>
+          </p:cNvPr>
+          <p:cNvPicPr>
+            <a:picLocks noChangeAspect="1"/>
+          </p:cNvPicPr>
+          <p:nvPr/>
+        </p:nvPicPr>
+        <p:blipFill>
+          <a:blip r:embed="rId3"/>
+          <a:stretch>
+            <a:fillRect/>
+          </a:stretch>
+        </p:blipFill>
+        <p:spPr>
+          <a:xfrm>
+            <a:off x="3437636" y="3649547"/>
+            <a:ext cx="4791964" cy="3066286"/>
+          </a:xfrm>
+          <a:prstGeom prst="rect">
+            <a:avLst/>
+          </a:prstGeom>
+        </p:spPr>
+      </p:pic>
+    </p:spTree>
+    <p:extLst>
+      <p:ext uri="{BB962C8B-B14F-4D97-AF65-F5344CB8AC3E}">
+        <p14:creationId xmlns:p14="http://schemas.microsoft.com/office/powerpoint/2010/main" val="2446682609"/>
+      </p:ext>
+    </p:extLst>
+  </p:cSld>
+  <p:clrMapOvr>
+    <a:masterClrMapping/>
+  </p:clrMapOvr>
+</p:sld>
+</file>
+
+<file path=ppt/slides/slide59.xml><?xml version="1.0" encoding="utf-8"?>
+<p:sld xmlns:a="http://schemas.openxmlformats.org/drawingml/2006/main" xmlns:r="http://schemas.openxmlformats.org/officeDocument/2006/relationships" xmlns:p="http://schemas.openxmlformats.org/presentationml/2006/main">
+  <p:cSld>
+    <p:spTree>
+      <p:nvGrpSpPr>
+        <p:cNvPr id="1" name="">
+          <a:extLst>
+            <a:ext uri="{FF2B5EF4-FFF2-40B4-BE49-F238E27FC236}">
+              <a16:creationId xmlns:a16="http://schemas.microsoft.com/office/drawing/2014/main" id="{73C0991A-010E-E25C-DAF6-60AE14753DAD}"/>
+            </a:ext>
+          </a:extLst>
+        </p:cNvPr>
+        <p:cNvGrpSpPr/>
+        <p:nvPr/>
+      </p:nvGrpSpPr>
+      <p:grpSpPr>
+        <a:xfrm>
+          <a:off x="0" y="0"/>
+          <a:ext cx="0" cy="0"/>
+          <a:chOff x="0" y="0"/>
+          <a:chExt cx="0" cy="0"/>
+        </a:xfrm>
+      </p:grpSpPr>
+      <p:sp>
+        <p:nvSpPr>
+          <p:cNvPr id="3" name="Content Placeholder 2">
+            <a:extLst>
+              <a:ext uri="{FF2B5EF4-FFF2-40B4-BE49-F238E27FC236}">
+                <a16:creationId xmlns:a16="http://schemas.microsoft.com/office/drawing/2014/main" id="{D9654563-D57C-3CAE-BFD6-1AF62041E993}"/>
+              </a:ext>
+            </a:extLst>
+          </p:cNvPr>
+          <p:cNvSpPr>
+            <a:spLocks noGrp="1"/>
+          </p:cNvSpPr>
+          <p:nvPr>
+            <p:ph idx="1"/>
+          </p:nvPr>
+        </p:nvSpPr>
+        <p:spPr>
+          <a:xfrm>
+            <a:off x="876392" y="983386"/>
+            <a:ext cx="10659110" cy="5502049"/>
+          </a:xfrm>
+        </p:spPr>
+        <p:txBody>
+          <a:bodyPr>
+            <a:normAutofit/>
+          </a:bodyPr>
+          <a:lstStyle/>
+          <a:p>
+            <a:pPr marL="0" indent="0">
+              <a:buNone/>
+            </a:pPr>
+            <a:r>
+              <a:rPr lang="en-US" sz="2400" b="1" dirty="0"/>
+              <a:t>Importing:</a:t>
+            </a:r>
+            <a:endParaRPr lang="en-IN" sz="2400" b="1" dirty="0"/>
+          </a:p>
+        </p:txBody>
+      </p:sp>
+      <p:pic>
+        <p:nvPicPr>
+          <p:cNvPr id="4" name="Picture 3">
+            <a:extLst>
+              <a:ext uri="{FF2B5EF4-FFF2-40B4-BE49-F238E27FC236}">
+                <a16:creationId xmlns:a16="http://schemas.microsoft.com/office/drawing/2014/main" id="{5B018850-31A5-AFCC-6920-924548F96795}"/>
+              </a:ext>
+            </a:extLst>
+          </p:cNvPr>
+          <p:cNvPicPr>
+            <a:picLocks noChangeAspect="1"/>
+          </p:cNvPicPr>
+          <p:nvPr/>
+        </p:nvPicPr>
+        <p:blipFill>
+          <a:blip r:embed="rId2"/>
+          <a:stretch>
+            <a:fillRect/>
+          </a:stretch>
+        </p:blipFill>
+        <p:spPr>
+          <a:xfrm>
+            <a:off x="1396497" y="1812286"/>
+            <a:ext cx="8571428" cy="2285714"/>
+          </a:xfrm>
+          <a:prstGeom prst="rect">
+            <a:avLst/>
+          </a:prstGeom>
+        </p:spPr>
+      </p:pic>
+    </p:spTree>
+    <p:extLst>
+      <p:ext uri="{BB962C8B-B14F-4D97-AF65-F5344CB8AC3E}">
+        <p14:creationId xmlns:p14="http://schemas.microsoft.com/office/powerpoint/2010/main" val="4040775561"/>
+      </p:ext>
+    </p:extLst>
+  </p:cSld>
+  <p:clrMapOvr>
+    <a:masterClrMapping/>
+  </p:clrMapOvr>
+</p:sld>
+</file>
+
 <file path=ppt/slides/slide6.xml><?xml version="1.0" encoding="utf-8"?>
 <p:sld xmlns:a="http://schemas.openxmlformats.org/drawingml/2006/main" xmlns:r="http://schemas.openxmlformats.org/officeDocument/2006/relationships" xmlns:p="http://schemas.openxmlformats.org/presentationml/2006/main">
   <p:cSld>
@@ -23125,6 +26452,144 @@
     <p:extLst>
       <p:ext uri="{BB962C8B-B14F-4D97-AF65-F5344CB8AC3E}">
         <p14:creationId xmlns:p14="http://schemas.microsoft.com/office/powerpoint/2010/main" val="1455896108"/>
+      </p:ext>
+    </p:extLst>
+  </p:cSld>
+  <p:clrMapOvr>
+    <a:masterClrMapping/>
+  </p:clrMapOvr>
+</p:sld>
+</file>
+
+<file path=ppt/slides/slide60.xml><?xml version="1.0" encoding="utf-8"?>
+<p:sld xmlns:a="http://schemas.openxmlformats.org/drawingml/2006/main" xmlns:r="http://schemas.openxmlformats.org/officeDocument/2006/relationships" xmlns:p="http://schemas.openxmlformats.org/presentationml/2006/main">
+  <p:cSld>
+    <p:spTree>
+      <p:nvGrpSpPr>
+        <p:cNvPr id="1" name="">
+          <a:extLst>
+            <a:ext uri="{FF2B5EF4-FFF2-40B4-BE49-F238E27FC236}">
+              <a16:creationId xmlns:a16="http://schemas.microsoft.com/office/drawing/2014/main" id="{70441439-3891-5CC4-962C-30F3CBA638C0}"/>
+            </a:ext>
+          </a:extLst>
+        </p:cNvPr>
+        <p:cNvGrpSpPr/>
+        <p:nvPr/>
+      </p:nvGrpSpPr>
+      <p:grpSpPr>
+        <a:xfrm>
+          <a:off x="0" y="0"/>
+          <a:ext cx="0" cy="0"/>
+          <a:chOff x="0" y="0"/>
+          <a:chExt cx="0" cy="0"/>
+        </a:xfrm>
+      </p:grpSpPr>
+      <p:sp>
+        <p:nvSpPr>
+          <p:cNvPr id="3" name="Content Placeholder 2">
+            <a:extLst>
+              <a:ext uri="{FF2B5EF4-FFF2-40B4-BE49-F238E27FC236}">
+                <a16:creationId xmlns:a16="http://schemas.microsoft.com/office/drawing/2014/main" id="{35B3C3A0-EB4A-557D-827F-4B35A967E370}"/>
+              </a:ext>
+            </a:extLst>
+          </p:cNvPr>
+          <p:cNvSpPr>
+            <a:spLocks noGrp="1"/>
+          </p:cNvSpPr>
+          <p:nvPr>
+            <p:ph idx="1"/>
+          </p:nvPr>
+        </p:nvSpPr>
+        <p:spPr>
+          <a:xfrm>
+            <a:off x="777240" y="696686"/>
+            <a:ext cx="10659110" cy="5480277"/>
+          </a:xfrm>
+        </p:spPr>
+        <p:txBody>
+          <a:bodyPr/>
+          <a:lstStyle/>
+          <a:p>
+            <a:pPr marL="0" indent="0">
+              <a:buNone/>
+            </a:pPr>
+            <a:endParaRPr lang="en-IN" dirty="0"/>
+          </a:p>
+        </p:txBody>
+      </p:sp>
+    </p:spTree>
+    <p:extLst>
+      <p:ext uri="{BB962C8B-B14F-4D97-AF65-F5344CB8AC3E}">
+        <p14:creationId xmlns:p14="http://schemas.microsoft.com/office/powerpoint/2010/main" val="1402782761"/>
+      </p:ext>
+    </p:extLst>
+  </p:cSld>
+  <p:clrMapOvr>
+    <a:masterClrMapping/>
+  </p:clrMapOvr>
+</p:sld>
+</file>
+
+<file path=ppt/slides/slide61.xml><?xml version="1.0" encoding="utf-8"?>
+<p:sld xmlns:a="http://schemas.openxmlformats.org/drawingml/2006/main" xmlns:r="http://schemas.openxmlformats.org/officeDocument/2006/relationships" xmlns:p="http://schemas.openxmlformats.org/presentationml/2006/main">
+  <p:cSld>
+    <p:spTree>
+      <p:nvGrpSpPr>
+        <p:cNvPr id="1" name="">
+          <a:extLst>
+            <a:ext uri="{FF2B5EF4-FFF2-40B4-BE49-F238E27FC236}">
+              <a16:creationId xmlns:a16="http://schemas.microsoft.com/office/drawing/2014/main" id="{C41A460D-ECCD-26D1-1F94-BE84BBA9CB27}"/>
+            </a:ext>
+          </a:extLst>
+        </p:cNvPr>
+        <p:cNvGrpSpPr/>
+        <p:nvPr/>
+      </p:nvGrpSpPr>
+      <p:grpSpPr>
+        <a:xfrm>
+          <a:off x="0" y="0"/>
+          <a:ext cx="0" cy="0"/>
+          <a:chOff x="0" y="0"/>
+          <a:chExt cx="0" cy="0"/>
+        </a:xfrm>
+      </p:grpSpPr>
+      <p:sp>
+        <p:nvSpPr>
+          <p:cNvPr id="3" name="Content Placeholder 2">
+            <a:extLst>
+              <a:ext uri="{FF2B5EF4-FFF2-40B4-BE49-F238E27FC236}">
+                <a16:creationId xmlns:a16="http://schemas.microsoft.com/office/drawing/2014/main" id="{34D734FE-2B30-B1F2-B8D1-D762C61E7804}"/>
+              </a:ext>
+            </a:extLst>
+          </p:cNvPr>
+          <p:cNvSpPr>
+            <a:spLocks noGrp="1"/>
+          </p:cNvSpPr>
+          <p:nvPr>
+            <p:ph idx="1"/>
+          </p:nvPr>
+        </p:nvSpPr>
+        <p:spPr>
+          <a:xfrm>
+            <a:off x="777240" y="696686"/>
+            <a:ext cx="10659110" cy="5480277"/>
+          </a:xfrm>
+        </p:spPr>
+        <p:txBody>
+          <a:bodyPr/>
+          <a:lstStyle/>
+          <a:p>
+            <a:pPr marL="0" indent="0">
+              <a:buNone/>
+            </a:pPr>
+            <a:endParaRPr lang="en-IN" dirty="0"/>
+          </a:p>
+        </p:txBody>
+      </p:sp>
+    </p:spTree>
+    <p:extLst>
+      <p:ext uri="{BB962C8B-B14F-4D97-AF65-F5344CB8AC3E}">
+        <p14:creationId xmlns:p14="http://schemas.microsoft.com/office/powerpoint/2010/main" val="3717541931"/>
       </p:ext>
     </p:extLst>
   </p:cSld>

--- a/Node.js-Hands-on-Workshop 2025.pptx
+++ b/Node.js-Hands-on-Workshop 2025.pptx
@@ -5,7 +5,7 @@
     <p:sldMasterId id="2147483710" r:id="rId1"/>
   </p:sldMasterIdLst>
   <p:notesMasterIdLst>
-    <p:notesMasterId r:id="rId63"/>
+    <p:notesMasterId r:id="rId82"/>
   </p:notesMasterIdLst>
   <p:sldIdLst>
     <p:sldId id="281" r:id="rId2"/>
@@ -69,6 +69,25 @@
     <p:sldId id="319" r:id="rId60"/>
     <p:sldId id="508" r:id="rId61"/>
     <p:sldId id="509" r:id="rId62"/>
+    <p:sldId id="511" r:id="rId63"/>
+    <p:sldId id="512" r:id="rId64"/>
+    <p:sldId id="513" r:id="rId65"/>
+    <p:sldId id="510" r:id="rId66"/>
+    <p:sldId id="514" r:id="rId67"/>
+    <p:sldId id="515" r:id="rId68"/>
+    <p:sldId id="516" r:id="rId69"/>
+    <p:sldId id="517" r:id="rId70"/>
+    <p:sldId id="518" r:id="rId71"/>
+    <p:sldId id="519" r:id="rId72"/>
+    <p:sldId id="520" r:id="rId73"/>
+    <p:sldId id="521" r:id="rId74"/>
+    <p:sldId id="522" r:id="rId75"/>
+    <p:sldId id="523" r:id="rId76"/>
+    <p:sldId id="524" r:id="rId77"/>
+    <p:sldId id="525" r:id="rId78"/>
+    <p:sldId id="526" r:id="rId79"/>
+    <p:sldId id="527" r:id="rId80"/>
+    <p:sldId id="528" r:id="rId81"/>
   </p:sldIdLst>
   <p:sldSz cx="12192000" cy="6858000"/>
   <p:notesSz cx="6858000" cy="9144000"/>
@@ -257,7 +276,7 @@
           <a:p>
             <a:fld id="{61532AF1-4615-4667-912A-829B12F8C4D2}" type="datetimeFigureOut">
               <a:rPr lang="en-IN" smtClean="0"/>
-              <a:t>19-05-2025</a:t>
+              <a:t>24-05-2025</a:t>
             </a:fld>
             <a:endParaRPr lang="en-IN"/>
           </a:p>
@@ -674,7 +693,7 @@
           <a:p>
             <a:fld id="{C43A76A3-ADC8-4477-8FC1-B9DD55D84908}" type="datetime1">
               <a:rPr lang="en-US" smtClean="0"/>
-              <a:t>5/19/2025</a:t>
+              <a:t>5/24/2025</a:t>
             </a:fld>
             <a:endParaRPr lang="en-US" dirty="0"/>
           </a:p>
@@ -872,7 +891,7 @@
           <a:p>
             <a:fld id="{D6762538-DC4D-4667-96E5-B3278DDF8B12}" type="datetime1">
               <a:rPr lang="en-US" smtClean="0"/>
-              <a:t>5/19/2025</a:t>
+              <a:t>5/24/2025</a:t>
             </a:fld>
             <a:endParaRPr lang="en-US"/>
           </a:p>
@@ -1080,7 +1099,7 @@
           <a:p>
             <a:fld id="{05880548-5C08-4BE3-B63E-F2BB63B0B00C}" type="datetime1">
               <a:rPr lang="en-US" smtClean="0"/>
-              <a:t>5/19/2025</a:t>
+              <a:t>5/24/2025</a:t>
             </a:fld>
             <a:endParaRPr lang="en-US"/>
           </a:p>
@@ -1278,7 +1297,7 @@
           <a:p>
             <a:fld id="{DE7F49BE-398D-479A-8A7E-5DDBCA61EDCB}" type="datetime1">
               <a:rPr lang="en-US" smtClean="0"/>
-              <a:t>5/19/2025</a:t>
+              <a:t>5/24/2025</a:t>
             </a:fld>
             <a:endParaRPr lang="en-US" dirty="0"/>
           </a:p>
@@ -1554,7 +1573,7 @@
           <a:p>
             <a:fld id="{CCD0C193-4974-4A1F-9C63-07D595E30D66}" type="datetime1">
               <a:rPr lang="en-US" smtClean="0"/>
-              <a:t>5/19/2025</a:t>
+              <a:t>5/24/2025</a:t>
             </a:fld>
             <a:endParaRPr lang="en-US"/>
           </a:p>
@@ -1821,7 +1840,7 @@
           <a:p>
             <a:fld id="{701AA87F-28D4-4BF0-B81F-877A89DFD5AC}" type="datetime1">
               <a:rPr lang="en-US" smtClean="0"/>
-              <a:t>5/19/2025</a:t>
+              <a:t>5/24/2025</a:t>
             </a:fld>
             <a:endParaRPr lang="en-US"/>
           </a:p>
@@ -2235,7 +2254,7 @@
           <a:p>
             <a:fld id="{A8A9F1F3-208B-49A3-B337-9C8ACEB3E0E1}" type="datetime1">
               <a:rPr lang="en-US" smtClean="0"/>
-              <a:t>5/19/2025</a:t>
+              <a:t>5/24/2025</a:t>
             </a:fld>
             <a:endParaRPr lang="en-US"/>
           </a:p>
@@ -2382,7 +2401,7 @@
           <a:p>
             <a:fld id="{27AF6CA6-7293-4AA2-A0E0-A3BF4416E786}" type="datetime1">
               <a:rPr lang="en-US" smtClean="0"/>
-              <a:t>5/19/2025</a:t>
+              <a:t>5/24/2025</a:t>
             </a:fld>
             <a:endParaRPr lang="en-US"/>
           </a:p>
@@ -2495,7 +2514,7 @@
           <a:p>
             <a:fld id="{98D87016-7BCD-46FB-8EE3-AB6C369108B4}" type="datetime1">
               <a:rPr lang="en-US" smtClean="0"/>
-              <a:t>5/19/2025</a:t>
+              <a:t>5/24/2025</a:t>
             </a:fld>
             <a:endParaRPr lang="en-US"/>
           </a:p>
@@ -2814,7 +2833,7 @@
           <a:p>
             <a:fld id="{A1547011-1FFC-4EF8-9A2E-53B4AD2ADBD4}" type="datetime1">
               <a:rPr lang="en-US" smtClean="0"/>
-              <a:t>5/19/2025</a:t>
+              <a:t>5/24/2025</a:t>
             </a:fld>
             <a:endParaRPr lang="en-US"/>
           </a:p>
@@ -3109,7 +3128,7 @@
           <a:p>
             <a:fld id="{9562EB47-45B4-4EF5-A743-B4885DD2F060}" type="datetime1">
               <a:rPr lang="en-US" smtClean="0"/>
-              <a:t>5/19/2025</a:t>
+              <a:t>5/24/2025</a:t>
             </a:fld>
             <a:endParaRPr lang="en-US"/>
           </a:p>
@@ -4494,7 +4513,7 @@
           <a:p>
             <a:fld id="{4A8D24A4-5FEC-4062-8995-EB21925B3B40}" type="datetime1">
               <a:rPr lang="en-US" smtClean="0"/>
-              <a:t>5/19/2025</a:t>
+              <a:t>5/24/2025</a:t>
             </a:fld>
             <a:endParaRPr lang="en-US" sz="1000" dirty="0"/>
           </a:p>
@@ -26464,6 +26483,14 @@
 <file path=ppt/slides/slide60.xml><?xml version="1.0" encoding="utf-8"?>
 <p:sld xmlns:a="http://schemas.openxmlformats.org/drawingml/2006/main" xmlns:r="http://schemas.openxmlformats.org/officeDocument/2006/relationships" xmlns:p="http://schemas.openxmlformats.org/presentationml/2006/main">
   <p:cSld>
+    <p:bg>
+      <p:bgPr>
+        <a:solidFill>
+          <a:schemeClr val="bg1"/>
+        </a:solidFill>
+        <a:effectLst/>
+      </p:bgPr>
+    </p:bg>
     <p:spTree>
       <p:nvGrpSpPr>
         <p:cNvPr id="1" name="">
@@ -26484,39 +26511,2125 @@
           <a:chExt cx="0" cy="0"/>
         </a:xfrm>
       </p:grpSpPr>
-      <p:sp>
+      <p:sp useBgFill="1">
         <p:nvSpPr>
-          <p:cNvPr id="3" name="Content Placeholder 2">
+          <p:cNvPr id="1031" name="Rectangle 1030">
             <a:extLst>
               <a:ext uri="{FF2B5EF4-FFF2-40B4-BE49-F238E27FC236}">
-                <a16:creationId xmlns:a16="http://schemas.microsoft.com/office/drawing/2014/main" id="{35B3C3A0-EB4A-557D-827F-4B35A967E370}"/>
+                <a16:creationId xmlns:a16="http://schemas.microsoft.com/office/drawing/2014/main" id="{99B5B3C5-A599-465B-B2B9-866E8B2087CE}"/>
+              </a:ext>
+              <a:ext uri="{C183D7F6-B498-43B3-948B-1728B52AA6E4}">
+                <adec:decorative xmlns:adec="http://schemas.microsoft.com/office/drawing/2017/decorative" val="1"/>
               </a:ext>
             </a:extLst>
           </p:cNvPr>
           <p:cNvSpPr>
-            <a:spLocks noGrp="1"/>
+            <a:spLocks noGrp="1" noRot="1" noChangeAspect="1" noMove="1" noResize="1" noEditPoints="1" noAdjustHandles="1" noChangeArrowheads="1" noChangeShapeType="1" noTextEdit="1"/>
           </p:cNvSpPr>
           <p:nvPr>
-            <p:ph idx="1"/>
+            <p:extLst>
+              <p:ext uri="{386F3935-93C4-4BCD-93E2-E3B085C9AB24}">
+                <p16:designElem xmlns:p16="http://schemas.microsoft.com/office/powerpoint/2015/main" val="1"/>
+              </p:ext>
+            </p:extLst>
           </p:nvPr>
         </p:nvSpPr>
         <p:spPr>
           <a:xfrm>
-            <a:off x="777240" y="696686"/>
-            <a:ext cx="10659110" cy="5480277"/>
+            <a:off x="-1" y="-1"/>
+            <a:ext cx="12192001" cy="6858001"/>
           </a:xfrm>
+          <a:prstGeom prst="rect">
+            <a:avLst/>
+          </a:prstGeom>
+          <a:ln>
+            <a:noFill/>
+          </a:ln>
         </p:spPr>
+        <p:style>
+          <a:lnRef idx="2">
+            <a:schemeClr val="accent1">
+              <a:shade val="50000"/>
+            </a:schemeClr>
+          </a:lnRef>
+          <a:fillRef idx="1">
+            <a:schemeClr val="accent1"/>
+          </a:fillRef>
+          <a:effectRef idx="0">
+            <a:schemeClr val="accent1"/>
+          </a:effectRef>
+          <a:fontRef idx="minor">
+            <a:schemeClr val="lt1"/>
+          </a:fontRef>
+        </p:style>
         <p:txBody>
-          <a:bodyPr/>
+          <a:bodyPr rtlCol="0" anchor="ctr"/>
           <a:lstStyle/>
           <a:p>
-            <a:pPr marL="0" indent="0">
-              <a:buNone/>
-            </a:pPr>
-            <a:endParaRPr lang="en-IN" dirty="0"/>
+            <a:pPr algn="ctr"/>
+            <a:endParaRPr lang="en-US" dirty="0"/>
           </a:p>
         </p:txBody>
       </p:sp>
+      <p:sp>
+        <p:nvSpPr>
+          <p:cNvPr id="1051" name="Rectangle 1050">
+            <a:extLst>
+              <a:ext uri="{FF2B5EF4-FFF2-40B4-BE49-F238E27FC236}">
+                <a16:creationId xmlns:a16="http://schemas.microsoft.com/office/drawing/2014/main" id="{25C84982-7DD0-43B1-8A2D-BFA4DF1B4E60}"/>
+              </a:ext>
+              <a:ext uri="{C183D7F6-B498-43B3-948B-1728B52AA6E4}">
+                <adec:decorative xmlns:adec="http://schemas.microsoft.com/office/drawing/2017/decorative" val="1"/>
+              </a:ext>
+            </a:extLst>
+          </p:cNvPr>
+          <p:cNvSpPr>
+            <a:spLocks noGrp="1" noRot="1" noChangeAspect="1" noMove="1" noResize="1" noEditPoints="1" noAdjustHandles="1" noChangeArrowheads="1" noChangeShapeType="1" noTextEdit="1"/>
+          </p:cNvSpPr>
+          <p:nvPr>
+            <p:extLst>
+              <p:ext uri="{386F3935-93C4-4BCD-93E2-E3B085C9AB24}">
+                <p16:designElem xmlns:p16="http://schemas.microsoft.com/office/powerpoint/2015/main" val="1"/>
+              </p:ext>
+            </p:extLst>
+          </p:nvPr>
+        </p:nvSpPr>
+        <p:spPr>
+          <a:xfrm>
+            <a:off x="-1" y="-1"/>
+            <a:ext cx="12192001" cy="6858001"/>
+          </a:xfrm>
+          <a:prstGeom prst="rect">
+            <a:avLst/>
+          </a:prstGeom>
+          <a:solidFill>
+            <a:schemeClr val="bg2"/>
+          </a:solidFill>
+          <a:ln>
+            <a:noFill/>
+          </a:ln>
+        </p:spPr>
+        <p:style>
+          <a:lnRef idx="2">
+            <a:schemeClr val="accent1">
+              <a:shade val="50000"/>
+            </a:schemeClr>
+          </a:lnRef>
+          <a:fillRef idx="1">
+            <a:schemeClr val="accent1"/>
+          </a:fillRef>
+          <a:effectRef idx="0">
+            <a:schemeClr val="accent1"/>
+          </a:effectRef>
+          <a:fontRef idx="minor">
+            <a:schemeClr val="lt1"/>
+          </a:fontRef>
+        </p:style>
+        <p:txBody>
+          <a:bodyPr rtlCol="0" anchor="ctr"/>
+          <a:lstStyle/>
+          <a:p>
+            <a:pPr algn="ctr"/>
+            <a:endParaRPr lang="en-US" sz="900" dirty="0">
+              <a:solidFill>
+                <a:schemeClr val="bg1"/>
+              </a:solidFill>
+              <a:latin typeface="+mj-lt"/>
+            </a:endParaRPr>
+          </a:p>
+        </p:txBody>
+      </p:sp>
+      <p:grpSp>
+        <p:nvGrpSpPr>
+          <p:cNvPr id="1053" name="Decorative Circles">
+            <a:extLst>
+              <a:ext uri="{FF2B5EF4-FFF2-40B4-BE49-F238E27FC236}">
+                <a16:creationId xmlns:a16="http://schemas.microsoft.com/office/drawing/2014/main" id="{1D912E1C-3BBA-42F0-A3EE-FEC382E7230A}"/>
+              </a:ext>
+              <a:ext uri="{C183D7F6-B498-43B3-948B-1728B52AA6E4}">
+                <adec:decorative xmlns:adec="http://schemas.microsoft.com/office/drawing/2017/decorative" val="1"/>
+              </a:ext>
+            </a:extLst>
+          </p:cNvPr>
+          <p:cNvGrpSpPr>
+            <a:grpSpLocks noGrp="1" noUngrp="1" noRot="1" noChangeAspect="1" noMove="1" noResize="1"/>
+          </p:cNvGrpSpPr>
+          <p:nvPr>
+            <p:extLst>
+              <p:ext uri="{386F3935-93C4-4BCD-93E2-E3B085C9AB24}">
+                <p16:designElem xmlns:p16="http://schemas.microsoft.com/office/powerpoint/2015/main" val="1"/>
+              </p:ext>
+            </p:extLst>
+          </p:nvPr>
+        </p:nvGrpSpPr>
+        <p:grpSpPr>
+          <a:xfrm>
+            <a:off x="-1" y="-1"/>
+            <a:ext cx="12192001" cy="6858001"/>
+            <a:chOff x="-1" y="-1"/>
+            <a:chExt cx="12192001" cy="6858001"/>
+          </a:xfrm>
+        </p:grpSpPr>
+        <p:sp>
+          <p:nvSpPr>
+            <p:cNvPr id="1036" name="Oval 1035">
+              <a:extLst>
+                <a:ext uri="{FF2B5EF4-FFF2-40B4-BE49-F238E27FC236}">
+                  <a16:creationId xmlns:a16="http://schemas.microsoft.com/office/drawing/2014/main" id="{2FEEAC76-E273-46A8-8F8E-CE59860FE70D}"/>
+                </a:ext>
+                <a:ext uri="{C183D7F6-B498-43B3-948B-1728B52AA6E4}">
+                  <adec:decorative xmlns:adec="http://schemas.microsoft.com/office/drawing/2017/decorative" val="1"/>
+                </a:ext>
+              </a:extLst>
+            </p:cNvPr>
+            <p:cNvSpPr/>
+            <p:nvPr>
+              <p:extLst>
+                <p:ext uri="{386F3935-93C4-4BCD-93E2-E3B085C9AB24}">
+                  <p16:designElem xmlns:p16="http://schemas.microsoft.com/office/powerpoint/2015/main" val="1"/>
+                </p:ext>
+              </p:extLst>
+            </p:nvPr>
+          </p:nvSpPr>
+          <p:spPr>
+            <a:xfrm>
+              <a:off x="209098" y="727602"/>
+              <a:ext cx="172408" cy="172408"/>
+            </a:xfrm>
+            <a:prstGeom prst="ellipse">
+              <a:avLst/>
+            </a:prstGeom>
+            <a:solidFill>
+              <a:schemeClr val="accent2">
+                <a:lumMod val="40000"/>
+                <a:lumOff val="60000"/>
+                <a:alpha val="50000"/>
+              </a:schemeClr>
+            </a:solidFill>
+            <a:ln>
+              <a:noFill/>
+            </a:ln>
+          </p:spPr>
+          <p:style>
+            <a:lnRef idx="2">
+              <a:schemeClr val="accent1">
+                <a:shade val="50000"/>
+              </a:schemeClr>
+            </a:lnRef>
+            <a:fillRef idx="1">
+              <a:schemeClr val="accent1"/>
+            </a:fillRef>
+            <a:effectRef idx="0">
+              <a:schemeClr val="accent1"/>
+            </a:effectRef>
+            <a:fontRef idx="minor">
+              <a:schemeClr val="lt1"/>
+            </a:fontRef>
+          </p:style>
+          <p:txBody>
+            <a:bodyPr rtlCol="0" anchor="ctr"/>
+            <a:lstStyle/>
+            <a:p>
+              <a:pPr algn="ctr"/>
+              <a:endParaRPr lang="en-US"/>
+            </a:p>
+          </p:txBody>
+        </p:sp>
+        <p:sp>
+          <p:nvSpPr>
+            <p:cNvPr id="1063" name="Oval 1062">
+              <a:extLst>
+                <a:ext uri="{FF2B5EF4-FFF2-40B4-BE49-F238E27FC236}">
+                  <a16:creationId xmlns:a16="http://schemas.microsoft.com/office/drawing/2014/main" id="{76594A0E-9400-45AD-A431-1DA1C0B28966}"/>
+                </a:ext>
+                <a:ext uri="{C183D7F6-B498-43B3-948B-1728B52AA6E4}">
+                  <adec:decorative xmlns:adec="http://schemas.microsoft.com/office/drawing/2017/decorative" val="1"/>
+                </a:ext>
+              </a:extLst>
+            </p:cNvPr>
+            <p:cNvSpPr/>
+            <p:nvPr>
+              <p:extLst>
+                <p:ext uri="{386F3935-93C4-4BCD-93E2-E3B085C9AB24}">
+                  <p16:designElem xmlns:p16="http://schemas.microsoft.com/office/powerpoint/2015/main" val="1"/>
+                </p:ext>
+              </p:extLst>
+            </p:nvPr>
+          </p:nvSpPr>
+          <p:spPr>
+            <a:xfrm>
+              <a:off x="949947" y="136523"/>
+              <a:ext cx="113367" cy="113367"/>
+            </a:xfrm>
+            <a:prstGeom prst="ellipse">
+              <a:avLst/>
+            </a:prstGeom>
+            <a:solidFill>
+              <a:srgbClr val="F39E29">
+                <a:alpha val="50000"/>
+              </a:srgbClr>
+            </a:solidFill>
+            <a:ln>
+              <a:noFill/>
+            </a:ln>
+          </p:spPr>
+          <p:style>
+            <a:lnRef idx="2">
+              <a:schemeClr val="accent1">
+                <a:shade val="50000"/>
+              </a:schemeClr>
+            </a:lnRef>
+            <a:fillRef idx="1">
+              <a:schemeClr val="accent1"/>
+            </a:fillRef>
+            <a:effectRef idx="0">
+              <a:schemeClr val="accent1"/>
+            </a:effectRef>
+            <a:fontRef idx="minor">
+              <a:schemeClr val="lt1"/>
+            </a:fontRef>
+          </p:style>
+          <p:txBody>
+            <a:bodyPr rtlCol="0" anchor="ctr"/>
+            <a:lstStyle/>
+            <a:p>
+              <a:pPr algn="ctr"/>
+              <a:endParaRPr lang="en-US"/>
+            </a:p>
+          </p:txBody>
+        </p:sp>
+        <p:sp>
+          <p:nvSpPr>
+            <p:cNvPr id="1064" name="Oval 1063">
+              <a:extLst>
+                <a:ext uri="{FF2B5EF4-FFF2-40B4-BE49-F238E27FC236}">
+                  <a16:creationId xmlns:a16="http://schemas.microsoft.com/office/drawing/2014/main" id="{20916D6C-D32F-42B6-8512-CD5EDB8F2B9B}"/>
+                </a:ext>
+                <a:ext uri="{C183D7F6-B498-43B3-948B-1728B52AA6E4}">
+                  <adec:decorative xmlns:adec="http://schemas.microsoft.com/office/drawing/2017/decorative" val="1"/>
+                </a:ext>
+              </a:extLst>
+            </p:cNvPr>
+            <p:cNvSpPr/>
+            <p:nvPr>
+              <p:extLst>
+                <p:ext uri="{386F3935-93C4-4BCD-93E2-E3B085C9AB24}">
+                  <p16:designElem xmlns:p16="http://schemas.microsoft.com/office/powerpoint/2015/main" val="1"/>
+                </p:ext>
+              </p:extLst>
+            </p:nvPr>
+          </p:nvSpPr>
+          <p:spPr>
+            <a:xfrm>
+              <a:off x="11575290" y="5859047"/>
+              <a:ext cx="305780" cy="305780"/>
+            </a:xfrm>
+            <a:prstGeom prst="ellipse">
+              <a:avLst/>
+            </a:prstGeom>
+            <a:solidFill>
+              <a:schemeClr val="accent1">
+                <a:lumMod val="60000"/>
+                <a:lumOff val="40000"/>
+                <a:alpha val="50000"/>
+              </a:schemeClr>
+            </a:solidFill>
+            <a:ln>
+              <a:noFill/>
+            </a:ln>
+          </p:spPr>
+          <p:style>
+            <a:lnRef idx="2">
+              <a:schemeClr val="accent1">
+                <a:shade val="50000"/>
+              </a:schemeClr>
+            </a:lnRef>
+            <a:fillRef idx="1">
+              <a:schemeClr val="accent1"/>
+            </a:fillRef>
+            <a:effectRef idx="0">
+              <a:schemeClr val="accent1"/>
+            </a:effectRef>
+            <a:fontRef idx="minor">
+              <a:schemeClr val="lt1"/>
+            </a:fontRef>
+          </p:style>
+          <p:txBody>
+            <a:bodyPr rtlCol="0" anchor="ctr"/>
+            <a:lstStyle/>
+            <a:p>
+              <a:pPr algn="ctr"/>
+              <a:endParaRPr lang="en-US"/>
+            </a:p>
+          </p:txBody>
+        </p:sp>
+        <p:sp>
+          <p:nvSpPr>
+            <p:cNvPr id="1065" name="Oval 1064">
+              <a:extLst>
+                <a:ext uri="{FF2B5EF4-FFF2-40B4-BE49-F238E27FC236}">
+                  <a16:creationId xmlns:a16="http://schemas.microsoft.com/office/drawing/2014/main" id="{3834846D-59C6-40F4-907C-F1A4689B58F1}"/>
+                </a:ext>
+                <a:ext uri="{C183D7F6-B498-43B3-948B-1728B52AA6E4}">
+                  <adec:decorative xmlns:adec="http://schemas.microsoft.com/office/drawing/2017/decorative" val="1"/>
+                </a:ext>
+              </a:extLst>
+            </p:cNvPr>
+            <p:cNvSpPr/>
+            <p:nvPr>
+              <p:extLst>
+                <p:ext uri="{386F3935-93C4-4BCD-93E2-E3B085C9AB24}">
+                  <p16:designElem xmlns:p16="http://schemas.microsoft.com/office/powerpoint/2015/main" val="1"/>
+                </p:ext>
+              </p:extLst>
+            </p:nvPr>
+          </p:nvSpPr>
+          <p:spPr>
+            <a:xfrm>
+              <a:off x="95730" y="1133938"/>
+              <a:ext cx="226735" cy="226735"/>
+            </a:xfrm>
+            <a:prstGeom prst="ellipse">
+              <a:avLst/>
+            </a:prstGeom>
+            <a:solidFill>
+              <a:schemeClr val="accent3">
+                <a:alpha val="50000"/>
+              </a:schemeClr>
+            </a:solidFill>
+            <a:ln>
+              <a:noFill/>
+            </a:ln>
+          </p:spPr>
+          <p:style>
+            <a:lnRef idx="2">
+              <a:schemeClr val="accent1">
+                <a:shade val="50000"/>
+              </a:schemeClr>
+            </a:lnRef>
+            <a:fillRef idx="1">
+              <a:schemeClr val="accent1"/>
+            </a:fillRef>
+            <a:effectRef idx="0">
+              <a:schemeClr val="accent1"/>
+            </a:effectRef>
+            <a:fontRef idx="minor">
+              <a:schemeClr val="lt1"/>
+            </a:fontRef>
+          </p:style>
+          <p:txBody>
+            <a:bodyPr rtlCol="0" anchor="ctr"/>
+            <a:lstStyle/>
+            <a:p>
+              <a:pPr algn="ctr"/>
+              <a:endParaRPr lang="en-US"/>
+            </a:p>
+          </p:txBody>
+        </p:sp>
+        <p:sp>
+          <p:nvSpPr>
+            <p:cNvPr id="1066" name="Oval 1065">
+              <a:extLst>
+                <a:ext uri="{FF2B5EF4-FFF2-40B4-BE49-F238E27FC236}">
+                  <a16:creationId xmlns:a16="http://schemas.microsoft.com/office/drawing/2014/main" id="{5A257CDF-2E36-4DC7-8EE4-5CD8F8ECAC87}"/>
+                </a:ext>
+                <a:ext uri="{C183D7F6-B498-43B3-948B-1728B52AA6E4}">
+                  <adec:decorative xmlns:adec="http://schemas.microsoft.com/office/drawing/2017/decorative" val="1"/>
+                </a:ext>
+              </a:extLst>
+            </p:cNvPr>
+            <p:cNvSpPr/>
+            <p:nvPr>
+              <p:extLst>
+                <p:ext uri="{386F3935-93C4-4BCD-93E2-E3B085C9AB24}">
+                  <p16:designElem xmlns:p16="http://schemas.microsoft.com/office/powerpoint/2015/main" val="1"/>
+                </p:ext>
+              </p:extLst>
+            </p:nvPr>
+          </p:nvSpPr>
+          <p:spPr>
+            <a:xfrm>
+              <a:off x="11536830" y="554419"/>
+              <a:ext cx="382700" cy="382700"/>
+            </a:xfrm>
+            <a:prstGeom prst="ellipse">
+              <a:avLst/>
+            </a:prstGeom>
+            <a:solidFill>
+              <a:schemeClr val="accent2">
+                <a:lumMod val="60000"/>
+                <a:lumOff val="40000"/>
+                <a:alpha val="72000"/>
+              </a:schemeClr>
+            </a:solidFill>
+            <a:ln>
+              <a:noFill/>
+            </a:ln>
+          </p:spPr>
+          <p:style>
+            <a:lnRef idx="2">
+              <a:schemeClr val="accent1">
+                <a:shade val="50000"/>
+              </a:schemeClr>
+            </a:lnRef>
+            <a:fillRef idx="1">
+              <a:schemeClr val="accent1"/>
+            </a:fillRef>
+            <a:effectRef idx="0">
+              <a:schemeClr val="accent1"/>
+            </a:effectRef>
+            <a:fontRef idx="minor">
+              <a:schemeClr val="lt1"/>
+            </a:fontRef>
+          </p:style>
+          <p:txBody>
+            <a:bodyPr rtlCol="0" anchor="ctr"/>
+            <a:lstStyle/>
+            <a:p>
+              <a:pPr algn="ctr"/>
+              <a:endParaRPr lang="en-US" dirty="0"/>
+            </a:p>
+          </p:txBody>
+        </p:sp>
+        <p:sp>
+          <p:nvSpPr>
+            <p:cNvPr id="1067" name="Oval 1066">
+              <a:extLst>
+                <a:ext uri="{FF2B5EF4-FFF2-40B4-BE49-F238E27FC236}">
+                  <a16:creationId xmlns:a16="http://schemas.microsoft.com/office/drawing/2014/main" id="{D5B26E0E-A115-4AE2-82D8-76BB93CC494F}"/>
+                </a:ext>
+                <a:ext uri="{C183D7F6-B498-43B3-948B-1728B52AA6E4}">
+                  <adec:decorative xmlns:adec="http://schemas.microsoft.com/office/drawing/2017/decorative" val="1"/>
+                </a:ext>
+              </a:extLst>
+            </p:cNvPr>
+            <p:cNvSpPr/>
+            <p:nvPr>
+              <p:extLst>
+                <p:ext uri="{386F3935-93C4-4BCD-93E2-E3B085C9AB24}">
+                  <p16:designElem xmlns:p16="http://schemas.microsoft.com/office/powerpoint/2015/main" val="1"/>
+                </p:ext>
+              </p:extLst>
+            </p:nvPr>
+          </p:nvSpPr>
+          <p:spPr>
+            <a:xfrm>
+              <a:off x="11224303" y="299808"/>
+              <a:ext cx="113367" cy="113367"/>
+            </a:xfrm>
+            <a:prstGeom prst="ellipse">
+              <a:avLst/>
+            </a:prstGeom>
+            <a:solidFill>
+              <a:srgbClr val="F39E29"/>
+            </a:solidFill>
+            <a:ln>
+              <a:noFill/>
+            </a:ln>
+          </p:spPr>
+          <p:style>
+            <a:lnRef idx="2">
+              <a:schemeClr val="accent1">
+                <a:shade val="50000"/>
+              </a:schemeClr>
+            </a:lnRef>
+            <a:fillRef idx="1">
+              <a:schemeClr val="accent1"/>
+            </a:fillRef>
+            <a:effectRef idx="0">
+              <a:schemeClr val="accent1"/>
+            </a:effectRef>
+            <a:fontRef idx="minor">
+              <a:schemeClr val="lt1"/>
+            </a:fontRef>
+          </p:style>
+          <p:txBody>
+            <a:bodyPr rtlCol="0" anchor="ctr"/>
+            <a:lstStyle/>
+            <a:p>
+              <a:pPr algn="ctr"/>
+              <a:endParaRPr lang="en-US"/>
+            </a:p>
+          </p:txBody>
+        </p:sp>
+        <p:sp>
+          <p:nvSpPr>
+            <p:cNvPr id="1068" name="Oval 1067">
+              <a:extLst>
+                <a:ext uri="{FF2B5EF4-FFF2-40B4-BE49-F238E27FC236}">
+                  <a16:creationId xmlns:a16="http://schemas.microsoft.com/office/drawing/2014/main" id="{755058DB-7E01-4E95-BF59-983AA1BBB38E}"/>
+                </a:ext>
+                <a:ext uri="{C183D7F6-B498-43B3-948B-1728B52AA6E4}">
+                  <adec:decorative xmlns:adec="http://schemas.microsoft.com/office/drawing/2017/decorative" val="1"/>
+                </a:ext>
+              </a:extLst>
+            </p:cNvPr>
+            <p:cNvSpPr/>
+            <p:nvPr>
+              <p:extLst>
+                <p:ext uri="{386F3935-93C4-4BCD-93E2-E3B085C9AB24}">
+                  <p16:designElem xmlns:p16="http://schemas.microsoft.com/office/powerpoint/2015/main" val="1"/>
+                </p:ext>
+              </p:extLst>
+            </p:nvPr>
+          </p:nvSpPr>
+          <p:spPr>
+            <a:xfrm>
+              <a:off x="11629630" y="5482355"/>
+              <a:ext cx="94160" cy="94160"/>
+            </a:xfrm>
+            <a:prstGeom prst="ellipse">
+              <a:avLst/>
+            </a:prstGeom>
+            <a:solidFill>
+              <a:srgbClr val="E3BEBE">
+                <a:alpha val="28000"/>
+              </a:srgbClr>
+            </a:solidFill>
+            <a:ln>
+              <a:noFill/>
+            </a:ln>
+          </p:spPr>
+          <p:style>
+            <a:lnRef idx="2">
+              <a:schemeClr val="accent1">
+                <a:shade val="50000"/>
+              </a:schemeClr>
+            </a:lnRef>
+            <a:fillRef idx="1">
+              <a:schemeClr val="accent1"/>
+            </a:fillRef>
+            <a:effectRef idx="0">
+              <a:schemeClr val="accent1"/>
+            </a:effectRef>
+            <a:fontRef idx="minor">
+              <a:schemeClr val="lt1"/>
+            </a:fontRef>
+          </p:style>
+          <p:txBody>
+            <a:bodyPr rtlCol="0" anchor="ctr"/>
+            <a:lstStyle/>
+            <a:p>
+              <a:pPr algn="ctr"/>
+              <a:endParaRPr lang="en-US"/>
+            </a:p>
+          </p:txBody>
+        </p:sp>
+        <p:sp>
+          <p:nvSpPr>
+            <p:cNvPr id="1043" name="Oval 1042">
+              <a:extLst>
+                <a:ext uri="{FF2B5EF4-FFF2-40B4-BE49-F238E27FC236}">
+                  <a16:creationId xmlns:a16="http://schemas.microsoft.com/office/drawing/2014/main" id="{A810F7E2-23F3-44D6-B09E-71E556536052}"/>
+                </a:ext>
+                <a:ext uri="{C183D7F6-B498-43B3-948B-1728B52AA6E4}">
+                  <adec:decorative xmlns:adec="http://schemas.microsoft.com/office/drawing/2017/decorative" val="1"/>
+                </a:ext>
+              </a:extLst>
+            </p:cNvPr>
+            <p:cNvSpPr/>
+            <p:nvPr>
+              <p:extLst>
+                <p:ext uri="{386F3935-93C4-4BCD-93E2-E3B085C9AB24}">
+                  <p16:designElem xmlns:p16="http://schemas.microsoft.com/office/powerpoint/2015/main" val="1"/>
+                </p:ext>
+              </p:extLst>
+            </p:nvPr>
+          </p:nvSpPr>
+          <p:spPr>
+            <a:xfrm>
+              <a:off x="10415328" y="6124958"/>
+              <a:ext cx="113367" cy="113367"/>
+            </a:xfrm>
+            <a:prstGeom prst="ellipse">
+              <a:avLst/>
+            </a:prstGeom>
+            <a:solidFill>
+              <a:schemeClr val="accent3"/>
+            </a:solidFill>
+            <a:ln>
+              <a:noFill/>
+            </a:ln>
+          </p:spPr>
+          <p:style>
+            <a:lnRef idx="2">
+              <a:schemeClr val="accent1">
+                <a:shade val="50000"/>
+              </a:schemeClr>
+            </a:lnRef>
+            <a:fillRef idx="1">
+              <a:schemeClr val="accent1"/>
+            </a:fillRef>
+            <a:effectRef idx="0">
+              <a:schemeClr val="accent1"/>
+            </a:effectRef>
+            <a:fontRef idx="minor">
+              <a:schemeClr val="lt1"/>
+            </a:fontRef>
+          </p:style>
+          <p:txBody>
+            <a:bodyPr rtlCol="0" anchor="ctr"/>
+            <a:lstStyle/>
+            <a:p>
+              <a:pPr algn="ctr"/>
+              <a:endParaRPr lang="en-US"/>
+            </a:p>
+          </p:txBody>
+        </p:sp>
+        <p:sp>
+          <p:nvSpPr>
+            <p:cNvPr id="1044" name="Oval 1043">
+              <a:extLst>
+                <a:ext uri="{FF2B5EF4-FFF2-40B4-BE49-F238E27FC236}">
+                  <a16:creationId xmlns:a16="http://schemas.microsoft.com/office/drawing/2014/main" id="{59D5C391-E1DB-410A-A78C-ED3BBDFF0758}"/>
+                </a:ext>
+                <a:ext uri="{C183D7F6-B498-43B3-948B-1728B52AA6E4}">
+                  <adec:decorative xmlns:adec="http://schemas.microsoft.com/office/drawing/2017/decorative" val="1"/>
+                </a:ext>
+              </a:extLst>
+            </p:cNvPr>
+            <p:cNvSpPr/>
+            <p:nvPr>
+              <p:extLst>
+                <p:ext uri="{386F3935-93C4-4BCD-93E2-E3B085C9AB24}">
+                  <p16:designElem xmlns:p16="http://schemas.microsoft.com/office/powerpoint/2015/main" val="1"/>
+                </p:ext>
+              </p:extLst>
+            </p:nvPr>
+          </p:nvSpPr>
+          <p:spPr>
+            <a:xfrm>
+              <a:off x="10120382" y="6255986"/>
+              <a:ext cx="305780" cy="305780"/>
+            </a:xfrm>
+            <a:prstGeom prst="ellipse">
+              <a:avLst/>
+            </a:prstGeom>
+            <a:solidFill>
+              <a:schemeClr val="accent1">
+                <a:lumMod val="20000"/>
+                <a:lumOff val="80000"/>
+              </a:schemeClr>
+            </a:solidFill>
+            <a:ln>
+              <a:noFill/>
+            </a:ln>
+          </p:spPr>
+          <p:style>
+            <a:lnRef idx="2">
+              <a:schemeClr val="accent1">
+                <a:shade val="50000"/>
+              </a:schemeClr>
+            </a:lnRef>
+            <a:fillRef idx="1">
+              <a:schemeClr val="accent1"/>
+            </a:fillRef>
+            <a:effectRef idx="0">
+              <a:schemeClr val="accent1"/>
+            </a:effectRef>
+            <a:fontRef idx="minor">
+              <a:schemeClr val="lt1"/>
+            </a:fontRef>
+          </p:style>
+          <p:txBody>
+            <a:bodyPr rtlCol="0" anchor="ctr"/>
+            <a:lstStyle/>
+            <a:p>
+              <a:pPr algn="ctr"/>
+              <a:endParaRPr lang="en-US" dirty="0"/>
+            </a:p>
+          </p:txBody>
+        </p:sp>
+        <p:sp>
+          <p:nvSpPr>
+            <p:cNvPr id="1045" name="Oval 1044">
+              <a:extLst>
+                <a:ext uri="{FF2B5EF4-FFF2-40B4-BE49-F238E27FC236}">
+                  <a16:creationId xmlns:a16="http://schemas.microsoft.com/office/drawing/2014/main" id="{77C4944D-9373-4283-BCAA-927A0316659E}"/>
+                </a:ext>
+                <a:ext uri="{C183D7F6-B498-43B3-948B-1728B52AA6E4}">
+                  <adec:decorative xmlns:adec="http://schemas.microsoft.com/office/drawing/2017/decorative" val="1"/>
+                </a:ext>
+              </a:extLst>
+            </p:cNvPr>
+            <p:cNvSpPr/>
+            <p:nvPr>
+              <p:extLst>
+                <p:ext uri="{386F3935-93C4-4BCD-93E2-E3B085C9AB24}">
+                  <p16:designElem xmlns:p16="http://schemas.microsoft.com/office/powerpoint/2015/main" val="1"/>
+                </p:ext>
+              </p:extLst>
+            </p:nvPr>
+          </p:nvSpPr>
+          <p:spPr>
+            <a:xfrm>
+              <a:off x="9934343" y="6204350"/>
+              <a:ext cx="113367" cy="113367"/>
+            </a:xfrm>
+            <a:prstGeom prst="ellipse">
+              <a:avLst/>
+            </a:prstGeom>
+            <a:solidFill>
+              <a:schemeClr val="accent6">
+                <a:lumMod val="40000"/>
+                <a:lumOff val="60000"/>
+              </a:schemeClr>
+            </a:solidFill>
+            <a:ln>
+              <a:noFill/>
+            </a:ln>
+          </p:spPr>
+          <p:style>
+            <a:lnRef idx="2">
+              <a:schemeClr val="accent1">
+                <a:shade val="50000"/>
+              </a:schemeClr>
+            </a:lnRef>
+            <a:fillRef idx="1">
+              <a:schemeClr val="accent1"/>
+            </a:fillRef>
+            <a:effectRef idx="0">
+              <a:schemeClr val="accent1"/>
+            </a:effectRef>
+            <a:fontRef idx="minor">
+              <a:schemeClr val="lt1"/>
+            </a:fontRef>
+          </p:style>
+          <p:txBody>
+            <a:bodyPr rtlCol="0" anchor="ctr"/>
+            <a:lstStyle/>
+            <a:p>
+              <a:pPr algn="ctr"/>
+              <a:endParaRPr lang="en-US"/>
+            </a:p>
+          </p:txBody>
+        </p:sp>
+        <p:sp>
+          <p:nvSpPr>
+            <p:cNvPr id="1046" name="Freeform: Shape 1045">
+              <a:extLst>
+                <a:ext uri="{FF2B5EF4-FFF2-40B4-BE49-F238E27FC236}">
+                  <a16:creationId xmlns:a16="http://schemas.microsoft.com/office/drawing/2014/main" id="{6804C521-2D9F-4CE4-AFD3-D4F1551FEC6A}"/>
+                </a:ext>
+                <a:ext uri="{C183D7F6-B498-43B3-948B-1728B52AA6E4}">
+                  <adec:decorative xmlns:adec="http://schemas.microsoft.com/office/drawing/2017/decorative" val="1"/>
+                </a:ext>
+              </a:extLst>
+            </p:cNvPr>
+            <p:cNvSpPr/>
+            <p:nvPr>
+              <p:extLst>
+                <p:ext uri="{386F3935-93C4-4BCD-93E2-E3B085C9AB24}">
+                  <p16:designElem xmlns:p16="http://schemas.microsoft.com/office/powerpoint/2015/main" val="1"/>
+                </p:ext>
+              </p:extLst>
+            </p:nvPr>
+          </p:nvSpPr>
+          <p:spPr>
+            <a:xfrm>
+              <a:off x="11642244" y="6317718"/>
+              <a:ext cx="549756" cy="540282"/>
+            </a:xfrm>
+            <a:custGeom>
+              <a:avLst/>
+              <a:gdLst>
+                <a:gd name="connsiteX0" fmla="*/ 1224540 w 2115556"/>
+                <a:gd name="connsiteY0" fmla="*/ 0 h 2079100"/>
+                <a:gd name="connsiteX1" fmla="*/ 2090421 w 2115556"/>
+                <a:gd name="connsiteY1" fmla="*/ 358660 h 2079100"/>
+                <a:gd name="connsiteX2" fmla="*/ 2115556 w 2115556"/>
+                <a:gd name="connsiteY2" fmla="*/ 386315 h 2079100"/>
+                <a:gd name="connsiteX3" fmla="*/ 2115556 w 2115556"/>
+                <a:gd name="connsiteY3" fmla="*/ 2062765 h 2079100"/>
+                <a:gd name="connsiteX4" fmla="*/ 2100710 w 2115556"/>
+                <a:gd name="connsiteY4" fmla="*/ 2079100 h 2079100"/>
+                <a:gd name="connsiteX5" fmla="*/ 348370 w 2115556"/>
+                <a:gd name="connsiteY5" fmla="*/ 2079100 h 2079100"/>
+                <a:gd name="connsiteX6" fmla="*/ 279625 w 2115556"/>
+                <a:gd name="connsiteY6" fmla="*/ 2003461 h 2079100"/>
+                <a:gd name="connsiteX7" fmla="*/ 0 w 2115556"/>
+                <a:gd name="connsiteY7" fmla="*/ 1224540 h 2079100"/>
+                <a:gd name="connsiteX8" fmla="*/ 1224540 w 2115556"/>
+                <a:gd name="connsiteY8" fmla="*/ 0 h 2079100"/>
+              </a:gdLst>
+              <a:ahLst/>
+              <a:cxnLst>
+                <a:cxn ang="0">
+                  <a:pos x="connsiteX0" y="connsiteY0"/>
+                </a:cxn>
+                <a:cxn ang="0">
+                  <a:pos x="connsiteX1" y="connsiteY1"/>
+                </a:cxn>
+                <a:cxn ang="0">
+                  <a:pos x="connsiteX2" y="connsiteY2"/>
+                </a:cxn>
+                <a:cxn ang="0">
+                  <a:pos x="connsiteX3" y="connsiteY3"/>
+                </a:cxn>
+                <a:cxn ang="0">
+                  <a:pos x="connsiteX4" y="connsiteY4"/>
+                </a:cxn>
+                <a:cxn ang="0">
+                  <a:pos x="connsiteX5" y="connsiteY5"/>
+                </a:cxn>
+                <a:cxn ang="0">
+                  <a:pos x="connsiteX6" y="connsiteY6"/>
+                </a:cxn>
+                <a:cxn ang="0">
+                  <a:pos x="connsiteX7" y="connsiteY7"/>
+                </a:cxn>
+                <a:cxn ang="0">
+                  <a:pos x="connsiteX8" y="connsiteY8"/>
+                </a:cxn>
+              </a:cxnLst>
+              <a:rect l="l" t="t" r="r" b="b"/>
+              <a:pathLst>
+                <a:path w="2115556" h="2079100">
+                  <a:moveTo>
+                    <a:pt x="1224540" y="0"/>
+                  </a:moveTo>
+                  <a:cubicBezTo>
+                    <a:pt x="1562687" y="0"/>
+                    <a:pt x="1868823" y="137062"/>
+                    <a:pt x="2090421" y="358660"/>
+                  </a:cubicBezTo>
+                  <a:lnTo>
+                    <a:pt x="2115556" y="386315"/>
+                  </a:lnTo>
+                  <a:lnTo>
+                    <a:pt x="2115556" y="2062765"/>
+                  </a:lnTo>
+                  <a:lnTo>
+                    <a:pt x="2100710" y="2079100"/>
+                  </a:lnTo>
+                  <a:lnTo>
+                    <a:pt x="348370" y="2079100"/>
+                  </a:lnTo>
+                  <a:lnTo>
+                    <a:pt x="279625" y="2003461"/>
+                  </a:lnTo>
+                  <a:cubicBezTo>
+                    <a:pt x="104938" y="1791789"/>
+                    <a:pt x="0" y="1520419"/>
+                    <a:pt x="0" y="1224540"/>
+                  </a:cubicBezTo>
+                  <a:cubicBezTo>
+                    <a:pt x="0" y="548245"/>
+                    <a:pt x="548245" y="0"/>
+                    <a:pt x="1224540" y="0"/>
+                  </a:cubicBezTo>
+                  <a:close/>
+                </a:path>
+              </a:pathLst>
+            </a:custGeom>
+            <a:solidFill>
+              <a:schemeClr val="accent6">
+                <a:lumMod val="40000"/>
+                <a:lumOff val="60000"/>
+              </a:schemeClr>
+            </a:solidFill>
+            <a:ln>
+              <a:noFill/>
+            </a:ln>
+          </p:spPr>
+          <p:style>
+            <a:lnRef idx="2">
+              <a:schemeClr val="accent1">
+                <a:shade val="50000"/>
+              </a:schemeClr>
+            </a:lnRef>
+            <a:fillRef idx="1">
+              <a:schemeClr val="accent1"/>
+            </a:fillRef>
+            <a:effectRef idx="0">
+              <a:schemeClr val="accent1"/>
+            </a:effectRef>
+            <a:fontRef idx="minor">
+              <a:schemeClr val="lt1"/>
+            </a:fontRef>
+          </p:style>
+          <p:txBody>
+            <a:bodyPr wrap="square" rtlCol="0" anchor="ctr">
+              <a:noAutofit/>
+            </a:bodyPr>
+            <a:lstStyle/>
+            <a:p>
+              <a:pPr algn="ctr"/>
+              <a:endParaRPr lang="en-US" sz="900" dirty="0">
+                <a:solidFill>
+                  <a:schemeClr val="bg1"/>
+                </a:solidFill>
+                <a:latin typeface="+mj-lt"/>
+              </a:endParaRPr>
+            </a:p>
+          </p:txBody>
+        </p:sp>
+        <p:sp>
+          <p:nvSpPr>
+            <p:cNvPr id="1047" name="Freeform: Shape 1046">
+              <a:extLst>
+                <a:ext uri="{FF2B5EF4-FFF2-40B4-BE49-F238E27FC236}">
+                  <a16:creationId xmlns:a16="http://schemas.microsoft.com/office/drawing/2014/main" id="{755AC65C-13EF-4182-AA3C-62BE165CC033}"/>
+                </a:ext>
+                <a:ext uri="{C183D7F6-B498-43B3-948B-1728B52AA6E4}">
+                  <adec:decorative xmlns:adec="http://schemas.microsoft.com/office/drawing/2017/decorative" val="1"/>
+                </a:ext>
+              </a:extLst>
+            </p:cNvPr>
+            <p:cNvSpPr/>
+            <p:nvPr>
+              <p:extLst>
+                <p:ext uri="{386F3935-93C4-4BCD-93E2-E3B085C9AB24}">
+                  <p16:designElem xmlns:p16="http://schemas.microsoft.com/office/powerpoint/2015/main" val="1"/>
+                </p:ext>
+              </p:extLst>
+            </p:nvPr>
+          </p:nvSpPr>
+          <p:spPr>
+            <a:xfrm>
+              <a:off x="-1" y="-1"/>
+              <a:ext cx="510196" cy="538336"/>
+            </a:xfrm>
+            <a:custGeom>
+              <a:avLst/>
+              <a:gdLst>
+                <a:gd name="connsiteX0" fmla="*/ 0 w 510196"/>
+                <a:gd name="connsiteY0" fmla="*/ 0 h 538336"/>
+                <a:gd name="connsiteX1" fmla="*/ 459276 w 510196"/>
+                <a:gd name="connsiteY1" fmla="*/ 0 h 538336"/>
+                <a:gd name="connsiteX2" fmla="*/ 482126 w 510196"/>
+                <a:gd name="connsiteY2" fmla="*/ 42098 h 538336"/>
+                <a:gd name="connsiteX3" fmla="*/ 510196 w 510196"/>
+                <a:gd name="connsiteY3" fmla="*/ 181136 h 538336"/>
+                <a:gd name="connsiteX4" fmla="*/ 152996 w 510196"/>
+                <a:gd name="connsiteY4" fmla="*/ 538336 h 538336"/>
+                <a:gd name="connsiteX5" fmla="*/ 13958 w 510196"/>
+                <a:gd name="connsiteY5" fmla="*/ 510266 h 538336"/>
+                <a:gd name="connsiteX6" fmla="*/ 0 w 510196"/>
+                <a:gd name="connsiteY6" fmla="*/ 502690 h 538336"/>
+              </a:gdLst>
+              <a:ahLst/>
+              <a:cxnLst>
+                <a:cxn ang="0">
+                  <a:pos x="connsiteX0" y="connsiteY0"/>
+                </a:cxn>
+                <a:cxn ang="0">
+                  <a:pos x="connsiteX1" y="connsiteY1"/>
+                </a:cxn>
+                <a:cxn ang="0">
+                  <a:pos x="connsiteX2" y="connsiteY2"/>
+                </a:cxn>
+                <a:cxn ang="0">
+                  <a:pos x="connsiteX3" y="connsiteY3"/>
+                </a:cxn>
+                <a:cxn ang="0">
+                  <a:pos x="connsiteX4" y="connsiteY4"/>
+                </a:cxn>
+                <a:cxn ang="0">
+                  <a:pos x="connsiteX5" y="connsiteY5"/>
+                </a:cxn>
+                <a:cxn ang="0">
+                  <a:pos x="connsiteX6" y="connsiteY6"/>
+                </a:cxn>
+              </a:cxnLst>
+              <a:rect l="l" t="t" r="r" b="b"/>
+              <a:pathLst>
+                <a:path w="510196" h="538336">
+                  <a:moveTo>
+                    <a:pt x="0" y="0"/>
+                  </a:moveTo>
+                  <a:lnTo>
+                    <a:pt x="459276" y="0"/>
+                  </a:lnTo>
+                  <a:lnTo>
+                    <a:pt x="482126" y="42098"/>
+                  </a:lnTo>
+                  <a:cubicBezTo>
+                    <a:pt x="500201" y="84833"/>
+                    <a:pt x="510196" y="131817"/>
+                    <a:pt x="510196" y="181136"/>
+                  </a:cubicBezTo>
+                  <a:cubicBezTo>
+                    <a:pt x="510196" y="378412"/>
+                    <a:pt x="350272" y="538336"/>
+                    <a:pt x="152996" y="538336"/>
+                  </a:cubicBezTo>
+                  <a:cubicBezTo>
+                    <a:pt x="103677" y="538336"/>
+                    <a:pt x="56693" y="528341"/>
+                    <a:pt x="13958" y="510266"/>
+                  </a:cubicBezTo>
+                  <a:lnTo>
+                    <a:pt x="0" y="502690"/>
+                  </a:lnTo>
+                  <a:close/>
+                </a:path>
+              </a:pathLst>
+            </a:custGeom>
+            <a:solidFill>
+              <a:schemeClr val="accent1">
+                <a:lumMod val="20000"/>
+                <a:lumOff val="80000"/>
+              </a:schemeClr>
+            </a:solidFill>
+            <a:ln>
+              <a:noFill/>
+            </a:ln>
+          </p:spPr>
+          <p:style>
+            <a:lnRef idx="2">
+              <a:schemeClr val="accent1">
+                <a:shade val="50000"/>
+              </a:schemeClr>
+            </a:lnRef>
+            <a:fillRef idx="1">
+              <a:schemeClr val="accent1"/>
+            </a:fillRef>
+            <a:effectRef idx="0">
+              <a:schemeClr val="accent1"/>
+            </a:effectRef>
+            <a:fontRef idx="minor">
+              <a:schemeClr val="lt1"/>
+            </a:fontRef>
+          </p:style>
+          <p:txBody>
+            <a:bodyPr wrap="square" rtlCol="0" anchor="ctr">
+              <a:noAutofit/>
+            </a:bodyPr>
+            <a:lstStyle/>
+            <a:p>
+              <a:pPr algn="ctr"/>
+              <a:endParaRPr lang="en-US" sz="900" dirty="0">
+                <a:solidFill>
+                  <a:schemeClr val="bg1"/>
+                </a:solidFill>
+                <a:latin typeface="+mj-lt"/>
+              </a:endParaRPr>
+            </a:p>
+          </p:txBody>
+        </p:sp>
+        <p:sp>
+          <p:nvSpPr>
+            <p:cNvPr id="1048" name="Freeform: Shape 1047">
+              <a:extLst>
+                <a:ext uri="{FF2B5EF4-FFF2-40B4-BE49-F238E27FC236}">
+                  <a16:creationId xmlns:a16="http://schemas.microsoft.com/office/drawing/2014/main" id="{E40DA8D2-FA4B-4282-9D44-48C27B63A153}"/>
+                </a:ext>
+                <a:ext uri="{C183D7F6-B498-43B3-948B-1728B52AA6E4}">
+                  <adec:decorative xmlns:adec="http://schemas.microsoft.com/office/drawing/2017/decorative" val="1"/>
+                </a:ext>
+              </a:extLst>
+            </p:cNvPr>
+            <p:cNvSpPr/>
+            <p:nvPr>
+              <p:extLst>
+                <p:ext uri="{386F3935-93C4-4BCD-93E2-E3B085C9AB24}">
+                  <p16:designElem xmlns:p16="http://schemas.microsoft.com/office/powerpoint/2015/main" val="1"/>
+                </p:ext>
+              </p:extLst>
+            </p:nvPr>
+          </p:nvSpPr>
+          <p:spPr>
+            <a:xfrm>
+              <a:off x="10528695" y="1"/>
+              <a:ext cx="554074" cy="282754"/>
+            </a:xfrm>
+            <a:custGeom>
+              <a:avLst/>
+              <a:gdLst>
+                <a:gd name="connsiteX0" fmla="*/ 644 w 309162"/>
+                <a:gd name="connsiteY0" fmla="*/ 0 h 157771"/>
+                <a:gd name="connsiteX1" fmla="*/ 308518 w 309162"/>
+                <a:gd name="connsiteY1" fmla="*/ 0 h 157771"/>
+                <a:gd name="connsiteX2" fmla="*/ 309162 w 309162"/>
+                <a:gd name="connsiteY2" fmla="*/ 3190 h 157771"/>
+                <a:gd name="connsiteX3" fmla="*/ 154581 w 309162"/>
+                <a:gd name="connsiteY3" fmla="*/ 157771 h 157771"/>
+                <a:gd name="connsiteX4" fmla="*/ 0 w 309162"/>
+                <a:gd name="connsiteY4" fmla="*/ 3190 h 157771"/>
+              </a:gdLst>
+              <a:ahLst/>
+              <a:cxnLst>
+                <a:cxn ang="0">
+                  <a:pos x="connsiteX0" y="connsiteY0"/>
+                </a:cxn>
+                <a:cxn ang="0">
+                  <a:pos x="connsiteX1" y="connsiteY1"/>
+                </a:cxn>
+                <a:cxn ang="0">
+                  <a:pos x="connsiteX2" y="connsiteY2"/>
+                </a:cxn>
+                <a:cxn ang="0">
+                  <a:pos x="connsiteX3" y="connsiteY3"/>
+                </a:cxn>
+                <a:cxn ang="0">
+                  <a:pos x="connsiteX4" y="connsiteY4"/>
+                </a:cxn>
+              </a:cxnLst>
+              <a:rect l="l" t="t" r="r" b="b"/>
+              <a:pathLst>
+                <a:path w="309162" h="157771">
+                  <a:moveTo>
+                    <a:pt x="644" y="0"/>
+                  </a:moveTo>
+                  <a:lnTo>
+                    <a:pt x="308518" y="0"/>
+                  </a:lnTo>
+                  <a:lnTo>
+                    <a:pt x="309162" y="3190"/>
+                  </a:lnTo>
+                  <a:cubicBezTo>
+                    <a:pt x="309162" y="88563"/>
+                    <a:pt x="239954" y="157771"/>
+                    <a:pt x="154581" y="157771"/>
+                  </a:cubicBezTo>
+                  <a:cubicBezTo>
+                    <a:pt x="69208" y="157771"/>
+                    <a:pt x="0" y="88563"/>
+                    <a:pt x="0" y="3190"/>
+                  </a:cubicBezTo>
+                  <a:close/>
+                </a:path>
+              </a:pathLst>
+            </a:custGeom>
+            <a:solidFill>
+              <a:schemeClr val="accent4">
+                <a:lumMod val="60000"/>
+                <a:lumOff val="40000"/>
+              </a:schemeClr>
+            </a:solidFill>
+            <a:ln>
+              <a:noFill/>
+            </a:ln>
+          </p:spPr>
+          <p:style>
+            <a:lnRef idx="2">
+              <a:schemeClr val="accent1">
+                <a:shade val="50000"/>
+              </a:schemeClr>
+            </a:lnRef>
+            <a:fillRef idx="1">
+              <a:schemeClr val="accent1"/>
+            </a:fillRef>
+            <a:effectRef idx="0">
+              <a:schemeClr val="accent1"/>
+            </a:effectRef>
+            <a:fontRef idx="minor">
+              <a:schemeClr val="lt1"/>
+            </a:fontRef>
+          </p:style>
+          <p:txBody>
+            <a:bodyPr wrap="square" rtlCol="0" anchor="ctr">
+              <a:noAutofit/>
+            </a:bodyPr>
+            <a:lstStyle/>
+            <a:p>
+              <a:pPr algn="ctr"/>
+              <a:endParaRPr lang="en-US" sz="900" dirty="0">
+                <a:solidFill>
+                  <a:schemeClr val="bg1"/>
+                </a:solidFill>
+                <a:latin typeface="+mj-lt"/>
+              </a:endParaRPr>
+            </a:p>
+          </p:txBody>
+        </p:sp>
+        <p:sp>
+          <p:nvSpPr>
+            <p:cNvPr id="1049" name="Oval 1048">
+              <a:extLst>
+                <a:ext uri="{FF2B5EF4-FFF2-40B4-BE49-F238E27FC236}">
+                  <a16:creationId xmlns:a16="http://schemas.microsoft.com/office/drawing/2014/main" id="{99065014-CB18-414D-A527-31ECC45700AB}"/>
+                </a:ext>
+                <a:ext uri="{C183D7F6-B498-43B3-948B-1728B52AA6E4}">
+                  <adec:decorative xmlns:adec="http://schemas.microsoft.com/office/drawing/2017/decorative" val="1"/>
+                </a:ext>
+              </a:extLst>
+            </p:cNvPr>
+            <p:cNvSpPr/>
+            <p:nvPr>
+              <p:extLst>
+                <p:ext uri="{386F3935-93C4-4BCD-93E2-E3B085C9AB24}">
+                  <p16:designElem xmlns:p16="http://schemas.microsoft.com/office/powerpoint/2015/main" val="1"/>
+                </p:ext>
+              </p:extLst>
+            </p:nvPr>
+          </p:nvSpPr>
+          <p:spPr>
+            <a:xfrm>
+              <a:off x="504140" y="1132500"/>
+              <a:ext cx="84680" cy="84680"/>
+            </a:xfrm>
+            <a:prstGeom prst="ellipse">
+              <a:avLst/>
+            </a:prstGeom>
+            <a:solidFill>
+              <a:schemeClr val="accent2"/>
+            </a:solidFill>
+            <a:ln>
+              <a:noFill/>
+            </a:ln>
+          </p:spPr>
+          <p:style>
+            <a:lnRef idx="0">
+              <a:scrgbClr r="0" g="0" b="0"/>
+            </a:lnRef>
+            <a:fillRef idx="0">
+              <a:scrgbClr r="0" g="0" b="0"/>
+            </a:fillRef>
+            <a:effectRef idx="0">
+              <a:scrgbClr r="0" g="0" b="0"/>
+            </a:effectRef>
+            <a:fontRef idx="minor">
+              <a:schemeClr val="lt1"/>
+            </a:fontRef>
+          </p:style>
+          <p:txBody>
+            <a:bodyPr rtlCol="0" anchor="ctr"/>
+            <a:lstStyle/>
+            <a:p>
+              <a:pPr algn="ctr"/>
+              <a:endParaRPr lang="en-US"/>
+            </a:p>
+          </p:txBody>
+        </p:sp>
+        <p:sp>
+          <p:nvSpPr>
+            <p:cNvPr id="1050" name="Freeform: Shape 1049">
+              <a:extLst>
+                <a:ext uri="{FF2B5EF4-FFF2-40B4-BE49-F238E27FC236}">
+                  <a16:creationId xmlns:a16="http://schemas.microsoft.com/office/drawing/2014/main" id="{8F39E27A-56C1-4328-8DF1-2DA147C78483}"/>
+                </a:ext>
+                <a:ext uri="{C183D7F6-B498-43B3-948B-1728B52AA6E4}">
+                  <adec:decorative xmlns:adec="http://schemas.microsoft.com/office/drawing/2017/decorative" val="1"/>
+                </a:ext>
+              </a:extLst>
+            </p:cNvPr>
+            <p:cNvSpPr/>
+            <p:nvPr>
+              <p:extLst>
+                <p:ext uri="{386F3935-93C4-4BCD-93E2-E3B085C9AB24}">
+                  <p16:designElem xmlns:p16="http://schemas.microsoft.com/office/powerpoint/2015/main" val="1"/>
+                </p:ext>
+              </p:extLst>
+            </p:nvPr>
+          </p:nvSpPr>
+          <p:spPr>
+            <a:xfrm>
+              <a:off x="12051348" y="5576515"/>
+              <a:ext cx="137603" cy="210490"/>
+            </a:xfrm>
+            <a:custGeom>
+              <a:avLst/>
+              <a:gdLst>
+                <a:gd name="connsiteX0" fmla="*/ 105245 w 137603"/>
+                <a:gd name="connsiteY0" fmla="*/ 0 h 210490"/>
+                <a:gd name="connsiteX1" fmla="*/ 137603 w 137603"/>
+                <a:gd name="connsiteY1" fmla="*/ 6533 h 210490"/>
+                <a:gd name="connsiteX2" fmla="*/ 137603 w 137603"/>
+                <a:gd name="connsiteY2" fmla="*/ 203957 h 210490"/>
+                <a:gd name="connsiteX3" fmla="*/ 105245 w 137603"/>
+                <a:gd name="connsiteY3" fmla="*/ 210490 h 210490"/>
+                <a:gd name="connsiteX4" fmla="*/ 0 w 137603"/>
+                <a:gd name="connsiteY4" fmla="*/ 105245 h 210490"/>
+                <a:gd name="connsiteX5" fmla="*/ 105245 w 137603"/>
+                <a:gd name="connsiteY5" fmla="*/ 0 h 210490"/>
+              </a:gdLst>
+              <a:ahLst/>
+              <a:cxnLst>
+                <a:cxn ang="0">
+                  <a:pos x="connsiteX0" y="connsiteY0"/>
+                </a:cxn>
+                <a:cxn ang="0">
+                  <a:pos x="connsiteX1" y="connsiteY1"/>
+                </a:cxn>
+                <a:cxn ang="0">
+                  <a:pos x="connsiteX2" y="connsiteY2"/>
+                </a:cxn>
+                <a:cxn ang="0">
+                  <a:pos x="connsiteX3" y="connsiteY3"/>
+                </a:cxn>
+                <a:cxn ang="0">
+                  <a:pos x="connsiteX4" y="connsiteY4"/>
+                </a:cxn>
+                <a:cxn ang="0">
+                  <a:pos x="connsiteX5" y="connsiteY5"/>
+                </a:cxn>
+              </a:cxnLst>
+              <a:rect l="l" t="t" r="r" b="b"/>
+              <a:pathLst>
+                <a:path w="137603" h="210490">
+                  <a:moveTo>
+                    <a:pt x="105245" y="0"/>
+                  </a:moveTo>
+                  <a:lnTo>
+                    <a:pt x="137603" y="6533"/>
+                  </a:lnTo>
+                  <a:lnTo>
+                    <a:pt x="137603" y="203957"/>
+                  </a:lnTo>
+                  <a:lnTo>
+                    <a:pt x="105245" y="210490"/>
+                  </a:lnTo>
+                  <a:cubicBezTo>
+                    <a:pt x="47120" y="210490"/>
+                    <a:pt x="0" y="163370"/>
+                    <a:pt x="0" y="105245"/>
+                  </a:cubicBezTo>
+                  <a:cubicBezTo>
+                    <a:pt x="0" y="47120"/>
+                    <a:pt x="47120" y="0"/>
+                    <a:pt x="105245" y="0"/>
+                  </a:cubicBezTo>
+                  <a:close/>
+                </a:path>
+              </a:pathLst>
+            </a:custGeom>
+            <a:solidFill>
+              <a:schemeClr val="accent3">
+                <a:lumMod val="40000"/>
+                <a:lumOff val="60000"/>
+              </a:schemeClr>
+            </a:solidFill>
+            <a:ln>
+              <a:noFill/>
+            </a:ln>
+          </p:spPr>
+          <p:style>
+            <a:lnRef idx="2">
+              <a:schemeClr val="accent1">
+                <a:shade val="50000"/>
+              </a:schemeClr>
+            </a:lnRef>
+            <a:fillRef idx="1">
+              <a:schemeClr val="accent1"/>
+            </a:fillRef>
+            <a:effectRef idx="0">
+              <a:schemeClr val="accent1"/>
+            </a:effectRef>
+            <a:fontRef idx="minor">
+              <a:schemeClr val="lt1"/>
+            </a:fontRef>
+          </p:style>
+          <p:txBody>
+            <a:bodyPr wrap="square" rtlCol="0" anchor="ctr">
+              <a:noAutofit/>
+            </a:bodyPr>
+            <a:lstStyle/>
+            <a:p>
+              <a:pPr algn="ctr"/>
+              <a:endParaRPr lang="en-US" sz="900" dirty="0">
+                <a:solidFill>
+                  <a:schemeClr val="bg1"/>
+                </a:solidFill>
+                <a:latin typeface="+mj-lt"/>
+              </a:endParaRPr>
+            </a:p>
+          </p:txBody>
+        </p:sp>
+      </p:grpSp>
+      <p:sp useBgFill="1">
+        <p:nvSpPr>
+          <p:cNvPr id="1052" name="Rectangle 1051">
+            <a:extLst>
+              <a:ext uri="{FF2B5EF4-FFF2-40B4-BE49-F238E27FC236}">
+                <a16:creationId xmlns:a16="http://schemas.microsoft.com/office/drawing/2014/main" id="{B7818AA9-82F7-46F6-8A83-1A6258163B48}"/>
+              </a:ext>
+              <a:ext uri="{C183D7F6-B498-43B3-948B-1728B52AA6E4}">
+                <adec:decorative xmlns:adec="http://schemas.microsoft.com/office/drawing/2017/decorative" val="1"/>
+              </a:ext>
+            </a:extLst>
+          </p:cNvPr>
+          <p:cNvSpPr>
+            <a:spLocks noGrp="1" noRot="1" noChangeAspect="1" noMove="1" noResize="1" noEditPoints="1" noAdjustHandles="1" noChangeArrowheads="1" noChangeShapeType="1" noTextEdit="1"/>
+          </p:cNvSpPr>
+          <p:nvPr>
+            <p:extLst>
+              <p:ext uri="{386F3935-93C4-4BCD-93E2-E3B085C9AB24}">
+                <p16:designElem xmlns:p16="http://schemas.microsoft.com/office/powerpoint/2015/main" val="1"/>
+              </p:ext>
+            </p:extLst>
+          </p:nvPr>
+        </p:nvSpPr>
+        <p:spPr>
+          <a:xfrm>
+            <a:off x="-1" y="0"/>
+            <a:ext cx="12188952" cy="6858000"/>
+          </a:xfrm>
+          <a:prstGeom prst="rect">
+            <a:avLst/>
+          </a:prstGeom>
+          <a:ln>
+            <a:noFill/>
+          </a:ln>
+        </p:spPr>
+        <p:style>
+          <a:lnRef idx="2">
+            <a:schemeClr val="accent1">
+              <a:shade val="50000"/>
+            </a:schemeClr>
+          </a:lnRef>
+          <a:fillRef idx="1">
+            <a:schemeClr val="accent1"/>
+          </a:fillRef>
+          <a:effectRef idx="0">
+            <a:schemeClr val="accent1"/>
+          </a:effectRef>
+          <a:fontRef idx="minor">
+            <a:schemeClr val="lt1"/>
+          </a:fontRef>
+        </p:style>
+        <p:txBody>
+          <a:bodyPr rtlCol="0" anchor="ctr"/>
+          <a:lstStyle/>
+          <a:p>
+            <a:pPr algn="ctr"/>
+            <a:endParaRPr lang="en-US" dirty="0"/>
+          </a:p>
+        </p:txBody>
+      </p:sp>
+      <p:pic>
+        <p:nvPicPr>
+          <p:cNvPr id="1026" name="Picture 2" descr="What is Port | Learn the Importance and Types of Port in Detail">
+            <a:extLst>
+              <a:ext uri="{FF2B5EF4-FFF2-40B4-BE49-F238E27FC236}">
+                <a16:creationId xmlns:a16="http://schemas.microsoft.com/office/drawing/2014/main" id="{3A42E78D-DA9E-D916-EB22-6565FEDF35C5}"/>
+              </a:ext>
+            </a:extLst>
+          </p:cNvPr>
+          <p:cNvPicPr>
+            <a:picLocks noGrp="1" noChangeAspect="1" noChangeArrowheads="1"/>
+          </p:cNvPicPr>
+          <p:nvPr>
+            <p:ph idx="1"/>
+          </p:nvPr>
+        </p:nvPicPr>
+        <p:blipFill>
+          <a:blip r:embed="rId2">
+            <a:alphaModFix/>
+            <a:extLst>
+              <a:ext uri="{28A0092B-C50C-407E-A947-70E740481C1C}">
+                <a14:useLocalDpi xmlns:a14="http://schemas.microsoft.com/office/drawing/2010/main" val="0"/>
+              </a:ext>
+            </a:extLst>
+          </a:blip>
+          <a:srcRect r="1334"/>
+          <a:stretch>
+            <a:fillRect/>
+          </a:stretch>
+        </p:blipFill>
+        <p:spPr bwMode="auto">
+          <a:xfrm>
+            <a:off x="-1" y="10"/>
+            <a:ext cx="12192001" cy="6857990"/>
+          </a:xfrm>
+          <a:prstGeom prst="rect">
+            <a:avLst/>
+          </a:prstGeom>
+          <a:noFill/>
+          <a:extLst>
+            <a:ext uri="{909E8E84-426E-40DD-AFC4-6F175D3DCCD1}">
+              <a14:hiddenFill xmlns:a14="http://schemas.microsoft.com/office/drawing/2010/main">
+                <a:solidFill>
+                  <a:srgbClr val="FFFFFF"/>
+                </a:solidFill>
+              </a14:hiddenFill>
+            </a:ext>
+          </a:extLst>
+        </p:spPr>
+      </p:pic>
+      <p:grpSp>
+        <p:nvGrpSpPr>
+          <p:cNvPr id="1054" name="Group 1053">
+            <a:extLst>
+              <a:ext uri="{FF2B5EF4-FFF2-40B4-BE49-F238E27FC236}">
+                <a16:creationId xmlns:a16="http://schemas.microsoft.com/office/drawing/2014/main" id="{FCEBDFAC-E3E5-4883-8BE7-B43474AE3BB3}"/>
+              </a:ext>
+              <a:ext uri="{C183D7F6-B498-43B3-948B-1728B52AA6E4}">
+                <adec:decorative xmlns:adec="http://schemas.microsoft.com/office/drawing/2017/decorative" val="1"/>
+              </a:ext>
+            </a:extLst>
+          </p:cNvPr>
+          <p:cNvGrpSpPr>
+            <a:grpSpLocks noGrp="1" noUngrp="1" noRot="1" noChangeAspect="1" noMove="1" noResize="1"/>
+          </p:cNvGrpSpPr>
+          <p:nvPr>
+            <p:extLst>
+              <p:ext uri="{386F3935-93C4-4BCD-93E2-E3B085C9AB24}">
+                <p16:designElem xmlns:p16="http://schemas.microsoft.com/office/powerpoint/2015/main" val="1"/>
+              </p:ext>
+            </p:extLst>
+          </p:nvPr>
+        </p:nvGrpSpPr>
+        <p:grpSpPr>
+          <a:xfrm>
+            <a:off x="310450" y="236341"/>
+            <a:ext cx="11410891" cy="5901949"/>
+            <a:chOff x="310450" y="236341"/>
+            <a:chExt cx="11410891" cy="5901949"/>
+          </a:xfrm>
+        </p:grpSpPr>
+        <p:sp>
+          <p:nvSpPr>
+            <p:cNvPr id="1055" name="Oval 1054">
+              <a:extLst>
+                <a:ext uri="{FF2B5EF4-FFF2-40B4-BE49-F238E27FC236}">
+                  <a16:creationId xmlns:a16="http://schemas.microsoft.com/office/drawing/2014/main" id="{526A544A-3C76-4502-A741-F4DB0E2CD2FD}"/>
+                </a:ext>
+                <a:ext uri="{C183D7F6-B498-43B3-948B-1728B52AA6E4}">
+                  <adec:decorative xmlns:adec="http://schemas.microsoft.com/office/drawing/2017/decorative" val="1"/>
+                </a:ext>
+              </a:extLst>
+            </p:cNvPr>
+            <p:cNvSpPr/>
+            <p:nvPr>
+              <p:extLst>
+                <p:ext uri="{386F3935-93C4-4BCD-93E2-E3B085C9AB24}">
+                  <p16:designElem xmlns:p16="http://schemas.microsoft.com/office/powerpoint/2015/main" val="1"/>
+                </p:ext>
+              </p:extLst>
+            </p:nvPr>
+          </p:nvSpPr>
+          <p:spPr>
+            <a:xfrm>
+              <a:off x="1085328" y="1050301"/>
+              <a:ext cx="94160" cy="94160"/>
+            </a:xfrm>
+            <a:prstGeom prst="ellipse">
+              <a:avLst/>
+            </a:prstGeom>
+            <a:solidFill>
+              <a:srgbClr val="E3BEBE">
+                <a:alpha val="28000"/>
+              </a:srgbClr>
+            </a:solidFill>
+            <a:ln>
+              <a:noFill/>
+            </a:ln>
+          </p:spPr>
+          <p:style>
+            <a:lnRef idx="2">
+              <a:schemeClr val="accent1">
+                <a:shade val="50000"/>
+              </a:schemeClr>
+            </a:lnRef>
+            <a:fillRef idx="1">
+              <a:schemeClr val="accent1"/>
+            </a:fillRef>
+            <a:effectRef idx="0">
+              <a:schemeClr val="accent1"/>
+            </a:effectRef>
+            <a:fontRef idx="minor">
+              <a:schemeClr val="lt1"/>
+            </a:fontRef>
+          </p:style>
+          <p:txBody>
+            <a:bodyPr rtlCol="0" anchor="ctr"/>
+            <a:lstStyle/>
+            <a:p>
+              <a:pPr algn="ctr"/>
+              <a:endParaRPr lang="en-US"/>
+            </a:p>
+          </p:txBody>
+        </p:sp>
+        <p:sp>
+          <p:nvSpPr>
+            <p:cNvPr id="1056" name="Oval 1055">
+              <a:extLst>
+                <a:ext uri="{FF2B5EF4-FFF2-40B4-BE49-F238E27FC236}">
+                  <a16:creationId xmlns:a16="http://schemas.microsoft.com/office/drawing/2014/main" id="{017B8593-D171-47B5-8D1A-E34E7B138476}"/>
+                </a:ext>
+                <a:ext uri="{C183D7F6-B498-43B3-948B-1728B52AA6E4}">
+                  <adec:decorative xmlns:adec="http://schemas.microsoft.com/office/drawing/2017/decorative" val="1"/>
+                </a:ext>
+              </a:extLst>
+            </p:cNvPr>
+            <p:cNvSpPr/>
+            <p:nvPr>
+              <p:extLst>
+                <p:ext uri="{386F3935-93C4-4BCD-93E2-E3B085C9AB24}">
+                  <p16:designElem xmlns:p16="http://schemas.microsoft.com/office/powerpoint/2015/main" val="1"/>
+                </p:ext>
+              </p:extLst>
+            </p:nvPr>
+          </p:nvSpPr>
+          <p:spPr>
+            <a:xfrm>
+              <a:off x="310450" y="1144461"/>
+              <a:ext cx="226735" cy="226735"/>
+            </a:xfrm>
+            <a:prstGeom prst="ellipse">
+              <a:avLst/>
+            </a:prstGeom>
+            <a:solidFill>
+              <a:schemeClr val="tx2">
+                <a:lumMod val="50000"/>
+                <a:lumOff val="50000"/>
+              </a:schemeClr>
+            </a:solidFill>
+            <a:ln>
+              <a:noFill/>
+            </a:ln>
+          </p:spPr>
+          <p:style>
+            <a:lnRef idx="2">
+              <a:schemeClr val="accent1">
+                <a:shade val="50000"/>
+              </a:schemeClr>
+            </a:lnRef>
+            <a:fillRef idx="1">
+              <a:schemeClr val="accent1"/>
+            </a:fillRef>
+            <a:effectRef idx="0">
+              <a:schemeClr val="accent1"/>
+            </a:effectRef>
+            <a:fontRef idx="minor">
+              <a:schemeClr val="lt1"/>
+            </a:fontRef>
+          </p:style>
+          <p:txBody>
+            <a:bodyPr rtlCol="0" anchor="ctr"/>
+            <a:lstStyle/>
+            <a:p>
+              <a:pPr algn="ctr"/>
+              <a:endParaRPr lang="en-US"/>
+            </a:p>
+          </p:txBody>
+        </p:sp>
+        <p:sp>
+          <p:nvSpPr>
+            <p:cNvPr id="1057" name="Oval 1056">
+              <a:extLst>
+                <a:ext uri="{FF2B5EF4-FFF2-40B4-BE49-F238E27FC236}">
+                  <a16:creationId xmlns:a16="http://schemas.microsoft.com/office/drawing/2014/main" id="{1FEF60D4-64F6-450F-B86D-383EEA1C843F}"/>
+                </a:ext>
+                <a:ext uri="{C183D7F6-B498-43B3-948B-1728B52AA6E4}">
+                  <adec:decorative xmlns:adec="http://schemas.microsoft.com/office/drawing/2017/decorative" val="1"/>
+                </a:ext>
+              </a:extLst>
+            </p:cNvPr>
+            <p:cNvSpPr/>
+            <p:nvPr>
+              <p:extLst>
+                <p:ext uri="{386F3935-93C4-4BCD-93E2-E3B085C9AB24}">
+                  <p16:designElem xmlns:p16="http://schemas.microsoft.com/office/powerpoint/2015/main" val="1"/>
+                </p:ext>
+              </p:extLst>
+            </p:nvPr>
+          </p:nvSpPr>
+          <p:spPr>
+            <a:xfrm>
+              <a:off x="11188374" y="386135"/>
+              <a:ext cx="466441" cy="466441"/>
+            </a:xfrm>
+            <a:prstGeom prst="ellipse">
+              <a:avLst/>
+            </a:prstGeom>
+            <a:solidFill>
+              <a:schemeClr val="accent2">
+                <a:lumMod val="60000"/>
+                <a:lumOff val="40000"/>
+                <a:alpha val="72000"/>
+              </a:schemeClr>
+            </a:solidFill>
+            <a:ln>
+              <a:noFill/>
+            </a:ln>
+          </p:spPr>
+          <p:style>
+            <a:lnRef idx="2">
+              <a:schemeClr val="accent1">
+                <a:shade val="50000"/>
+              </a:schemeClr>
+            </a:lnRef>
+            <a:fillRef idx="1">
+              <a:schemeClr val="accent1"/>
+            </a:fillRef>
+            <a:effectRef idx="0">
+              <a:schemeClr val="accent1"/>
+            </a:effectRef>
+            <a:fontRef idx="minor">
+              <a:schemeClr val="lt1"/>
+            </a:fontRef>
+          </p:style>
+          <p:txBody>
+            <a:bodyPr rtlCol="0" anchor="ctr"/>
+            <a:lstStyle/>
+            <a:p>
+              <a:pPr algn="ctr"/>
+              <a:endParaRPr lang="en-US"/>
+            </a:p>
+          </p:txBody>
+        </p:sp>
+        <p:sp>
+          <p:nvSpPr>
+            <p:cNvPr id="1058" name="Oval 1057">
+              <a:extLst>
+                <a:ext uri="{FF2B5EF4-FFF2-40B4-BE49-F238E27FC236}">
+                  <a16:creationId xmlns:a16="http://schemas.microsoft.com/office/drawing/2014/main" id="{A97D4A7C-B520-46CB-9A94-711F53997BDB}"/>
+                </a:ext>
+                <a:ext uri="{C183D7F6-B498-43B3-948B-1728B52AA6E4}">
+                  <adec:decorative xmlns:adec="http://schemas.microsoft.com/office/drawing/2017/decorative" val="1"/>
+                </a:ext>
+              </a:extLst>
+            </p:cNvPr>
+            <p:cNvSpPr/>
+            <p:nvPr>
+              <p:extLst>
+                <p:ext uri="{386F3935-93C4-4BCD-93E2-E3B085C9AB24}">
+                  <p16:designElem xmlns:p16="http://schemas.microsoft.com/office/powerpoint/2015/main" val="1"/>
+                </p:ext>
+              </p:extLst>
+            </p:nvPr>
+          </p:nvSpPr>
+          <p:spPr>
+            <a:xfrm>
+              <a:off x="11065714" y="236341"/>
+              <a:ext cx="113367" cy="113367"/>
+            </a:xfrm>
+            <a:prstGeom prst="ellipse">
+              <a:avLst/>
+            </a:prstGeom>
+            <a:solidFill>
+              <a:srgbClr val="F39E29"/>
+            </a:solidFill>
+            <a:ln>
+              <a:noFill/>
+            </a:ln>
+          </p:spPr>
+          <p:style>
+            <a:lnRef idx="2">
+              <a:schemeClr val="accent1">
+                <a:shade val="50000"/>
+              </a:schemeClr>
+            </a:lnRef>
+            <a:fillRef idx="1">
+              <a:schemeClr val="accent1"/>
+            </a:fillRef>
+            <a:effectRef idx="0">
+              <a:schemeClr val="accent1"/>
+            </a:effectRef>
+            <a:fontRef idx="minor">
+              <a:schemeClr val="lt1"/>
+            </a:fontRef>
+          </p:style>
+          <p:txBody>
+            <a:bodyPr rtlCol="0" anchor="ctr"/>
+            <a:lstStyle/>
+            <a:p>
+              <a:pPr algn="ctr"/>
+              <a:endParaRPr lang="en-US"/>
+            </a:p>
+          </p:txBody>
+        </p:sp>
+        <p:sp>
+          <p:nvSpPr>
+            <p:cNvPr id="1059" name="Oval 1058">
+              <a:extLst>
+                <a:ext uri="{FF2B5EF4-FFF2-40B4-BE49-F238E27FC236}">
+                  <a16:creationId xmlns:a16="http://schemas.microsoft.com/office/drawing/2014/main" id="{2B7B976F-E84B-4936-90D7-C8298A5E7BD0}"/>
+                </a:ext>
+                <a:ext uri="{C183D7F6-B498-43B3-948B-1728B52AA6E4}">
+                  <adec:decorative xmlns:adec="http://schemas.microsoft.com/office/drawing/2017/decorative" val="1"/>
+                </a:ext>
+              </a:extLst>
+            </p:cNvPr>
+            <p:cNvSpPr/>
+            <p:nvPr>
+              <p:extLst>
+                <p:ext uri="{386F3935-93C4-4BCD-93E2-E3B085C9AB24}">
+                  <p16:designElem xmlns:p16="http://schemas.microsoft.com/office/powerpoint/2015/main" val="1"/>
+                </p:ext>
+              </p:extLst>
+            </p:nvPr>
+          </p:nvSpPr>
+          <p:spPr>
+            <a:xfrm>
+              <a:off x="537185" y="538093"/>
+              <a:ext cx="466441" cy="466441"/>
+            </a:xfrm>
+            <a:prstGeom prst="ellipse">
+              <a:avLst/>
+            </a:prstGeom>
+            <a:solidFill>
+              <a:schemeClr val="accent1"/>
+            </a:solidFill>
+            <a:ln>
+              <a:noFill/>
+            </a:ln>
+          </p:spPr>
+          <p:style>
+            <a:lnRef idx="2">
+              <a:schemeClr val="accent1">
+                <a:shade val="50000"/>
+              </a:schemeClr>
+            </a:lnRef>
+            <a:fillRef idx="1">
+              <a:schemeClr val="accent1"/>
+            </a:fillRef>
+            <a:effectRef idx="0">
+              <a:schemeClr val="accent1"/>
+            </a:effectRef>
+            <a:fontRef idx="minor">
+              <a:schemeClr val="lt1"/>
+            </a:fontRef>
+          </p:style>
+          <p:txBody>
+            <a:bodyPr rtlCol="0" anchor="ctr"/>
+            <a:lstStyle/>
+            <a:p>
+              <a:pPr algn="ctr"/>
+              <a:endParaRPr lang="en-US"/>
+            </a:p>
+          </p:txBody>
+        </p:sp>
+        <p:sp>
+          <p:nvSpPr>
+            <p:cNvPr id="1060" name="Oval 1059">
+              <a:extLst>
+                <a:ext uri="{FF2B5EF4-FFF2-40B4-BE49-F238E27FC236}">
+                  <a16:creationId xmlns:a16="http://schemas.microsoft.com/office/drawing/2014/main" id="{DC91FFEC-59DF-4D22-A925-F5152076924B}"/>
+                </a:ext>
+                <a:ext uri="{C183D7F6-B498-43B3-948B-1728B52AA6E4}">
+                  <adec:decorative xmlns:adec="http://schemas.microsoft.com/office/drawing/2017/decorative" val="1"/>
+                </a:ext>
+              </a:extLst>
+            </p:cNvPr>
+            <p:cNvSpPr/>
+            <p:nvPr>
+              <p:extLst>
+                <p:ext uri="{386F3935-93C4-4BCD-93E2-E3B085C9AB24}">
+                  <p16:designElem xmlns:p16="http://schemas.microsoft.com/office/powerpoint/2015/main" val="1"/>
+                </p:ext>
+              </p:extLst>
+            </p:nvPr>
+          </p:nvSpPr>
+          <p:spPr>
+            <a:xfrm>
+              <a:off x="11498320" y="5269378"/>
+              <a:ext cx="223021" cy="223021"/>
+            </a:xfrm>
+            <a:prstGeom prst="ellipse">
+              <a:avLst/>
+            </a:prstGeom>
+            <a:solidFill>
+              <a:schemeClr val="accent3"/>
+            </a:solidFill>
+            <a:ln>
+              <a:noFill/>
+            </a:ln>
+          </p:spPr>
+          <p:style>
+            <a:lnRef idx="2">
+              <a:schemeClr val="accent1">
+                <a:shade val="50000"/>
+              </a:schemeClr>
+            </a:lnRef>
+            <a:fillRef idx="1">
+              <a:schemeClr val="accent1"/>
+            </a:fillRef>
+            <a:effectRef idx="0">
+              <a:schemeClr val="accent1"/>
+            </a:effectRef>
+            <a:fontRef idx="minor">
+              <a:schemeClr val="lt1"/>
+            </a:fontRef>
+          </p:style>
+          <p:txBody>
+            <a:bodyPr rtlCol="0" anchor="ctr"/>
+            <a:lstStyle/>
+            <a:p>
+              <a:pPr algn="ctr"/>
+              <a:endParaRPr lang="en-US"/>
+            </a:p>
+          </p:txBody>
+        </p:sp>
+        <p:sp>
+          <p:nvSpPr>
+            <p:cNvPr id="1061" name="Oval 1060">
+              <a:extLst>
+                <a:ext uri="{FF2B5EF4-FFF2-40B4-BE49-F238E27FC236}">
+                  <a16:creationId xmlns:a16="http://schemas.microsoft.com/office/drawing/2014/main" id="{58931E95-0847-47E4-8AEC-312312A03232}"/>
+                </a:ext>
+                <a:ext uri="{C183D7F6-B498-43B3-948B-1728B52AA6E4}">
+                  <adec:decorative xmlns:adec="http://schemas.microsoft.com/office/drawing/2017/decorative" val="1"/>
+                </a:ext>
+              </a:extLst>
+            </p:cNvPr>
+            <p:cNvSpPr/>
+            <p:nvPr>
+              <p:extLst>
+                <p:ext uri="{386F3935-93C4-4BCD-93E2-E3B085C9AB24}">
+                  <p16:designElem xmlns:p16="http://schemas.microsoft.com/office/powerpoint/2015/main" val="1"/>
+                </p:ext>
+              </p:extLst>
+            </p:nvPr>
+          </p:nvSpPr>
+          <p:spPr>
+            <a:xfrm>
+              <a:off x="11279878" y="5832510"/>
+              <a:ext cx="305780" cy="305780"/>
+            </a:xfrm>
+            <a:prstGeom prst="ellipse">
+              <a:avLst/>
+            </a:prstGeom>
+            <a:solidFill>
+              <a:schemeClr val="accent1">
+                <a:lumMod val="40000"/>
+                <a:lumOff val="60000"/>
+              </a:schemeClr>
+            </a:solidFill>
+            <a:ln>
+              <a:noFill/>
+            </a:ln>
+          </p:spPr>
+          <p:style>
+            <a:lnRef idx="2">
+              <a:schemeClr val="accent1">
+                <a:shade val="50000"/>
+              </a:schemeClr>
+            </a:lnRef>
+            <a:fillRef idx="1">
+              <a:schemeClr val="accent1"/>
+            </a:fillRef>
+            <a:effectRef idx="0">
+              <a:schemeClr val="accent1"/>
+            </a:effectRef>
+            <a:fontRef idx="minor">
+              <a:schemeClr val="lt1"/>
+            </a:fontRef>
+          </p:style>
+          <p:txBody>
+            <a:bodyPr rtlCol="0" anchor="ctr"/>
+            <a:lstStyle/>
+            <a:p>
+              <a:pPr algn="ctr"/>
+              <a:endParaRPr lang="en-US"/>
+            </a:p>
+          </p:txBody>
+        </p:sp>
+        <p:sp>
+          <p:nvSpPr>
+            <p:cNvPr id="1062" name="Oval 1061">
+              <a:extLst>
+                <a:ext uri="{FF2B5EF4-FFF2-40B4-BE49-F238E27FC236}">
+                  <a16:creationId xmlns:a16="http://schemas.microsoft.com/office/drawing/2014/main" id="{3C094915-EF93-49A0-9B90-C44FB9B5007A}"/>
+                </a:ext>
+                <a:ext uri="{C183D7F6-B498-43B3-948B-1728B52AA6E4}">
+                  <adec:decorative xmlns:adec="http://schemas.microsoft.com/office/drawing/2017/decorative" val="1"/>
+                </a:ext>
+              </a:extLst>
+            </p:cNvPr>
+            <p:cNvSpPr/>
+            <p:nvPr>
+              <p:extLst>
+                <p:ext uri="{386F3935-93C4-4BCD-93E2-E3B085C9AB24}">
+                  <p16:designElem xmlns:p16="http://schemas.microsoft.com/office/powerpoint/2015/main" val="1"/>
+                </p:ext>
+              </p:extLst>
+            </p:nvPr>
+          </p:nvSpPr>
+          <p:spPr>
+            <a:xfrm>
+              <a:off x="10786119" y="5492399"/>
+              <a:ext cx="113367" cy="113367"/>
+            </a:xfrm>
+            <a:prstGeom prst="ellipse">
+              <a:avLst/>
+            </a:prstGeom>
+            <a:solidFill>
+              <a:schemeClr val="accent5"/>
+            </a:solidFill>
+            <a:ln>
+              <a:noFill/>
+            </a:ln>
+          </p:spPr>
+          <p:style>
+            <a:lnRef idx="2">
+              <a:schemeClr val="accent1">
+                <a:shade val="50000"/>
+              </a:schemeClr>
+            </a:lnRef>
+            <a:fillRef idx="1">
+              <a:schemeClr val="accent1"/>
+            </a:fillRef>
+            <a:effectRef idx="0">
+              <a:schemeClr val="accent1"/>
+            </a:effectRef>
+            <a:fontRef idx="minor">
+              <a:schemeClr val="lt1"/>
+            </a:fontRef>
+          </p:style>
+          <p:txBody>
+            <a:bodyPr rtlCol="0" anchor="ctr"/>
+            <a:lstStyle/>
+            <a:p>
+              <a:pPr algn="ctr"/>
+              <a:endParaRPr lang="en-US"/>
+            </a:p>
+          </p:txBody>
+        </p:sp>
+      </p:grpSp>
+      <p:pic>
+        <p:nvPicPr>
+          <p:cNvPr id="4" name="Picture 3">
+            <a:extLst>
+              <a:ext uri="{FF2B5EF4-FFF2-40B4-BE49-F238E27FC236}">
+                <a16:creationId xmlns:a16="http://schemas.microsoft.com/office/drawing/2014/main" id="{E6053C50-334B-9139-A2C6-8BFBDC25FF16}"/>
+              </a:ext>
+            </a:extLst>
+          </p:cNvPr>
+          <p:cNvPicPr>
+            <a:picLocks noChangeAspect="1"/>
+          </p:cNvPicPr>
+          <p:nvPr/>
+        </p:nvPicPr>
+        <p:blipFill>
+          <a:blip r:embed="rId3"/>
+          <a:stretch>
+            <a:fillRect/>
+          </a:stretch>
+        </p:blipFill>
+        <p:spPr>
+          <a:xfrm rot="10800000">
+            <a:off x="9410105" y="6290337"/>
+            <a:ext cx="2778845" cy="542857"/>
+          </a:xfrm>
+          <a:prstGeom prst="rect">
+            <a:avLst/>
+          </a:prstGeom>
+        </p:spPr>
+      </p:pic>
+      <p:pic>
+        <p:nvPicPr>
+          <p:cNvPr id="6" name="Picture 5">
+            <a:extLst>
+              <a:ext uri="{FF2B5EF4-FFF2-40B4-BE49-F238E27FC236}">
+                <a16:creationId xmlns:a16="http://schemas.microsoft.com/office/drawing/2014/main" id="{EC67CD6C-89BC-BA9D-97FA-4BB2868F17D1}"/>
+              </a:ext>
+            </a:extLst>
+          </p:cNvPr>
+          <p:cNvPicPr>
+            <a:picLocks noChangeAspect="1"/>
+          </p:cNvPicPr>
+          <p:nvPr/>
+        </p:nvPicPr>
+        <p:blipFill>
+          <a:blip r:embed="rId4"/>
+          <a:stretch>
+            <a:fillRect/>
+          </a:stretch>
+        </p:blipFill>
+        <p:spPr>
+          <a:xfrm>
+            <a:off x="546479" y="1160673"/>
+            <a:ext cx="5440663" cy="221707"/>
+          </a:xfrm>
+          <a:prstGeom prst="rect">
+            <a:avLst/>
+          </a:prstGeom>
+        </p:spPr>
+      </p:pic>
     </p:spTree>
     <p:extLst>
       <p:ext uri="{BB962C8B-B14F-4D97-AF65-F5344CB8AC3E}">
@@ -26576,13 +28689,170 @@
           </a:xfrm>
         </p:spPr>
         <p:txBody>
-          <a:bodyPr/>
+          <a:bodyPr>
+            <a:normAutofit/>
+          </a:bodyPr>
           <a:lstStyle/>
           <a:p>
             <a:pPr marL="0" indent="0">
               <a:buNone/>
             </a:pPr>
-            <a:endParaRPr lang="en-IN" dirty="0"/>
+            <a:r>
+              <a:rPr lang="en-US" sz="2400" b="1" dirty="0"/>
+              <a:t>Functioning Of Ports</a:t>
+            </a:r>
+          </a:p>
+          <a:p>
+            <a:pPr marL="0" indent="0">
+              <a:buNone/>
+            </a:pPr>
+            <a:r>
+              <a:rPr lang="en-US" sz="2400" dirty="0"/>
+              <a:t>A </a:t>
+            </a:r>
+            <a:r>
+              <a:rPr lang="en-US" sz="2400" b="1" dirty="0">
+                <a:solidFill>
+                  <a:srgbClr val="C00000"/>
+                </a:solidFill>
+              </a:rPr>
+              <a:t>port</a:t>
+            </a:r>
+            <a:r>
+              <a:rPr lang="en-US" sz="2400" dirty="0"/>
+              <a:t> always functions </a:t>
+            </a:r>
+            <a:r>
+              <a:rPr lang="en-US" sz="2400" b="1" dirty="0"/>
+              <a:t>along with </a:t>
+            </a:r>
+            <a:r>
+              <a:rPr lang="en-US" sz="2400" dirty="0"/>
+              <a:t>an </a:t>
+            </a:r>
+            <a:r>
+              <a:rPr lang="en-US" sz="2400" b="1" dirty="0">
+                <a:solidFill>
+                  <a:srgbClr val="C00000"/>
+                </a:solidFill>
+              </a:rPr>
+              <a:t>IP address</a:t>
+            </a:r>
+            <a:r>
+              <a:rPr lang="en-US" sz="2400" dirty="0"/>
+              <a:t>. An IP address is a </a:t>
+            </a:r>
+            <a:r>
+              <a:rPr lang="en-US" sz="2400" b="1" dirty="0"/>
+              <a:t>numeric address </a:t>
+            </a:r>
+            <a:r>
+              <a:rPr lang="en-US" sz="2400" dirty="0"/>
+              <a:t>that acts as an </a:t>
+            </a:r>
+            <a:r>
+              <a:rPr lang="en-US" sz="2400" b="1" dirty="0"/>
+              <a:t>identifier</a:t>
+            </a:r>
+            <a:r>
+              <a:rPr lang="en-US" sz="2400" dirty="0"/>
+              <a:t> for a computer or a device on a network. </a:t>
+            </a:r>
+          </a:p>
+          <a:p>
+            <a:pPr marL="0" indent="0">
+              <a:buNone/>
+            </a:pPr>
+            <a:r>
+              <a:rPr lang="en-US" sz="2400" dirty="0"/>
+              <a:t>For communication purposes, each device needs to have an </a:t>
+            </a:r>
+            <a:r>
+              <a:rPr lang="en-US" sz="2400" b="1" dirty="0"/>
+              <a:t>IP address</a:t>
+            </a:r>
+            <a:r>
+              <a:rPr lang="en-US" sz="2400" dirty="0"/>
+              <a:t>. An IP address and a port number work in sync to </a:t>
+            </a:r>
+            <a:r>
+              <a:rPr lang="en-US" sz="2400" b="1" dirty="0">
+                <a:solidFill>
+                  <a:srgbClr val="002060"/>
+                </a:solidFill>
+              </a:rPr>
+              <a:t>exchange data on a network</a:t>
+            </a:r>
+            <a:r>
+              <a:rPr lang="en-US" sz="2400" dirty="0"/>
+              <a:t>.</a:t>
+            </a:r>
+          </a:p>
+          <a:p>
+            <a:pPr marL="0" indent="0">
+              <a:buNone/>
+            </a:pPr>
+            <a:endParaRPr lang="en-US" sz="800" dirty="0"/>
+          </a:p>
+          <a:p>
+            <a:pPr marL="0" indent="0">
+              <a:buNone/>
+            </a:pPr>
+            <a:r>
+              <a:rPr lang="en-US" sz="2400" b="1" dirty="0"/>
+              <a:t>🔚 Final Conclusion:</a:t>
+            </a:r>
+          </a:p>
+          <a:p>
+            <a:r>
+              <a:rPr lang="en-US" sz="2400" dirty="0"/>
+              <a:t>A domain (or IP address) like localhost or example.com </a:t>
+            </a:r>
+            <a:r>
+              <a:rPr lang="en-US" sz="2400" b="1" dirty="0">
+                <a:solidFill>
+                  <a:srgbClr val="002060"/>
+                </a:solidFill>
+              </a:rPr>
+              <a:t>identifies a machine </a:t>
+            </a:r>
+            <a:r>
+              <a:rPr lang="en-US" sz="2400" dirty="0"/>
+              <a:t>(or server).</a:t>
+            </a:r>
+          </a:p>
+          <a:p>
+            <a:r>
+              <a:rPr lang="en-US" sz="2400" dirty="0"/>
+              <a:t>But a machine can run </a:t>
+            </a:r>
+            <a:r>
+              <a:rPr lang="en-US" sz="2400" b="1" dirty="0"/>
+              <a:t>multiple</a:t>
+            </a:r>
+            <a:r>
+              <a:rPr lang="en-US" sz="2400" dirty="0"/>
+              <a:t> services/servers at the same time.</a:t>
+            </a:r>
+          </a:p>
+          <a:p>
+            <a:r>
+              <a:rPr lang="en-US" sz="2400" dirty="0"/>
+              <a:t>To distinguish between these different services on the </a:t>
+            </a:r>
+            <a:r>
+              <a:rPr lang="en-US" sz="2400" b="1" dirty="0">
+                <a:solidFill>
+                  <a:srgbClr val="002060"/>
+                </a:solidFill>
+              </a:rPr>
+              <a:t>same domain/IP</a:t>
+            </a:r>
+            <a:r>
+              <a:rPr lang="en-US" sz="2400" dirty="0"/>
+              <a:t>, each must listen on a unique port number.</a:t>
+            </a:r>
+            <a:endParaRPr lang="en-IN" sz="2400" dirty="0"/>
           </a:p>
         </p:txBody>
       </p:sp>
@@ -26590,6 +28860,2249 @@
     <p:extLst>
       <p:ext uri="{BB962C8B-B14F-4D97-AF65-F5344CB8AC3E}">
         <p14:creationId xmlns:p14="http://schemas.microsoft.com/office/powerpoint/2010/main" val="3717541931"/>
+      </p:ext>
+    </p:extLst>
+  </p:cSld>
+  <p:clrMapOvr>
+    <a:masterClrMapping/>
+  </p:clrMapOvr>
+</p:sld>
+</file>
+
+<file path=ppt/slides/slide62.xml><?xml version="1.0" encoding="utf-8"?>
+<p:sld xmlns:a="http://schemas.openxmlformats.org/drawingml/2006/main" xmlns:r="http://schemas.openxmlformats.org/officeDocument/2006/relationships" xmlns:p="http://schemas.openxmlformats.org/presentationml/2006/main">
+  <p:cSld>
+    <p:spTree>
+      <p:nvGrpSpPr>
+        <p:cNvPr id="1" name="">
+          <a:extLst>
+            <a:ext uri="{FF2B5EF4-FFF2-40B4-BE49-F238E27FC236}">
+              <a16:creationId xmlns:a16="http://schemas.microsoft.com/office/drawing/2014/main" id="{9A12B55D-CD9F-4092-10BA-09B2B0F57B89}"/>
+            </a:ext>
+          </a:extLst>
+        </p:cNvPr>
+        <p:cNvGrpSpPr/>
+        <p:nvPr/>
+      </p:nvGrpSpPr>
+      <p:grpSpPr>
+        <a:xfrm>
+          <a:off x="0" y="0"/>
+          <a:ext cx="0" cy="0"/>
+          <a:chOff x="0" y="0"/>
+          <a:chExt cx="0" cy="0"/>
+        </a:xfrm>
+      </p:grpSpPr>
+      <p:sp>
+        <p:nvSpPr>
+          <p:cNvPr id="3" name="Content Placeholder 2">
+            <a:extLst>
+              <a:ext uri="{FF2B5EF4-FFF2-40B4-BE49-F238E27FC236}">
+                <a16:creationId xmlns:a16="http://schemas.microsoft.com/office/drawing/2014/main" id="{BA5D8892-46F3-E0D3-6E72-6716D6EC4139}"/>
+              </a:ext>
+            </a:extLst>
+          </p:cNvPr>
+          <p:cNvSpPr>
+            <a:spLocks noGrp="1"/>
+          </p:cNvSpPr>
+          <p:nvPr>
+            <p:ph idx="1"/>
+          </p:nvPr>
+        </p:nvSpPr>
+        <p:spPr>
+          <a:xfrm>
+            <a:off x="777240" y="696686"/>
+            <a:ext cx="10659110" cy="5480277"/>
+          </a:xfrm>
+        </p:spPr>
+        <p:txBody>
+          <a:bodyPr>
+            <a:normAutofit/>
+          </a:bodyPr>
+          <a:lstStyle/>
+          <a:p>
+            <a:pPr marL="0" marR="0">
+              <a:buNone/>
+            </a:pPr>
+            <a:r>
+              <a:rPr lang="en-IN" sz="2400" b="1" dirty="0">
+                <a:effectLst/>
+                <a:latin typeface="Segoe UI Emoji" panose="020B0502040204020203" pitchFamily="34" charset="0"/>
+              </a:rPr>
+              <a:t>📌</a:t>
+            </a:r>
+            <a:r>
+              <a:rPr lang="en-IN" sz="2400" b="1" dirty="0">
+                <a:effectLst/>
+                <a:latin typeface="Calibri" panose="020F0502020204030204" pitchFamily="34" charset="0"/>
+              </a:rPr>
+              <a:t> Example:</a:t>
+            </a:r>
+            <a:endParaRPr lang="en-IN" sz="2400" dirty="0">
+              <a:effectLst/>
+              <a:latin typeface="Calibri" panose="020F0502020204030204" pitchFamily="34" charset="0"/>
+            </a:endParaRPr>
+          </a:p>
+          <a:p>
+            <a:pPr marL="0" marR="0"/>
+            <a:r>
+              <a:rPr lang="en-IN" sz="2400" dirty="0">
+                <a:effectLst/>
+                <a:latin typeface="Calibri" panose="020F0502020204030204" pitchFamily="34" charset="0"/>
+              </a:rPr>
+              <a:t>Suppose you run </a:t>
+            </a:r>
+            <a:r>
+              <a:rPr lang="en-US" sz="2400" b="1" dirty="0">
+                <a:effectLst/>
+                <a:latin typeface="Calibri" panose="020F0502020204030204" pitchFamily="34" charset="0"/>
+              </a:rPr>
+              <a:t>two servers</a:t>
+            </a:r>
+            <a:r>
+              <a:rPr lang="en-IN" sz="2400" dirty="0">
+                <a:effectLst/>
+                <a:latin typeface="Calibri" panose="020F0502020204030204" pitchFamily="34" charset="0"/>
+              </a:rPr>
+              <a:t> on your machine:</a:t>
+            </a:r>
+          </a:p>
+          <a:p>
+            <a:pPr marL="0" marR="0"/>
+            <a:endParaRPr lang="en-IN" sz="2400" dirty="0">
+              <a:latin typeface="Calibri" panose="020F0502020204030204" pitchFamily="34" charset="0"/>
+            </a:endParaRPr>
+          </a:p>
+          <a:p>
+            <a:pPr marL="0" marR="0"/>
+            <a:endParaRPr lang="en-IN" sz="2400" dirty="0">
+              <a:effectLst/>
+              <a:latin typeface="Calibri" panose="020F0502020204030204" pitchFamily="34" charset="0"/>
+            </a:endParaRPr>
+          </a:p>
+          <a:p>
+            <a:pPr marL="0" marR="0"/>
+            <a:endParaRPr lang="en-IN" sz="2400" dirty="0">
+              <a:latin typeface="Calibri" panose="020F0502020204030204" pitchFamily="34" charset="0"/>
+            </a:endParaRPr>
+          </a:p>
+          <a:p>
+            <a:pPr marL="0" marR="0"/>
+            <a:endParaRPr lang="en-IN" sz="2400" dirty="0">
+              <a:effectLst/>
+              <a:latin typeface="Calibri" panose="020F0502020204030204" pitchFamily="34" charset="0"/>
+            </a:endParaRPr>
+          </a:p>
+          <a:p>
+            <a:pPr marL="0" marR="0"/>
+            <a:endParaRPr lang="en-IN" sz="2400" dirty="0">
+              <a:latin typeface="Calibri" panose="020F0502020204030204" pitchFamily="34" charset="0"/>
+            </a:endParaRPr>
+          </a:p>
+          <a:p>
+            <a:pPr marL="0" marR="0">
+              <a:buNone/>
+            </a:pPr>
+            <a:endParaRPr lang="en-IN" sz="2400" dirty="0">
+              <a:effectLst/>
+              <a:latin typeface="Calibri" panose="020F0502020204030204" pitchFamily="34" charset="0"/>
+            </a:endParaRPr>
+          </a:p>
+          <a:p>
+            <a:pPr marL="0" marR="0">
+              <a:buNone/>
+            </a:pPr>
+            <a:r>
+              <a:rPr lang="en-IN" sz="2400" dirty="0">
+                <a:effectLst/>
+                <a:latin typeface="Calibri" panose="020F0502020204030204" pitchFamily="34" charset="0"/>
+              </a:rPr>
+              <a:t>Now you can open:</a:t>
+            </a:r>
+          </a:p>
+          <a:p>
+            <a:pPr rtl="0" fontAlgn="ctr">
+              <a:buFont typeface="Arial" panose="020B0604020202020204" pitchFamily="34" charset="0"/>
+              <a:buChar char="•"/>
+            </a:pPr>
+            <a:r>
+              <a:rPr lang="en-IN" sz="2400" dirty="0">
+                <a:effectLst/>
+                <a:latin typeface="Calibri" panose="020F0502020204030204" pitchFamily="34" charset="0"/>
+                <a:hlinkClick r:id="rId2"/>
+              </a:rPr>
+              <a:t>http://localhost:3000</a:t>
+            </a:r>
+            <a:r>
+              <a:rPr lang="en-IN" sz="2400" dirty="0">
+                <a:effectLst/>
+                <a:latin typeface="Calibri" panose="020F0502020204030204" pitchFamily="34" charset="0"/>
+              </a:rPr>
+              <a:t> → Connects to </a:t>
+            </a:r>
+            <a:r>
+              <a:rPr lang="en-US" sz="2400" b="1" dirty="0">
+                <a:effectLst/>
+                <a:latin typeface="Calibri" panose="020F0502020204030204" pitchFamily="34" charset="0"/>
+              </a:rPr>
+              <a:t>Server 1</a:t>
+            </a:r>
+            <a:endParaRPr lang="en-IN" sz="2400" dirty="0">
+              <a:effectLst/>
+              <a:latin typeface="Calibri" panose="020F0502020204030204" pitchFamily="34" charset="0"/>
+            </a:endParaRPr>
+          </a:p>
+          <a:p>
+            <a:pPr rtl="0" fontAlgn="ctr">
+              <a:buFont typeface="Arial" panose="020B0604020202020204" pitchFamily="34" charset="0"/>
+              <a:buChar char="•"/>
+            </a:pPr>
+            <a:r>
+              <a:rPr lang="en-IN" sz="2400" dirty="0">
+                <a:effectLst/>
+                <a:latin typeface="Calibri" panose="020F0502020204030204" pitchFamily="34" charset="0"/>
+                <a:hlinkClick r:id="rId3"/>
+              </a:rPr>
+              <a:t>http://localhost:5000</a:t>
+            </a:r>
+            <a:r>
+              <a:rPr lang="en-IN" sz="2400" dirty="0">
+                <a:effectLst/>
+                <a:latin typeface="Calibri" panose="020F0502020204030204" pitchFamily="34" charset="0"/>
+              </a:rPr>
+              <a:t> → Connects to </a:t>
+            </a:r>
+            <a:r>
+              <a:rPr lang="en-US" sz="2400" b="1" dirty="0">
+                <a:effectLst/>
+                <a:latin typeface="Calibri" panose="020F0502020204030204" pitchFamily="34" charset="0"/>
+              </a:rPr>
+              <a:t>Server 2</a:t>
+            </a:r>
+            <a:endParaRPr lang="en-IN" sz="2400" dirty="0">
+              <a:effectLst/>
+              <a:latin typeface="Calibri" panose="020F0502020204030204" pitchFamily="34" charset="0"/>
+            </a:endParaRPr>
+          </a:p>
+          <a:p>
+            <a:pPr marL="0" marR="0">
+              <a:buNone/>
+            </a:pPr>
+            <a:r>
+              <a:rPr lang="en-US" sz="2400" dirty="0">
+                <a:effectLst/>
+                <a:latin typeface="Calibri" panose="020F0502020204030204" pitchFamily="34" charset="0"/>
+              </a:rPr>
+              <a:t> </a:t>
+            </a:r>
+          </a:p>
+          <a:p>
+            <a:pPr marL="0" marR="0"/>
+            <a:endParaRPr lang="en-IN" sz="2400" dirty="0">
+              <a:effectLst/>
+              <a:latin typeface="Calibri" panose="020F0502020204030204" pitchFamily="34" charset="0"/>
+            </a:endParaRPr>
+          </a:p>
+          <a:p>
+            <a:pPr marL="0" indent="0">
+              <a:buNone/>
+            </a:pPr>
+            <a:endParaRPr lang="en-IN" sz="2400" dirty="0"/>
+          </a:p>
+        </p:txBody>
+      </p:sp>
+      <p:pic>
+        <p:nvPicPr>
+          <p:cNvPr id="4" name="Picture 3">
+            <a:extLst>
+              <a:ext uri="{FF2B5EF4-FFF2-40B4-BE49-F238E27FC236}">
+                <a16:creationId xmlns:a16="http://schemas.microsoft.com/office/drawing/2014/main" id="{086357D3-5FD4-5C0B-DFF0-F12E91DA076A}"/>
+              </a:ext>
+            </a:extLst>
+          </p:cNvPr>
+          <p:cNvPicPr>
+            <a:picLocks noChangeAspect="1"/>
+          </p:cNvPicPr>
+          <p:nvPr/>
+        </p:nvPicPr>
+        <p:blipFill>
+          <a:blip r:embed="rId4"/>
+          <a:stretch>
+            <a:fillRect/>
+          </a:stretch>
+        </p:blipFill>
+        <p:spPr>
+          <a:xfrm>
+            <a:off x="1811111" y="1764167"/>
+            <a:ext cx="5251222" cy="2448604"/>
+          </a:xfrm>
+          <a:prstGeom prst="rect">
+            <a:avLst/>
+          </a:prstGeom>
+        </p:spPr>
+      </p:pic>
+    </p:spTree>
+    <p:extLst>
+      <p:ext uri="{BB962C8B-B14F-4D97-AF65-F5344CB8AC3E}">
+        <p14:creationId xmlns:p14="http://schemas.microsoft.com/office/powerpoint/2010/main" val="1114197876"/>
+      </p:ext>
+    </p:extLst>
+  </p:cSld>
+  <p:clrMapOvr>
+    <a:masterClrMapping/>
+  </p:clrMapOvr>
+</p:sld>
+</file>
+
+<file path=ppt/slides/slide63.xml><?xml version="1.0" encoding="utf-8"?>
+<p:sld xmlns:a="http://schemas.openxmlformats.org/drawingml/2006/main" xmlns:r="http://schemas.openxmlformats.org/officeDocument/2006/relationships" xmlns:p="http://schemas.openxmlformats.org/presentationml/2006/main">
+  <p:cSld>
+    <p:spTree>
+      <p:nvGrpSpPr>
+        <p:cNvPr id="1" name="">
+          <a:extLst>
+            <a:ext uri="{FF2B5EF4-FFF2-40B4-BE49-F238E27FC236}">
+              <a16:creationId xmlns:a16="http://schemas.microsoft.com/office/drawing/2014/main" id="{25D0D350-340B-1460-E6AD-57BC3D1B35BF}"/>
+            </a:ext>
+          </a:extLst>
+        </p:cNvPr>
+        <p:cNvGrpSpPr/>
+        <p:nvPr/>
+      </p:nvGrpSpPr>
+      <p:grpSpPr>
+        <a:xfrm>
+          <a:off x="0" y="0"/>
+          <a:ext cx="0" cy="0"/>
+          <a:chOff x="0" y="0"/>
+          <a:chExt cx="0" cy="0"/>
+        </a:xfrm>
+      </p:grpSpPr>
+      <p:sp>
+        <p:nvSpPr>
+          <p:cNvPr id="3" name="Content Placeholder 2">
+            <a:extLst>
+              <a:ext uri="{FF2B5EF4-FFF2-40B4-BE49-F238E27FC236}">
+                <a16:creationId xmlns:a16="http://schemas.microsoft.com/office/drawing/2014/main" id="{E60308DC-C59F-63CC-516F-DCE840466B37}"/>
+              </a:ext>
+            </a:extLst>
+          </p:cNvPr>
+          <p:cNvSpPr>
+            <a:spLocks noGrp="1"/>
+          </p:cNvSpPr>
+          <p:nvPr>
+            <p:ph idx="1"/>
+          </p:nvPr>
+        </p:nvSpPr>
+        <p:spPr>
+          <a:xfrm>
+            <a:off x="777240" y="696686"/>
+            <a:ext cx="10659110" cy="5480277"/>
+          </a:xfrm>
+        </p:spPr>
+        <p:txBody>
+          <a:bodyPr>
+            <a:noAutofit/>
+          </a:bodyPr>
+          <a:lstStyle/>
+          <a:p>
+            <a:pPr marL="0" marR="0">
+              <a:buNone/>
+            </a:pPr>
+            <a:r>
+              <a:rPr lang="en-IN" sz="2400" b="1" dirty="0">
+                <a:effectLst/>
+                <a:latin typeface="Segoe UI Emoji" panose="020B0502040204020203" pitchFamily="34" charset="0"/>
+              </a:rPr>
+              <a:t>🌐</a:t>
+            </a:r>
+            <a:r>
+              <a:rPr lang="en-IN" sz="2400" b="1" dirty="0">
+                <a:effectLst/>
+                <a:latin typeface="Calibri" panose="020F0502020204030204" pitchFamily="34" charset="0"/>
+              </a:rPr>
+              <a:t> What’s Happening Here?</a:t>
+            </a:r>
+            <a:endParaRPr lang="en-IN" sz="2400" dirty="0">
+              <a:effectLst/>
+              <a:latin typeface="Calibri" panose="020F0502020204030204" pitchFamily="34" charset="0"/>
+            </a:endParaRPr>
+          </a:p>
+          <a:p>
+            <a:pPr rtl="0" fontAlgn="ctr">
+              <a:buFont typeface="Arial" panose="020B0604020202020204" pitchFamily="34" charset="0"/>
+              <a:buChar char="•"/>
+            </a:pPr>
+            <a:r>
+              <a:rPr lang="en-IN" sz="2400" dirty="0">
+                <a:effectLst/>
+                <a:latin typeface="Calibri" panose="020F0502020204030204" pitchFamily="34" charset="0"/>
+              </a:rPr>
+              <a:t>localhost (or </a:t>
+            </a:r>
+            <a:r>
+              <a:rPr lang="en-US" sz="2400" dirty="0">
+                <a:effectLst/>
+                <a:latin typeface="Calibri" panose="020F0502020204030204" pitchFamily="34" charset="0"/>
+              </a:rPr>
+              <a:t>127.0.0.1</a:t>
+            </a:r>
+            <a:r>
+              <a:rPr lang="en-IN" sz="2400" dirty="0">
+                <a:effectLst/>
+                <a:latin typeface="Calibri" panose="020F0502020204030204" pitchFamily="34" charset="0"/>
+              </a:rPr>
+              <a:t>) is the </a:t>
+            </a:r>
+            <a:r>
+              <a:rPr lang="en-US" sz="2400" b="1" dirty="0">
+                <a:effectLst/>
+                <a:latin typeface="Calibri" panose="020F0502020204030204" pitchFamily="34" charset="0"/>
+              </a:rPr>
+              <a:t>same host/IP address</a:t>
+            </a:r>
+            <a:r>
+              <a:rPr lang="en-IN" sz="2400" dirty="0">
+                <a:effectLst/>
+                <a:latin typeface="Calibri" panose="020F0502020204030204" pitchFamily="34" charset="0"/>
+              </a:rPr>
+              <a:t>.</a:t>
+            </a:r>
+          </a:p>
+          <a:p>
+            <a:pPr rtl="0" fontAlgn="ctr">
+              <a:buFont typeface="Arial" panose="020B0604020202020204" pitchFamily="34" charset="0"/>
+              <a:buChar char="•"/>
+            </a:pPr>
+            <a:r>
+              <a:rPr lang="en-IN" sz="2400" dirty="0">
+                <a:effectLst/>
+                <a:latin typeface="Calibri" panose="020F0502020204030204" pitchFamily="34" charset="0"/>
+              </a:rPr>
+              <a:t>The </a:t>
+            </a:r>
+            <a:r>
+              <a:rPr lang="en-US" sz="2400" b="1" dirty="0">
+                <a:effectLst/>
+                <a:latin typeface="Calibri" panose="020F0502020204030204" pitchFamily="34" charset="0"/>
+              </a:rPr>
+              <a:t>port numbers (3000 and 5000)</a:t>
+            </a:r>
+            <a:r>
+              <a:rPr lang="en-IN" sz="2400" dirty="0">
+                <a:effectLst/>
+                <a:latin typeface="Calibri" panose="020F0502020204030204" pitchFamily="34" charset="0"/>
+              </a:rPr>
+              <a:t> are different — so your OS knows </a:t>
+            </a:r>
+            <a:r>
+              <a:rPr lang="en-US" sz="2400" b="1" dirty="0">
+                <a:effectLst/>
+                <a:latin typeface="Calibri" panose="020F0502020204030204" pitchFamily="34" charset="0"/>
+              </a:rPr>
+              <a:t>which server to talk to</a:t>
+            </a:r>
+            <a:r>
+              <a:rPr lang="en-IN" sz="2400" dirty="0">
+                <a:effectLst/>
+                <a:latin typeface="Calibri" panose="020F0502020204030204" pitchFamily="34" charset="0"/>
+              </a:rPr>
+              <a:t>.</a:t>
+            </a:r>
+          </a:p>
+          <a:p>
+            <a:pPr marL="0" marR="0"/>
+            <a:r>
+              <a:rPr lang="en-IN" sz="2400" dirty="0">
+                <a:effectLst/>
+                <a:latin typeface="Calibri" panose="020F0502020204030204" pitchFamily="34" charset="0"/>
+              </a:rPr>
+              <a:t>Each port acts like a </a:t>
+            </a:r>
+            <a:r>
+              <a:rPr lang="en-US" sz="2400" b="1" dirty="0">
+                <a:effectLst/>
+                <a:latin typeface="Calibri" panose="020F0502020204030204" pitchFamily="34" charset="0"/>
+              </a:rPr>
+              <a:t>different communication channel</a:t>
+            </a:r>
+            <a:r>
+              <a:rPr lang="en-IN" sz="2400" dirty="0">
+                <a:effectLst/>
+                <a:latin typeface="Calibri" panose="020F0502020204030204" pitchFamily="34" charset="0"/>
+              </a:rPr>
+              <a:t>.</a:t>
+            </a:r>
+          </a:p>
+          <a:p>
+            <a:pPr marL="0" marR="0">
+              <a:buNone/>
+            </a:pPr>
+            <a:endParaRPr lang="en-IN" sz="800" b="1" dirty="0">
+              <a:effectLst/>
+              <a:latin typeface="Segoe UI Emoji" panose="020B0502040204020203" pitchFamily="34" charset="0"/>
+            </a:endParaRPr>
+          </a:p>
+          <a:p>
+            <a:pPr marL="0" marR="0">
+              <a:buNone/>
+            </a:pPr>
+            <a:r>
+              <a:rPr lang="en-IN" sz="2400" b="1" dirty="0">
+                <a:effectLst/>
+                <a:latin typeface="Segoe UI Emoji" panose="020B0502040204020203" pitchFamily="34" charset="0"/>
+              </a:rPr>
+              <a:t>🧭</a:t>
+            </a:r>
+            <a:r>
+              <a:rPr lang="en-IN" sz="2400" b="1" dirty="0">
+                <a:effectLst/>
+                <a:latin typeface="Calibri" panose="020F0502020204030204" pitchFamily="34" charset="0"/>
+              </a:rPr>
+              <a:t> How Does the Operating System Handle This?</a:t>
+            </a:r>
+            <a:endParaRPr lang="en-IN" sz="2400" dirty="0">
+              <a:effectLst/>
+              <a:latin typeface="Calibri" panose="020F0502020204030204" pitchFamily="34" charset="0"/>
+            </a:endParaRPr>
+          </a:p>
+          <a:p>
+            <a:pPr marL="0" marR="0">
+              <a:buNone/>
+            </a:pPr>
+            <a:r>
+              <a:rPr lang="en-IN" sz="2400" dirty="0">
+                <a:effectLst/>
+                <a:latin typeface="Calibri" panose="020F0502020204030204" pitchFamily="34" charset="0"/>
+              </a:rPr>
+              <a:t>When a request comes in, the </a:t>
+            </a:r>
+            <a:r>
+              <a:rPr lang="en-US" sz="2400" b="1" dirty="0">
+                <a:effectLst/>
+                <a:latin typeface="Calibri" panose="020F0502020204030204" pitchFamily="34" charset="0"/>
+              </a:rPr>
+              <a:t>OS uses the port number</a:t>
+            </a:r>
+            <a:r>
+              <a:rPr lang="en-IN" sz="2400" dirty="0">
+                <a:effectLst/>
+                <a:latin typeface="Calibri" panose="020F0502020204030204" pitchFamily="34" charset="0"/>
+              </a:rPr>
+              <a:t> to decide </a:t>
+            </a:r>
+            <a:r>
+              <a:rPr lang="en-US" sz="2400" b="1" dirty="0">
+                <a:effectLst/>
+                <a:latin typeface="Calibri" panose="020F0502020204030204" pitchFamily="34" charset="0"/>
+              </a:rPr>
+              <a:t>which application it should be sent to</a:t>
+            </a:r>
+            <a:r>
+              <a:rPr lang="en-IN" sz="2400" dirty="0">
+                <a:effectLst/>
+                <a:latin typeface="Calibri" panose="020F0502020204030204" pitchFamily="34" charset="0"/>
+              </a:rPr>
+              <a:t>.</a:t>
+            </a:r>
+          </a:p>
+          <a:p>
+            <a:pPr marL="342900" marR="0">
+              <a:buNone/>
+            </a:pPr>
+            <a:r>
+              <a:rPr lang="en-IN" sz="2400" dirty="0">
+                <a:effectLst/>
+                <a:latin typeface="Segoe UI Emoji" panose="020B0502040204020203" pitchFamily="34" charset="0"/>
+              </a:rPr>
+              <a:t>🔑</a:t>
+            </a:r>
+            <a:r>
+              <a:rPr lang="en-IN" sz="2400" dirty="0">
+                <a:effectLst/>
+                <a:latin typeface="Calibri" panose="020F0502020204030204" pitchFamily="34" charset="0"/>
+              </a:rPr>
+              <a:t> The </a:t>
+            </a:r>
+            <a:r>
+              <a:rPr lang="en-US" sz="2400" b="1" dirty="0">
+                <a:effectLst/>
+                <a:latin typeface="Calibri" panose="020F0502020204030204" pitchFamily="34" charset="0"/>
+              </a:rPr>
+              <a:t>IP address</a:t>
+            </a:r>
+            <a:r>
+              <a:rPr lang="en-IN" sz="2400" dirty="0">
+                <a:effectLst/>
+                <a:latin typeface="Calibri" panose="020F0502020204030204" pitchFamily="34" charset="0"/>
+              </a:rPr>
+              <a:t> tells your computer: “Hey, this message is for you.”</a:t>
+            </a:r>
+          </a:p>
+          <a:p>
+            <a:pPr marL="342900" marR="0">
+              <a:buNone/>
+            </a:pPr>
+            <a:r>
+              <a:rPr lang="en-IN" sz="2400" dirty="0">
+                <a:effectLst/>
+                <a:latin typeface="Segoe UI Emoji" panose="020B0502040204020203" pitchFamily="34" charset="0"/>
+              </a:rPr>
+              <a:t>🔑</a:t>
+            </a:r>
+            <a:r>
+              <a:rPr lang="en-IN" sz="2400" dirty="0">
+                <a:effectLst/>
+                <a:latin typeface="Calibri" panose="020F0502020204030204" pitchFamily="34" charset="0"/>
+              </a:rPr>
+              <a:t> The </a:t>
+            </a:r>
+            <a:r>
+              <a:rPr lang="en-US" sz="2400" b="1" dirty="0">
+                <a:effectLst/>
+                <a:latin typeface="Calibri" panose="020F0502020204030204" pitchFamily="34" charset="0"/>
+              </a:rPr>
+              <a:t>port number</a:t>
+            </a:r>
+            <a:r>
+              <a:rPr lang="en-IN" sz="2400" dirty="0">
+                <a:effectLst/>
+                <a:latin typeface="Calibri" panose="020F0502020204030204" pitchFamily="34" charset="0"/>
+              </a:rPr>
+              <a:t> tells your OS: “Hey, this message is for the Node.js server running on port 3000 — not Chrome or MySQL.”</a:t>
+            </a:r>
+            <a:endParaRPr lang="en-US" sz="2400" dirty="0">
+              <a:effectLst/>
+              <a:latin typeface="Calibri" panose="020F0502020204030204" pitchFamily="34" charset="0"/>
+            </a:endParaRPr>
+          </a:p>
+          <a:p>
+            <a:pPr marL="0" indent="0">
+              <a:buNone/>
+            </a:pPr>
+            <a:endParaRPr lang="en-IN" sz="2400" dirty="0"/>
+          </a:p>
+        </p:txBody>
+      </p:sp>
+    </p:spTree>
+    <p:extLst>
+      <p:ext uri="{BB962C8B-B14F-4D97-AF65-F5344CB8AC3E}">
+        <p14:creationId xmlns:p14="http://schemas.microsoft.com/office/powerpoint/2010/main" val="2224253486"/>
+      </p:ext>
+    </p:extLst>
+  </p:cSld>
+  <p:clrMapOvr>
+    <a:masterClrMapping/>
+  </p:clrMapOvr>
+</p:sld>
+</file>
+
+<file path=ppt/slides/slide64.xml><?xml version="1.0" encoding="utf-8"?>
+<p:sld xmlns:a="http://schemas.openxmlformats.org/drawingml/2006/main" xmlns:r="http://schemas.openxmlformats.org/officeDocument/2006/relationships" xmlns:p="http://schemas.openxmlformats.org/presentationml/2006/main">
+  <p:cSld>
+    <p:spTree>
+      <p:nvGrpSpPr>
+        <p:cNvPr id="1" name="">
+          <a:extLst>
+            <a:ext uri="{FF2B5EF4-FFF2-40B4-BE49-F238E27FC236}">
+              <a16:creationId xmlns:a16="http://schemas.microsoft.com/office/drawing/2014/main" id="{6974EBDE-972A-3D44-8654-B42D654A9551}"/>
+            </a:ext>
+          </a:extLst>
+        </p:cNvPr>
+        <p:cNvGrpSpPr/>
+        <p:nvPr/>
+      </p:nvGrpSpPr>
+      <p:grpSpPr>
+        <a:xfrm>
+          <a:off x="0" y="0"/>
+          <a:ext cx="0" cy="0"/>
+          <a:chOff x="0" y="0"/>
+          <a:chExt cx="0" cy="0"/>
+        </a:xfrm>
+      </p:grpSpPr>
+      <p:sp>
+        <p:nvSpPr>
+          <p:cNvPr id="3" name="Content Placeholder 2">
+            <a:extLst>
+              <a:ext uri="{FF2B5EF4-FFF2-40B4-BE49-F238E27FC236}">
+                <a16:creationId xmlns:a16="http://schemas.microsoft.com/office/drawing/2014/main" id="{BC7C960D-871D-0A15-0F92-6723BFE0668F}"/>
+              </a:ext>
+            </a:extLst>
+          </p:cNvPr>
+          <p:cNvSpPr>
+            <a:spLocks noGrp="1"/>
+          </p:cNvSpPr>
+          <p:nvPr>
+            <p:ph idx="1"/>
+          </p:nvPr>
+        </p:nvSpPr>
+        <p:spPr>
+          <a:xfrm>
+            <a:off x="777240" y="1001486"/>
+            <a:ext cx="10659110" cy="5175477"/>
+          </a:xfrm>
+        </p:spPr>
+        <p:txBody>
+          <a:bodyPr>
+            <a:normAutofit/>
+          </a:bodyPr>
+          <a:lstStyle/>
+          <a:p>
+            <a:pPr marL="0" marR="0">
+              <a:buNone/>
+            </a:pPr>
+            <a:r>
+              <a:rPr lang="en-IN" sz="2800" b="1" dirty="0">
+                <a:effectLst/>
+                <a:latin typeface="Segoe UI Emoji" panose="020B0502040204020203" pitchFamily="34" charset="0"/>
+              </a:rPr>
+              <a:t>🏁</a:t>
+            </a:r>
+            <a:r>
+              <a:rPr lang="en-IN" sz="2800" b="1" dirty="0">
+                <a:effectLst/>
+                <a:latin typeface="Calibri" panose="020F0502020204030204" pitchFamily="34" charset="0"/>
+              </a:rPr>
+              <a:t> Final Analogy</a:t>
+            </a:r>
+            <a:endParaRPr lang="en-IN" sz="2800" dirty="0">
+              <a:effectLst/>
+              <a:latin typeface="Calibri" panose="020F0502020204030204" pitchFamily="34" charset="0"/>
+            </a:endParaRPr>
+          </a:p>
+          <a:p>
+            <a:pPr rtl="0" fontAlgn="ctr">
+              <a:buFont typeface="Arial" panose="020B0604020202020204" pitchFamily="34" charset="0"/>
+              <a:buChar char="•"/>
+            </a:pPr>
+            <a:r>
+              <a:rPr lang="en-IN" sz="2400" b="1" dirty="0">
+                <a:effectLst/>
+                <a:latin typeface="Calibri" panose="020F0502020204030204" pitchFamily="34" charset="0"/>
+              </a:rPr>
+              <a:t>Your PC </a:t>
+            </a:r>
+            <a:r>
+              <a:rPr lang="en-IN" sz="2400" dirty="0">
+                <a:effectLst/>
+                <a:latin typeface="Calibri" panose="020F0502020204030204" pitchFamily="34" charset="0"/>
+              </a:rPr>
+              <a:t>= Apartment building</a:t>
+            </a:r>
+          </a:p>
+          <a:p>
+            <a:pPr rtl="0" fontAlgn="ctr">
+              <a:buFont typeface="Arial" panose="020B0604020202020204" pitchFamily="34" charset="0"/>
+              <a:buChar char="•"/>
+            </a:pPr>
+            <a:r>
+              <a:rPr lang="en-IN" sz="2400" b="1" dirty="0">
+                <a:effectLst/>
+                <a:latin typeface="Calibri" panose="020F0502020204030204" pitchFamily="34" charset="0"/>
+              </a:rPr>
+              <a:t>IP address </a:t>
+            </a:r>
+            <a:r>
+              <a:rPr lang="en-IN" sz="2400" dirty="0">
+                <a:effectLst/>
+                <a:latin typeface="Calibri" panose="020F0502020204030204" pitchFamily="34" charset="0"/>
+              </a:rPr>
+              <a:t>= Building address</a:t>
+            </a:r>
+          </a:p>
+          <a:p>
+            <a:pPr rtl="0" fontAlgn="ctr">
+              <a:buFont typeface="Arial" panose="020B0604020202020204" pitchFamily="34" charset="0"/>
+              <a:buChar char="•"/>
+            </a:pPr>
+            <a:r>
+              <a:rPr lang="en-IN" sz="2400" b="1" dirty="0">
+                <a:effectLst/>
+                <a:latin typeface="Calibri" panose="020F0502020204030204" pitchFamily="34" charset="0"/>
+              </a:rPr>
+              <a:t>Ports</a:t>
+            </a:r>
+            <a:r>
+              <a:rPr lang="en-IN" sz="2400" dirty="0">
+                <a:effectLst/>
+                <a:latin typeface="Calibri" panose="020F0502020204030204" pitchFamily="34" charset="0"/>
+              </a:rPr>
+              <a:t> = Apartment/room numbers</a:t>
+            </a:r>
+          </a:p>
+          <a:p>
+            <a:pPr rtl="0" fontAlgn="ctr">
+              <a:buFont typeface="Arial" panose="020B0604020202020204" pitchFamily="34" charset="0"/>
+              <a:buChar char="•"/>
+            </a:pPr>
+            <a:r>
+              <a:rPr lang="en-IN" sz="2400" b="1" dirty="0">
+                <a:effectLst/>
+                <a:latin typeface="Calibri" panose="020F0502020204030204" pitchFamily="34" charset="0"/>
+              </a:rPr>
+              <a:t>Servers</a:t>
+            </a:r>
+            <a:r>
+              <a:rPr lang="en-IN" sz="2400" dirty="0">
+                <a:effectLst/>
+                <a:latin typeface="Calibri" panose="020F0502020204030204" pitchFamily="34" charset="0"/>
+              </a:rPr>
+              <a:t> = People living inside</a:t>
+            </a:r>
+          </a:p>
+          <a:p>
+            <a:pPr marL="0" marR="0" indent="0">
+              <a:buNone/>
+            </a:pPr>
+            <a:r>
+              <a:rPr lang="en-IN" sz="2400" dirty="0">
+                <a:effectLst/>
+                <a:latin typeface="Calibri" panose="020F0502020204030204" pitchFamily="34" charset="0"/>
+              </a:rPr>
+              <a:t>All residents live in the same building, but to reach a </a:t>
+            </a:r>
+            <a:r>
+              <a:rPr lang="en-US" sz="2400" b="1" dirty="0">
+                <a:effectLst/>
+                <a:latin typeface="Calibri" panose="020F0502020204030204" pitchFamily="34" charset="0"/>
+              </a:rPr>
+              <a:t>specific one</a:t>
+            </a:r>
+            <a:r>
+              <a:rPr lang="en-IN" sz="2400" dirty="0">
+                <a:effectLst/>
+                <a:latin typeface="Calibri" panose="020F0502020204030204" pitchFamily="34" charset="0"/>
+              </a:rPr>
+              <a:t>, you need the correct </a:t>
+            </a:r>
+            <a:r>
+              <a:rPr lang="en-US" sz="2400" b="1" dirty="0">
+                <a:effectLst/>
+                <a:latin typeface="Calibri" panose="020F0502020204030204" pitchFamily="34" charset="0"/>
+              </a:rPr>
+              <a:t>room (port) number</a:t>
+            </a:r>
+            <a:r>
+              <a:rPr lang="en-IN" sz="2400" dirty="0">
+                <a:effectLst/>
+                <a:latin typeface="Calibri" panose="020F0502020204030204" pitchFamily="34" charset="0"/>
+              </a:rPr>
+              <a:t>.</a:t>
+            </a:r>
+          </a:p>
+          <a:p>
+            <a:pPr marL="0" indent="0">
+              <a:buNone/>
+            </a:pPr>
+            <a:endParaRPr lang="en-IN" sz="2400" dirty="0"/>
+          </a:p>
+        </p:txBody>
+      </p:sp>
+    </p:spTree>
+    <p:extLst>
+      <p:ext uri="{BB962C8B-B14F-4D97-AF65-F5344CB8AC3E}">
+        <p14:creationId xmlns:p14="http://schemas.microsoft.com/office/powerpoint/2010/main" val="3986850537"/>
+      </p:ext>
+    </p:extLst>
+  </p:cSld>
+  <p:clrMapOvr>
+    <a:masterClrMapping/>
+  </p:clrMapOvr>
+</p:sld>
+</file>
+
+<file path=ppt/slides/slide65.xml><?xml version="1.0" encoding="utf-8"?>
+<p:sld xmlns:a="http://schemas.openxmlformats.org/drawingml/2006/main" xmlns:r="http://schemas.openxmlformats.org/officeDocument/2006/relationships" xmlns:p="http://schemas.openxmlformats.org/presentationml/2006/main">
+  <p:cSld>
+    <p:spTree>
+      <p:nvGrpSpPr>
+        <p:cNvPr id="1" name="">
+          <a:extLst>
+            <a:ext uri="{FF2B5EF4-FFF2-40B4-BE49-F238E27FC236}">
+              <a16:creationId xmlns:a16="http://schemas.microsoft.com/office/drawing/2014/main" id="{ACE59872-FADA-0291-D899-FB73A1CE2526}"/>
+            </a:ext>
+          </a:extLst>
+        </p:cNvPr>
+        <p:cNvGrpSpPr/>
+        <p:nvPr/>
+      </p:nvGrpSpPr>
+      <p:grpSpPr>
+        <a:xfrm>
+          <a:off x="0" y="0"/>
+          <a:ext cx="0" cy="0"/>
+          <a:chOff x="0" y="0"/>
+          <a:chExt cx="0" cy="0"/>
+        </a:xfrm>
+      </p:grpSpPr>
+      <p:sp>
+        <p:nvSpPr>
+          <p:cNvPr id="3" name="Content Placeholder 2">
+            <a:extLst>
+              <a:ext uri="{FF2B5EF4-FFF2-40B4-BE49-F238E27FC236}">
+                <a16:creationId xmlns:a16="http://schemas.microsoft.com/office/drawing/2014/main" id="{ABF61454-DEA3-6E1F-8B6C-30EEB6E49DCA}"/>
+              </a:ext>
+            </a:extLst>
+          </p:cNvPr>
+          <p:cNvSpPr>
+            <a:spLocks noGrp="1"/>
+          </p:cNvSpPr>
+          <p:nvPr>
+            <p:ph idx="1"/>
+          </p:nvPr>
+        </p:nvSpPr>
+        <p:spPr>
+          <a:xfrm>
+            <a:off x="777240" y="566056"/>
+            <a:ext cx="10659110" cy="5610907"/>
+          </a:xfrm>
+        </p:spPr>
+        <p:txBody>
+          <a:bodyPr>
+            <a:normAutofit/>
+          </a:bodyPr>
+          <a:lstStyle/>
+          <a:p>
+            <a:pPr marL="0" indent="0">
+              <a:buNone/>
+            </a:pPr>
+            <a:r>
+              <a:rPr lang="en-US" sz="2400" b="1" dirty="0"/>
+              <a:t>Now in simple terms, what does this all mean?</a:t>
+            </a:r>
+          </a:p>
+          <a:p>
+            <a:pPr marL="0" indent="0">
+              <a:buNone/>
+            </a:pPr>
+            <a:r>
+              <a:rPr lang="en-US" sz="2400" dirty="0"/>
+              <a:t>So as an example, let's take a very common port that just about everyone uses every day and that is </a:t>
+            </a:r>
+            <a:r>
+              <a:rPr lang="en-US" sz="2400" b="1" dirty="0">
+                <a:solidFill>
+                  <a:srgbClr val="002060"/>
+                </a:solidFill>
+              </a:rPr>
+              <a:t>port number 80</a:t>
+            </a:r>
+            <a:r>
+              <a:rPr lang="en-US" sz="2400" dirty="0"/>
+              <a:t>. Port 80 is associated with HTTP which are web pages so whenever we visit a web page from our computer, we're using port 80.</a:t>
+            </a:r>
+            <a:endParaRPr lang="en-IN" sz="2400" dirty="0"/>
+          </a:p>
+        </p:txBody>
+      </p:sp>
+      <p:pic>
+        <p:nvPicPr>
+          <p:cNvPr id="2050" name="Picture 2" descr="Functioning of ports ">
+            <a:extLst>
+              <a:ext uri="{FF2B5EF4-FFF2-40B4-BE49-F238E27FC236}">
+                <a16:creationId xmlns:a16="http://schemas.microsoft.com/office/drawing/2014/main" id="{7AD9B743-AED6-5F23-1A5D-881E509E31B5}"/>
+              </a:ext>
+            </a:extLst>
+          </p:cNvPr>
+          <p:cNvPicPr>
+            <a:picLocks noChangeAspect="1" noChangeArrowheads="1"/>
+          </p:cNvPicPr>
+          <p:nvPr/>
+        </p:nvPicPr>
+        <p:blipFill rotWithShape="1">
+          <a:blip r:embed="rId2">
+            <a:extLst>
+              <a:ext uri="{28A0092B-C50C-407E-A947-70E740481C1C}">
+                <a14:useLocalDpi xmlns:a14="http://schemas.microsoft.com/office/drawing/2010/main" val="0"/>
+              </a:ext>
+            </a:extLst>
+          </a:blip>
+          <a:srcRect t="4667" b="17809"/>
+          <a:stretch/>
+        </p:blipFill>
+        <p:spPr bwMode="auto">
+          <a:xfrm>
+            <a:off x="2416629" y="2198914"/>
+            <a:ext cx="7620000" cy="4430486"/>
+          </a:xfrm>
+          <a:prstGeom prst="rect">
+            <a:avLst/>
+          </a:prstGeom>
+          <a:noFill/>
+          <a:extLst>
+            <a:ext uri="{909E8E84-426E-40DD-AFC4-6F175D3DCCD1}">
+              <a14:hiddenFill xmlns:a14="http://schemas.microsoft.com/office/drawing/2010/main">
+                <a:solidFill>
+                  <a:srgbClr val="FFFFFF"/>
+                </a:solidFill>
+              </a14:hiddenFill>
+            </a:ext>
+          </a:extLst>
+        </p:spPr>
+      </p:pic>
+    </p:spTree>
+    <p:extLst>
+      <p:ext uri="{BB962C8B-B14F-4D97-AF65-F5344CB8AC3E}">
+        <p14:creationId xmlns:p14="http://schemas.microsoft.com/office/powerpoint/2010/main" val="965610306"/>
+      </p:ext>
+    </p:extLst>
+  </p:cSld>
+  <p:clrMapOvr>
+    <a:masterClrMapping/>
+  </p:clrMapOvr>
+</p:sld>
+</file>
+
+<file path=ppt/slides/slide66.xml><?xml version="1.0" encoding="utf-8"?>
+<p:sld xmlns:a="http://schemas.openxmlformats.org/drawingml/2006/main" xmlns:r="http://schemas.openxmlformats.org/officeDocument/2006/relationships" xmlns:p="http://schemas.openxmlformats.org/presentationml/2006/main">
+  <p:cSld>
+    <p:spTree>
+      <p:nvGrpSpPr>
+        <p:cNvPr id="1" name="">
+          <a:extLst>
+            <a:ext uri="{FF2B5EF4-FFF2-40B4-BE49-F238E27FC236}">
+              <a16:creationId xmlns:a16="http://schemas.microsoft.com/office/drawing/2014/main" id="{7F855652-5710-E895-F88D-E7860038E514}"/>
+            </a:ext>
+          </a:extLst>
+        </p:cNvPr>
+        <p:cNvGrpSpPr/>
+        <p:nvPr/>
+      </p:nvGrpSpPr>
+      <p:grpSpPr>
+        <a:xfrm>
+          <a:off x="0" y="0"/>
+          <a:ext cx="0" cy="0"/>
+          <a:chOff x="0" y="0"/>
+          <a:chExt cx="0" cy="0"/>
+        </a:xfrm>
+      </p:grpSpPr>
+      <p:sp>
+        <p:nvSpPr>
+          <p:cNvPr id="3" name="Content Placeholder 2">
+            <a:extLst>
+              <a:ext uri="{FF2B5EF4-FFF2-40B4-BE49-F238E27FC236}">
+                <a16:creationId xmlns:a16="http://schemas.microsoft.com/office/drawing/2014/main" id="{BD09F1AA-E51B-6BDC-767B-930B37667ABE}"/>
+              </a:ext>
+            </a:extLst>
+          </p:cNvPr>
+          <p:cNvSpPr>
+            <a:spLocks noGrp="1"/>
+          </p:cNvSpPr>
+          <p:nvPr>
+            <p:ph idx="1"/>
+          </p:nvPr>
+        </p:nvSpPr>
+        <p:spPr>
+          <a:xfrm>
+            <a:off x="777240" y="696686"/>
+            <a:ext cx="10659110" cy="5480277"/>
+          </a:xfrm>
+        </p:spPr>
+        <p:txBody>
+          <a:bodyPr>
+            <a:normAutofit/>
+          </a:bodyPr>
+          <a:lstStyle/>
+          <a:p>
+            <a:pPr>
+              <a:buNone/>
+            </a:pPr>
+            <a:r>
+              <a:rPr lang="en-US" sz="2400" b="1" dirty="0"/>
+              <a:t>🔢 Port Number Ranges in Networking</a:t>
+            </a:r>
+          </a:p>
+          <a:p>
+            <a:r>
+              <a:rPr lang="en-US" sz="2400" dirty="0"/>
+              <a:t>In total, port numbers range from </a:t>
+            </a:r>
+            <a:r>
+              <a:rPr lang="en-US" sz="2400" b="1" dirty="0"/>
+              <a:t>0 to 65535</a:t>
+            </a:r>
+            <a:r>
+              <a:rPr lang="en-US" sz="2400" dirty="0"/>
+              <a:t> (16-bit unsigned number). These are divided into 3 main categories:</a:t>
+            </a:r>
+          </a:p>
+          <a:p>
+            <a:pPr marL="0" indent="0">
+              <a:buNone/>
+            </a:pPr>
+            <a:endParaRPr lang="en-IN" sz="2400" dirty="0"/>
+          </a:p>
+        </p:txBody>
+      </p:sp>
+      <p:pic>
+        <p:nvPicPr>
+          <p:cNvPr id="3074" name="Picture 2" descr="What are Port Numbers and How Do They Work in Networking?">
+            <a:extLst>
+              <a:ext uri="{FF2B5EF4-FFF2-40B4-BE49-F238E27FC236}">
+                <a16:creationId xmlns:a16="http://schemas.microsoft.com/office/drawing/2014/main" id="{7EC3D4E4-E57F-8F98-13E5-17DBA1218487}"/>
+              </a:ext>
+            </a:extLst>
+          </p:cNvPr>
+          <p:cNvPicPr>
+            <a:picLocks noChangeAspect="1" noChangeArrowheads="1"/>
+          </p:cNvPicPr>
+          <p:nvPr/>
+        </p:nvPicPr>
+        <p:blipFill>
+          <a:blip r:embed="rId2">
+            <a:extLst>
+              <a:ext uri="{28A0092B-C50C-407E-A947-70E740481C1C}">
+                <a14:useLocalDpi xmlns:a14="http://schemas.microsoft.com/office/drawing/2010/main" val="0"/>
+              </a:ext>
+            </a:extLst>
+          </a:blip>
+          <a:srcRect/>
+          <a:stretch>
+            <a:fillRect/>
+          </a:stretch>
+        </p:blipFill>
+        <p:spPr bwMode="auto">
+          <a:xfrm>
+            <a:off x="1539636" y="1908402"/>
+            <a:ext cx="9112728" cy="4470626"/>
+          </a:xfrm>
+          <a:prstGeom prst="rect">
+            <a:avLst/>
+          </a:prstGeom>
+          <a:noFill/>
+          <a:extLst>
+            <a:ext uri="{909E8E84-426E-40DD-AFC4-6F175D3DCCD1}">
+              <a14:hiddenFill xmlns:a14="http://schemas.microsoft.com/office/drawing/2010/main">
+                <a:solidFill>
+                  <a:srgbClr val="FFFFFF"/>
+                </a:solidFill>
+              </a14:hiddenFill>
+            </a:ext>
+          </a:extLst>
+        </p:spPr>
+      </p:pic>
+    </p:spTree>
+    <p:extLst>
+      <p:ext uri="{BB962C8B-B14F-4D97-AF65-F5344CB8AC3E}">
+        <p14:creationId xmlns:p14="http://schemas.microsoft.com/office/powerpoint/2010/main" val="140545548"/>
+      </p:ext>
+    </p:extLst>
+  </p:cSld>
+  <p:clrMapOvr>
+    <a:masterClrMapping/>
+  </p:clrMapOvr>
+</p:sld>
+</file>
+
+<file path=ppt/slides/slide67.xml><?xml version="1.0" encoding="utf-8"?>
+<p:sld xmlns:a="http://schemas.openxmlformats.org/drawingml/2006/main" xmlns:r="http://schemas.openxmlformats.org/officeDocument/2006/relationships" xmlns:p="http://schemas.openxmlformats.org/presentationml/2006/main">
+  <p:cSld>
+    <p:spTree>
+      <p:nvGrpSpPr>
+        <p:cNvPr id="1" name="">
+          <a:extLst>
+            <a:ext uri="{FF2B5EF4-FFF2-40B4-BE49-F238E27FC236}">
+              <a16:creationId xmlns:a16="http://schemas.microsoft.com/office/drawing/2014/main" id="{37622818-3B35-5043-88AB-7F23C66BE4F1}"/>
+            </a:ext>
+          </a:extLst>
+        </p:cNvPr>
+        <p:cNvGrpSpPr/>
+        <p:nvPr/>
+      </p:nvGrpSpPr>
+      <p:grpSpPr>
+        <a:xfrm>
+          <a:off x="0" y="0"/>
+          <a:ext cx="0" cy="0"/>
+          <a:chOff x="0" y="0"/>
+          <a:chExt cx="0" cy="0"/>
+        </a:xfrm>
+      </p:grpSpPr>
+      <p:sp>
+        <p:nvSpPr>
+          <p:cNvPr id="3" name="Content Placeholder 2">
+            <a:extLst>
+              <a:ext uri="{FF2B5EF4-FFF2-40B4-BE49-F238E27FC236}">
+                <a16:creationId xmlns:a16="http://schemas.microsoft.com/office/drawing/2014/main" id="{76F10442-0621-B843-9BD6-8C0C175FA694}"/>
+              </a:ext>
+            </a:extLst>
+          </p:cNvPr>
+          <p:cNvSpPr>
+            <a:spLocks noGrp="1"/>
+          </p:cNvSpPr>
+          <p:nvPr>
+            <p:ph idx="1"/>
+          </p:nvPr>
+        </p:nvSpPr>
+        <p:spPr>
+          <a:xfrm>
+            <a:off x="777240" y="696686"/>
+            <a:ext cx="10659110" cy="5725885"/>
+          </a:xfrm>
+        </p:spPr>
+        <p:txBody>
+          <a:bodyPr>
+            <a:normAutofit/>
+          </a:bodyPr>
+          <a:lstStyle/>
+          <a:p>
+            <a:pPr marL="0" indent="0">
+              <a:buNone/>
+            </a:pPr>
+            <a:r>
+              <a:rPr lang="en-US" sz="2400" b="1" dirty="0"/>
+              <a:t>1. 🔒 Well-Known Ports (0 – 1023):</a:t>
+            </a:r>
+          </a:p>
+          <a:p>
+            <a:pPr marL="0" indent="0">
+              <a:buNone/>
+            </a:pPr>
+            <a:r>
+              <a:rPr lang="en-US" sz="2400" dirty="0"/>
+              <a:t>Also called system ports or privileged ports</a:t>
+            </a:r>
+          </a:p>
+          <a:p>
+            <a:pPr lvl="1"/>
+            <a:r>
+              <a:rPr lang="en-US" sz="2400" dirty="0"/>
+              <a:t>Reserved for standard services and protocols</a:t>
+            </a:r>
+          </a:p>
+          <a:p>
+            <a:pPr lvl="1"/>
+            <a:r>
+              <a:rPr lang="en-US" sz="2400" dirty="0"/>
+              <a:t>Typically require admin/root access to bind a server to them</a:t>
+            </a:r>
+          </a:p>
+          <a:p>
+            <a:pPr marL="0" indent="0">
+              <a:buNone/>
+            </a:pPr>
+            <a:endParaRPr lang="en-US" sz="2400" dirty="0"/>
+          </a:p>
+          <a:p>
+            <a:pPr marL="0" indent="0">
+              <a:buNone/>
+            </a:pPr>
+            <a:endParaRPr lang="en-US" sz="2400" dirty="0"/>
+          </a:p>
+          <a:p>
+            <a:pPr marL="0" indent="0">
+              <a:buNone/>
+            </a:pPr>
+            <a:endParaRPr lang="en-US" sz="2400" dirty="0"/>
+          </a:p>
+          <a:p>
+            <a:pPr marL="0" indent="0">
+              <a:buNone/>
+            </a:pPr>
+            <a:endParaRPr lang="en-US" sz="2400" dirty="0"/>
+          </a:p>
+          <a:p>
+            <a:pPr marL="0" indent="0">
+              <a:buNone/>
+            </a:pPr>
+            <a:endParaRPr lang="en-US" sz="2400" dirty="0"/>
+          </a:p>
+          <a:p>
+            <a:pPr marL="0" indent="0">
+              <a:buNone/>
+            </a:pPr>
+            <a:endParaRPr lang="en-US" sz="2400" dirty="0"/>
+          </a:p>
+          <a:p>
+            <a:pPr marL="0" indent="0">
+              <a:buNone/>
+            </a:pPr>
+            <a:endParaRPr lang="en-US" sz="2400" dirty="0"/>
+          </a:p>
+          <a:p>
+            <a:pPr marL="0" indent="0">
+              <a:buNone/>
+            </a:pPr>
+            <a:r>
+              <a:rPr lang="en-US" sz="2400" dirty="0"/>
+              <a:t>❗ Don't use these for your local development servers unless you know what you're doing.</a:t>
+            </a:r>
+            <a:endParaRPr lang="en-IN" sz="2400" dirty="0"/>
+          </a:p>
+        </p:txBody>
+      </p:sp>
+      <p:graphicFrame>
+        <p:nvGraphicFramePr>
+          <p:cNvPr id="2" name="Table 1">
+            <a:extLst>
+              <a:ext uri="{FF2B5EF4-FFF2-40B4-BE49-F238E27FC236}">
+                <a16:creationId xmlns:a16="http://schemas.microsoft.com/office/drawing/2014/main" id="{183C498C-7A1A-7FC0-6C81-41B0E94C94A5}"/>
+              </a:ext>
+            </a:extLst>
+          </p:cNvPr>
+          <p:cNvGraphicFramePr>
+            <a:graphicFrameLocks noGrp="1"/>
+          </p:cNvGraphicFramePr>
+          <p:nvPr>
+            <p:extLst>
+              <p:ext uri="{D42A27DB-BD31-4B8C-83A1-F6EECF244321}">
+                <p14:modId xmlns:p14="http://schemas.microsoft.com/office/powerpoint/2010/main" val="789810261"/>
+              </p:ext>
+            </p:extLst>
+          </p:nvPr>
+        </p:nvGraphicFramePr>
+        <p:xfrm>
+          <a:off x="1829388" y="2557739"/>
+          <a:ext cx="6171613" cy="2827782"/>
+        </p:xfrm>
+        <a:graphic>
+          <a:graphicData uri="http://schemas.openxmlformats.org/drawingml/2006/table">
+            <a:tbl>
+              <a:tblPr firstRow="1" firstCol="1" bandRow="1">
+                <a:tableStyleId>{5C22544A-7EE6-4342-B048-85BDC9FD1C3A}</a:tableStyleId>
+              </a:tblPr>
+              <a:tblGrid>
+                <a:gridCol w="1444750">
+                  <a:extLst>
+                    <a:ext uri="{9D8B030D-6E8A-4147-A177-3AD203B41FA5}">
+                      <a16:colId xmlns:a16="http://schemas.microsoft.com/office/drawing/2014/main" val="1431309488"/>
+                    </a:ext>
+                  </a:extLst>
+                </a:gridCol>
+                <a:gridCol w="4726863">
+                  <a:extLst>
+                    <a:ext uri="{9D8B030D-6E8A-4147-A177-3AD203B41FA5}">
+                      <a16:colId xmlns:a16="http://schemas.microsoft.com/office/drawing/2014/main" val="1256228922"/>
+                    </a:ext>
+                  </a:extLst>
+                </a:gridCol>
+              </a:tblGrid>
+              <a:tr h="0">
+                <a:tc>
+                  <a:txBody>
+                    <a:bodyPr/>
+                    <a:lstStyle/>
+                    <a:p>
+                      <a:pPr>
+                        <a:lnSpc>
+                          <a:spcPct val="107000"/>
+                        </a:lnSpc>
+                        <a:spcAft>
+                          <a:spcPts val="800"/>
+                        </a:spcAft>
+                        <a:buNone/>
+                      </a:pPr>
+                      <a:r>
+                        <a:rPr lang="en-IN" sz="2000" b="1" kern="100">
+                          <a:effectLst/>
+                        </a:rPr>
+                        <a:t>Port</a:t>
+                      </a:r>
+                      <a:endParaRPr lang="en-IN" sz="2000" b="1" kern="100">
+                        <a:effectLst/>
+                        <a:latin typeface="Aptos" panose="020B0004020202020204" pitchFamily="34" charset="0"/>
+                        <a:ea typeface="Aptos" panose="020B0004020202020204" pitchFamily="34" charset="0"/>
+                        <a:cs typeface="Tunga" panose="020B0502040204020203" pitchFamily="34" charset="0"/>
+                      </a:endParaRPr>
+                    </a:p>
+                  </a:txBody>
+                  <a:tcPr marL="68580" marR="68580" marT="0" marB="0"/>
+                </a:tc>
+                <a:tc>
+                  <a:txBody>
+                    <a:bodyPr/>
+                    <a:lstStyle/>
+                    <a:p>
+                      <a:pPr>
+                        <a:lnSpc>
+                          <a:spcPct val="107000"/>
+                        </a:lnSpc>
+                        <a:spcAft>
+                          <a:spcPts val="800"/>
+                        </a:spcAft>
+                        <a:buNone/>
+                      </a:pPr>
+                      <a:r>
+                        <a:rPr lang="en-IN" sz="2000" b="1" kern="100" dirty="0">
+                          <a:effectLst/>
+                        </a:rPr>
+                        <a:t>Used By</a:t>
+                      </a:r>
+                      <a:endParaRPr lang="en-IN" sz="2000" b="1" kern="100" dirty="0">
+                        <a:effectLst/>
+                        <a:latin typeface="Aptos" panose="020B0004020202020204" pitchFamily="34" charset="0"/>
+                        <a:ea typeface="Aptos" panose="020B0004020202020204" pitchFamily="34" charset="0"/>
+                        <a:cs typeface="Tunga" panose="020B0502040204020203" pitchFamily="34" charset="0"/>
+                      </a:endParaRPr>
+                    </a:p>
+                  </a:txBody>
+                  <a:tcPr marL="68580" marR="68580" marT="0" marB="0"/>
+                </a:tc>
+                <a:extLst>
+                  <a:ext uri="{0D108BD9-81ED-4DB2-BD59-A6C34878D82A}">
+                    <a16:rowId xmlns:a16="http://schemas.microsoft.com/office/drawing/2014/main" val="2894578198"/>
+                  </a:ext>
+                </a:extLst>
+              </a:tr>
+              <a:tr h="0">
+                <a:tc>
+                  <a:txBody>
+                    <a:bodyPr/>
+                    <a:lstStyle/>
+                    <a:p>
+                      <a:pPr>
+                        <a:lnSpc>
+                          <a:spcPct val="107000"/>
+                        </a:lnSpc>
+                        <a:spcAft>
+                          <a:spcPts val="800"/>
+                        </a:spcAft>
+                        <a:buNone/>
+                      </a:pPr>
+                      <a:r>
+                        <a:rPr lang="en-IN" sz="2000" kern="100" dirty="0">
+                          <a:effectLst/>
+                        </a:rPr>
+                        <a:t>20</a:t>
+                      </a:r>
+                      <a:endParaRPr lang="en-IN" sz="2000" kern="100" dirty="0">
+                        <a:effectLst/>
+                        <a:latin typeface="Aptos" panose="020B0004020202020204" pitchFamily="34" charset="0"/>
+                        <a:ea typeface="Aptos" panose="020B0004020202020204" pitchFamily="34" charset="0"/>
+                        <a:cs typeface="Tunga" panose="020B0502040204020203" pitchFamily="34" charset="0"/>
+                      </a:endParaRPr>
+                    </a:p>
+                  </a:txBody>
+                  <a:tcPr marL="68580" marR="68580" marT="0" marB="0"/>
+                </a:tc>
+                <a:tc>
+                  <a:txBody>
+                    <a:bodyPr/>
+                    <a:lstStyle/>
+                    <a:p>
+                      <a:pPr>
+                        <a:lnSpc>
+                          <a:spcPct val="107000"/>
+                        </a:lnSpc>
+                        <a:spcAft>
+                          <a:spcPts val="800"/>
+                        </a:spcAft>
+                        <a:buNone/>
+                      </a:pPr>
+                      <a:r>
+                        <a:rPr lang="en-IN" sz="2000" kern="100" dirty="0">
+                          <a:effectLst/>
+                        </a:rPr>
+                        <a:t>FTP (File Transfer Protocol – Data)</a:t>
+                      </a:r>
+                      <a:endParaRPr lang="en-IN" sz="2000" kern="100" dirty="0">
+                        <a:effectLst/>
+                        <a:latin typeface="Aptos" panose="020B0004020202020204" pitchFamily="34" charset="0"/>
+                        <a:ea typeface="Aptos" panose="020B0004020202020204" pitchFamily="34" charset="0"/>
+                        <a:cs typeface="Tunga" panose="020B0502040204020203" pitchFamily="34" charset="0"/>
+                      </a:endParaRPr>
+                    </a:p>
+                  </a:txBody>
+                  <a:tcPr marL="68580" marR="68580" marT="0" marB="0"/>
+                </a:tc>
+                <a:extLst>
+                  <a:ext uri="{0D108BD9-81ED-4DB2-BD59-A6C34878D82A}">
+                    <a16:rowId xmlns:a16="http://schemas.microsoft.com/office/drawing/2014/main" val="2286551254"/>
+                  </a:ext>
+                </a:extLst>
+              </a:tr>
+              <a:tr h="0">
+                <a:tc>
+                  <a:txBody>
+                    <a:bodyPr/>
+                    <a:lstStyle/>
+                    <a:p>
+                      <a:pPr>
+                        <a:lnSpc>
+                          <a:spcPct val="107000"/>
+                        </a:lnSpc>
+                        <a:spcAft>
+                          <a:spcPts val="800"/>
+                        </a:spcAft>
+                        <a:buNone/>
+                      </a:pPr>
+                      <a:r>
+                        <a:rPr lang="en-IN" sz="2000" kern="100" dirty="0">
+                          <a:effectLst/>
+                        </a:rPr>
+                        <a:t>21</a:t>
+                      </a:r>
+                      <a:endParaRPr lang="en-IN" sz="2000" kern="100" dirty="0">
+                        <a:effectLst/>
+                        <a:latin typeface="Aptos" panose="020B0004020202020204" pitchFamily="34" charset="0"/>
+                        <a:ea typeface="Aptos" panose="020B0004020202020204" pitchFamily="34" charset="0"/>
+                        <a:cs typeface="Tunga" panose="020B0502040204020203" pitchFamily="34" charset="0"/>
+                      </a:endParaRPr>
+                    </a:p>
+                  </a:txBody>
+                  <a:tcPr marL="68580" marR="68580" marT="0" marB="0"/>
+                </a:tc>
+                <a:tc>
+                  <a:txBody>
+                    <a:bodyPr/>
+                    <a:lstStyle/>
+                    <a:p>
+                      <a:pPr>
+                        <a:lnSpc>
+                          <a:spcPct val="107000"/>
+                        </a:lnSpc>
+                        <a:spcAft>
+                          <a:spcPts val="800"/>
+                        </a:spcAft>
+                        <a:buNone/>
+                      </a:pPr>
+                      <a:r>
+                        <a:rPr lang="en-IN" sz="2000" kern="100">
+                          <a:effectLst/>
+                        </a:rPr>
+                        <a:t>FTP (Control)</a:t>
+                      </a:r>
+                      <a:endParaRPr lang="en-IN" sz="2000" kern="100">
+                        <a:effectLst/>
+                        <a:latin typeface="Aptos" panose="020B0004020202020204" pitchFamily="34" charset="0"/>
+                        <a:ea typeface="Aptos" panose="020B0004020202020204" pitchFamily="34" charset="0"/>
+                        <a:cs typeface="Tunga" panose="020B0502040204020203" pitchFamily="34" charset="0"/>
+                      </a:endParaRPr>
+                    </a:p>
+                  </a:txBody>
+                  <a:tcPr marL="68580" marR="68580" marT="0" marB="0"/>
+                </a:tc>
+                <a:extLst>
+                  <a:ext uri="{0D108BD9-81ED-4DB2-BD59-A6C34878D82A}">
+                    <a16:rowId xmlns:a16="http://schemas.microsoft.com/office/drawing/2014/main" val="1224700585"/>
+                  </a:ext>
+                </a:extLst>
+              </a:tr>
+              <a:tr h="0">
+                <a:tc>
+                  <a:txBody>
+                    <a:bodyPr/>
+                    <a:lstStyle/>
+                    <a:p>
+                      <a:pPr>
+                        <a:lnSpc>
+                          <a:spcPct val="107000"/>
+                        </a:lnSpc>
+                        <a:spcAft>
+                          <a:spcPts val="800"/>
+                        </a:spcAft>
+                        <a:buNone/>
+                      </a:pPr>
+                      <a:r>
+                        <a:rPr lang="en-IN" sz="2000" kern="100">
+                          <a:effectLst/>
+                        </a:rPr>
+                        <a:t>22</a:t>
+                      </a:r>
+                      <a:endParaRPr lang="en-IN" sz="2000" kern="100">
+                        <a:effectLst/>
+                        <a:latin typeface="Aptos" panose="020B0004020202020204" pitchFamily="34" charset="0"/>
+                        <a:ea typeface="Aptos" panose="020B0004020202020204" pitchFamily="34" charset="0"/>
+                        <a:cs typeface="Tunga" panose="020B0502040204020203" pitchFamily="34" charset="0"/>
+                      </a:endParaRPr>
+                    </a:p>
+                  </a:txBody>
+                  <a:tcPr marL="68580" marR="68580" marT="0" marB="0"/>
+                </a:tc>
+                <a:tc>
+                  <a:txBody>
+                    <a:bodyPr/>
+                    <a:lstStyle/>
+                    <a:p>
+                      <a:pPr>
+                        <a:lnSpc>
+                          <a:spcPct val="107000"/>
+                        </a:lnSpc>
+                        <a:spcAft>
+                          <a:spcPts val="800"/>
+                        </a:spcAft>
+                        <a:buNone/>
+                      </a:pPr>
+                      <a:r>
+                        <a:rPr lang="en-IN" sz="2000" kern="100">
+                          <a:effectLst/>
+                        </a:rPr>
+                        <a:t>SSH (Secure Shell)</a:t>
+                      </a:r>
+                      <a:endParaRPr lang="en-IN" sz="2000" kern="100">
+                        <a:effectLst/>
+                        <a:latin typeface="Aptos" panose="020B0004020202020204" pitchFamily="34" charset="0"/>
+                        <a:ea typeface="Aptos" panose="020B0004020202020204" pitchFamily="34" charset="0"/>
+                        <a:cs typeface="Tunga" panose="020B0502040204020203" pitchFamily="34" charset="0"/>
+                      </a:endParaRPr>
+                    </a:p>
+                  </a:txBody>
+                  <a:tcPr marL="68580" marR="68580" marT="0" marB="0"/>
+                </a:tc>
+                <a:extLst>
+                  <a:ext uri="{0D108BD9-81ED-4DB2-BD59-A6C34878D82A}">
+                    <a16:rowId xmlns:a16="http://schemas.microsoft.com/office/drawing/2014/main" val="478007627"/>
+                  </a:ext>
+                </a:extLst>
+              </a:tr>
+              <a:tr h="0">
+                <a:tc>
+                  <a:txBody>
+                    <a:bodyPr/>
+                    <a:lstStyle/>
+                    <a:p>
+                      <a:pPr>
+                        <a:lnSpc>
+                          <a:spcPct val="107000"/>
+                        </a:lnSpc>
+                        <a:spcAft>
+                          <a:spcPts val="800"/>
+                        </a:spcAft>
+                        <a:buNone/>
+                      </a:pPr>
+                      <a:r>
+                        <a:rPr lang="en-IN" sz="2000" kern="100">
+                          <a:effectLst/>
+                        </a:rPr>
+                        <a:t>23</a:t>
+                      </a:r>
+                      <a:endParaRPr lang="en-IN" sz="2000" kern="100">
+                        <a:effectLst/>
+                        <a:latin typeface="Aptos" panose="020B0004020202020204" pitchFamily="34" charset="0"/>
+                        <a:ea typeface="Aptos" panose="020B0004020202020204" pitchFamily="34" charset="0"/>
+                        <a:cs typeface="Tunga" panose="020B0502040204020203" pitchFamily="34" charset="0"/>
+                      </a:endParaRPr>
+                    </a:p>
+                  </a:txBody>
+                  <a:tcPr marL="68580" marR="68580" marT="0" marB="0"/>
+                </a:tc>
+                <a:tc>
+                  <a:txBody>
+                    <a:bodyPr/>
+                    <a:lstStyle/>
+                    <a:p>
+                      <a:pPr>
+                        <a:lnSpc>
+                          <a:spcPct val="107000"/>
+                        </a:lnSpc>
+                        <a:spcAft>
+                          <a:spcPts val="800"/>
+                        </a:spcAft>
+                        <a:buNone/>
+                      </a:pPr>
+                      <a:r>
+                        <a:rPr lang="en-IN" sz="2000" kern="100">
+                          <a:effectLst/>
+                        </a:rPr>
+                        <a:t>Telnet</a:t>
+                      </a:r>
+                      <a:endParaRPr lang="en-IN" sz="2000" kern="100">
+                        <a:effectLst/>
+                        <a:latin typeface="Aptos" panose="020B0004020202020204" pitchFamily="34" charset="0"/>
+                        <a:ea typeface="Aptos" panose="020B0004020202020204" pitchFamily="34" charset="0"/>
+                        <a:cs typeface="Tunga" panose="020B0502040204020203" pitchFamily="34" charset="0"/>
+                      </a:endParaRPr>
+                    </a:p>
+                  </a:txBody>
+                  <a:tcPr marL="68580" marR="68580" marT="0" marB="0"/>
+                </a:tc>
+                <a:extLst>
+                  <a:ext uri="{0D108BD9-81ED-4DB2-BD59-A6C34878D82A}">
+                    <a16:rowId xmlns:a16="http://schemas.microsoft.com/office/drawing/2014/main" val="1610541082"/>
+                  </a:ext>
+                </a:extLst>
+              </a:tr>
+              <a:tr h="0">
+                <a:tc>
+                  <a:txBody>
+                    <a:bodyPr/>
+                    <a:lstStyle/>
+                    <a:p>
+                      <a:pPr>
+                        <a:lnSpc>
+                          <a:spcPct val="107000"/>
+                        </a:lnSpc>
+                        <a:spcAft>
+                          <a:spcPts val="800"/>
+                        </a:spcAft>
+                        <a:buNone/>
+                      </a:pPr>
+                      <a:r>
+                        <a:rPr lang="en-IN" sz="2000" kern="100">
+                          <a:effectLst/>
+                        </a:rPr>
+                        <a:t>25</a:t>
+                      </a:r>
+                      <a:endParaRPr lang="en-IN" sz="2000" kern="100">
+                        <a:effectLst/>
+                        <a:latin typeface="Aptos" panose="020B0004020202020204" pitchFamily="34" charset="0"/>
+                        <a:ea typeface="Aptos" panose="020B0004020202020204" pitchFamily="34" charset="0"/>
+                        <a:cs typeface="Tunga" panose="020B0502040204020203" pitchFamily="34" charset="0"/>
+                      </a:endParaRPr>
+                    </a:p>
+                  </a:txBody>
+                  <a:tcPr marL="68580" marR="68580" marT="0" marB="0"/>
+                </a:tc>
+                <a:tc>
+                  <a:txBody>
+                    <a:bodyPr/>
+                    <a:lstStyle/>
+                    <a:p>
+                      <a:pPr>
+                        <a:lnSpc>
+                          <a:spcPct val="107000"/>
+                        </a:lnSpc>
+                        <a:spcAft>
+                          <a:spcPts val="800"/>
+                        </a:spcAft>
+                        <a:buNone/>
+                      </a:pPr>
+                      <a:r>
+                        <a:rPr lang="en-IN" sz="2000" kern="100">
+                          <a:effectLst/>
+                        </a:rPr>
+                        <a:t>SMTP (Mail)</a:t>
+                      </a:r>
+                      <a:endParaRPr lang="en-IN" sz="2000" kern="100">
+                        <a:effectLst/>
+                        <a:latin typeface="Aptos" panose="020B0004020202020204" pitchFamily="34" charset="0"/>
+                        <a:ea typeface="Aptos" panose="020B0004020202020204" pitchFamily="34" charset="0"/>
+                        <a:cs typeface="Tunga" panose="020B0502040204020203" pitchFamily="34" charset="0"/>
+                      </a:endParaRPr>
+                    </a:p>
+                  </a:txBody>
+                  <a:tcPr marL="68580" marR="68580" marT="0" marB="0"/>
+                </a:tc>
+                <a:extLst>
+                  <a:ext uri="{0D108BD9-81ED-4DB2-BD59-A6C34878D82A}">
+                    <a16:rowId xmlns:a16="http://schemas.microsoft.com/office/drawing/2014/main" val="4124567565"/>
+                  </a:ext>
+                </a:extLst>
+              </a:tr>
+              <a:tr h="0">
+                <a:tc>
+                  <a:txBody>
+                    <a:bodyPr/>
+                    <a:lstStyle/>
+                    <a:p>
+                      <a:pPr>
+                        <a:lnSpc>
+                          <a:spcPct val="107000"/>
+                        </a:lnSpc>
+                        <a:spcAft>
+                          <a:spcPts val="800"/>
+                        </a:spcAft>
+                        <a:buNone/>
+                      </a:pPr>
+                      <a:r>
+                        <a:rPr lang="en-IN" sz="2000" kern="100">
+                          <a:effectLst/>
+                        </a:rPr>
+                        <a:t>53</a:t>
+                      </a:r>
+                      <a:endParaRPr lang="en-IN" sz="2000" kern="100">
+                        <a:effectLst/>
+                        <a:latin typeface="Aptos" panose="020B0004020202020204" pitchFamily="34" charset="0"/>
+                        <a:ea typeface="Aptos" panose="020B0004020202020204" pitchFamily="34" charset="0"/>
+                        <a:cs typeface="Tunga" panose="020B0502040204020203" pitchFamily="34" charset="0"/>
+                      </a:endParaRPr>
+                    </a:p>
+                  </a:txBody>
+                  <a:tcPr marL="68580" marR="68580" marT="0" marB="0"/>
+                </a:tc>
+                <a:tc>
+                  <a:txBody>
+                    <a:bodyPr/>
+                    <a:lstStyle/>
+                    <a:p>
+                      <a:pPr>
+                        <a:lnSpc>
+                          <a:spcPct val="107000"/>
+                        </a:lnSpc>
+                        <a:spcAft>
+                          <a:spcPts val="800"/>
+                        </a:spcAft>
+                        <a:buNone/>
+                      </a:pPr>
+                      <a:r>
+                        <a:rPr lang="en-IN" sz="2000" kern="100">
+                          <a:effectLst/>
+                        </a:rPr>
+                        <a:t>DNS (Domain Name System)</a:t>
+                      </a:r>
+                      <a:endParaRPr lang="en-IN" sz="2000" kern="100">
+                        <a:effectLst/>
+                        <a:latin typeface="Aptos" panose="020B0004020202020204" pitchFamily="34" charset="0"/>
+                        <a:ea typeface="Aptos" panose="020B0004020202020204" pitchFamily="34" charset="0"/>
+                        <a:cs typeface="Tunga" panose="020B0502040204020203" pitchFamily="34" charset="0"/>
+                      </a:endParaRPr>
+                    </a:p>
+                  </a:txBody>
+                  <a:tcPr marL="68580" marR="68580" marT="0" marB="0"/>
+                </a:tc>
+                <a:extLst>
+                  <a:ext uri="{0D108BD9-81ED-4DB2-BD59-A6C34878D82A}">
+                    <a16:rowId xmlns:a16="http://schemas.microsoft.com/office/drawing/2014/main" val="2644593424"/>
+                  </a:ext>
+                </a:extLst>
+              </a:tr>
+              <a:tr h="0">
+                <a:tc>
+                  <a:txBody>
+                    <a:bodyPr/>
+                    <a:lstStyle/>
+                    <a:p>
+                      <a:pPr>
+                        <a:lnSpc>
+                          <a:spcPct val="107000"/>
+                        </a:lnSpc>
+                        <a:spcAft>
+                          <a:spcPts val="800"/>
+                        </a:spcAft>
+                        <a:buNone/>
+                      </a:pPr>
+                      <a:r>
+                        <a:rPr lang="en-IN" sz="2000" kern="100">
+                          <a:effectLst/>
+                        </a:rPr>
+                        <a:t>80</a:t>
+                      </a:r>
+                      <a:endParaRPr lang="en-IN" sz="2000" kern="100">
+                        <a:effectLst/>
+                        <a:latin typeface="Aptos" panose="020B0004020202020204" pitchFamily="34" charset="0"/>
+                        <a:ea typeface="Aptos" panose="020B0004020202020204" pitchFamily="34" charset="0"/>
+                        <a:cs typeface="Tunga" panose="020B0502040204020203" pitchFamily="34" charset="0"/>
+                      </a:endParaRPr>
+                    </a:p>
+                  </a:txBody>
+                  <a:tcPr marL="68580" marR="68580" marT="0" marB="0"/>
+                </a:tc>
+                <a:tc>
+                  <a:txBody>
+                    <a:bodyPr/>
+                    <a:lstStyle/>
+                    <a:p>
+                      <a:pPr>
+                        <a:lnSpc>
+                          <a:spcPct val="107000"/>
+                        </a:lnSpc>
+                        <a:spcAft>
+                          <a:spcPts val="800"/>
+                        </a:spcAft>
+                        <a:buNone/>
+                      </a:pPr>
+                      <a:r>
+                        <a:rPr lang="en-IN" sz="2000" kern="100">
+                          <a:effectLst/>
+                        </a:rPr>
+                        <a:t>HTTP (Web)</a:t>
+                      </a:r>
+                      <a:endParaRPr lang="en-IN" sz="2000" kern="100">
+                        <a:effectLst/>
+                        <a:latin typeface="Aptos" panose="020B0004020202020204" pitchFamily="34" charset="0"/>
+                        <a:ea typeface="Aptos" panose="020B0004020202020204" pitchFamily="34" charset="0"/>
+                        <a:cs typeface="Tunga" panose="020B0502040204020203" pitchFamily="34" charset="0"/>
+                      </a:endParaRPr>
+                    </a:p>
+                  </a:txBody>
+                  <a:tcPr marL="68580" marR="68580" marT="0" marB="0"/>
+                </a:tc>
+                <a:extLst>
+                  <a:ext uri="{0D108BD9-81ED-4DB2-BD59-A6C34878D82A}">
+                    <a16:rowId xmlns:a16="http://schemas.microsoft.com/office/drawing/2014/main" val="4142336289"/>
+                  </a:ext>
+                </a:extLst>
+              </a:tr>
+              <a:tr h="0">
+                <a:tc>
+                  <a:txBody>
+                    <a:bodyPr/>
+                    <a:lstStyle/>
+                    <a:p>
+                      <a:pPr>
+                        <a:lnSpc>
+                          <a:spcPct val="107000"/>
+                        </a:lnSpc>
+                        <a:spcAft>
+                          <a:spcPts val="800"/>
+                        </a:spcAft>
+                        <a:buNone/>
+                      </a:pPr>
+                      <a:r>
+                        <a:rPr lang="en-IN" sz="2000" kern="100">
+                          <a:effectLst/>
+                        </a:rPr>
+                        <a:t>443</a:t>
+                      </a:r>
+                      <a:endParaRPr lang="en-IN" sz="2000" kern="100">
+                        <a:effectLst/>
+                        <a:latin typeface="Aptos" panose="020B0004020202020204" pitchFamily="34" charset="0"/>
+                        <a:ea typeface="Aptos" panose="020B0004020202020204" pitchFamily="34" charset="0"/>
+                        <a:cs typeface="Tunga" panose="020B0502040204020203" pitchFamily="34" charset="0"/>
+                      </a:endParaRPr>
+                    </a:p>
+                  </a:txBody>
+                  <a:tcPr marL="68580" marR="68580" marT="0" marB="0"/>
+                </a:tc>
+                <a:tc>
+                  <a:txBody>
+                    <a:bodyPr/>
+                    <a:lstStyle/>
+                    <a:p>
+                      <a:pPr>
+                        <a:lnSpc>
+                          <a:spcPct val="107000"/>
+                        </a:lnSpc>
+                        <a:spcAft>
+                          <a:spcPts val="800"/>
+                        </a:spcAft>
+                        <a:buNone/>
+                      </a:pPr>
+                      <a:r>
+                        <a:rPr lang="en-IN" sz="2000" kern="100" dirty="0">
+                          <a:effectLst/>
+                        </a:rPr>
+                        <a:t>HTTPS (Secure Web)</a:t>
+                      </a:r>
+                      <a:endParaRPr lang="en-IN" sz="2000" kern="100" dirty="0">
+                        <a:effectLst/>
+                        <a:latin typeface="Aptos" panose="020B0004020202020204" pitchFamily="34" charset="0"/>
+                        <a:ea typeface="Aptos" panose="020B0004020202020204" pitchFamily="34" charset="0"/>
+                        <a:cs typeface="Tunga" panose="020B0502040204020203" pitchFamily="34" charset="0"/>
+                      </a:endParaRPr>
+                    </a:p>
+                  </a:txBody>
+                  <a:tcPr marL="68580" marR="68580" marT="0" marB="0"/>
+                </a:tc>
+                <a:extLst>
+                  <a:ext uri="{0D108BD9-81ED-4DB2-BD59-A6C34878D82A}">
+                    <a16:rowId xmlns:a16="http://schemas.microsoft.com/office/drawing/2014/main" val="1187727695"/>
+                  </a:ext>
+                </a:extLst>
+              </a:tr>
+            </a:tbl>
+          </a:graphicData>
+        </a:graphic>
+      </p:graphicFrame>
+    </p:spTree>
+    <p:extLst>
+      <p:ext uri="{BB962C8B-B14F-4D97-AF65-F5344CB8AC3E}">
+        <p14:creationId xmlns:p14="http://schemas.microsoft.com/office/powerpoint/2010/main" val="3495308794"/>
+      </p:ext>
+    </p:extLst>
+  </p:cSld>
+  <p:clrMapOvr>
+    <a:masterClrMapping/>
+  </p:clrMapOvr>
+</p:sld>
+</file>
+
+<file path=ppt/slides/slide68.xml><?xml version="1.0" encoding="utf-8"?>
+<p:sld xmlns:a="http://schemas.openxmlformats.org/drawingml/2006/main" xmlns:r="http://schemas.openxmlformats.org/officeDocument/2006/relationships" xmlns:p="http://schemas.openxmlformats.org/presentationml/2006/main">
+  <p:cSld>
+    <p:spTree>
+      <p:nvGrpSpPr>
+        <p:cNvPr id="1" name="">
+          <a:extLst>
+            <a:ext uri="{FF2B5EF4-FFF2-40B4-BE49-F238E27FC236}">
+              <a16:creationId xmlns:a16="http://schemas.microsoft.com/office/drawing/2014/main" id="{05F4D2E2-00A6-8E33-75FD-4232F9DE4958}"/>
+            </a:ext>
+          </a:extLst>
+        </p:cNvPr>
+        <p:cNvGrpSpPr/>
+        <p:nvPr/>
+      </p:nvGrpSpPr>
+      <p:grpSpPr>
+        <a:xfrm>
+          <a:off x="0" y="0"/>
+          <a:ext cx="0" cy="0"/>
+          <a:chOff x="0" y="0"/>
+          <a:chExt cx="0" cy="0"/>
+        </a:xfrm>
+      </p:grpSpPr>
+      <p:sp>
+        <p:nvSpPr>
+          <p:cNvPr id="3" name="Content Placeholder 2">
+            <a:extLst>
+              <a:ext uri="{FF2B5EF4-FFF2-40B4-BE49-F238E27FC236}">
+                <a16:creationId xmlns:a16="http://schemas.microsoft.com/office/drawing/2014/main" id="{5190F290-F214-6CDA-BD0E-A9EA77E4DEF9}"/>
+              </a:ext>
+            </a:extLst>
+          </p:cNvPr>
+          <p:cNvSpPr>
+            <a:spLocks noGrp="1"/>
+          </p:cNvSpPr>
+          <p:nvPr>
+            <p:ph idx="1"/>
+          </p:nvPr>
+        </p:nvSpPr>
+        <p:spPr>
+          <a:xfrm>
+            <a:off x="766445" y="947058"/>
+            <a:ext cx="10659110" cy="4822372"/>
+          </a:xfrm>
+        </p:spPr>
+        <p:txBody>
+          <a:bodyPr>
+            <a:normAutofit/>
+          </a:bodyPr>
+          <a:lstStyle/>
+          <a:p>
+            <a:pPr marL="0" indent="0">
+              <a:buNone/>
+            </a:pPr>
+            <a:r>
+              <a:rPr lang="en-US" sz="2400" b="1" dirty="0"/>
+              <a:t>2. 🧰 Registered Ports (1024 – 49151):</a:t>
+            </a:r>
+          </a:p>
+          <a:p>
+            <a:pPr marL="0" indent="0">
+              <a:buNone/>
+            </a:pPr>
+            <a:r>
+              <a:rPr lang="en-US" sz="2400" dirty="0"/>
+              <a:t>Also called </a:t>
+            </a:r>
+            <a:r>
+              <a:rPr lang="en-US" sz="2400" b="1" dirty="0">
+                <a:solidFill>
+                  <a:srgbClr val="C00000"/>
+                </a:solidFill>
+              </a:rPr>
+              <a:t>user</a:t>
+            </a:r>
+            <a:r>
+              <a:rPr lang="en-US" sz="2400" dirty="0"/>
+              <a:t> ports or </a:t>
+            </a:r>
+            <a:r>
+              <a:rPr lang="en-US" sz="2400" b="1" dirty="0">
+                <a:solidFill>
+                  <a:srgbClr val="C00000"/>
+                </a:solidFill>
+              </a:rPr>
+              <a:t>semi-reserved</a:t>
+            </a:r>
+            <a:r>
+              <a:rPr lang="en-US" sz="2400" dirty="0"/>
+              <a:t> ports</a:t>
+            </a:r>
+          </a:p>
+          <a:p>
+            <a:pPr lvl="1"/>
+            <a:r>
+              <a:rPr lang="en-US" sz="2400" dirty="0"/>
+              <a:t>Can be used by user applications or custom servers</a:t>
+            </a:r>
+          </a:p>
+          <a:p>
+            <a:pPr lvl="1"/>
+            <a:r>
+              <a:rPr lang="en-US" sz="2400" dirty="0"/>
+              <a:t>Most commonly used for </a:t>
+            </a:r>
+            <a:r>
+              <a:rPr lang="en-US" sz="2400" b="1" dirty="0"/>
+              <a:t>web development, APIs</a:t>
+            </a:r>
+            <a:r>
+              <a:rPr lang="en-US" sz="2400" dirty="0"/>
+              <a:t>, etc.</a:t>
+            </a:r>
+          </a:p>
+          <a:p>
+            <a:pPr marL="0" indent="0">
+              <a:buNone/>
+            </a:pPr>
+            <a:endParaRPr lang="en-US" sz="2400" dirty="0"/>
+          </a:p>
+          <a:p>
+            <a:pPr marL="0" indent="0">
+              <a:buNone/>
+            </a:pPr>
+            <a:r>
+              <a:rPr lang="en-US" sz="2400" b="1" dirty="0"/>
+              <a:t>Examples:</a:t>
+            </a:r>
+          </a:p>
+          <a:p>
+            <a:pPr lvl="1"/>
+            <a:r>
+              <a:rPr lang="en-US" sz="2400" dirty="0"/>
+              <a:t>3000, 5000, 8080, 4000 are popular for local dev servers</a:t>
+            </a:r>
+          </a:p>
+          <a:p>
+            <a:pPr marL="0" indent="0">
+              <a:buNone/>
+            </a:pPr>
+            <a:endParaRPr lang="en-US" sz="2400" dirty="0"/>
+          </a:p>
+          <a:p>
+            <a:pPr marL="0" indent="0">
+              <a:buNone/>
+            </a:pPr>
+            <a:r>
+              <a:rPr lang="en-US" sz="2400" dirty="0"/>
+              <a:t>✅ Perfect range for our Node.js, React, Python, or other local dev apps.</a:t>
+            </a:r>
+          </a:p>
+          <a:p>
+            <a:pPr marL="0" indent="0">
+              <a:buNone/>
+            </a:pPr>
+            <a:endParaRPr lang="en-US" sz="2400" dirty="0"/>
+          </a:p>
+          <a:p>
+            <a:pPr marL="0" indent="0">
+              <a:buNone/>
+            </a:pPr>
+            <a:endParaRPr lang="en-IN" sz="2400" dirty="0"/>
+          </a:p>
+        </p:txBody>
+      </p:sp>
+    </p:spTree>
+    <p:extLst>
+      <p:ext uri="{BB962C8B-B14F-4D97-AF65-F5344CB8AC3E}">
+        <p14:creationId xmlns:p14="http://schemas.microsoft.com/office/powerpoint/2010/main" val="2056910270"/>
+      </p:ext>
+    </p:extLst>
+  </p:cSld>
+  <p:clrMapOvr>
+    <a:masterClrMapping/>
+  </p:clrMapOvr>
+</p:sld>
+</file>
+
+<file path=ppt/slides/slide69.xml><?xml version="1.0" encoding="utf-8"?>
+<p:sld xmlns:a="http://schemas.openxmlformats.org/drawingml/2006/main" xmlns:r="http://schemas.openxmlformats.org/officeDocument/2006/relationships" xmlns:p="http://schemas.openxmlformats.org/presentationml/2006/main">
+  <p:cSld>
+    <p:spTree>
+      <p:nvGrpSpPr>
+        <p:cNvPr id="1" name="">
+          <a:extLst>
+            <a:ext uri="{FF2B5EF4-FFF2-40B4-BE49-F238E27FC236}">
+              <a16:creationId xmlns:a16="http://schemas.microsoft.com/office/drawing/2014/main" id="{39F3DD0E-5EDB-31CE-9E22-C0B573E011F4}"/>
+            </a:ext>
+          </a:extLst>
+        </p:cNvPr>
+        <p:cNvGrpSpPr/>
+        <p:nvPr/>
+      </p:nvGrpSpPr>
+      <p:grpSpPr>
+        <a:xfrm>
+          <a:off x="0" y="0"/>
+          <a:ext cx="0" cy="0"/>
+          <a:chOff x="0" y="0"/>
+          <a:chExt cx="0" cy="0"/>
+        </a:xfrm>
+      </p:grpSpPr>
+      <p:sp>
+        <p:nvSpPr>
+          <p:cNvPr id="3" name="Content Placeholder 2">
+            <a:extLst>
+              <a:ext uri="{FF2B5EF4-FFF2-40B4-BE49-F238E27FC236}">
+                <a16:creationId xmlns:a16="http://schemas.microsoft.com/office/drawing/2014/main" id="{FC7AF36C-51ED-E066-825D-80B4E304AA69}"/>
+              </a:ext>
+            </a:extLst>
+          </p:cNvPr>
+          <p:cNvSpPr>
+            <a:spLocks noGrp="1"/>
+          </p:cNvSpPr>
+          <p:nvPr>
+            <p:ph idx="1"/>
+          </p:nvPr>
+        </p:nvSpPr>
+        <p:spPr>
+          <a:xfrm>
+            <a:off x="777240" y="1164771"/>
+            <a:ext cx="10659110" cy="5012192"/>
+          </a:xfrm>
+        </p:spPr>
+        <p:txBody>
+          <a:bodyPr>
+            <a:normAutofit/>
+          </a:bodyPr>
+          <a:lstStyle/>
+          <a:p>
+            <a:pPr marL="0" indent="0">
+              <a:buNone/>
+            </a:pPr>
+            <a:r>
+              <a:rPr lang="en-US" sz="2400" b="1" dirty="0"/>
+              <a:t>3. 🔄 Dynamic / Private Ports (49152 – 65535):</a:t>
+            </a:r>
+          </a:p>
+          <a:p>
+            <a:pPr marL="0" indent="0">
+              <a:buNone/>
+            </a:pPr>
+            <a:r>
+              <a:rPr lang="en-US" sz="2400" dirty="0"/>
+              <a:t>Also called </a:t>
+            </a:r>
+            <a:r>
+              <a:rPr lang="en-US" sz="2400" b="1" dirty="0">
+                <a:solidFill>
+                  <a:srgbClr val="C00000"/>
+                </a:solidFill>
+              </a:rPr>
+              <a:t>ephemeral</a:t>
+            </a:r>
+            <a:r>
+              <a:rPr lang="en-US" sz="2400" dirty="0"/>
+              <a:t> or </a:t>
+            </a:r>
+            <a:r>
+              <a:rPr lang="en-US" sz="2400" b="1" dirty="0">
+                <a:solidFill>
+                  <a:srgbClr val="C00000"/>
+                </a:solidFill>
+              </a:rPr>
+              <a:t>temporary</a:t>
+            </a:r>
+            <a:r>
+              <a:rPr lang="en-US" sz="2400" dirty="0"/>
+              <a:t> ports</a:t>
+            </a:r>
+          </a:p>
+          <a:p>
+            <a:pPr lvl="1"/>
+            <a:r>
+              <a:rPr lang="en-US" sz="2400" dirty="0"/>
+              <a:t>Assigned automatically by the OS when a client makes a network request</a:t>
+            </a:r>
+          </a:p>
+          <a:p>
+            <a:pPr lvl="1"/>
+            <a:r>
+              <a:rPr lang="en-US" sz="2400" dirty="0"/>
+              <a:t>Not used for servers, but for temporary client-side connections</a:t>
+            </a:r>
+          </a:p>
+          <a:p>
+            <a:pPr marL="0" indent="0">
+              <a:buNone/>
+            </a:pPr>
+            <a:endParaRPr lang="en-US" sz="2400" dirty="0"/>
+          </a:p>
+          <a:p>
+            <a:pPr marL="0" indent="0">
+              <a:buNone/>
+            </a:pPr>
+            <a:r>
+              <a:rPr lang="en-US" sz="2400" b="1" dirty="0"/>
+              <a:t>Example: </a:t>
+            </a:r>
+            <a:r>
+              <a:rPr lang="en-US" sz="2400" dirty="0"/>
+              <a:t>When your browser requests google.com, your OS picks a port from this range to send the request.</a:t>
+            </a:r>
+            <a:endParaRPr lang="en-IN" sz="2400" dirty="0"/>
+          </a:p>
+        </p:txBody>
+      </p:sp>
+    </p:spTree>
+    <p:extLst>
+      <p:ext uri="{BB962C8B-B14F-4D97-AF65-F5344CB8AC3E}">
+        <p14:creationId xmlns:p14="http://schemas.microsoft.com/office/powerpoint/2010/main" val="2880699123"/>
       </p:ext>
     </p:extLst>
   </p:cSld>
@@ -26682,6 +31195,2203 @@
 </p:sld>
 </file>
 
+<file path=ppt/slides/slide70.xml><?xml version="1.0" encoding="utf-8"?>
+<p:sld xmlns:a="http://schemas.openxmlformats.org/drawingml/2006/main" xmlns:r="http://schemas.openxmlformats.org/officeDocument/2006/relationships" xmlns:p="http://schemas.openxmlformats.org/presentationml/2006/main">
+  <p:cSld>
+    <p:spTree>
+      <p:nvGrpSpPr>
+        <p:cNvPr id="1" name="">
+          <a:extLst>
+            <a:ext uri="{FF2B5EF4-FFF2-40B4-BE49-F238E27FC236}">
+              <a16:creationId xmlns:a16="http://schemas.microsoft.com/office/drawing/2014/main" id="{AAF49ABE-2C31-3CC1-9ECF-57B505CB5D11}"/>
+            </a:ext>
+          </a:extLst>
+        </p:cNvPr>
+        <p:cNvGrpSpPr/>
+        <p:nvPr/>
+      </p:nvGrpSpPr>
+      <p:grpSpPr>
+        <a:xfrm>
+          <a:off x="0" y="0"/>
+          <a:ext cx="0" cy="0"/>
+          <a:chOff x="0" y="0"/>
+          <a:chExt cx="0" cy="0"/>
+        </a:xfrm>
+      </p:grpSpPr>
+      <p:sp>
+        <p:nvSpPr>
+          <p:cNvPr id="3" name="Content Placeholder 2">
+            <a:extLst>
+              <a:ext uri="{FF2B5EF4-FFF2-40B4-BE49-F238E27FC236}">
+                <a16:creationId xmlns:a16="http://schemas.microsoft.com/office/drawing/2014/main" id="{BFC9AEF7-0824-027C-907E-D2C20324FA34}"/>
+              </a:ext>
+            </a:extLst>
+          </p:cNvPr>
+          <p:cNvSpPr>
+            <a:spLocks noGrp="1"/>
+          </p:cNvSpPr>
+          <p:nvPr>
+            <p:ph idx="1"/>
+          </p:nvPr>
+        </p:nvSpPr>
+        <p:spPr>
+          <a:xfrm>
+            <a:off x="777240" y="1034143"/>
+            <a:ext cx="10659110" cy="5142820"/>
+          </a:xfrm>
+        </p:spPr>
+        <p:txBody>
+          <a:bodyPr>
+            <a:normAutofit/>
+          </a:bodyPr>
+          <a:lstStyle/>
+          <a:p>
+            <a:pPr>
+              <a:buNone/>
+            </a:pPr>
+            <a:r>
+              <a:rPr lang="en-US" sz="2800" b="1" dirty="0"/>
+              <a:t>🔁 Callback Function:</a:t>
+            </a:r>
+          </a:p>
+          <a:p>
+            <a:r>
+              <a:rPr lang="en-US" sz="2400" dirty="0"/>
+              <a:t>A </a:t>
+            </a:r>
+            <a:r>
+              <a:rPr lang="en-US" sz="2400" b="1" dirty="0"/>
+              <a:t>callback function</a:t>
+            </a:r>
+            <a:r>
+              <a:rPr lang="en-US" sz="2400" dirty="0"/>
+              <a:t> is a </a:t>
+            </a:r>
+            <a:r>
+              <a:rPr lang="en-US" sz="2400" b="1" dirty="0"/>
+              <a:t>function that is passed as an </a:t>
+            </a:r>
+            <a:r>
+              <a:rPr lang="en-US" sz="2400" b="1" dirty="0">
+                <a:solidFill>
+                  <a:srgbClr val="C00000"/>
+                </a:solidFill>
+              </a:rPr>
+              <a:t>argument</a:t>
+            </a:r>
+            <a:r>
+              <a:rPr lang="en-US" sz="2400" b="1" dirty="0"/>
+              <a:t> to another function</a:t>
+            </a:r>
+            <a:r>
+              <a:rPr lang="en-US" sz="2400" dirty="0"/>
+              <a:t>, and is </a:t>
+            </a:r>
+            <a:r>
+              <a:rPr lang="en-US" sz="2400" b="1" dirty="0"/>
+              <a:t>executed later</a:t>
+            </a:r>
+            <a:r>
+              <a:rPr lang="en-US" sz="2400" dirty="0"/>
+              <a:t>, usually </a:t>
+            </a:r>
+            <a:r>
+              <a:rPr lang="en-US" sz="2400" b="1" dirty="0"/>
+              <a:t>after some operation is completed</a:t>
+            </a:r>
+            <a:r>
+              <a:rPr lang="en-US" sz="2400" dirty="0"/>
+              <a:t>.</a:t>
+            </a:r>
+          </a:p>
+          <a:p>
+            <a:endParaRPr lang="en-US" sz="2400" dirty="0"/>
+          </a:p>
+          <a:p>
+            <a:pPr marL="0" indent="0">
+              <a:buNone/>
+            </a:pPr>
+            <a:r>
+              <a:rPr lang="en-US" sz="2400" b="1" dirty="0"/>
+              <a:t>🧠 In Simple Terms:</a:t>
+            </a:r>
+          </a:p>
+          <a:p>
+            <a:pPr marL="0" indent="0">
+              <a:buNone/>
+            </a:pPr>
+            <a:r>
+              <a:rPr lang="en-US" sz="2400" dirty="0"/>
+              <a:t>A callback is a function you </a:t>
+            </a:r>
+            <a:r>
+              <a:rPr lang="en-US" sz="2400" b="1" dirty="0">
+                <a:solidFill>
+                  <a:srgbClr val="C00000"/>
+                </a:solidFill>
+              </a:rPr>
+              <a:t>hand over to </a:t>
+            </a:r>
+            <a:r>
+              <a:rPr lang="en-US" sz="2400" b="1" dirty="0"/>
+              <a:t>another</a:t>
+            </a:r>
+            <a:r>
+              <a:rPr lang="en-US" sz="2400" dirty="0"/>
+              <a:t> </a:t>
+            </a:r>
+            <a:r>
+              <a:rPr lang="en-US" sz="2400" b="1" dirty="0"/>
+              <a:t>function</a:t>
+            </a:r>
+            <a:r>
+              <a:rPr lang="en-US" sz="2400" dirty="0"/>
+              <a:t> and say:</a:t>
+            </a:r>
+          </a:p>
+          <a:p>
+            <a:pPr marL="0" indent="0">
+              <a:buNone/>
+            </a:pPr>
+            <a:r>
+              <a:rPr lang="en-US" sz="2400" dirty="0"/>
+              <a:t>“📞 When </a:t>
+            </a:r>
+            <a:r>
+              <a:rPr lang="en-US" sz="2400" b="1" dirty="0">
+                <a:solidFill>
+                  <a:srgbClr val="002060"/>
+                </a:solidFill>
+              </a:rPr>
+              <a:t>you're done</a:t>
+            </a:r>
+            <a:r>
+              <a:rPr lang="en-US" sz="2400" dirty="0"/>
+              <a:t>, </a:t>
+            </a:r>
+            <a:r>
+              <a:rPr lang="en-US" sz="2400" b="1" dirty="0"/>
+              <a:t>call me back </a:t>
+            </a:r>
+            <a:r>
+              <a:rPr lang="en-US" sz="2400" dirty="0"/>
+              <a:t>using this.”</a:t>
+            </a:r>
+          </a:p>
+          <a:p>
+            <a:pPr marL="0" indent="0">
+              <a:buNone/>
+            </a:pPr>
+            <a:endParaRPr lang="en-IN" sz="2400" dirty="0"/>
+          </a:p>
+        </p:txBody>
+      </p:sp>
+    </p:spTree>
+    <p:extLst>
+      <p:ext uri="{BB962C8B-B14F-4D97-AF65-F5344CB8AC3E}">
+        <p14:creationId xmlns:p14="http://schemas.microsoft.com/office/powerpoint/2010/main" val="3598008498"/>
+      </p:ext>
+    </p:extLst>
+  </p:cSld>
+  <p:clrMapOvr>
+    <a:masterClrMapping/>
+  </p:clrMapOvr>
+</p:sld>
+</file>
+
+<file path=ppt/slides/slide71.xml><?xml version="1.0" encoding="utf-8"?>
+<p:sld xmlns:a="http://schemas.openxmlformats.org/drawingml/2006/main" xmlns:r="http://schemas.openxmlformats.org/officeDocument/2006/relationships" xmlns:p="http://schemas.openxmlformats.org/presentationml/2006/main">
+  <p:cSld>
+    <p:spTree>
+      <p:nvGrpSpPr>
+        <p:cNvPr id="1" name="">
+          <a:extLst>
+            <a:ext uri="{FF2B5EF4-FFF2-40B4-BE49-F238E27FC236}">
+              <a16:creationId xmlns:a16="http://schemas.microsoft.com/office/drawing/2014/main" id="{3A6CD8FB-1092-416D-731B-D51AFB8A79F8}"/>
+            </a:ext>
+          </a:extLst>
+        </p:cNvPr>
+        <p:cNvGrpSpPr/>
+        <p:nvPr/>
+      </p:nvGrpSpPr>
+      <p:grpSpPr>
+        <a:xfrm>
+          <a:off x="0" y="0"/>
+          <a:ext cx="0" cy="0"/>
+          <a:chOff x="0" y="0"/>
+          <a:chExt cx="0" cy="0"/>
+        </a:xfrm>
+      </p:grpSpPr>
+      <p:sp>
+        <p:nvSpPr>
+          <p:cNvPr id="3" name="Content Placeholder 2">
+            <a:extLst>
+              <a:ext uri="{FF2B5EF4-FFF2-40B4-BE49-F238E27FC236}">
+                <a16:creationId xmlns:a16="http://schemas.microsoft.com/office/drawing/2014/main" id="{4FAEAC02-01A9-6C95-CFD3-0DD444E40644}"/>
+              </a:ext>
+            </a:extLst>
+          </p:cNvPr>
+          <p:cNvSpPr>
+            <a:spLocks noGrp="1"/>
+          </p:cNvSpPr>
+          <p:nvPr>
+            <p:ph idx="1"/>
+          </p:nvPr>
+        </p:nvSpPr>
+        <p:spPr>
+          <a:xfrm>
+            <a:off x="189411" y="492952"/>
+            <a:ext cx="10659110" cy="5480277"/>
+          </a:xfrm>
+        </p:spPr>
+        <p:txBody>
+          <a:bodyPr>
+            <a:normAutofit/>
+          </a:bodyPr>
+          <a:lstStyle/>
+          <a:p>
+            <a:pPr marL="0" indent="0">
+              <a:buNone/>
+            </a:pPr>
+            <a:r>
+              <a:rPr lang="en-IN" sz="2800" b="1" dirty="0"/>
+              <a:t>🧩 Example:</a:t>
+            </a:r>
+          </a:p>
+        </p:txBody>
+      </p:sp>
+      <p:pic>
+        <p:nvPicPr>
+          <p:cNvPr id="4" name="Picture 3">
+            <a:extLst>
+              <a:ext uri="{FF2B5EF4-FFF2-40B4-BE49-F238E27FC236}">
+                <a16:creationId xmlns:a16="http://schemas.microsoft.com/office/drawing/2014/main" id="{9CF8BAE3-BD8B-3F3F-222B-4810C592A5EA}"/>
+              </a:ext>
+            </a:extLst>
+          </p:cNvPr>
+          <p:cNvPicPr>
+            <a:picLocks noChangeAspect="1"/>
+          </p:cNvPicPr>
+          <p:nvPr/>
+        </p:nvPicPr>
+        <p:blipFill>
+          <a:blip r:embed="rId2"/>
+          <a:stretch>
+            <a:fillRect/>
+          </a:stretch>
+        </p:blipFill>
+        <p:spPr>
+          <a:xfrm>
+            <a:off x="1326080" y="1077620"/>
+            <a:ext cx="5636727" cy="5287428"/>
+          </a:xfrm>
+          <a:prstGeom prst="rect">
+            <a:avLst/>
+          </a:prstGeom>
+        </p:spPr>
+      </p:pic>
+      <p:pic>
+        <p:nvPicPr>
+          <p:cNvPr id="6" name="Picture 5">
+            <a:extLst>
+              <a:ext uri="{FF2B5EF4-FFF2-40B4-BE49-F238E27FC236}">
+                <a16:creationId xmlns:a16="http://schemas.microsoft.com/office/drawing/2014/main" id="{E7F8EAA4-C93D-4AE4-BAB0-3DAE19CE7FED}"/>
+              </a:ext>
+            </a:extLst>
+          </p:cNvPr>
+          <p:cNvPicPr>
+            <a:picLocks noChangeAspect="1"/>
+          </p:cNvPicPr>
+          <p:nvPr/>
+        </p:nvPicPr>
+        <p:blipFill>
+          <a:blip r:embed="rId3"/>
+          <a:stretch>
+            <a:fillRect/>
+          </a:stretch>
+        </p:blipFill>
+        <p:spPr>
+          <a:xfrm>
+            <a:off x="7794170" y="1928702"/>
+            <a:ext cx="3885714" cy="1657143"/>
+          </a:xfrm>
+          <a:prstGeom prst="rect">
+            <a:avLst/>
+          </a:prstGeom>
+        </p:spPr>
+      </p:pic>
+      <p:sp>
+        <p:nvSpPr>
+          <p:cNvPr id="8" name="TextBox 7">
+            <a:extLst>
+              <a:ext uri="{FF2B5EF4-FFF2-40B4-BE49-F238E27FC236}">
+                <a16:creationId xmlns:a16="http://schemas.microsoft.com/office/drawing/2014/main" id="{4F947158-12BB-D177-81F3-247A0A6D31B4}"/>
+              </a:ext>
+            </a:extLst>
+          </p:cNvPr>
+          <p:cNvSpPr txBox="1"/>
+          <p:nvPr/>
+        </p:nvSpPr>
+        <p:spPr>
+          <a:xfrm>
+            <a:off x="7620001" y="1213202"/>
+            <a:ext cx="2558142" cy="584775"/>
+          </a:xfrm>
+          <a:prstGeom prst="rect">
+            <a:avLst/>
+          </a:prstGeom>
+          <a:noFill/>
+        </p:spPr>
+        <p:txBody>
+          <a:bodyPr wrap="square">
+            <a:spAutoFit/>
+          </a:bodyPr>
+          <a:lstStyle/>
+          <a:p>
+            <a:r>
+              <a:rPr lang="en-IN" sz="3200" b="1" dirty="0"/>
+              <a:t>💥 Output:</a:t>
+            </a:r>
+          </a:p>
+        </p:txBody>
+      </p:sp>
+      <p:sp>
+        <p:nvSpPr>
+          <p:cNvPr id="12" name="TextBox 11">
+            <a:extLst>
+              <a:ext uri="{FF2B5EF4-FFF2-40B4-BE49-F238E27FC236}">
+                <a16:creationId xmlns:a16="http://schemas.microsoft.com/office/drawing/2014/main" id="{06871C99-0D10-876E-0273-79AC45B3FC2A}"/>
+              </a:ext>
+            </a:extLst>
+          </p:cNvPr>
+          <p:cNvSpPr txBox="1"/>
+          <p:nvPr/>
+        </p:nvSpPr>
+        <p:spPr>
+          <a:xfrm>
+            <a:off x="7794170" y="4290133"/>
+            <a:ext cx="4684601" cy="2215991"/>
+          </a:xfrm>
+          <a:prstGeom prst="rect">
+            <a:avLst/>
+          </a:prstGeom>
+          <a:noFill/>
+        </p:spPr>
+        <p:txBody>
+          <a:bodyPr wrap="square">
+            <a:spAutoFit/>
+          </a:bodyPr>
+          <a:lstStyle/>
+          <a:p>
+            <a:pPr marL="285750" indent="-285750">
+              <a:buFont typeface="Arial" panose="020B0604020202020204" pitchFamily="34" charset="0"/>
+              <a:buChar char="•"/>
+            </a:pPr>
+            <a:r>
+              <a:rPr lang="en-IN" sz="2400" dirty="0"/>
+              <a:t>Here, </a:t>
+            </a:r>
+            <a:r>
+              <a:rPr lang="en-IN" sz="2400" b="1" dirty="0" err="1">
+                <a:solidFill>
+                  <a:srgbClr val="002060"/>
+                </a:solidFill>
+              </a:rPr>
+              <a:t>sayBye</a:t>
+            </a:r>
+            <a:r>
+              <a:rPr lang="en-IN" sz="2400" dirty="0"/>
+              <a:t> is passed as a </a:t>
+            </a:r>
+            <a:r>
+              <a:rPr lang="en-IN" sz="2400" b="1" dirty="0">
+                <a:solidFill>
+                  <a:srgbClr val="C00000"/>
+                </a:solidFill>
+              </a:rPr>
+              <a:t>callback</a:t>
+            </a:r>
+            <a:r>
+              <a:rPr lang="en-IN" sz="2400" dirty="0"/>
+              <a:t> to the </a:t>
+            </a:r>
+            <a:r>
+              <a:rPr lang="en-IN" sz="2400" b="1" dirty="0">
+                <a:solidFill>
+                  <a:srgbClr val="002060"/>
+                </a:solidFill>
+              </a:rPr>
+              <a:t>greet</a:t>
+            </a:r>
+            <a:r>
+              <a:rPr lang="en-IN" sz="2400" dirty="0"/>
+              <a:t> function.</a:t>
+            </a:r>
+          </a:p>
+          <a:p>
+            <a:pPr marL="285750" indent="-285750">
+              <a:buFont typeface="Arial" panose="020B0604020202020204" pitchFamily="34" charset="0"/>
+              <a:buChar char="•"/>
+            </a:pPr>
+            <a:endParaRPr lang="en-IN" sz="2400" dirty="0"/>
+          </a:p>
+          <a:p>
+            <a:pPr marL="285750" indent="-285750">
+              <a:buFont typeface="Arial" panose="020B0604020202020204" pitchFamily="34" charset="0"/>
+              <a:buChar char="•"/>
+            </a:pPr>
+            <a:r>
+              <a:rPr lang="en-IN" sz="2400" dirty="0"/>
+              <a:t>It runs after the greeting is printed.</a:t>
+            </a:r>
+          </a:p>
+          <a:p>
+            <a:endParaRPr lang="en-IN" dirty="0"/>
+          </a:p>
+        </p:txBody>
+      </p:sp>
+    </p:spTree>
+    <p:extLst>
+      <p:ext uri="{BB962C8B-B14F-4D97-AF65-F5344CB8AC3E}">
+        <p14:creationId xmlns:p14="http://schemas.microsoft.com/office/powerpoint/2010/main" val="1340291649"/>
+      </p:ext>
+    </p:extLst>
+  </p:cSld>
+  <p:clrMapOvr>
+    <a:masterClrMapping/>
+  </p:clrMapOvr>
+</p:sld>
+</file>
+
+<file path=ppt/slides/slide72.xml><?xml version="1.0" encoding="utf-8"?>
+<p:sld xmlns:a="http://schemas.openxmlformats.org/drawingml/2006/main" xmlns:r="http://schemas.openxmlformats.org/officeDocument/2006/relationships" xmlns:p="http://schemas.openxmlformats.org/presentationml/2006/main">
+  <p:cSld>
+    <p:spTree>
+      <p:nvGrpSpPr>
+        <p:cNvPr id="1" name="">
+          <a:extLst>
+            <a:ext uri="{FF2B5EF4-FFF2-40B4-BE49-F238E27FC236}">
+              <a16:creationId xmlns:a16="http://schemas.microsoft.com/office/drawing/2014/main" id="{35FF78EE-8B61-DA57-BA1C-45CE863E2977}"/>
+            </a:ext>
+          </a:extLst>
+        </p:cNvPr>
+        <p:cNvGrpSpPr/>
+        <p:nvPr/>
+      </p:nvGrpSpPr>
+      <p:grpSpPr>
+        <a:xfrm>
+          <a:off x="0" y="0"/>
+          <a:ext cx="0" cy="0"/>
+          <a:chOff x="0" y="0"/>
+          <a:chExt cx="0" cy="0"/>
+        </a:xfrm>
+      </p:grpSpPr>
+      <p:sp>
+        <p:nvSpPr>
+          <p:cNvPr id="3" name="Content Placeholder 2">
+            <a:extLst>
+              <a:ext uri="{FF2B5EF4-FFF2-40B4-BE49-F238E27FC236}">
+                <a16:creationId xmlns:a16="http://schemas.microsoft.com/office/drawing/2014/main" id="{85D2A720-15CA-04C1-2754-ED5B8A15C097}"/>
+              </a:ext>
+            </a:extLst>
+          </p:cNvPr>
+          <p:cNvSpPr>
+            <a:spLocks noGrp="1"/>
+          </p:cNvSpPr>
+          <p:nvPr>
+            <p:ph idx="1"/>
+          </p:nvPr>
+        </p:nvSpPr>
+        <p:spPr>
+          <a:xfrm>
+            <a:off x="777240" y="702525"/>
+            <a:ext cx="10659110" cy="5875880"/>
+          </a:xfrm>
+        </p:spPr>
+        <p:txBody>
+          <a:bodyPr>
+            <a:normAutofit/>
+          </a:bodyPr>
+          <a:lstStyle/>
+          <a:p>
+            <a:pPr>
+              <a:buNone/>
+            </a:pPr>
+            <a:r>
+              <a:rPr lang="en-US" sz="2400" b="1" dirty="0"/>
+              <a:t>🕒 Real-World Use: Async Operations</a:t>
+            </a:r>
+          </a:p>
+          <a:p>
+            <a:r>
+              <a:rPr lang="en-US" sz="2400" dirty="0"/>
+              <a:t>Callbacks are </a:t>
+            </a:r>
+            <a:r>
+              <a:rPr lang="en-US" sz="2400" b="1" dirty="0"/>
+              <a:t>essential in Node.js</a:t>
+            </a:r>
+            <a:r>
+              <a:rPr lang="en-US" sz="2400" dirty="0"/>
+              <a:t> for handling asynchronous tasks like file reads, HTTP requests, etc.</a:t>
+            </a:r>
+          </a:p>
+          <a:p>
+            <a:pPr marL="0" indent="0">
+              <a:buNone/>
+            </a:pPr>
+            <a:endParaRPr lang="en-IN" sz="2400" dirty="0"/>
+          </a:p>
+        </p:txBody>
+      </p:sp>
+      <p:pic>
+        <p:nvPicPr>
+          <p:cNvPr id="4" name="Picture 3">
+            <a:extLst>
+              <a:ext uri="{FF2B5EF4-FFF2-40B4-BE49-F238E27FC236}">
+                <a16:creationId xmlns:a16="http://schemas.microsoft.com/office/drawing/2014/main" id="{CD0A48DF-B16E-D3FD-963F-3EFE1369920D}"/>
+              </a:ext>
+            </a:extLst>
+          </p:cNvPr>
+          <p:cNvPicPr>
+            <a:picLocks noChangeAspect="1"/>
+          </p:cNvPicPr>
+          <p:nvPr/>
+        </p:nvPicPr>
+        <p:blipFill>
+          <a:blip r:embed="rId2"/>
+          <a:stretch>
+            <a:fillRect/>
+          </a:stretch>
+        </p:blipFill>
+        <p:spPr>
+          <a:xfrm>
+            <a:off x="3950849" y="2009761"/>
+            <a:ext cx="8006467" cy="4223767"/>
+          </a:xfrm>
+          <a:prstGeom prst="rect">
+            <a:avLst/>
+          </a:prstGeom>
+        </p:spPr>
+      </p:pic>
+      <p:sp>
+        <p:nvSpPr>
+          <p:cNvPr id="6" name="TextBox 5">
+            <a:extLst>
+              <a:ext uri="{FF2B5EF4-FFF2-40B4-BE49-F238E27FC236}">
+                <a16:creationId xmlns:a16="http://schemas.microsoft.com/office/drawing/2014/main" id="{21BA453E-7761-3514-4033-A124A0181DFB}"/>
+              </a:ext>
+            </a:extLst>
+          </p:cNvPr>
+          <p:cNvSpPr txBox="1"/>
+          <p:nvPr/>
+        </p:nvSpPr>
+        <p:spPr>
+          <a:xfrm>
+            <a:off x="755650" y="2108690"/>
+            <a:ext cx="3314545" cy="2308324"/>
+          </a:xfrm>
+          <a:prstGeom prst="rect">
+            <a:avLst/>
+          </a:prstGeom>
+          <a:noFill/>
+        </p:spPr>
+        <p:txBody>
+          <a:bodyPr wrap="square">
+            <a:spAutoFit/>
+          </a:bodyPr>
+          <a:lstStyle/>
+          <a:p>
+            <a:pPr marL="342900" indent="-342900">
+              <a:buFont typeface="Arial" panose="020B0604020202020204" pitchFamily="34" charset="0"/>
+              <a:buChar char="•"/>
+            </a:pPr>
+            <a:r>
+              <a:rPr lang="en-IN" sz="2400" dirty="0" err="1"/>
+              <a:t>readFile</a:t>
+            </a:r>
+            <a:r>
+              <a:rPr lang="en-IN" sz="2400" dirty="0"/>
+              <a:t>() does not block the program.</a:t>
+            </a:r>
+          </a:p>
+          <a:p>
+            <a:pPr marL="342900" indent="-342900">
+              <a:buFont typeface="Arial" panose="020B0604020202020204" pitchFamily="34" charset="0"/>
+              <a:buChar char="•"/>
+            </a:pPr>
+            <a:endParaRPr lang="en-IN" sz="2400" dirty="0"/>
+          </a:p>
+          <a:p>
+            <a:pPr marL="342900" indent="-342900">
+              <a:buFont typeface="Arial" panose="020B0604020202020204" pitchFamily="34" charset="0"/>
+              <a:buChar char="•"/>
+            </a:pPr>
+            <a:r>
+              <a:rPr lang="en-IN" sz="2400" dirty="0"/>
+              <a:t>The callback is called later when the file is done reading.</a:t>
+            </a:r>
+          </a:p>
+        </p:txBody>
+      </p:sp>
+    </p:spTree>
+    <p:extLst>
+      <p:ext uri="{BB962C8B-B14F-4D97-AF65-F5344CB8AC3E}">
+        <p14:creationId xmlns:p14="http://schemas.microsoft.com/office/powerpoint/2010/main" val="1427375454"/>
+      </p:ext>
+    </p:extLst>
+  </p:cSld>
+  <p:clrMapOvr>
+    <a:masterClrMapping/>
+  </p:clrMapOvr>
+</p:sld>
+</file>
+
+<file path=ppt/slides/slide73.xml><?xml version="1.0" encoding="utf-8"?>
+<p:sld xmlns:a="http://schemas.openxmlformats.org/drawingml/2006/main" xmlns:r="http://schemas.openxmlformats.org/officeDocument/2006/relationships" xmlns:p="http://schemas.openxmlformats.org/presentationml/2006/main">
+  <p:cSld>
+    <p:spTree>
+      <p:nvGrpSpPr>
+        <p:cNvPr id="1" name="">
+          <a:extLst>
+            <a:ext uri="{FF2B5EF4-FFF2-40B4-BE49-F238E27FC236}">
+              <a16:creationId xmlns:a16="http://schemas.microsoft.com/office/drawing/2014/main" id="{006966B6-F3A5-A43C-39A2-A98A48F5DC2B}"/>
+            </a:ext>
+          </a:extLst>
+        </p:cNvPr>
+        <p:cNvGrpSpPr/>
+        <p:nvPr/>
+      </p:nvGrpSpPr>
+      <p:grpSpPr>
+        <a:xfrm>
+          <a:off x="0" y="0"/>
+          <a:ext cx="0" cy="0"/>
+          <a:chOff x="0" y="0"/>
+          <a:chExt cx="0" cy="0"/>
+        </a:xfrm>
+      </p:grpSpPr>
+      <p:sp>
+        <p:nvSpPr>
+          <p:cNvPr id="3" name="Content Placeholder 2">
+            <a:extLst>
+              <a:ext uri="{FF2B5EF4-FFF2-40B4-BE49-F238E27FC236}">
+                <a16:creationId xmlns:a16="http://schemas.microsoft.com/office/drawing/2014/main" id="{F789207C-FBA8-DB80-CA49-69D848B5410F}"/>
+              </a:ext>
+            </a:extLst>
+          </p:cNvPr>
+          <p:cNvSpPr>
+            <a:spLocks noGrp="1"/>
+          </p:cNvSpPr>
+          <p:nvPr>
+            <p:ph idx="1"/>
+          </p:nvPr>
+        </p:nvSpPr>
+        <p:spPr>
+          <a:xfrm>
+            <a:off x="777240" y="696686"/>
+            <a:ext cx="10659110" cy="5480277"/>
+          </a:xfrm>
+        </p:spPr>
+        <p:txBody>
+          <a:bodyPr>
+            <a:noAutofit/>
+          </a:bodyPr>
+          <a:lstStyle/>
+          <a:p>
+            <a:pPr>
+              <a:buNone/>
+            </a:pPr>
+            <a:r>
+              <a:rPr lang="en-US" sz="2800" b="1" dirty="0"/>
+              <a:t>🔗 What is a Promise in Node.js?</a:t>
+            </a:r>
+          </a:p>
+          <a:p>
+            <a:r>
+              <a:rPr lang="en-US" sz="2400" dirty="0"/>
+              <a:t>A </a:t>
+            </a:r>
+            <a:r>
+              <a:rPr lang="en-US" sz="2400" b="1" dirty="0"/>
+              <a:t>Promise</a:t>
+            </a:r>
+            <a:r>
+              <a:rPr lang="en-US" sz="2400" dirty="0"/>
+              <a:t> is a modern way to handle </a:t>
+            </a:r>
+            <a:r>
+              <a:rPr lang="en-US" sz="2400" b="1" dirty="0"/>
+              <a:t>asynchronous operations</a:t>
+            </a:r>
+            <a:r>
+              <a:rPr lang="en-US" sz="2400" dirty="0"/>
+              <a:t> in JavaScript (and Node.js), making code more readable and easier to manage than traditional </a:t>
+            </a:r>
+            <a:r>
+              <a:rPr lang="en-US" sz="2400" b="1" dirty="0"/>
+              <a:t>callback functions</a:t>
+            </a:r>
+            <a:r>
+              <a:rPr lang="en-US" sz="2400" dirty="0"/>
+              <a:t>.</a:t>
+            </a:r>
+          </a:p>
+          <a:p>
+            <a:pPr marL="0" indent="0">
+              <a:buNone/>
+            </a:pPr>
+            <a:r>
+              <a:rPr lang="en-US" sz="2400" b="1" dirty="0"/>
+              <a:t>🧠 In Simple Terms:</a:t>
+            </a:r>
+          </a:p>
+          <a:p>
+            <a:pPr marL="0" indent="0">
+              <a:buNone/>
+            </a:pPr>
+            <a:r>
+              <a:rPr lang="en-US" sz="2400" dirty="0"/>
+              <a:t>A Promise is like a placeholder for a value that’s </a:t>
+            </a:r>
+            <a:r>
+              <a:rPr lang="en-US" sz="2400" b="1" dirty="0">
+                <a:solidFill>
+                  <a:srgbClr val="C00000"/>
+                </a:solidFill>
+              </a:rPr>
+              <a:t>not available yet </a:t>
+            </a:r>
+            <a:r>
+              <a:rPr lang="en-US" sz="2400" dirty="0"/>
+              <a:t>but will be available in the </a:t>
+            </a:r>
+            <a:r>
+              <a:rPr lang="en-US" sz="2400" b="1" dirty="0">
+                <a:solidFill>
+                  <a:srgbClr val="C00000"/>
+                </a:solidFill>
+              </a:rPr>
+              <a:t>future</a:t>
+            </a:r>
+            <a:r>
+              <a:rPr lang="en-US" sz="2400" dirty="0"/>
+              <a:t> — either </a:t>
+            </a:r>
+            <a:r>
+              <a:rPr lang="en-US" sz="2400" b="1" dirty="0">
+                <a:solidFill>
+                  <a:srgbClr val="002060"/>
+                </a:solidFill>
+              </a:rPr>
+              <a:t>successfully</a:t>
+            </a:r>
+            <a:r>
+              <a:rPr lang="en-US" sz="2400" dirty="0"/>
+              <a:t> or </a:t>
+            </a:r>
+            <a:r>
+              <a:rPr lang="en-US" sz="2400" b="1" dirty="0">
+                <a:solidFill>
+                  <a:srgbClr val="002060"/>
+                </a:solidFill>
+              </a:rPr>
+              <a:t>with</a:t>
+            </a:r>
+            <a:r>
+              <a:rPr lang="en-US" sz="2400" dirty="0"/>
+              <a:t> </a:t>
+            </a:r>
+            <a:r>
+              <a:rPr lang="en-US" sz="2400" b="1" dirty="0">
+                <a:solidFill>
+                  <a:srgbClr val="002060"/>
+                </a:solidFill>
+              </a:rPr>
+              <a:t>an</a:t>
+            </a:r>
+            <a:r>
+              <a:rPr lang="en-US" sz="2400" dirty="0"/>
+              <a:t> </a:t>
+            </a:r>
+            <a:r>
+              <a:rPr lang="en-US" sz="2400" b="1" dirty="0">
+                <a:solidFill>
+                  <a:srgbClr val="002060"/>
+                </a:solidFill>
+              </a:rPr>
+              <a:t>error</a:t>
+            </a:r>
+            <a:r>
+              <a:rPr lang="en-US" sz="2400" dirty="0"/>
+              <a:t>.</a:t>
+            </a:r>
+          </a:p>
+          <a:p>
+            <a:pPr marL="0" indent="0">
+              <a:buNone/>
+            </a:pPr>
+            <a:endParaRPr lang="en-US" sz="800" dirty="0"/>
+          </a:p>
+          <a:p>
+            <a:pPr marL="0" indent="0">
+              <a:buNone/>
+            </a:pPr>
+            <a:r>
+              <a:rPr lang="en-US" sz="2400" b="1" dirty="0"/>
+              <a:t>🧩 Real-World Analogy:</a:t>
+            </a:r>
+          </a:p>
+          <a:p>
+            <a:pPr marL="0" indent="0">
+              <a:buNone/>
+            </a:pPr>
+            <a:r>
+              <a:rPr lang="en-US" sz="2400" dirty="0"/>
+              <a:t>Imagine </a:t>
+            </a:r>
+            <a:r>
+              <a:rPr lang="en-US" sz="2400" b="1" dirty="0">
+                <a:solidFill>
+                  <a:srgbClr val="002060"/>
+                </a:solidFill>
+              </a:rPr>
+              <a:t>Ordering a Pizza </a:t>
+            </a:r>
+            <a:r>
+              <a:rPr lang="en-US" sz="2400" dirty="0"/>
+              <a:t>🍕:</a:t>
+            </a:r>
+          </a:p>
+          <a:p>
+            <a:pPr lvl="1"/>
+            <a:r>
+              <a:rPr lang="en-US" sz="2400" dirty="0"/>
+              <a:t>You place the order → You get a promise (receipt).</a:t>
+            </a:r>
+          </a:p>
+          <a:p>
+            <a:pPr lvl="1"/>
+            <a:r>
+              <a:rPr lang="en-US" sz="2400" dirty="0"/>
+              <a:t>While it's being prepared → You can do other tasks.</a:t>
+            </a:r>
+          </a:p>
+          <a:p>
+            <a:pPr lvl="1"/>
+            <a:r>
+              <a:rPr lang="en-US" sz="2400" dirty="0"/>
+              <a:t>Later → The pizza is delivered (fulfilled) or canceled (rejected).</a:t>
+            </a:r>
+            <a:endParaRPr lang="en-IN" sz="2400" dirty="0"/>
+          </a:p>
+        </p:txBody>
+      </p:sp>
+    </p:spTree>
+    <p:extLst>
+      <p:ext uri="{BB962C8B-B14F-4D97-AF65-F5344CB8AC3E}">
+        <p14:creationId xmlns:p14="http://schemas.microsoft.com/office/powerpoint/2010/main" val="644800703"/>
+      </p:ext>
+    </p:extLst>
+  </p:cSld>
+  <p:clrMapOvr>
+    <a:masterClrMapping/>
+  </p:clrMapOvr>
+</p:sld>
+</file>
+
+<file path=ppt/slides/slide74.xml><?xml version="1.0" encoding="utf-8"?>
+<p:sld xmlns:a="http://schemas.openxmlformats.org/drawingml/2006/main" xmlns:r="http://schemas.openxmlformats.org/officeDocument/2006/relationships" xmlns:p="http://schemas.openxmlformats.org/presentationml/2006/main">
+  <p:cSld>
+    <p:spTree>
+      <p:nvGrpSpPr>
+        <p:cNvPr id="1" name="">
+          <a:extLst>
+            <a:ext uri="{FF2B5EF4-FFF2-40B4-BE49-F238E27FC236}">
+              <a16:creationId xmlns:a16="http://schemas.microsoft.com/office/drawing/2014/main" id="{A35BDC0D-A7A4-834E-F391-5582ACD0AD34}"/>
+            </a:ext>
+          </a:extLst>
+        </p:cNvPr>
+        <p:cNvGrpSpPr/>
+        <p:nvPr/>
+      </p:nvGrpSpPr>
+      <p:grpSpPr>
+        <a:xfrm>
+          <a:off x="0" y="0"/>
+          <a:ext cx="0" cy="0"/>
+          <a:chOff x="0" y="0"/>
+          <a:chExt cx="0" cy="0"/>
+        </a:xfrm>
+      </p:grpSpPr>
+      <p:sp>
+        <p:nvSpPr>
+          <p:cNvPr id="3" name="Content Placeholder 2">
+            <a:extLst>
+              <a:ext uri="{FF2B5EF4-FFF2-40B4-BE49-F238E27FC236}">
+                <a16:creationId xmlns:a16="http://schemas.microsoft.com/office/drawing/2014/main" id="{AC4E611D-E01B-D07B-8309-107B145BB2A5}"/>
+              </a:ext>
+            </a:extLst>
+          </p:cNvPr>
+          <p:cNvSpPr>
+            <a:spLocks noGrp="1"/>
+          </p:cNvSpPr>
+          <p:nvPr>
+            <p:ph idx="1"/>
+          </p:nvPr>
+        </p:nvSpPr>
+        <p:spPr>
+          <a:xfrm>
+            <a:off x="0" y="931828"/>
+            <a:ext cx="11436350" cy="5245136"/>
+          </a:xfrm>
+        </p:spPr>
+        <p:txBody>
+          <a:bodyPr>
+            <a:normAutofit/>
+          </a:bodyPr>
+          <a:lstStyle/>
+          <a:p>
+            <a:pPr marL="0" indent="0">
+              <a:buNone/>
+            </a:pPr>
+            <a:r>
+              <a:rPr lang="en-IN" sz="2800" b="1" dirty="0"/>
+              <a:t>📦 Syntax Example:</a:t>
+            </a:r>
+          </a:p>
+          <a:p>
+            <a:pPr marL="0" indent="0">
+              <a:buNone/>
+            </a:pPr>
+            <a:endParaRPr lang="en-IN" sz="2800" b="1" dirty="0"/>
+          </a:p>
+        </p:txBody>
+      </p:sp>
+      <p:pic>
+        <p:nvPicPr>
+          <p:cNvPr id="4" name="Picture 3">
+            <a:extLst>
+              <a:ext uri="{FF2B5EF4-FFF2-40B4-BE49-F238E27FC236}">
+                <a16:creationId xmlns:a16="http://schemas.microsoft.com/office/drawing/2014/main" id="{2305CD92-3805-C32F-4460-D25E27C77BAC}"/>
+              </a:ext>
+            </a:extLst>
+          </p:cNvPr>
+          <p:cNvPicPr>
+            <a:picLocks noChangeAspect="1"/>
+          </p:cNvPicPr>
+          <p:nvPr/>
+        </p:nvPicPr>
+        <p:blipFill>
+          <a:blip r:embed="rId2"/>
+          <a:stretch>
+            <a:fillRect/>
+          </a:stretch>
+        </p:blipFill>
+        <p:spPr>
+          <a:xfrm>
+            <a:off x="3489936" y="931828"/>
+            <a:ext cx="8456738" cy="5513576"/>
+          </a:xfrm>
+          <a:prstGeom prst="rect">
+            <a:avLst/>
+          </a:prstGeom>
+        </p:spPr>
+      </p:pic>
+      <p:sp>
+        <p:nvSpPr>
+          <p:cNvPr id="6" name="TextBox 5">
+            <a:extLst>
+              <a:ext uri="{FF2B5EF4-FFF2-40B4-BE49-F238E27FC236}">
+                <a16:creationId xmlns:a16="http://schemas.microsoft.com/office/drawing/2014/main" id="{3057E374-072B-55F6-FF8A-0D73300C82FB}"/>
+              </a:ext>
+            </a:extLst>
+          </p:cNvPr>
+          <p:cNvSpPr txBox="1"/>
+          <p:nvPr/>
+        </p:nvSpPr>
+        <p:spPr>
+          <a:xfrm>
+            <a:off x="103949" y="1816979"/>
+            <a:ext cx="3527365" cy="2677656"/>
+          </a:xfrm>
+          <a:prstGeom prst="rect">
+            <a:avLst/>
+          </a:prstGeom>
+          <a:noFill/>
+        </p:spPr>
+        <p:txBody>
+          <a:bodyPr wrap="square">
+            <a:spAutoFit/>
+          </a:bodyPr>
+          <a:lstStyle/>
+          <a:p>
+            <a:r>
+              <a:rPr lang="en-IN" sz="2800" b="1" dirty="0"/>
+              <a:t>Part 1: </a:t>
+            </a:r>
+            <a:r>
+              <a:rPr lang="en-IN" sz="2800" b="1" dirty="0">
+                <a:solidFill>
+                  <a:srgbClr val="C00000"/>
+                </a:solidFill>
+              </a:rPr>
+              <a:t>Promise Creation:</a:t>
+            </a:r>
+          </a:p>
+          <a:p>
+            <a:endParaRPr lang="en-US" sz="2800" b="1" dirty="0"/>
+          </a:p>
+          <a:p>
+            <a:r>
+              <a:rPr lang="en-US" sz="2800" b="1" dirty="0"/>
+              <a:t>"Creating a Promise" or "Promise Executor Function"</a:t>
+            </a:r>
+            <a:endParaRPr lang="en-IN" sz="2800" b="1" dirty="0"/>
+          </a:p>
+        </p:txBody>
+      </p:sp>
+    </p:spTree>
+    <p:extLst>
+      <p:ext uri="{BB962C8B-B14F-4D97-AF65-F5344CB8AC3E}">
+        <p14:creationId xmlns:p14="http://schemas.microsoft.com/office/powerpoint/2010/main" val="2697665067"/>
+      </p:ext>
+    </p:extLst>
+  </p:cSld>
+  <p:clrMapOvr>
+    <a:masterClrMapping/>
+  </p:clrMapOvr>
+</p:sld>
+</file>
+
+<file path=ppt/slides/slide75.xml><?xml version="1.0" encoding="utf-8"?>
+<p:sld xmlns:a="http://schemas.openxmlformats.org/drawingml/2006/main" xmlns:r="http://schemas.openxmlformats.org/officeDocument/2006/relationships" xmlns:p="http://schemas.openxmlformats.org/presentationml/2006/main">
+  <p:cSld>
+    <p:spTree>
+      <p:nvGrpSpPr>
+        <p:cNvPr id="1" name="">
+          <a:extLst>
+            <a:ext uri="{FF2B5EF4-FFF2-40B4-BE49-F238E27FC236}">
+              <a16:creationId xmlns:a16="http://schemas.microsoft.com/office/drawing/2014/main" id="{06194A6F-9FC0-3636-8157-8B443A2568A0}"/>
+            </a:ext>
+          </a:extLst>
+        </p:cNvPr>
+        <p:cNvGrpSpPr/>
+        <p:nvPr/>
+      </p:nvGrpSpPr>
+      <p:grpSpPr>
+        <a:xfrm>
+          <a:off x="0" y="0"/>
+          <a:ext cx="0" cy="0"/>
+          <a:chOff x="0" y="0"/>
+          <a:chExt cx="0" cy="0"/>
+        </a:xfrm>
+      </p:grpSpPr>
+      <p:sp>
+        <p:nvSpPr>
+          <p:cNvPr id="3" name="Content Placeholder 2">
+            <a:extLst>
+              <a:ext uri="{FF2B5EF4-FFF2-40B4-BE49-F238E27FC236}">
+                <a16:creationId xmlns:a16="http://schemas.microsoft.com/office/drawing/2014/main" id="{FBE47EB4-0426-DCC5-8659-4128E40E7587}"/>
+              </a:ext>
+            </a:extLst>
+          </p:cNvPr>
+          <p:cNvSpPr>
+            <a:spLocks noGrp="1"/>
+          </p:cNvSpPr>
+          <p:nvPr>
+            <p:ph idx="1"/>
+          </p:nvPr>
+        </p:nvSpPr>
+        <p:spPr>
+          <a:xfrm>
+            <a:off x="777240" y="696686"/>
+            <a:ext cx="10659110" cy="5480277"/>
+          </a:xfrm>
+        </p:spPr>
+        <p:txBody>
+          <a:bodyPr>
+            <a:normAutofit/>
+          </a:bodyPr>
+          <a:lstStyle/>
+          <a:p>
+            <a:pPr marL="0" indent="0">
+              <a:buNone/>
+            </a:pPr>
+            <a:r>
+              <a:rPr lang="en-US" sz="2800" b="1" dirty="0">
+                <a:solidFill>
+                  <a:srgbClr val="002060"/>
+                </a:solidFill>
+              </a:rPr>
+              <a:t>🔹 Part 2: Promise Consumption (Handling the Result)</a:t>
+            </a:r>
+            <a:endParaRPr lang="en-IN" sz="2800" b="1" dirty="0">
+              <a:solidFill>
+                <a:srgbClr val="002060"/>
+              </a:solidFill>
+            </a:endParaRPr>
+          </a:p>
+        </p:txBody>
+      </p:sp>
+      <p:pic>
+        <p:nvPicPr>
+          <p:cNvPr id="4" name="Picture 3">
+            <a:extLst>
+              <a:ext uri="{FF2B5EF4-FFF2-40B4-BE49-F238E27FC236}">
+                <a16:creationId xmlns:a16="http://schemas.microsoft.com/office/drawing/2014/main" id="{F9EC0E20-F696-5562-2B45-5A2D801616CE}"/>
+              </a:ext>
+            </a:extLst>
+          </p:cNvPr>
+          <p:cNvPicPr>
+            <a:picLocks noChangeAspect="1"/>
+          </p:cNvPicPr>
+          <p:nvPr/>
+        </p:nvPicPr>
+        <p:blipFill>
+          <a:blip r:embed="rId2"/>
+          <a:stretch>
+            <a:fillRect/>
+          </a:stretch>
+        </p:blipFill>
+        <p:spPr>
+          <a:xfrm>
+            <a:off x="1860438" y="1322538"/>
+            <a:ext cx="8114286" cy="4228571"/>
+          </a:xfrm>
+          <a:prstGeom prst="rect">
+            <a:avLst/>
+          </a:prstGeom>
+        </p:spPr>
+      </p:pic>
+    </p:spTree>
+    <p:extLst>
+      <p:ext uri="{BB962C8B-B14F-4D97-AF65-F5344CB8AC3E}">
+        <p14:creationId xmlns:p14="http://schemas.microsoft.com/office/powerpoint/2010/main" val="2715239674"/>
+      </p:ext>
+    </p:extLst>
+  </p:cSld>
+  <p:clrMapOvr>
+    <a:masterClrMapping/>
+  </p:clrMapOvr>
+</p:sld>
+</file>
+
+<file path=ppt/slides/slide76.xml><?xml version="1.0" encoding="utf-8"?>
+<p:sld xmlns:a="http://schemas.openxmlformats.org/drawingml/2006/main" xmlns:r="http://schemas.openxmlformats.org/officeDocument/2006/relationships" xmlns:p="http://schemas.openxmlformats.org/presentationml/2006/main">
+  <p:cSld>
+    <p:spTree>
+      <p:nvGrpSpPr>
+        <p:cNvPr id="1" name="">
+          <a:extLst>
+            <a:ext uri="{FF2B5EF4-FFF2-40B4-BE49-F238E27FC236}">
+              <a16:creationId xmlns:a16="http://schemas.microsoft.com/office/drawing/2014/main" id="{F42A5360-32B0-303F-17B6-084DB39E563B}"/>
+            </a:ext>
+          </a:extLst>
+        </p:cNvPr>
+        <p:cNvGrpSpPr/>
+        <p:nvPr/>
+      </p:nvGrpSpPr>
+      <p:grpSpPr>
+        <a:xfrm>
+          <a:off x="0" y="0"/>
+          <a:ext cx="0" cy="0"/>
+          <a:chOff x="0" y="0"/>
+          <a:chExt cx="0" cy="0"/>
+        </a:xfrm>
+      </p:grpSpPr>
+      <p:sp>
+        <p:nvSpPr>
+          <p:cNvPr id="3" name="Content Placeholder 2">
+            <a:extLst>
+              <a:ext uri="{FF2B5EF4-FFF2-40B4-BE49-F238E27FC236}">
+                <a16:creationId xmlns:a16="http://schemas.microsoft.com/office/drawing/2014/main" id="{ADF7540E-B800-7550-84D9-B4ACCCAC00C4}"/>
+              </a:ext>
+            </a:extLst>
+          </p:cNvPr>
+          <p:cNvSpPr>
+            <a:spLocks noGrp="1"/>
+          </p:cNvSpPr>
+          <p:nvPr>
+            <p:ph idx="1"/>
+          </p:nvPr>
+        </p:nvSpPr>
+        <p:spPr>
+          <a:xfrm>
+            <a:off x="777240" y="557562"/>
+            <a:ext cx="10659110" cy="5619402"/>
+          </a:xfrm>
+        </p:spPr>
+        <p:txBody>
+          <a:bodyPr>
+            <a:normAutofit/>
+          </a:bodyPr>
+          <a:lstStyle/>
+          <a:p>
+            <a:pPr marL="0" indent="0">
+              <a:buNone/>
+            </a:pPr>
+            <a:r>
+              <a:rPr lang="en-US" sz="2400" b="1" dirty="0"/>
+              <a:t>🧪 Node.js Example:</a:t>
+            </a:r>
+            <a:r>
+              <a:rPr lang="en-US" sz="2400" dirty="0"/>
+              <a:t> Reading a file with Promises</a:t>
+            </a:r>
+          </a:p>
+          <a:p>
+            <a:pPr marL="0" indent="0">
+              <a:buNone/>
+            </a:pPr>
+            <a:r>
+              <a:rPr lang="en-US" sz="2400" dirty="0"/>
+              <a:t>Using the </a:t>
+            </a:r>
+            <a:r>
+              <a:rPr lang="en-US" sz="2400" b="1" dirty="0"/>
+              <a:t>fs/promises </a:t>
+            </a:r>
+            <a:r>
+              <a:rPr lang="en-US" sz="2400" dirty="0"/>
+              <a:t>module:</a:t>
+            </a:r>
+            <a:endParaRPr lang="en-IN" sz="2400" dirty="0"/>
+          </a:p>
+        </p:txBody>
+      </p:sp>
+      <p:pic>
+        <p:nvPicPr>
+          <p:cNvPr id="5" name="Picture 4">
+            <a:extLst>
+              <a:ext uri="{FF2B5EF4-FFF2-40B4-BE49-F238E27FC236}">
+                <a16:creationId xmlns:a16="http://schemas.microsoft.com/office/drawing/2014/main" id="{1AD9AA14-9AE6-CEAD-0F05-4187CCDC2B48}"/>
+              </a:ext>
+            </a:extLst>
+          </p:cNvPr>
+          <p:cNvPicPr>
+            <a:picLocks noChangeAspect="1"/>
+          </p:cNvPicPr>
+          <p:nvPr/>
+        </p:nvPicPr>
+        <p:blipFill>
+          <a:blip r:embed="rId2"/>
+          <a:stretch>
+            <a:fillRect/>
+          </a:stretch>
+        </p:blipFill>
+        <p:spPr>
+          <a:xfrm>
+            <a:off x="1292201" y="1613803"/>
+            <a:ext cx="8453966" cy="4810426"/>
+          </a:xfrm>
+          <a:prstGeom prst="rect">
+            <a:avLst/>
+          </a:prstGeom>
+        </p:spPr>
+      </p:pic>
+    </p:spTree>
+    <p:extLst>
+      <p:ext uri="{BB962C8B-B14F-4D97-AF65-F5344CB8AC3E}">
+        <p14:creationId xmlns:p14="http://schemas.microsoft.com/office/powerpoint/2010/main" val="3502240012"/>
+      </p:ext>
+    </p:extLst>
+  </p:cSld>
+  <p:clrMapOvr>
+    <a:masterClrMapping/>
+  </p:clrMapOvr>
+</p:sld>
+</file>
+
+<file path=ppt/slides/slide77.xml><?xml version="1.0" encoding="utf-8"?>
+<p:sld xmlns:a="http://schemas.openxmlformats.org/drawingml/2006/main" xmlns:r="http://schemas.openxmlformats.org/officeDocument/2006/relationships" xmlns:p="http://schemas.openxmlformats.org/presentationml/2006/main">
+  <p:cSld>
+    <p:spTree>
+      <p:nvGrpSpPr>
+        <p:cNvPr id="1" name="">
+          <a:extLst>
+            <a:ext uri="{FF2B5EF4-FFF2-40B4-BE49-F238E27FC236}">
+              <a16:creationId xmlns:a16="http://schemas.microsoft.com/office/drawing/2014/main" id="{B5F7767A-5512-0D2B-99F6-8E4096E9513F}"/>
+            </a:ext>
+          </a:extLst>
+        </p:cNvPr>
+        <p:cNvGrpSpPr/>
+        <p:nvPr/>
+      </p:nvGrpSpPr>
+      <p:grpSpPr>
+        <a:xfrm>
+          <a:off x="0" y="0"/>
+          <a:ext cx="0" cy="0"/>
+          <a:chOff x="0" y="0"/>
+          <a:chExt cx="0" cy="0"/>
+        </a:xfrm>
+      </p:grpSpPr>
+      <p:sp>
+        <p:nvSpPr>
+          <p:cNvPr id="3" name="Content Placeholder 2">
+            <a:extLst>
+              <a:ext uri="{FF2B5EF4-FFF2-40B4-BE49-F238E27FC236}">
+                <a16:creationId xmlns:a16="http://schemas.microsoft.com/office/drawing/2014/main" id="{76123B8F-C513-FD0A-BCAC-CBA8DA19003A}"/>
+              </a:ext>
+            </a:extLst>
+          </p:cNvPr>
+          <p:cNvSpPr>
+            <a:spLocks noGrp="1"/>
+          </p:cNvSpPr>
+          <p:nvPr>
+            <p:ph idx="1"/>
+          </p:nvPr>
+        </p:nvSpPr>
+        <p:spPr>
+          <a:xfrm>
+            <a:off x="777240" y="696686"/>
+            <a:ext cx="10659110" cy="5291519"/>
+          </a:xfrm>
+        </p:spPr>
+        <p:txBody>
+          <a:bodyPr>
+            <a:normAutofit/>
+          </a:bodyPr>
+          <a:lstStyle/>
+          <a:p>
+            <a:pPr marL="0" indent="0">
+              <a:buNone/>
+            </a:pPr>
+            <a:r>
+              <a:rPr lang="en-US" sz="2800" b="1" dirty="0"/>
+              <a:t>📘 Why Use Promises Over Callbacks?</a:t>
+            </a:r>
+          </a:p>
+          <a:p>
+            <a:pPr marL="0" indent="0">
+              <a:buNone/>
+            </a:pPr>
+            <a:endParaRPr lang="en-US" sz="2800" b="1" dirty="0"/>
+          </a:p>
+          <a:p>
+            <a:pPr marL="0" indent="0">
+              <a:buNone/>
+            </a:pPr>
+            <a:endParaRPr lang="en-US" sz="2800" b="1" dirty="0"/>
+          </a:p>
+          <a:p>
+            <a:pPr marL="0" indent="0">
+              <a:buNone/>
+            </a:pPr>
+            <a:endParaRPr lang="en-US" sz="2800" b="1" dirty="0"/>
+          </a:p>
+          <a:p>
+            <a:pPr marL="0" indent="0">
+              <a:buNone/>
+            </a:pPr>
+            <a:endParaRPr lang="en-US" sz="2800" b="1" dirty="0"/>
+          </a:p>
+          <a:p>
+            <a:pPr marL="0" indent="0">
+              <a:buNone/>
+            </a:pPr>
+            <a:endParaRPr lang="en-US" sz="2800" b="1" dirty="0"/>
+          </a:p>
+          <a:p>
+            <a:pPr marL="0" indent="0">
+              <a:buNone/>
+            </a:pPr>
+            <a:r>
+              <a:rPr lang="en-US" sz="2800" b="1" dirty="0"/>
+              <a:t>✅ Promise States:</a:t>
+            </a:r>
+          </a:p>
+        </p:txBody>
+      </p:sp>
+      <p:graphicFrame>
+        <p:nvGraphicFramePr>
+          <p:cNvPr id="2" name="Table 1">
+            <a:extLst>
+              <a:ext uri="{FF2B5EF4-FFF2-40B4-BE49-F238E27FC236}">
+                <a16:creationId xmlns:a16="http://schemas.microsoft.com/office/drawing/2014/main" id="{45597553-A7CB-B232-11EC-0A15D7371318}"/>
+              </a:ext>
+            </a:extLst>
+          </p:cNvPr>
+          <p:cNvGraphicFramePr>
+            <a:graphicFrameLocks noGrp="1"/>
+          </p:cNvGraphicFramePr>
+          <p:nvPr>
+            <p:extLst>
+              <p:ext uri="{D42A27DB-BD31-4B8C-83A1-F6EECF244321}">
+                <p14:modId xmlns:p14="http://schemas.microsoft.com/office/powerpoint/2010/main" val="1870427029"/>
+              </p:ext>
+            </p:extLst>
+          </p:nvPr>
+        </p:nvGraphicFramePr>
+        <p:xfrm>
+          <a:off x="1471488" y="4340827"/>
+          <a:ext cx="6903078" cy="1508252"/>
+        </p:xfrm>
+        <a:graphic>
+          <a:graphicData uri="http://schemas.openxmlformats.org/drawingml/2006/table">
+            <a:tbl>
+              <a:tblPr firstRow="1" firstCol="1" bandRow="1">
+                <a:tableStyleId>{5C22544A-7EE6-4342-B048-85BDC9FD1C3A}</a:tableStyleId>
+              </a:tblPr>
+              <a:tblGrid>
+                <a:gridCol w="2501436">
+                  <a:extLst>
+                    <a:ext uri="{9D8B030D-6E8A-4147-A177-3AD203B41FA5}">
+                      <a16:colId xmlns:a16="http://schemas.microsoft.com/office/drawing/2014/main" val="3171046769"/>
+                    </a:ext>
+                  </a:extLst>
+                </a:gridCol>
+                <a:gridCol w="4401642">
+                  <a:extLst>
+                    <a:ext uri="{9D8B030D-6E8A-4147-A177-3AD203B41FA5}">
+                      <a16:colId xmlns:a16="http://schemas.microsoft.com/office/drawing/2014/main" val="622742103"/>
+                    </a:ext>
+                  </a:extLst>
+                </a:gridCol>
+              </a:tblGrid>
+              <a:tr h="298986">
+                <a:tc>
+                  <a:txBody>
+                    <a:bodyPr/>
+                    <a:lstStyle/>
+                    <a:p>
+                      <a:pPr>
+                        <a:lnSpc>
+                          <a:spcPct val="107000"/>
+                        </a:lnSpc>
+                        <a:spcAft>
+                          <a:spcPts val="800"/>
+                        </a:spcAft>
+                        <a:buNone/>
+                      </a:pPr>
+                      <a:r>
+                        <a:rPr lang="en-IN" sz="2400" kern="100" dirty="0">
+                          <a:effectLst/>
+                        </a:rPr>
+                        <a:t>State</a:t>
+                      </a:r>
+                      <a:endParaRPr lang="en-IN" sz="2400" kern="100" dirty="0">
+                        <a:effectLst/>
+                        <a:latin typeface="Aptos" panose="020B0004020202020204" pitchFamily="34" charset="0"/>
+                        <a:ea typeface="Aptos" panose="020B0004020202020204" pitchFamily="34" charset="0"/>
+                        <a:cs typeface="Tunga" panose="020B0502040204020203" pitchFamily="34" charset="0"/>
+                      </a:endParaRPr>
+                    </a:p>
+                  </a:txBody>
+                  <a:tcPr marL="68580" marR="68580" marT="0" marB="0"/>
+                </a:tc>
+                <a:tc>
+                  <a:txBody>
+                    <a:bodyPr/>
+                    <a:lstStyle/>
+                    <a:p>
+                      <a:pPr>
+                        <a:lnSpc>
+                          <a:spcPct val="107000"/>
+                        </a:lnSpc>
+                        <a:spcAft>
+                          <a:spcPts val="800"/>
+                        </a:spcAft>
+                        <a:buNone/>
+                      </a:pPr>
+                      <a:r>
+                        <a:rPr lang="en-IN" sz="2400" kern="100">
+                          <a:effectLst/>
+                        </a:rPr>
+                        <a:t>Description</a:t>
+                      </a:r>
+                      <a:endParaRPr lang="en-IN" sz="2400" kern="100">
+                        <a:effectLst/>
+                        <a:latin typeface="Aptos" panose="020B0004020202020204" pitchFamily="34" charset="0"/>
+                        <a:ea typeface="Aptos" panose="020B0004020202020204" pitchFamily="34" charset="0"/>
+                        <a:cs typeface="Tunga" panose="020B0502040204020203" pitchFamily="34" charset="0"/>
+                      </a:endParaRPr>
+                    </a:p>
+                  </a:txBody>
+                  <a:tcPr marL="68580" marR="68580" marT="0" marB="0"/>
+                </a:tc>
+                <a:extLst>
+                  <a:ext uri="{0D108BD9-81ED-4DB2-BD59-A6C34878D82A}">
+                    <a16:rowId xmlns:a16="http://schemas.microsoft.com/office/drawing/2014/main" val="4243776355"/>
+                  </a:ext>
+                </a:extLst>
+              </a:tr>
+              <a:tr h="298986">
+                <a:tc>
+                  <a:txBody>
+                    <a:bodyPr/>
+                    <a:lstStyle/>
+                    <a:p>
+                      <a:pPr>
+                        <a:lnSpc>
+                          <a:spcPct val="107000"/>
+                        </a:lnSpc>
+                        <a:spcAft>
+                          <a:spcPts val="800"/>
+                        </a:spcAft>
+                        <a:buNone/>
+                      </a:pPr>
+                      <a:r>
+                        <a:rPr lang="en-IN" sz="2400" kern="100" dirty="0">
+                          <a:effectLst/>
+                        </a:rPr>
+                        <a:t>pending</a:t>
+                      </a:r>
+                      <a:endParaRPr lang="en-IN" sz="2400" kern="100" dirty="0">
+                        <a:effectLst/>
+                        <a:latin typeface="Aptos" panose="020B0004020202020204" pitchFamily="34" charset="0"/>
+                        <a:ea typeface="Aptos" panose="020B0004020202020204" pitchFamily="34" charset="0"/>
+                        <a:cs typeface="Tunga" panose="020B0502040204020203" pitchFamily="34" charset="0"/>
+                      </a:endParaRPr>
+                    </a:p>
+                  </a:txBody>
+                  <a:tcPr marL="68580" marR="68580" marT="0" marB="0"/>
+                </a:tc>
+                <a:tc>
+                  <a:txBody>
+                    <a:bodyPr/>
+                    <a:lstStyle/>
+                    <a:p>
+                      <a:pPr>
+                        <a:lnSpc>
+                          <a:spcPct val="107000"/>
+                        </a:lnSpc>
+                        <a:spcAft>
+                          <a:spcPts val="800"/>
+                        </a:spcAft>
+                        <a:buNone/>
+                      </a:pPr>
+                      <a:r>
+                        <a:rPr lang="en-IN" sz="2400" kern="100">
+                          <a:effectLst/>
+                        </a:rPr>
+                        <a:t>The async task is still running</a:t>
+                      </a:r>
+                      <a:endParaRPr lang="en-IN" sz="2400" kern="100">
+                        <a:effectLst/>
+                        <a:latin typeface="Aptos" panose="020B0004020202020204" pitchFamily="34" charset="0"/>
+                        <a:ea typeface="Aptos" panose="020B0004020202020204" pitchFamily="34" charset="0"/>
+                        <a:cs typeface="Tunga" panose="020B0502040204020203" pitchFamily="34" charset="0"/>
+                      </a:endParaRPr>
+                    </a:p>
+                  </a:txBody>
+                  <a:tcPr marL="68580" marR="68580" marT="0" marB="0"/>
+                </a:tc>
+                <a:extLst>
+                  <a:ext uri="{0D108BD9-81ED-4DB2-BD59-A6C34878D82A}">
+                    <a16:rowId xmlns:a16="http://schemas.microsoft.com/office/drawing/2014/main" val="2411216191"/>
+                  </a:ext>
+                </a:extLst>
+              </a:tr>
+              <a:tr h="298986">
+                <a:tc>
+                  <a:txBody>
+                    <a:bodyPr/>
+                    <a:lstStyle/>
+                    <a:p>
+                      <a:pPr>
+                        <a:lnSpc>
+                          <a:spcPct val="107000"/>
+                        </a:lnSpc>
+                        <a:spcAft>
+                          <a:spcPts val="800"/>
+                        </a:spcAft>
+                        <a:buNone/>
+                      </a:pPr>
+                      <a:r>
+                        <a:rPr lang="en-IN" sz="2400" kern="100">
+                          <a:effectLst/>
+                        </a:rPr>
+                        <a:t>fulfilled</a:t>
+                      </a:r>
+                      <a:endParaRPr lang="en-IN" sz="2400" kern="100">
+                        <a:effectLst/>
+                        <a:latin typeface="Aptos" panose="020B0004020202020204" pitchFamily="34" charset="0"/>
+                        <a:ea typeface="Aptos" panose="020B0004020202020204" pitchFamily="34" charset="0"/>
+                        <a:cs typeface="Tunga" panose="020B0502040204020203" pitchFamily="34" charset="0"/>
+                      </a:endParaRPr>
+                    </a:p>
+                  </a:txBody>
+                  <a:tcPr marL="68580" marR="68580" marT="0" marB="0"/>
+                </a:tc>
+                <a:tc>
+                  <a:txBody>
+                    <a:bodyPr/>
+                    <a:lstStyle/>
+                    <a:p>
+                      <a:pPr>
+                        <a:lnSpc>
+                          <a:spcPct val="107000"/>
+                        </a:lnSpc>
+                        <a:spcAft>
+                          <a:spcPts val="800"/>
+                        </a:spcAft>
+                        <a:buNone/>
+                      </a:pPr>
+                      <a:r>
+                        <a:rPr lang="en-IN" sz="2400" kern="100">
+                          <a:effectLst/>
+                        </a:rPr>
+                        <a:t>The task completed successfully</a:t>
+                      </a:r>
+                      <a:endParaRPr lang="en-IN" sz="2400" kern="100">
+                        <a:effectLst/>
+                        <a:latin typeface="Aptos" panose="020B0004020202020204" pitchFamily="34" charset="0"/>
+                        <a:ea typeface="Aptos" panose="020B0004020202020204" pitchFamily="34" charset="0"/>
+                        <a:cs typeface="Tunga" panose="020B0502040204020203" pitchFamily="34" charset="0"/>
+                      </a:endParaRPr>
+                    </a:p>
+                  </a:txBody>
+                  <a:tcPr marL="68580" marR="68580" marT="0" marB="0"/>
+                </a:tc>
+                <a:extLst>
+                  <a:ext uri="{0D108BD9-81ED-4DB2-BD59-A6C34878D82A}">
+                    <a16:rowId xmlns:a16="http://schemas.microsoft.com/office/drawing/2014/main" val="1821755599"/>
+                  </a:ext>
+                </a:extLst>
+              </a:tr>
+              <a:tr h="220853">
+                <a:tc>
+                  <a:txBody>
+                    <a:bodyPr/>
+                    <a:lstStyle/>
+                    <a:p>
+                      <a:pPr>
+                        <a:lnSpc>
+                          <a:spcPct val="107000"/>
+                        </a:lnSpc>
+                        <a:spcAft>
+                          <a:spcPts val="800"/>
+                        </a:spcAft>
+                        <a:buNone/>
+                      </a:pPr>
+                      <a:r>
+                        <a:rPr lang="en-IN" sz="2400" kern="100" dirty="0">
+                          <a:effectLst/>
+                        </a:rPr>
+                        <a:t>rejected</a:t>
+                      </a:r>
+                      <a:endParaRPr lang="en-IN" sz="2400" kern="100" dirty="0">
+                        <a:effectLst/>
+                        <a:latin typeface="Aptos" panose="020B0004020202020204" pitchFamily="34" charset="0"/>
+                        <a:ea typeface="Aptos" panose="020B0004020202020204" pitchFamily="34" charset="0"/>
+                        <a:cs typeface="Tunga" panose="020B0502040204020203" pitchFamily="34" charset="0"/>
+                      </a:endParaRPr>
+                    </a:p>
+                  </a:txBody>
+                  <a:tcPr marL="68580" marR="68580" marT="0" marB="0"/>
+                </a:tc>
+                <a:tc>
+                  <a:txBody>
+                    <a:bodyPr/>
+                    <a:lstStyle/>
+                    <a:p>
+                      <a:pPr>
+                        <a:lnSpc>
+                          <a:spcPct val="107000"/>
+                        </a:lnSpc>
+                        <a:spcAft>
+                          <a:spcPts val="800"/>
+                        </a:spcAft>
+                        <a:buNone/>
+                      </a:pPr>
+                      <a:r>
+                        <a:rPr lang="en-IN" sz="2400" kern="100" dirty="0">
+                          <a:effectLst/>
+                        </a:rPr>
+                        <a:t>The task failed with an error</a:t>
+                      </a:r>
+                      <a:endParaRPr lang="en-IN" sz="2400" kern="100" dirty="0">
+                        <a:effectLst/>
+                        <a:latin typeface="Aptos" panose="020B0004020202020204" pitchFamily="34" charset="0"/>
+                        <a:ea typeface="Aptos" panose="020B0004020202020204" pitchFamily="34" charset="0"/>
+                        <a:cs typeface="Tunga" panose="020B0502040204020203" pitchFamily="34" charset="0"/>
+                      </a:endParaRPr>
+                    </a:p>
+                  </a:txBody>
+                  <a:tcPr marL="68580" marR="68580" marT="0" marB="0"/>
+                </a:tc>
+                <a:extLst>
+                  <a:ext uri="{0D108BD9-81ED-4DB2-BD59-A6C34878D82A}">
+                    <a16:rowId xmlns:a16="http://schemas.microsoft.com/office/drawing/2014/main" val="3126884728"/>
+                  </a:ext>
+                </a:extLst>
+              </a:tr>
+            </a:tbl>
+          </a:graphicData>
+        </a:graphic>
+      </p:graphicFrame>
+      <p:graphicFrame>
+        <p:nvGraphicFramePr>
+          <p:cNvPr id="4" name="Table 3">
+            <a:extLst>
+              <a:ext uri="{FF2B5EF4-FFF2-40B4-BE49-F238E27FC236}">
+                <a16:creationId xmlns:a16="http://schemas.microsoft.com/office/drawing/2014/main" id="{D7101D74-C095-1035-BC20-274A06042F9A}"/>
+              </a:ext>
+            </a:extLst>
+          </p:cNvPr>
+          <p:cNvGraphicFramePr>
+            <a:graphicFrameLocks noGrp="1"/>
+          </p:cNvGraphicFramePr>
+          <p:nvPr>
+            <p:extLst>
+              <p:ext uri="{D42A27DB-BD31-4B8C-83A1-F6EECF244321}">
+                <p14:modId xmlns:p14="http://schemas.microsoft.com/office/powerpoint/2010/main" val="1563283061"/>
+              </p:ext>
+            </p:extLst>
+          </p:nvPr>
+        </p:nvGraphicFramePr>
+        <p:xfrm>
+          <a:off x="1371126" y="1176019"/>
+          <a:ext cx="7572152" cy="2290954"/>
+        </p:xfrm>
+        <a:graphic>
+          <a:graphicData uri="http://schemas.openxmlformats.org/drawingml/2006/table">
+            <a:tbl>
+              <a:tblPr firstRow="1" firstCol="1" bandRow="1">
+                <a:tableStyleId>{5C22544A-7EE6-4342-B048-85BDC9FD1C3A}</a:tableStyleId>
+              </a:tblPr>
+              <a:tblGrid>
+                <a:gridCol w="3758435">
+                  <a:extLst>
+                    <a:ext uri="{9D8B030D-6E8A-4147-A177-3AD203B41FA5}">
+                      <a16:colId xmlns:a16="http://schemas.microsoft.com/office/drawing/2014/main" val="40284784"/>
+                    </a:ext>
+                  </a:extLst>
+                </a:gridCol>
+                <a:gridCol w="3813717">
+                  <a:extLst>
+                    <a:ext uri="{9D8B030D-6E8A-4147-A177-3AD203B41FA5}">
+                      <a16:colId xmlns:a16="http://schemas.microsoft.com/office/drawing/2014/main" val="2091785137"/>
+                    </a:ext>
+                  </a:extLst>
+                </a:gridCol>
+              </a:tblGrid>
+              <a:tr h="285109">
+                <a:tc>
+                  <a:txBody>
+                    <a:bodyPr/>
+                    <a:lstStyle/>
+                    <a:p>
+                      <a:pPr>
+                        <a:lnSpc>
+                          <a:spcPct val="107000"/>
+                        </a:lnSpc>
+                        <a:spcAft>
+                          <a:spcPts val="800"/>
+                        </a:spcAft>
+                        <a:buNone/>
+                      </a:pPr>
+                      <a:r>
+                        <a:rPr lang="en-IN" sz="2400" kern="100">
+                          <a:effectLst/>
+                        </a:rPr>
+                        <a:t>Callbacks</a:t>
+                      </a:r>
+                      <a:endParaRPr lang="en-IN" sz="2400" kern="100">
+                        <a:effectLst/>
+                        <a:latin typeface="Aptos" panose="020B0004020202020204" pitchFamily="34" charset="0"/>
+                        <a:ea typeface="Aptos" panose="020B0004020202020204" pitchFamily="34" charset="0"/>
+                        <a:cs typeface="Tunga" panose="020B0502040204020203" pitchFamily="34" charset="0"/>
+                      </a:endParaRPr>
+                    </a:p>
+                  </a:txBody>
+                  <a:tcPr marL="68580" marR="68580" marT="0" marB="0"/>
+                </a:tc>
+                <a:tc>
+                  <a:txBody>
+                    <a:bodyPr/>
+                    <a:lstStyle/>
+                    <a:p>
+                      <a:pPr>
+                        <a:lnSpc>
+                          <a:spcPct val="107000"/>
+                        </a:lnSpc>
+                        <a:spcAft>
+                          <a:spcPts val="800"/>
+                        </a:spcAft>
+                        <a:buNone/>
+                      </a:pPr>
+                      <a:r>
+                        <a:rPr lang="en-IN" sz="2400" kern="100">
+                          <a:effectLst/>
+                        </a:rPr>
+                        <a:t>Promises</a:t>
+                      </a:r>
+                      <a:endParaRPr lang="en-IN" sz="2400" kern="100">
+                        <a:effectLst/>
+                        <a:latin typeface="Aptos" panose="020B0004020202020204" pitchFamily="34" charset="0"/>
+                        <a:ea typeface="Aptos" panose="020B0004020202020204" pitchFamily="34" charset="0"/>
+                        <a:cs typeface="Tunga" panose="020B0502040204020203" pitchFamily="34" charset="0"/>
+                      </a:endParaRPr>
+                    </a:p>
+                  </a:txBody>
+                  <a:tcPr marL="68580" marR="68580" marT="0" marB="0"/>
+                </a:tc>
+                <a:extLst>
+                  <a:ext uri="{0D108BD9-81ED-4DB2-BD59-A6C34878D82A}">
+                    <a16:rowId xmlns:a16="http://schemas.microsoft.com/office/drawing/2014/main" val="1209568127"/>
+                  </a:ext>
+                </a:extLst>
+              </a:tr>
+              <a:tr h="285109">
+                <a:tc>
+                  <a:txBody>
+                    <a:bodyPr/>
+                    <a:lstStyle/>
+                    <a:p>
+                      <a:pPr>
+                        <a:lnSpc>
+                          <a:spcPct val="107000"/>
+                        </a:lnSpc>
+                        <a:spcAft>
+                          <a:spcPts val="800"/>
+                        </a:spcAft>
+                        <a:buNone/>
+                      </a:pPr>
+                      <a:r>
+                        <a:rPr lang="en-IN" sz="2400" kern="100" dirty="0">
+                          <a:effectLst/>
+                        </a:rPr>
+                        <a:t>Callback Hell (nested callbacks)</a:t>
+                      </a:r>
+                      <a:endParaRPr lang="en-IN" sz="2400" kern="100" dirty="0">
+                        <a:effectLst/>
+                        <a:latin typeface="Aptos" panose="020B0004020202020204" pitchFamily="34" charset="0"/>
+                        <a:ea typeface="Aptos" panose="020B0004020202020204" pitchFamily="34" charset="0"/>
+                        <a:cs typeface="Tunga" panose="020B0502040204020203" pitchFamily="34" charset="0"/>
+                      </a:endParaRPr>
+                    </a:p>
+                  </a:txBody>
+                  <a:tcPr marL="68580" marR="68580" marT="0" marB="0"/>
+                </a:tc>
+                <a:tc>
+                  <a:txBody>
+                    <a:bodyPr/>
+                    <a:lstStyle/>
+                    <a:p>
+                      <a:pPr>
+                        <a:lnSpc>
+                          <a:spcPct val="107000"/>
+                        </a:lnSpc>
+                        <a:spcAft>
+                          <a:spcPts val="800"/>
+                        </a:spcAft>
+                        <a:buNone/>
+                      </a:pPr>
+                      <a:r>
+                        <a:rPr lang="en-IN" sz="2400" kern="100">
+                          <a:effectLst/>
+                        </a:rPr>
+                        <a:t>Cleaner, flatter .then() chaining</a:t>
+                      </a:r>
+                      <a:endParaRPr lang="en-IN" sz="2400" kern="100">
+                        <a:effectLst/>
+                        <a:latin typeface="Aptos" panose="020B0004020202020204" pitchFamily="34" charset="0"/>
+                        <a:ea typeface="Aptos" panose="020B0004020202020204" pitchFamily="34" charset="0"/>
+                        <a:cs typeface="Tunga" panose="020B0502040204020203" pitchFamily="34" charset="0"/>
+                      </a:endParaRPr>
+                    </a:p>
+                  </a:txBody>
+                  <a:tcPr marL="68580" marR="68580" marT="0" marB="0"/>
+                </a:tc>
+                <a:extLst>
+                  <a:ext uri="{0D108BD9-81ED-4DB2-BD59-A6C34878D82A}">
+                    <a16:rowId xmlns:a16="http://schemas.microsoft.com/office/drawing/2014/main" val="2512979579"/>
+                  </a:ext>
+                </a:extLst>
+              </a:tr>
+              <a:tr h="285109">
+                <a:tc>
+                  <a:txBody>
+                    <a:bodyPr/>
+                    <a:lstStyle/>
+                    <a:p>
+                      <a:pPr>
+                        <a:lnSpc>
+                          <a:spcPct val="107000"/>
+                        </a:lnSpc>
+                        <a:spcAft>
+                          <a:spcPts val="800"/>
+                        </a:spcAft>
+                        <a:buNone/>
+                      </a:pPr>
+                      <a:r>
+                        <a:rPr lang="en-IN" sz="2400" kern="100">
+                          <a:effectLst/>
+                        </a:rPr>
+                        <a:t>Harder to read</a:t>
+                      </a:r>
+                      <a:endParaRPr lang="en-IN" sz="2400" kern="100">
+                        <a:effectLst/>
+                        <a:latin typeface="Aptos" panose="020B0004020202020204" pitchFamily="34" charset="0"/>
+                        <a:ea typeface="Aptos" panose="020B0004020202020204" pitchFamily="34" charset="0"/>
+                        <a:cs typeface="Tunga" panose="020B0502040204020203" pitchFamily="34" charset="0"/>
+                      </a:endParaRPr>
+                    </a:p>
+                  </a:txBody>
+                  <a:tcPr marL="68580" marR="68580" marT="0" marB="0"/>
+                </a:tc>
+                <a:tc>
+                  <a:txBody>
+                    <a:bodyPr/>
+                    <a:lstStyle/>
+                    <a:p>
+                      <a:pPr>
+                        <a:lnSpc>
+                          <a:spcPct val="107000"/>
+                        </a:lnSpc>
+                        <a:spcAft>
+                          <a:spcPts val="800"/>
+                        </a:spcAft>
+                        <a:buNone/>
+                      </a:pPr>
+                      <a:r>
+                        <a:rPr lang="en-IN" sz="2400" kern="100">
+                          <a:effectLst/>
+                        </a:rPr>
+                        <a:t>Easier to follow and debug</a:t>
+                      </a:r>
+                      <a:endParaRPr lang="en-IN" sz="2400" kern="100">
+                        <a:effectLst/>
+                        <a:latin typeface="Aptos" panose="020B0004020202020204" pitchFamily="34" charset="0"/>
+                        <a:ea typeface="Aptos" panose="020B0004020202020204" pitchFamily="34" charset="0"/>
+                        <a:cs typeface="Tunga" panose="020B0502040204020203" pitchFamily="34" charset="0"/>
+                      </a:endParaRPr>
+                    </a:p>
+                  </a:txBody>
+                  <a:tcPr marL="68580" marR="68580" marT="0" marB="0"/>
+                </a:tc>
+                <a:extLst>
+                  <a:ext uri="{0D108BD9-81ED-4DB2-BD59-A6C34878D82A}">
+                    <a16:rowId xmlns:a16="http://schemas.microsoft.com/office/drawing/2014/main" val="102743312"/>
+                  </a:ext>
+                </a:extLst>
+              </a:tr>
+              <a:tr h="285109">
+                <a:tc>
+                  <a:txBody>
+                    <a:bodyPr/>
+                    <a:lstStyle/>
+                    <a:p>
+                      <a:pPr>
+                        <a:lnSpc>
+                          <a:spcPct val="107000"/>
+                        </a:lnSpc>
+                        <a:spcAft>
+                          <a:spcPts val="800"/>
+                        </a:spcAft>
+                        <a:buNone/>
+                      </a:pPr>
+                      <a:r>
+                        <a:rPr lang="en-IN" sz="2400" kern="100" dirty="0">
+                          <a:effectLst/>
+                        </a:rPr>
+                        <a:t>No built-in error handling</a:t>
+                      </a:r>
+                      <a:endParaRPr lang="en-IN" sz="2400" kern="100" dirty="0">
+                        <a:effectLst/>
+                        <a:latin typeface="Aptos" panose="020B0004020202020204" pitchFamily="34" charset="0"/>
+                        <a:ea typeface="Aptos" panose="020B0004020202020204" pitchFamily="34" charset="0"/>
+                        <a:cs typeface="Tunga" panose="020B0502040204020203" pitchFamily="34" charset="0"/>
+                      </a:endParaRPr>
+                    </a:p>
+                  </a:txBody>
+                  <a:tcPr marL="68580" marR="68580" marT="0" marB="0"/>
+                </a:tc>
+                <a:tc>
+                  <a:txBody>
+                    <a:bodyPr/>
+                    <a:lstStyle/>
+                    <a:p>
+                      <a:pPr>
+                        <a:lnSpc>
+                          <a:spcPct val="107000"/>
+                        </a:lnSpc>
+                        <a:spcAft>
+                          <a:spcPts val="800"/>
+                        </a:spcAft>
+                        <a:buNone/>
+                      </a:pPr>
+                      <a:r>
+                        <a:rPr lang="en-IN" sz="2400" kern="100" dirty="0">
+                          <a:effectLst/>
+                        </a:rPr>
+                        <a:t>.catch() makes error handling easier</a:t>
+                      </a:r>
+                      <a:endParaRPr lang="en-IN" sz="2400" kern="100" dirty="0">
+                        <a:effectLst/>
+                        <a:latin typeface="Aptos" panose="020B0004020202020204" pitchFamily="34" charset="0"/>
+                        <a:ea typeface="Aptos" panose="020B0004020202020204" pitchFamily="34" charset="0"/>
+                        <a:cs typeface="Tunga" panose="020B0502040204020203" pitchFamily="34" charset="0"/>
+                      </a:endParaRPr>
+                    </a:p>
+                  </a:txBody>
+                  <a:tcPr marL="68580" marR="68580" marT="0" marB="0"/>
+                </a:tc>
+                <a:extLst>
+                  <a:ext uri="{0D108BD9-81ED-4DB2-BD59-A6C34878D82A}">
+                    <a16:rowId xmlns:a16="http://schemas.microsoft.com/office/drawing/2014/main" val="1194682100"/>
+                  </a:ext>
+                </a:extLst>
+              </a:tr>
+            </a:tbl>
+          </a:graphicData>
+        </a:graphic>
+      </p:graphicFrame>
+    </p:spTree>
+    <p:extLst>
+      <p:ext uri="{BB962C8B-B14F-4D97-AF65-F5344CB8AC3E}">
+        <p14:creationId xmlns:p14="http://schemas.microsoft.com/office/powerpoint/2010/main" val="3857195804"/>
+      </p:ext>
+    </p:extLst>
+  </p:cSld>
+  <p:clrMapOvr>
+    <a:masterClrMapping/>
+  </p:clrMapOvr>
+</p:sld>
+</file>
+
+<file path=ppt/slides/slide78.xml><?xml version="1.0" encoding="utf-8"?>
+<p:sld xmlns:a="http://schemas.openxmlformats.org/drawingml/2006/main" xmlns:r="http://schemas.openxmlformats.org/officeDocument/2006/relationships" xmlns:p="http://schemas.openxmlformats.org/presentationml/2006/main">
+  <p:cSld>
+    <p:spTree>
+      <p:nvGrpSpPr>
+        <p:cNvPr id="1" name="">
+          <a:extLst>
+            <a:ext uri="{FF2B5EF4-FFF2-40B4-BE49-F238E27FC236}">
+              <a16:creationId xmlns:a16="http://schemas.microsoft.com/office/drawing/2014/main" id="{1A0BF404-243B-557F-5F2C-E6A4DC5FD183}"/>
+            </a:ext>
+          </a:extLst>
+        </p:cNvPr>
+        <p:cNvGrpSpPr/>
+        <p:nvPr/>
+      </p:nvGrpSpPr>
+      <p:grpSpPr>
+        <a:xfrm>
+          <a:off x="0" y="0"/>
+          <a:ext cx="0" cy="0"/>
+          <a:chOff x="0" y="0"/>
+          <a:chExt cx="0" cy="0"/>
+        </a:xfrm>
+      </p:grpSpPr>
+      <p:sp>
+        <p:nvSpPr>
+          <p:cNvPr id="3" name="Content Placeholder 2">
+            <a:extLst>
+              <a:ext uri="{FF2B5EF4-FFF2-40B4-BE49-F238E27FC236}">
+                <a16:creationId xmlns:a16="http://schemas.microsoft.com/office/drawing/2014/main" id="{17237930-CD5F-FDF6-528A-58C7536B3174}"/>
+              </a:ext>
+            </a:extLst>
+          </p:cNvPr>
+          <p:cNvSpPr>
+            <a:spLocks noGrp="1"/>
+          </p:cNvSpPr>
+          <p:nvPr>
+            <p:ph idx="1"/>
+          </p:nvPr>
+        </p:nvSpPr>
+        <p:spPr>
+          <a:xfrm>
+            <a:off x="777240" y="696686"/>
+            <a:ext cx="10659110" cy="5480277"/>
+          </a:xfrm>
+        </p:spPr>
+        <p:txBody>
+          <a:bodyPr>
+            <a:normAutofit/>
+          </a:bodyPr>
+          <a:lstStyle/>
+          <a:p>
+            <a:pPr marL="0" indent="0">
+              <a:buNone/>
+            </a:pPr>
+            <a:endParaRPr lang="en-IN" sz="2400" dirty="0"/>
+          </a:p>
+        </p:txBody>
+      </p:sp>
+    </p:spTree>
+    <p:extLst>
+      <p:ext uri="{BB962C8B-B14F-4D97-AF65-F5344CB8AC3E}">
+        <p14:creationId xmlns:p14="http://schemas.microsoft.com/office/powerpoint/2010/main" val="2663992815"/>
+      </p:ext>
+    </p:extLst>
+  </p:cSld>
+  <p:clrMapOvr>
+    <a:masterClrMapping/>
+  </p:clrMapOvr>
+</p:sld>
+</file>
+
+<file path=ppt/slides/slide79.xml><?xml version="1.0" encoding="utf-8"?>
+<p:sld xmlns:a="http://schemas.openxmlformats.org/drawingml/2006/main" xmlns:r="http://schemas.openxmlformats.org/officeDocument/2006/relationships" xmlns:p="http://schemas.openxmlformats.org/presentationml/2006/main">
+  <p:cSld>
+    <p:spTree>
+      <p:nvGrpSpPr>
+        <p:cNvPr id="1" name="">
+          <a:extLst>
+            <a:ext uri="{FF2B5EF4-FFF2-40B4-BE49-F238E27FC236}">
+              <a16:creationId xmlns:a16="http://schemas.microsoft.com/office/drawing/2014/main" id="{D877E129-56D0-3BE7-A8F7-CE84BA4B6672}"/>
+            </a:ext>
+          </a:extLst>
+        </p:cNvPr>
+        <p:cNvGrpSpPr/>
+        <p:nvPr/>
+      </p:nvGrpSpPr>
+      <p:grpSpPr>
+        <a:xfrm>
+          <a:off x="0" y="0"/>
+          <a:ext cx="0" cy="0"/>
+          <a:chOff x="0" y="0"/>
+          <a:chExt cx="0" cy="0"/>
+        </a:xfrm>
+      </p:grpSpPr>
+      <p:sp>
+        <p:nvSpPr>
+          <p:cNvPr id="3" name="Content Placeholder 2">
+            <a:extLst>
+              <a:ext uri="{FF2B5EF4-FFF2-40B4-BE49-F238E27FC236}">
+                <a16:creationId xmlns:a16="http://schemas.microsoft.com/office/drawing/2014/main" id="{A59EA076-B367-415A-06BA-57F3AC7A1E03}"/>
+              </a:ext>
+            </a:extLst>
+          </p:cNvPr>
+          <p:cNvSpPr>
+            <a:spLocks noGrp="1"/>
+          </p:cNvSpPr>
+          <p:nvPr>
+            <p:ph idx="1"/>
+          </p:nvPr>
+        </p:nvSpPr>
+        <p:spPr>
+          <a:xfrm>
+            <a:off x="777240" y="696686"/>
+            <a:ext cx="10659110" cy="5480277"/>
+          </a:xfrm>
+        </p:spPr>
+        <p:txBody>
+          <a:bodyPr>
+            <a:normAutofit/>
+          </a:bodyPr>
+          <a:lstStyle/>
+          <a:p>
+            <a:pPr marL="0" indent="0">
+              <a:buNone/>
+            </a:pPr>
+            <a:endParaRPr lang="en-IN" sz="2400" dirty="0"/>
+          </a:p>
+        </p:txBody>
+      </p:sp>
+    </p:spTree>
+    <p:extLst>
+      <p:ext uri="{BB962C8B-B14F-4D97-AF65-F5344CB8AC3E}">
+        <p14:creationId xmlns:p14="http://schemas.microsoft.com/office/powerpoint/2010/main" val="2304899071"/>
+      </p:ext>
+    </p:extLst>
+  </p:cSld>
+  <p:clrMapOvr>
+    <a:masterClrMapping/>
+  </p:clrMapOvr>
+</p:sld>
+</file>
+
 <file path=ppt/slides/slide8.xml><?xml version="1.0" encoding="utf-8"?>
 <p:sld xmlns:a="http://schemas.openxmlformats.org/drawingml/2006/main" xmlns:r="http://schemas.openxmlformats.org/officeDocument/2006/relationships" xmlns:p="http://schemas.openxmlformats.org/presentationml/2006/main">
   <p:cSld>
@@ -26916,6 +33626,77 @@
     <p:extLst>
       <p:ext uri="{BB962C8B-B14F-4D97-AF65-F5344CB8AC3E}">
         <p14:creationId xmlns:p14="http://schemas.microsoft.com/office/powerpoint/2010/main" val="2805087750"/>
+      </p:ext>
+    </p:extLst>
+  </p:cSld>
+  <p:clrMapOvr>
+    <a:masterClrMapping/>
+  </p:clrMapOvr>
+</p:sld>
+</file>
+
+<file path=ppt/slides/slide80.xml><?xml version="1.0" encoding="utf-8"?>
+<p:sld xmlns:a="http://schemas.openxmlformats.org/drawingml/2006/main" xmlns:r="http://schemas.openxmlformats.org/officeDocument/2006/relationships" xmlns:p="http://schemas.openxmlformats.org/presentationml/2006/main">
+  <p:cSld>
+    <p:spTree>
+      <p:nvGrpSpPr>
+        <p:cNvPr id="1" name="">
+          <a:extLst>
+            <a:ext uri="{FF2B5EF4-FFF2-40B4-BE49-F238E27FC236}">
+              <a16:creationId xmlns:a16="http://schemas.microsoft.com/office/drawing/2014/main" id="{CA18183F-6035-0A58-4A49-9D4731B5D64D}"/>
+            </a:ext>
+          </a:extLst>
+        </p:cNvPr>
+        <p:cNvGrpSpPr/>
+        <p:nvPr/>
+      </p:nvGrpSpPr>
+      <p:grpSpPr>
+        <a:xfrm>
+          <a:off x="0" y="0"/>
+          <a:ext cx="0" cy="0"/>
+          <a:chOff x="0" y="0"/>
+          <a:chExt cx="0" cy="0"/>
+        </a:xfrm>
+      </p:grpSpPr>
+      <p:sp>
+        <p:nvSpPr>
+          <p:cNvPr id="3" name="Content Placeholder 2">
+            <a:extLst>
+              <a:ext uri="{FF2B5EF4-FFF2-40B4-BE49-F238E27FC236}">
+                <a16:creationId xmlns:a16="http://schemas.microsoft.com/office/drawing/2014/main" id="{4FE833AD-1788-E192-0FC2-C1C654DC9BB0}"/>
+              </a:ext>
+            </a:extLst>
+          </p:cNvPr>
+          <p:cNvSpPr>
+            <a:spLocks noGrp="1"/>
+          </p:cNvSpPr>
+          <p:nvPr>
+            <p:ph idx="1"/>
+          </p:nvPr>
+        </p:nvSpPr>
+        <p:spPr>
+          <a:xfrm>
+            <a:off x="777240" y="696686"/>
+            <a:ext cx="10659110" cy="5480277"/>
+          </a:xfrm>
+        </p:spPr>
+        <p:txBody>
+          <a:bodyPr>
+            <a:normAutofit/>
+          </a:bodyPr>
+          <a:lstStyle/>
+          <a:p>
+            <a:pPr marL="0" indent="0">
+              <a:buNone/>
+            </a:pPr>
+            <a:endParaRPr lang="en-IN" sz="2400" dirty="0"/>
+          </a:p>
+        </p:txBody>
+      </p:sp>
+    </p:spTree>
+    <p:extLst>
+      <p:ext uri="{BB962C8B-B14F-4D97-AF65-F5344CB8AC3E}">
+        <p14:creationId xmlns:p14="http://schemas.microsoft.com/office/powerpoint/2010/main" val="3988330867"/>
       </p:ext>
     </p:extLst>
   </p:cSld>

--- a/Node.js-Hands-on-Workshop 2025.pptx
+++ b/Node.js-Hands-on-Workshop 2025.pptx
@@ -5,7 +5,7 @@
     <p:sldMasterId id="2147483710" r:id="rId1"/>
   </p:sldMasterIdLst>
   <p:notesMasterIdLst>
-    <p:notesMasterId r:id="rId82"/>
+    <p:notesMasterId r:id="rId80"/>
   </p:notesMasterIdLst>
   <p:sldIdLst>
     <p:sldId id="281" r:id="rId2"/>
@@ -86,8 +86,6 @@
     <p:sldId id="524" r:id="rId77"/>
     <p:sldId id="525" r:id="rId78"/>
     <p:sldId id="526" r:id="rId79"/>
-    <p:sldId id="527" r:id="rId80"/>
-    <p:sldId id="528" r:id="rId81"/>
   </p:sldIdLst>
   <p:sldSz cx="12192000" cy="6858000"/>
   <p:notesSz cx="6858000" cy="9144000"/>
@@ -9359,7 +9357,7 @@
               <a:buNone/>
             </a:pPr>
             <a:r>
-              <a:rPr lang="en-IN" sz="2400" b="1" dirty="0"/>
+              <a:rPr lang="en-IN" sz="2800" b="1" dirty="0"/>
               <a:t>What is Node.js :</a:t>
             </a:r>
           </a:p>
@@ -33321,77 +33319,6 @@
 </p:sld>
 </file>
 
-<file path=ppt/slides/slide79.xml><?xml version="1.0" encoding="utf-8"?>
-<p:sld xmlns:a="http://schemas.openxmlformats.org/drawingml/2006/main" xmlns:r="http://schemas.openxmlformats.org/officeDocument/2006/relationships" xmlns:p="http://schemas.openxmlformats.org/presentationml/2006/main">
-  <p:cSld>
-    <p:spTree>
-      <p:nvGrpSpPr>
-        <p:cNvPr id="1" name="">
-          <a:extLst>
-            <a:ext uri="{FF2B5EF4-FFF2-40B4-BE49-F238E27FC236}">
-              <a16:creationId xmlns:a16="http://schemas.microsoft.com/office/drawing/2014/main" id="{D877E129-56D0-3BE7-A8F7-CE84BA4B6672}"/>
-            </a:ext>
-          </a:extLst>
-        </p:cNvPr>
-        <p:cNvGrpSpPr/>
-        <p:nvPr/>
-      </p:nvGrpSpPr>
-      <p:grpSpPr>
-        <a:xfrm>
-          <a:off x="0" y="0"/>
-          <a:ext cx="0" cy="0"/>
-          <a:chOff x="0" y="0"/>
-          <a:chExt cx="0" cy="0"/>
-        </a:xfrm>
-      </p:grpSpPr>
-      <p:sp>
-        <p:nvSpPr>
-          <p:cNvPr id="3" name="Content Placeholder 2">
-            <a:extLst>
-              <a:ext uri="{FF2B5EF4-FFF2-40B4-BE49-F238E27FC236}">
-                <a16:creationId xmlns:a16="http://schemas.microsoft.com/office/drawing/2014/main" id="{A59EA076-B367-415A-06BA-57F3AC7A1E03}"/>
-              </a:ext>
-            </a:extLst>
-          </p:cNvPr>
-          <p:cNvSpPr>
-            <a:spLocks noGrp="1"/>
-          </p:cNvSpPr>
-          <p:nvPr>
-            <p:ph idx="1"/>
-          </p:nvPr>
-        </p:nvSpPr>
-        <p:spPr>
-          <a:xfrm>
-            <a:off x="777240" y="696686"/>
-            <a:ext cx="10659110" cy="5480277"/>
-          </a:xfrm>
-        </p:spPr>
-        <p:txBody>
-          <a:bodyPr>
-            <a:normAutofit/>
-          </a:bodyPr>
-          <a:lstStyle/>
-          <a:p>
-            <a:pPr marL="0" indent="0">
-              <a:buNone/>
-            </a:pPr>
-            <a:endParaRPr lang="en-IN" sz="2400" dirty="0"/>
-          </a:p>
-        </p:txBody>
-      </p:sp>
-    </p:spTree>
-    <p:extLst>
-      <p:ext uri="{BB962C8B-B14F-4D97-AF65-F5344CB8AC3E}">
-        <p14:creationId xmlns:p14="http://schemas.microsoft.com/office/powerpoint/2010/main" val="2304899071"/>
-      </p:ext>
-    </p:extLst>
-  </p:cSld>
-  <p:clrMapOvr>
-    <a:masterClrMapping/>
-  </p:clrMapOvr>
-</p:sld>
-</file>
-
 <file path=ppt/slides/slide8.xml><?xml version="1.0" encoding="utf-8"?>
 <p:sld xmlns:a="http://schemas.openxmlformats.org/drawingml/2006/main" xmlns:r="http://schemas.openxmlformats.org/officeDocument/2006/relationships" xmlns:p="http://schemas.openxmlformats.org/presentationml/2006/main">
   <p:cSld>
@@ -33626,77 +33553,6 @@
     <p:extLst>
       <p:ext uri="{BB962C8B-B14F-4D97-AF65-F5344CB8AC3E}">
         <p14:creationId xmlns:p14="http://schemas.microsoft.com/office/powerpoint/2010/main" val="2805087750"/>
-      </p:ext>
-    </p:extLst>
-  </p:cSld>
-  <p:clrMapOvr>
-    <a:masterClrMapping/>
-  </p:clrMapOvr>
-</p:sld>
-</file>
-
-<file path=ppt/slides/slide80.xml><?xml version="1.0" encoding="utf-8"?>
-<p:sld xmlns:a="http://schemas.openxmlformats.org/drawingml/2006/main" xmlns:r="http://schemas.openxmlformats.org/officeDocument/2006/relationships" xmlns:p="http://schemas.openxmlformats.org/presentationml/2006/main">
-  <p:cSld>
-    <p:spTree>
-      <p:nvGrpSpPr>
-        <p:cNvPr id="1" name="">
-          <a:extLst>
-            <a:ext uri="{FF2B5EF4-FFF2-40B4-BE49-F238E27FC236}">
-              <a16:creationId xmlns:a16="http://schemas.microsoft.com/office/drawing/2014/main" id="{CA18183F-6035-0A58-4A49-9D4731B5D64D}"/>
-            </a:ext>
-          </a:extLst>
-        </p:cNvPr>
-        <p:cNvGrpSpPr/>
-        <p:nvPr/>
-      </p:nvGrpSpPr>
-      <p:grpSpPr>
-        <a:xfrm>
-          <a:off x="0" y="0"/>
-          <a:ext cx="0" cy="0"/>
-          <a:chOff x="0" y="0"/>
-          <a:chExt cx="0" cy="0"/>
-        </a:xfrm>
-      </p:grpSpPr>
-      <p:sp>
-        <p:nvSpPr>
-          <p:cNvPr id="3" name="Content Placeholder 2">
-            <a:extLst>
-              <a:ext uri="{FF2B5EF4-FFF2-40B4-BE49-F238E27FC236}">
-                <a16:creationId xmlns:a16="http://schemas.microsoft.com/office/drawing/2014/main" id="{4FE833AD-1788-E192-0FC2-C1C654DC9BB0}"/>
-              </a:ext>
-            </a:extLst>
-          </p:cNvPr>
-          <p:cNvSpPr>
-            <a:spLocks noGrp="1"/>
-          </p:cNvSpPr>
-          <p:nvPr>
-            <p:ph idx="1"/>
-          </p:nvPr>
-        </p:nvSpPr>
-        <p:spPr>
-          <a:xfrm>
-            <a:off x="777240" y="696686"/>
-            <a:ext cx="10659110" cy="5480277"/>
-          </a:xfrm>
-        </p:spPr>
-        <p:txBody>
-          <a:bodyPr>
-            <a:normAutofit/>
-          </a:bodyPr>
-          <a:lstStyle/>
-          <a:p>
-            <a:pPr marL="0" indent="0">
-              <a:buNone/>
-            </a:pPr>
-            <a:endParaRPr lang="en-IN" sz="2400" dirty="0"/>
-          </a:p>
-        </p:txBody>
-      </p:sp>
-    </p:spTree>
-    <p:extLst>
-      <p:ext uri="{BB962C8B-B14F-4D97-AF65-F5344CB8AC3E}">
-        <p14:creationId xmlns:p14="http://schemas.microsoft.com/office/powerpoint/2010/main" val="3988330867"/>
       </p:ext>
     </p:extLst>
   </p:cSld>
